--- a/Nullability and Pattern Matching.pptx
+++ b/Nullability and Pattern Matching.pptx
@@ -6,7 +6,17 @@
   </p:sldMasterIdLst>
   <p:sldIdLst>
     <p:sldId id="256" r:id="rId2"/>
-    <p:sldId id="257" r:id="rId3"/>
+    <p:sldId id="260" r:id="rId3"/>
+    <p:sldId id="258" r:id="rId4"/>
+    <p:sldId id="263" r:id="rId5"/>
+    <p:sldId id="259" r:id="rId6"/>
+    <p:sldId id="264" r:id="rId7"/>
+    <p:sldId id="257" r:id="rId8"/>
+    <p:sldId id="262" r:id="rId9"/>
+    <p:sldId id="261" r:id="rId10"/>
+    <p:sldId id="265" r:id="rId11"/>
+    <p:sldId id="266" r:id="rId12"/>
+    <p:sldId id="267" r:id="rId13"/>
   </p:sldIdLst>
   <p:sldSz cx="12192000" cy="6858000"/>
   <p:notesSz cx="6858000" cy="9144000"/>
@@ -105,11 +115,293 @@
       </a:defRPr>
     </a:lvl9pPr>
   </p:defaultTextStyle>
+  <p:extLst>
+    <p:ext uri="{EFAFB233-063F-42B5-8137-9DF3F51BA10A}">
+      <p15:sldGuideLst xmlns:p15="http://schemas.microsoft.com/office/powerpoint/2012/main"/>
+    </p:ext>
+  </p:extLst>
 </p:presentation>
+</file>
+
+<file path=ppt/revisionInfo.xml><?xml version="1.0" encoding="utf-8"?>
+<p1510:revInfo xmlns:a="http://schemas.openxmlformats.org/drawingml/2006/main" xmlns:r="http://schemas.openxmlformats.org/officeDocument/2006/relationships" xmlns:p1510="http://schemas.microsoft.com/office/powerpoint/2015/10/main">
+  <p1510:revLst>
+    <p1510:client id="{E9C26C98-DF0A-41A1-9F8C-982CDF906D42}" v="14" dt="2021-03-27T05:20:52.969"/>
+  </p1510:revLst>
+</p1510:revInfo>
 </file>
 
 <file path=ppt/changesInfos/changesInfo1.xml><?xml version="1.0" encoding="utf-8"?>
 <pc:chgInfo xmlns:a="http://schemas.openxmlformats.org/drawingml/2006/main" xmlns:r="http://schemas.openxmlformats.org/officeDocument/2006/relationships" xmlns:ac="http://schemas.microsoft.com/office/drawing/2013/main/command" xmlns:pc="http://schemas.microsoft.com/office/powerpoint/2013/main/command">
+  <pc:docChgLst>
+    <pc:chgData name="Benjamin Michaelis" userId="047d050af9d747a3" providerId="LiveId" clId="{E9C26C98-DF0A-41A1-9F8C-982CDF906D42}"/>
+    <pc:docChg chg="undo custSel addSld delSld modSld">
+      <pc:chgData name="Benjamin Michaelis" userId="047d050af9d747a3" providerId="LiveId" clId="{E9C26C98-DF0A-41A1-9F8C-982CDF906D42}" dt="2021-03-27T06:04:10.747" v="1582" actId="20577"/>
+      <pc:docMkLst>
+        <pc:docMk/>
+      </pc:docMkLst>
+      <pc:sldChg chg="addSp delSp modSp mod">
+        <pc:chgData name="Benjamin Michaelis" userId="047d050af9d747a3" providerId="LiveId" clId="{E9C26C98-DF0A-41A1-9F8C-982CDF906D42}" dt="2021-03-27T05:32:17.086" v="1310" actId="20577"/>
+        <pc:sldMkLst>
+          <pc:docMk/>
+          <pc:sldMk cId="3268341817" sldId="257"/>
+        </pc:sldMkLst>
+        <pc:spChg chg="mod">
+          <ac:chgData name="Benjamin Michaelis" userId="047d050af9d747a3" providerId="LiveId" clId="{E9C26C98-DF0A-41A1-9F8C-982CDF906D42}" dt="2021-03-27T05:14:42.510" v="627" actId="20577"/>
+          <ac:spMkLst>
+            <pc:docMk/>
+            <pc:sldMk cId="3268341817" sldId="257"/>
+            <ac:spMk id="2" creationId="{8E2484BB-30AE-49CF-B13F-24A81AC46484}"/>
+          </ac:spMkLst>
+        </pc:spChg>
+        <pc:spChg chg="mod">
+          <ac:chgData name="Benjamin Michaelis" userId="047d050af9d747a3" providerId="LiveId" clId="{E9C26C98-DF0A-41A1-9F8C-982CDF906D42}" dt="2021-03-27T05:32:17.086" v="1310" actId="20577"/>
+          <ac:spMkLst>
+            <pc:docMk/>
+            <pc:sldMk cId="3268341817" sldId="257"/>
+            <ac:spMk id="3" creationId="{5E6087FD-A9F0-437C-982C-0DE663F327A0}"/>
+          </ac:spMkLst>
+        </pc:spChg>
+        <pc:spChg chg="add del">
+          <ac:chgData name="Benjamin Michaelis" userId="047d050af9d747a3" providerId="LiveId" clId="{E9C26C98-DF0A-41A1-9F8C-982CDF906D42}" dt="2021-03-27T05:10:32.946" v="394"/>
+          <ac:spMkLst>
+            <pc:docMk/>
+            <pc:sldMk cId="3268341817" sldId="257"/>
+            <ac:spMk id="4" creationId="{EB4F4167-07B2-49AD-B863-46194BF281B2}"/>
+          </ac:spMkLst>
+        </pc:spChg>
+      </pc:sldChg>
+      <pc:sldChg chg="addSp delSp modSp new mod">
+        <pc:chgData name="Benjamin Michaelis" userId="047d050af9d747a3" providerId="LiveId" clId="{E9C26C98-DF0A-41A1-9F8C-982CDF906D42}" dt="2021-03-27T05:53:39.284" v="1395" actId="20577"/>
+        <pc:sldMkLst>
+          <pc:docMk/>
+          <pc:sldMk cId="2235926313" sldId="258"/>
+        </pc:sldMkLst>
+        <pc:spChg chg="mod">
+          <ac:chgData name="Benjamin Michaelis" userId="047d050af9d747a3" providerId="LiveId" clId="{E9C26C98-DF0A-41A1-9F8C-982CDF906D42}" dt="2021-03-27T05:12:30.092" v="477" actId="20577"/>
+          <ac:spMkLst>
+            <pc:docMk/>
+            <pc:sldMk cId="2235926313" sldId="258"/>
+            <ac:spMk id="2" creationId="{A0BD10A4-536C-4567-A84B-A1BC866664C1}"/>
+          </ac:spMkLst>
+        </pc:spChg>
+        <pc:spChg chg="mod">
+          <ac:chgData name="Benjamin Michaelis" userId="047d050af9d747a3" providerId="LiveId" clId="{E9C26C98-DF0A-41A1-9F8C-982CDF906D42}" dt="2021-03-27T05:53:39.284" v="1395" actId="20577"/>
+          <ac:spMkLst>
+            <pc:docMk/>
+            <pc:sldMk cId="2235926313" sldId="258"/>
+            <ac:spMk id="3" creationId="{A6310C60-4DBF-458F-8A5B-A162E7FB33A8}"/>
+          </ac:spMkLst>
+        </pc:spChg>
+        <pc:spChg chg="add del">
+          <ac:chgData name="Benjamin Michaelis" userId="047d050af9d747a3" providerId="LiveId" clId="{E9C26C98-DF0A-41A1-9F8C-982CDF906D42}" dt="2021-03-27T05:04:45.164" v="228"/>
+          <ac:spMkLst>
+            <pc:docMk/>
+            <pc:sldMk cId="2235926313" sldId="258"/>
+            <ac:spMk id="4" creationId="{9CCC75BD-491F-4F90-81AC-D740BE5E1A76}"/>
+          </ac:spMkLst>
+        </pc:spChg>
+        <pc:spChg chg="add del">
+          <ac:chgData name="Benjamin Michaelis" userId="047d050af9d747a3" providerId="LiveId" clId="{E9C26C98-DF0A-41A1-9F8C-982CDF906D42}" dt="2021-03-27T05:04:47.695" v="230"/>
+          <ac:spMkLst>
+            <pc:docMk/>
+            <pc:sldMk cId="2235926313" sldId="258"/>
+            <ac:spMk id="5" creationId="{B948115D-1323-4E51-A13B-F186FAB1EEE5}"/>
+          </ac:spMkLst>
+        </pc:spChg>
+      </pc:sldChg>
+      <pc:sldChg chg="modSp new mod">
+        <pc:chgData name="Benjamin Michaelis" userId="047d050af9d747a3" providerId="LiveId" clId="{E9C26C98-DF0A-41A1-9F8C-982CDF906D42}" dt="2021-03-27T05:56:28.492" v="1461" actId="21"/>
+        <pc:sldMkLst>
+          <pc:docMk/>
+          <pc:sldMk cId="1761299376" sldId="259"/>
+        </pc:sldMkLst>
+        <pc:spChg chg="mod">
+          <ac:chgData name="Benjamin Michaelis" userId="047d050af9d747a3" providerId="LiveId" clId="{E9C26C98-DF0A-41A1-9F8C-982CDF906D42}" dt="2021-03-27T05:12:26.303" v="476" actId="20577"/>
+          <ac:spMkLst>
+            <pc:docMk/>
+            <pc:sldMk cId="1761299376" sldId="259"/>
+            <ac:spMk id="2" creationId="{7833FD6B-B85A-40C6-987E-2A7C562E0DFB}"/>
+          </ac:spMkLst>
+        </pc:spChg>
+        <pc:spChg chg="mod">
+          <ac:chgData name="Benjamin Michaelis" userId="047d050af9d747a3" providerId="LiveId" clId="{E9C26C98-DF0A-41A1-9F8C-982CDF906D42}" dt="2021-03-27T05:56:28.492" v="1461" actId="21"/>
+          <ac:spMkLst>
+            <pc:docMk/>
+            <pc:sldMk cId="1761299376" sldId="259"/>
+            <ac:spMk id="3" creationId="{8D63D492-7BE7-4E60-B0C3-BD370D7C66BD}"/>
+          </ac:spMkLst>
+        </pc:spChg>
+      </pc:sldChg>
+      <pc:sldChg chg="modSp new del mod">
+        <pc:chgData name="Benjamin Michaelis" userId="047d050af9d747a3" providerId="LiveId" clId="{E9C26C98-DF0A-41A1-9F8C-982CDF906D42}" dt="2021-03-27T05:17:31.210" v="678" actId="47"/>
+        <pc:sldMkLst>
+          <pc:docMk/>
+          <pc:sldMk cId="2502764520" sldId="260"/>
+        </pc:sldMkLst>
+        <pc:spChg chg="mod">
+          <ac:chgData name="Benjamin Michaelis" userId="047d050af9d747a3" providerId="LiveId" clId="{E9C26C98-DF0A-41A1-9F8C-982CDF906D42}" dt="2021-03-27T05:17:29.579" v="677" actId="20577"/>
+          <ac:spMkLst>
+            <pc:docMk/>
+            <pc:sldMk cId="2502764520" sldId="260"/>
+            <ac:spMk id="2" creationId="{9FFE4798-FC2B-4749-8BB6-0CDF6CEFC08A}"/>
+          </ac:spMkLst>
+        </pc:spChg>
+      </pc:sldChg>
+      <pc:sldChg chg="modSp new mod">
+        <pc:chgData name="Benjamin Michaelis" userId="047d050af9d747a3" providerId="LiveId" clId="{E9C26C98-DF0A-41A1-9F8C-982CDF906D42}" dt="2021-03-27T05:30:04.615" v="1285" actId="403"/>
+        <pc:sldMkLst>
+          <pc:docMk/>
+          <pc:sldMk cId="2953954537" sldId="260"/>
+        </pc:sldMkLst>
+        <pc:spChg chg="mod">
+          <ac:chgData name="Benjamin Michaelis" userId="047d050af9d747a3" providerId="LiveId" clId="{E9C26C98-DF0A-41A1-9F8C-982CDF906D42}" dt="2021-03-27T05:17:43.606" v="725" actId="20577"/>
+          <ac:spMkLst>
+            <pc:docMk/>
+            <pc:sldMk cId="2953954537" sldId="260"/>
+            <ac:spMk id="2" creationId="{2A7125D5-E513-4965-ABD8-20A16F4EF4AD}"/>
+          </ac:spMkLst>
+        </pc:spChg>
+        <pc:spChg chg="mod">
+          <ac:chgData name="Benjamin Michaelis" userId="047d050af9d747a3" providerId="LiveId" clId="{E9C26C98-DF0A-41A1-9F8C-982CDF906D42}" dt="2021-03-27T05:30:04.615" v="1285" actId="403"/>
+          <ac:spMkLst>
+            <pc:docMk/>
+            <pc:sldMk cId="2953954537" sldId="260"/>
+            <ac:spMk id="3" creationId="{B85D6BFC-0B1C-4DF5-918C-631E141B4ABC}"/>
+          </ac:spMkLst>
+        </pc:spChg>
+      </pc:sldChg>
+      <pc:sldChg chg="modSp add mod">
+        <pc:chgData name="Benjamin Michaelis" userId="047d050af9d747a3" providerId="LiveId" clId="{E9C26C98-DF0A-41A1-9F8C-982CDF906D42}" dt="2021-03-27T05:24:16.708" v="1086" actId="403"/>
+        <pc:sldMkLst>
+          <pc:docMk/>
+          <pc:sldMk cId="186704419" sldId="261"/>
+        </pc:sldMkLst>
+        <pc:spChg chg="mod">
+          <ac:chgData name="Benjamin Michaelis" userId="047d050af9d747a3" providerId="LiveId" clId="{E9C26C98-DF0A-41A1-9F8C-982CDF906D42}" dt="2021-03-27T05:24:16.708" v="1086" actId="403"/>
+          <ac:spMkLst>
+            <pc:docMk/>
+            <pc:sldMk cId="186704419" sldId="261"/>
+            <ac:spMk id="3" creationId="{5E6087FD-A9F0-437C-982C-0DE663F327A0}"/>
+          </ac:spMkLst>
+        </pc:spChg>
+      </pc:sldChg>
+      <pc:sldChg chg="modSp add mod">
+        <pc:chgData name="Benjamin Michaelis" userId="047d050af9d747a3" providerId="LiveId" clId="{E9C26C98-DF0A-41A1-9F8C-982CDF906D42}" dt="2021-03-27T05:28:13.248" v="1272"/>
+        <pc:sldMkLst>
+          <pc:docMk/>
+          <pc:sldMk cId="2739618691" sldId="262"/>
+        </pc:sldMkLst>
+        <pc:spChg chg="mod">
+          <ac:chgData name="Benjamin Michaelis" userId="047d050af9d747a3" providerId="LiveId" clId="{E9C26C98-DF0A-41A1-9F8C-982CDF906D42}" dt="2021-03-27T05:28:13.248" v="1272"/>
+          <ac:spMkLst>
+            <pc:docMk/>
+            <pc:sldMk cId="2739618691" sldId="262"/>
+            <ac:spMk id="3" creationId="{5E6087FD-A9F0-437C-982C-0DE663F327A0}"/>
+          </ac:spMkLst>
+        </pc:spChg>
+      </pc:sldChg>
+      <pc:sldChg chg="modSp add mod">
+        <pc:chgData name="Benjamin Michaelis" userId="047d050af9d747a3" providerId="LiveId" clId="{E9C26C98-DF0A-41A1-9F8C-982CDF906D42}" dt="2021-03-27T05:56:13.016" v="1460" actId="20577"/>
+        <pc:sldMkLst>
+          <pc:docMk/>
+          <pc:sldMk cId="2681204170" sldId="263"/>
+        </pc:sldMkLst>
+        <pc:spChg chg="mod">
+          <ac:chgData name="Benjamin Michaelis" userId="047d050af9d747a3" providerId="LiveId" clId="{E9C26C98-DF0A-41A1-9F8C-982CDF906D42}" dt="2021-03-27T05:52:01.867" v="1340" actId="20577"/>
+          <ac:spMkLst>
+            <pc:docMk/>
+            <pc:sldMk cId="2681204170" sldId="263"/>
+            <ac:spMk id="2" creationId="{A0BD10A4-536C-4567-A84B-A1BC866664C1}"/>
+          </ac:spMkLst>
+        </pc:spChg>
+        <pc:spChg chg="mod">
+          <ac:chgData name="Benjamin Michaelis" userId="047d050af9d747a3" providerId="LiveId" clId="{E9C26C98-DF0A-41A1-9F8C-982CDF906D42}" dt="2021-03-27T05:56:13.016" v="1460" actId="20577"/>
+          <ac:spMkLst>
+            <pc:docMk/>
+            <pc:sldMk cId="2681204170" sldId="263"/>
+            <ac:spMk id="3" creationId="{A6310C60-4DBF-458F-8A5B-A162E7FB33A8}"/>
+          </ac:spMkLst>
+        </pc:spChg>
+      </pc:sldChg>
+      <pc:sldChg chg="modSp add mod">
+        <pc:chgData name="Benjamin Michaelis" userId="047d050af9d747a3" providerId="LiveId" clId="{E9C26C98-DF0A-41A1-9F8C-982CDF906D42}" dt="2021-03-27T05:57:42.751" v="1491" actId="20577"/>
+        <pc:sldMkLst>
+          <pc:docMk/>
+          <pc:sldMk cId="3020810310" sldId="264"/>
+        </pc:sldMkLst>
+        <pc:spChg chg="mod">
+          <ac:chgData name="Benjamin Michaelis" userId="047d050af9d747a3" providerId="LiveId" clId="{E9C26C98-DF0A-41A1-9F8C-982CDF906D42}" dt="2021-03-27T05:56:37.614" v="1471" actId="20577"/>
+          <ac:spMkLst>
+            <pc:docMk/>
+            <pc:sldMk cId="3020810310" sldId="264"/>
+            <ac:spMk id="2" creationId="{7833FD6B-B85A-40C6-987E-2A7C562E0DFB}"/>
+          </ac:spMkLst>
+        </pc:spChg>
+        <pc:spChg chg="mod">
+          <ac:chgData name="Benjamin Michaelis" userId="047d050af9d747a3" providerId="LiveId" clId="{E9C26C98-DF0A-41A1-9F8C-982CDF906D42}" dt="2021-03-27T05:57:42.751" v="1491" actId="20577"/>
+          <ac:spMkLst>
+            <pc:docMk/>
+            <pc:sldMk cId="3020810310" sldId="264"/>
+            <ac:spMk id="3" creationId="{8D63D492-7BE7-4E60-B0C3-BD370D7C66BD}"/>
+          </ac:spMkLst>
+        </pc:spChg>
+      </pc:sldChg>
+      <pc:sldChg chg="modSp new mod">
+        <pc:chgData name="Benjamin Michaelis" userId="047d050af9d747a3" providerId="LiveId" clId="{E9C26C98-DF0A-41A1-9F8C-982CDF906D42}" dt="2021-03-27T06:04:10.747" v="1582" actId="20577"/>
+        <pc:sldMkLst>
+          <pc:docMk/>
+          <pc:sldMk cId="2901066272" sldId="265"/>
+        </pc:sldMkLst>
+        <pc:spChg chg="mod">
+          <ac:chgData name="Benjamin Michaelis" userId="047d050af9d747a3" providerId="LiveId" clId="{E9C26C98-DF0A-41A1-9F8C-982CDF906D42}" dt="2021-03-27T06:01:36.500" v="1534" actId="20577"/>
+          <ac:spMkLst>
+            <pc:docMk/>
+            <pc:sldMk cId="2901066272" sldId="265"/>
+            <ac:spMk id="2" creationId="{C09132CF-994E-437A-ABB7-14B3F72673EF}"/>
+          </ac:spMkLst>
+        </pc:spChg>
+        <pc:spChg chg="mod">
+          <ac:chgData name="Benjamin Michaelis" userId="047d050af9d747a3" providerId="LiveId" clId="{E9C26C98-DF0A-41A1-9F8C-982CDF906D42}" dt="2021-03-27T06:04:10.747" v="1582" actId="20577"/>
+          <ac:spMkLst>
+            <pc:docMk/>
+            <pc:sldMk cId="2901066272" sldId="265"/>
+            <ac:spMk id="3" creationId="{37A151B1-D43B-4DEB-95F4-5213D7FD14E7}"/>
+          </ac:spMkLst>
+        </pc:spChg>
+      </pc:sldChg>
+      <pc:sldChg chg="modSp add mod">
+        <pc:chgData name="Benjamin Michaelis" userId="047d050af9d747a3" providerId="LiveId" clId="{E9C26C98-DF0A-41A1-9F8C-982CDF906D42}" dt="2021-03-27T06:03:56.766" v="1577" actId="20577"/>
+        <pc:sldMkLst>
+          <pc:docMk/>
+          <pc:sldMk cId="2191981442" sldId="266"/>
+        </pc:sldMkLst>
+        <pc:spChg chg="mod">
+          <ac:chgData name="Benjamin Michaelis" userId="047d050af9d747a3" providerId="LiveId" clId="{E9C26C98-DF0A-41A1-9F8C-982CDF906D42}" dt="2021-03-27T06:03:56.766" v="1577" actId="20577"/>
+          <ac:spMkLst>
+            <pc:docMk/>
+            <pc:sldMk cId="2191981442" sldId="266"/>
+            <ac:spMk id="3" creationId="{37A151B1-D43B-4DEB-95F4-5213D7FD14E7}"/>
+          </ac:spMkLst>
+        </pc:spChg>
+      </pc:sldChg>
+      <pc:sldChg chg="modSp add mod">
+        <pc:chgData name="Benjamin Michaelis" userId="047d050af9d747a3" providerId="LiveId" clId="{E9C26C98-DF0A-41A1-9F8C-982CDF906D42}" dt="2021-03-27T06:04:02.519" v="1579"/>
+        <pc:sldMkLst>
+          <pc:docMk/>
+          <pc:sldMk cId="1197133609" sldId="267"/>
+        </pc:sldMkLst>
+        <pc:spChg chg="mod">
+          <ac:chgData name="Benjamin Michaelis" userId="047d050af9d747a3" providerId="LiveId" clId="{E9C26C98-DF0A-41A1-9F8C-982CDF906D42}" dt="2021-03-27T06:04:02.519" v="1579"/>
+          <ac:spMkLst>
+            <pc:docMk/>
+            <pc:sldMk cId="1197133609" sldId="267"/>
+            <ac:spMk id="3" creationId="{37A151B1-D43B-4DEB-95F4-5213D7FD14E7}"/>
+          </ac:spMkLst>
+        </pc:spChg>
+      </pc:sldChg>
+    </pc:docChg>
+  </pc:docChgLst>
   <pc:docChgLst>
     <pc:chgData name="Benjamin Michaelis" userId="047d050af9d747a3" providerId="LiveId" clId="{EEB03AC6-BDC3-4E48-908E-F8DAC1615E5F}"/>
     <pc:docChg chg="custSel addSld modSld addMainMaster delMainMaster">
@@ -851,7 +1143,7 @@
           <a:p>
             <a:fld id="{EA0C0817-A112-4847-8014-A94B7D2A4EA3}" type="datetime1">
               <a:rPr lang="en-US" smtClean="0"/>
-              <a:t>3/21/2021</a:t>
+              <a:t>3/26/2021</a:t>
             </a:fld>
             <a:endParaRPr lang="en-US" dirty="0"/>
           </a:p>
@@ -1053,7 +1345,7 @@
           <a:p>
             <a:fld id="{134F40B7-36AB-4376-BE14-EF7004D79BB9}" type="datetime1">
               <a:rPr lang="en-US" smtClean="0"/>
-              <a:t>3/21/2021</a:t>
+              <a:t>3/26/2021</a:t>
             </a:fld>
             <a:endParaRPr lang="en-US"/>
           </a:p>
@@ -1233,7 +1525,7 @@
           <a:p>
             <a:fld id="{FF87CAB8-DCAE-46A5-AADA-B3FAD11A54E0}" type="datetime1">
               <a:rPr lang="en-US" smtClean="0"/>
-              <a:t>3/21/2021</a:t>
+              <a:t>3/26/2021</a:t>
             </a:fld>
             <a:endParaRPr lang="en-US"/>
           </a:p>
@@ -1403,7 +1695,7 @@
           <a:p>
             <a:fld id="{7332B432-ACDA-4023-A761-2BAB76577B62}" type="datetime1">
               <a:rPr lang="en-US" smtClean="0"/>
-              <a:t>3/21/2021</a:t>
+              <a:t>3/26/2021</a:t>
             </a:fld>
             <a:endParaRPr lang="en-US"/>
           </a:p>
@@ -2002,7 +2294,7 @@
           <a:p>
             <a:fld id="{D9C646AA-F36E-4540-911D-FFFC0A0EF24A}" type="datetime1">
               <a:rPr lang="en-US" smtClean="0"/>
-              <a:t>3/21/2021</a:t>
+              <a:t>3/26/2021</a:t>
             </a:fld>
             <a:endParaRPr lang="en-US" dirty="0"/>
           </a:p>
@@ -2322,7 +2614,7 @@
           <a:p>
             <a:fld id="{69186D26-FA5F-4637-B602-B7C2DC34CFD4}" type="datetime1">
               <a:rPr lang="en-US" smtClean="0"/>
-              <a:t>3/21/2021</a:t>
+              <a:t>3/26/2021</a:t>
             </a:fld>
             <a:endParaRPr lang="en-US"/>
           </a:p>
@@ -2757,7 +3049,7 @@
           <a:p>
             <a:fld id="{8A7F15D8-96D1-4781-BC50-CA8A088B2FE4}" type="datetime1">
               <a:rPr lang="en-US" smtClean="0"/>
-              <a:t>3/21/2021</a:t>
+              <a:t>3/26/2021</a:t>
             </a:fld>
             <a:endParaRPr lang="en-US"/>
           </a:p>
@@ -2875,7 +3167,7 @@
           <a:p>
             <a:fld id="{F9A96C99-B8F8-4528-BD05-0E16E943DC09}" type="datetime1">
               <a:rPr lang="en-US" smtClean="0"/>
-              <a:t>3/21/2021</a:t>
+              <a:t>3/26/2021</a:t>
             </a:fld>
             <a:endParaRPr lang="en-US"/>
           </a:p>
@@ -2970,7 +3262,7 @@
           <a:p>
             <a:fld id="{03636942-C211-4B28-8DBD-C953E00AF71B}" type="datetime1">
               <a:rPr lang="en-US" smtClean="0"/>
-              <a:t>3/21/2021</a:t>
+              <a:t>3/26/2021</a:t>
             </a:fld>
             <a:endParaRPr lang="en-US"/>
           </a:p>
@@ -3387,7 +3679,7 @@
           <a:p>
             <a:fld id="{7E8D12A6-918A-48BD-8CB9-CA713993B0EA}" type="datetime1">
               <a:rPr lang="en-US" smtClean="0"/>
-              <a:t>3/21/2021</a:t>
+              <a:t>3/26/2021</a:t>
             </a:fld>
             <a:endParaRPr lang="en-US"/>
           </a:p>
@@ -3649,7 +3941,7 @@
             <a:fld id="{E778CE86-875F-4587-BCF6-FA054AFC0D53}" type="datetime1">
               <a:rPr lang="en-US" smtClean="0"/>
               <a:pPr/>
-              <a:t>3/21/2021</a:t>
+              <a:t>3/26/2021</a:t>
             </a:fld>
             <a:endParaRPr lang="en-US" dirty="0"/>
           </a:p>
@@ -4165,7 +4457,7 @@
           <a:p>
             <a:fld id="{F6FA2B21-3FCD-4721-B95C-427943F61125}" type="datetime1">
               <a:rPr lang="en-US" smtClean="0"/>
-              <a:t>3/21/2021</a:t>
+              <a:t>3/26/2021</a:t>
             </a:fld>
             <a:endParaRPr lang="en-US"/>
           </a:p>
@@ -4874,6 +5166,717 @@
 </p:sld>
 </file>
 
+<file path=ppt/slides/slide10.xml><?xml version="1.0" encoding="utf-8"?>
+<p:sld xmlns:a="http://schemas.openxmlformats.org/drawingml/2006/main" xmlns:r="http://schemas.openxmlformats.org/officeDocument/2006/relationships" xmlns:p="http://schemas.openxmlformats.org/presentationml/2006/main">
+  <p:cSld>
+    <p:spTree>
+      <p:nvGrpSpPr>
+        <p:cNvPr id="1" name=""/>
+        <p:cNvGrpSpPr/>
+        <p:nvPr/>
+      </p:nvGrpSpPr>
+      <p:grpSpPr>
+        <a:xfrm>
+          <a:off x="0" y="0"/>
+          <a:ext cx="0" cy="0"/>
+          <a:chOff x="0" y="0"/>
+          <a:chExt cx="0" cy="0"/>
+        </a:xfrm>
+      </p:grpSpPr>
+      <p:sp>
+        <p:nvSpPr>
+          <p:cNvPr id="2" name="Title 1">
+            <a:extLst>
+              <a:ext uri="{FF2B5EF4-FFF2-40B4-BE49-F238E27FC236}">
+                <a16:creationId xmlns:a16="http://schemas.microsoft.com/office/drawing/2014/main" id="{C09132CF-994E-437A-ABB7-14B3F72673EF}"/>
+              </a:ext>
+            </a:extLst>
+          </p:cNvPr>
+          <p:cNvSpPr>
+            <a:spLocks noGrp="1"/>
+          </p:cNvSpPr>
+          <p:nvPr>
+            <p:ph type="title"/>
+          </p:nvPr>
+        </p:nvSpPr>
+        <p:spPr/>
+        <p:txBody>
+          <a:bodyPr/>
+          <a:lstStyle/>
+          <a:p>
+            <a:r>
+              <a:rPr lang="en-US" dirty="0"/>
+              <a:t>Intro to pattern matching examples</a:t>
+            </a:r>
+          </a:p>
+        </p:txBody>
+      </p:sp>
+      <p:sp>
+        <p:nvSpPr>
+          <p:cNvPr id="3" name="Content Placeholder 2">
+            <a:extLst>
+              <a:ext uri="{FF2B5EF4-FFF2-40B4-BE49-F238E27FC236}">
+                <a16:creationId xmlns:a16="http://schemas.microsoft.com/office/drawing/2014/main" id="{37A151B1-D43B-4DEB-95F4-5213D7FD14E7}"/>
+              </a:ext>
+            </a:extLst>
+          </p:cNvPr>
+          <p:cNvSpPr>
+            <a:spLocks noGrp="1"/>
+          </p:cNvSpPr>
+          <p:nvPr>
+            <p:ph idx="1"/>
+          </p:nvPr>
+        </p:nvSpPr>
+        <p:spPr/>
+        <p:txBody>
+          <a:bodyPr>
+            <a:normAutofit/>
+          </a:bodyPr>
+          <a:lstStyle/>
+          <a:p>
+            <a:r>
+              <a:rPr lang="en-US" b="0" dirty="0">
+                <a:solidFill>
+                  <a:srgbClr val="569CD6"/>
+                </a:solidFill>
+                <a:effectLst/>
+                <a:latin typeface="Consolas" panose="020B0609020204030204" pitchFamily="49" charset="0"/>
+              </a:rPr>
+              <a:t>private</a:t>
+            </a:r>
+            <a:r>
+              <a:rPr lang="en-US" b="0" dirty="0">
+                <a:solidFill>
+                  <a:srgbClr val="CCCCCC"/>
+                </a:solidFill>
+                <a:effectLst/>
+                <a:latin typeface="Consolas" panose="020B0609020204030204" pitchFamily="49" charset="0"/>
+              </a:rPr>
+              <a:t> </a:t>
+            </a:r>
+            <a:r>
+              <a:rPr lang="en-US" b="0" dirty="0">
+                <a:solidFill>
+                  <a:srgbClr val="569CD6"/>
+                </a:solidFill>
+                <a:effectLst/>
+                <a:latin typeface="Consolas" panose="020B0609020204030204" pitchFamily="49" charset="0"/>
+              </a:rPr>
+              <a:t>static</a:t>
+            </a:r>
+            <a:r>
+              <a:rPr lang="en-US" b="0" dirty="0">
+                <a:solidFill>
+                  <a:srgbClr val="CCCCCC"/>
+                </a:solidFill>
+                <a:effectLst/>
+                <a:latin typeface="Consolas" panose="020B0609020204030204" pitchFamily="49" charset="0"/>
+              </a:rPr>
+              <a:t> </a:t>
+            </a:r>
+            <a:r>
+              <a:rPr lang="en-US" b="0" dirty="0" err="1">
+                <a:effectLst/>
+                <a:latin typeface="Consolas" panose="020B0609020204030204" pitchFamily="49" charset="0"/>
+              </a:rPr>
+              <a:t>IEnumerable</a:t>
+            </a:r>
+            <a:r>
+              <a:rPr lang="en-US" b="0" dirty="0">
+                <a:effectLst/>
+                <a:latin typeface="Consolas" panose="020B0609020204030204" pitchFamily="49" charset="0"/>
+              </a:rPr>
+              <a:t>&lt;Type&gt; </a:t>
+            </a:r>
+            <a:r>
+              <a:rPr lang="en-US" b="0" dirty="0" err="1">
+                <a:effectLst/>
+                <a:latin typeface="Consolas" panose="020B0609020204030204" pitchFamily="49" charset="0"/>
+              </a:rPr>
+              <a:t>GetShapes</a:t>
+            </a:r>
+            <a:r>
+              <a:rPr lang="en-US" b="0" dirty="0">
+                <a:effectLst/>
+                <a:latin typeface="Consolas" panose="020B0609020204030204" pitchFamily="49" charset="0"/>
+              </a:rPr>
+              <a:t>() =&gt; </a:t>
+            </a:r>
+            <a:r>
+              <a:rPr lang="en-US" b="0" dirty="0" err="1">
+                <a:effectLst/>
+                <a:latin typeface="Consolas" panose="020B0609020204030204" pitchFamily="49" charset="0"/>
+              </a:rPr>
+              <a:t>AppDomain.CurrentDomain.GetAssemblies</a:t>
+            </a:r>
+            <a:r>
+              <a:rPr lang="en-US" b="0" dirty="0">
+                <a:effectLst/>
+                <a:latin typeface="Consolas" panose="020B0609020204030204" pitchFamily="49" charset="0"/>
+              </a:rPr>
+              <a:t>().</a:t>
+            </a:r>
+            <a:r>
+              <a:rPr lang="en-US" b="0" dirty="0" err="1">
+                <a:effectLst/>
+                <a:latin typeface="Consolas" panose="020B0609020204030204" pitchFamily="49" charset="0"/>
+              </a:rPr>
+              <a:t>SelectMany</a:t>
+            </a:r>
+            <a:r>
+              <a:rPr lang="en-US" b="0" dirty="0">
+                <a:effectLst/>
+                <a:latin typeface="Consolas" panose="020B0609020204030204" pitchFamily="49" charset="0"/>
+              </a:rPr>
+              <a:t>(item =&gt; </a:t>
+            </a:r>
+            <a:r>
+              <a:rPr lang="en-US" b="0" dirty="0" err="1">
+                <a:effectLst/>
+                <a:latin typeface="Consolas" panose="020B0609020204030204" pitchFamily="49" charset="0"/>
+              </a:rPr>
+              <a:t>item.GetTypes</a:t>
+            </a:r>
+            <a:r>
+              <a:rPr lang="en-US" b="0" dirty="0">
+                <a:effectLst/>
+                <a:latin typeface="Consolas" panose="020B0609020204030204" pitchFamily="49" charset="0"/>
+              </a:rPr>
+              <a:t>().Where(type =&gt; </a:t>
+            </a:r>
+            <a:r>
+              <a:rPr lang="en-US" b="0" dirty="0" err="1">
+                <a:effectLst/>
+                <a:latin typeface="Consolas" panose="020B0609020204030204" pitchFamily="49" charset="0"/>
+              </a:rPr>
+              <a:t>type.IsSubclassOf</a:t>
+            </a:r>
+            <a:r>
+              <a:rPr lang="en-US" b="0" dirty="0">
+                <a:effectLst/>
+                <a:latin typeface="Consolas" panose="020B0609020204030204" pitchFamily="49" charset="0"/>
+              </a:rPr>
+              <a:t>(</a:t>
+            </a:r>
+            <a:r>
+              <a:rPr lang="en-US" b="0" dirty="0" err="1">
+                <a:solidFill>
+                  <a:srgbClr val="569CD6"/>
+                </a:solidFill>
+                <a:effectLst/>
+                <a:latin typeface="Consolas" panose="020B0609020204030204" pitchFamily="49" charset="0"/>
+              </a:rPr>
+              <a:t>typeof</a:t>
+            </a:r>
+            <a:r>
+              <a:rPr lang="en-US" b="0" dirty="0">
+                <a:effectLst/>
+                <a:latin typeface="Consolas" panose="020B0609020204030204" pitchFamily="49" charset="0"/>
+              </a:rPr>
+              <a:t>(Shape))));</a:t>
+            </a:r>
+          </a:p>
+        </p:txBody>
+      </p:sp>
+    </p:spTree>
+    <p:extLst>
+      <p:ext uri="{BB962C8B-B14F-4D97-AF65-F5344CB8AC3E}">
+        <p14:creationId xmlns:p14="http://schemas.microsoft.com/office/powerpoint/2010/main" val="2901066272"/>
+      </p:ext>
+    </p:extLst>
+  </p:cSld>
+  <p:clrMapOvr>
+    <a:masterClrMapping/>
+  </p:clrMapOvr>
+</p:sld>
+</file>
+
+<file path=ppt/slides/slide11.xml><?xml version="1.0" encoding="utf-8"?>
+<p:sld xmlns:a="http://schemas.openxmlformats.org/drawingml/2006/main" xmlns:r="http://schemas.openxmlformats.org/officeDocument/2006/relationships" xmlns:p="http://schemas.openxmlformats.org/presentationml/2006/main">
+  <p:cSld>
+    <p:spTree>
+      <p:nvGrpSpPr>
+        <p:cNvPr id="1" name=""/>
+        <p:cNvGrpSpPr/>
+        <p:nvPr/>
+      </p:nvGrpSpPr>
+      <p:grpSpPr>
+        <a:xfrm>
+          <a:off x="0" y="0"/>
+          <a:ext cx="0" cy="0"/>
+          <a:chOff x="0" y="0"/>
+          <a:chExt cx="0" cy="0"/>
+        </a:xfrm>
+      </p:grpSpPr>
+      <p:sp>
+        <p:nvSpPr>
+          <p:cNvPr id="2" name="Title 1">
+            <a:extLst>
+              <a:ext uri="{FF2B5EF4-FFF2-40B4-BE49-F238E27FC236}">
+                <a16:creationId xmlns:a16="http://schemas.microsoft.com/office/drawing/2014/main" id="{C09132CF-994E-437A-ABB7-14B3F72673EF}"/>
+              </a:ext>
+            </a:extLst>
+          </p:cNvPr>
+          <p:cNvSpPr>
+            <a:spLocks noGrp="1"/>
+          </p:cNvSpPr>
+          <p:nvPr>
+            <p:ph type="title"/>
+          </p:nvPr>
+        </p:nvSpPr>
+        <p:spPr/>
+        <p:txBody>
+          <a:bodyPr/>
+          <a:lstStyle/>
+          <a:p>
+            <a:r>
+              <a:rPr lang="en-US" dirty="0"/>
+              <a:t>Intro to pattern matching examples</a:t>
+            </a:r>
+          </a:p>
+        </p:txBody>
+      </p:sp>
+      <p:sp>
+        <p:nvSpPr>
+          <p:cNvPr id="3" name="Content Placeholder 2">
+            <a:extLst>
+              <a:ext uri="{FF2B5EF4-FFF2-40B4-BE49-F238E27FC236}">
+                <a16:creationId xmlns:a16="http://schemas.microsoft.com/office/drawing/2014/main" id="{37A151B1-D43B-4DEB-95F4-5213D7FD14E7}"/>
+              </a:ext>
+            </a:extLst>
+          </p:cNvPr>
+          <p:cNvSpPr>
+            <a:spLocks noGrp="1"/>
+          </p:cNvSpPr>
+          <p:nvPr>
+            <p:ph idx="1"/>
+          </p:nvPr>
+        </p:nvSpPr>
+        <p:spPr/>
+        <p:txBody>
+          <a:bodyPr>
+            <a:normAutofit/>
+          </a:bodyPr>
+          <a:lstStyle/>
+          <a:p>
+            <a:r>
+              <a:rPr lang="en-US" b="0" dirty="0">
+                <a:solidFill>
+                  <a:srgbClr val="569CD6"/>
+                </a:solidFill>
+                <a:effectLst/>
+                <a:latin typeface="Consolas" panose="020B0609020204030204" pitchFamily="49" charset="0"/>
+              </a:rPr>
+              <a:t>public</a:t>
+            </a:r>
+            <a:r>
+              <a:rPr lang="en-US" b="0" dirty="0">
+                <a:solidFill>
+                  <a:srgbClr val="CCCCCC"/>
+                </a:solidFill>
+                <a:effectLst/>
+                <a:latin typeface="Consolas" panose="020B0609020204030204" pitchFamily="49" charset="0"/>
+              </a:rPr>
+              <a:t> </a:t>
+            </a:r>
+            <a:r>
+              <a:rPr lang="en-US" b="0" dirty="0">
+                <a:effectLst/>
+                <a:latin typeface="Consolas" panose="020B0609020204030204" pitchFamily="49" charset="0"/>
+              </a:rPr>
+              <a:t>Dictionary&lt;</a:t>
+            </a:r>
+            <a:r>
+              <a:rPr lang="en-US" b="0" dirty="0">
+                <a:solidFill>
+                  <a:srgbClr val="569CD6"/>
+                </a:solidFill>
+                <a:effectLst/>
+                <a:latin typeface="Consolas" panose="020B0609020204030204" pitchFamily="49" charset="0"/>
+              </a:rPr>
+              <a:t>char</a:t>
+            </a:r>
+            <a:r>
+              <a:rPr lang="en-US" b="0" dirty="0">
+                <a:effectLst/>
+                <a:latin typeface="Consolas" panose="020B0609020204030204" pitchFamily="49" charset="0"/>
+              </a:rPr>
+              <a:t>, Type&gt; </a:t>
+            </a:r>
+            <a:r>
+              <a:rPr lang="en-US" b="0" dirty="0" err="1">
+                <a:effectLst/>
+                <a:latin typeface="Consolas" panose="020B0609020204030204" pitchFamily="49" charset="0"/>
+              </a:rPr>
+              <a:t>ShapeTypes</a:t>
+            </a:r>
+            <a:r>
+              <a:rPr lang="en-US" b="0" dirty="0">
+                <a:effectLst/>
+                <a:latin typeface="Consolas" panose="020B0609020204030204" pitchFamily="49" charset="0"/>
+              </a:rPr>
+              <a:t> { </a:t>
+            </a:r>
+            <a:r>
+              <a:rPr lang="en-US" b="0" dirty="0">
+                <a:solidFill>
+                  <a:srgbClr val="569CD6"/>
+                </a:solidFill>
+                <a:effectLst/>
+                <a:latin typeface="Consolas" panose="020B0609020204030204" pitchFamily="49" charset="0"/>
+              </a:rPr>
+              <a:t>get</a:t>
+            </a:r>
+            <a:r>
+              <a:rPr lang="en-US" b="0" dirty="0">
+                <a:effectLst/>
+                <a:latin typeface="Consolas" panose="020B0609020204030204" pitchFamily="49" charset="0"/>
+              </a:rPr>
+              <a:t>; } = </a:t>
+            </a:r>
+            <a:r>
+              <a:rPr lang="en-US" b="0" dirty="0" err="1">
+                <a:effectLst/>
+                <a:latin typeface="Consolas" panose="020B0609020204030204" pitchFamily="49" charset="0"/>
+              </a:rPr>
+              <a:t>GetShapes</a:t>
+            </a:r>
+            <a:r>
+              <a:rPr lang="en-US" b="0" dirty="0">
+                <a:effectLst/>
+                <a:latin typeface="Consolas" panose="020B0609020204030204" pitchFamily="49" charset="0"/>
+              </a:rPr>
+              <a:t>().</a:t>
+            </a:r>
+            <a:r>
+              <a:rPr lang="en-US" b="0" dirty="0" err="1">
+                <a:effectLst/>
+                <a:latin typeface="Consolas" panose="020B0609020204030204" pitchFamily="49" charset="0"/>
+              </a:rPr>
+              <a:t>ToDictionary</a:t>
+            </a:r>
+            <a:r>
+              <a:rPr lang="en-US" b="0" dirty="0">
+                <a:effectLst/>
+                <a:latin typeface="Consolas" panose="020B0609020204030204" pitchFamily="49" charset="0"/>
+              </a:rPr>
+              <a:t>(item =&gt; </a:t>
+            </a:r>
+            <a:r>
+              <a:rPr lang="en-US" b="0" dirty="0" err="1">
+                <a:solidFill>
+                  <a:srgbClr val="569CD6"/>
+                </a:solidFill>
+                <a:effectLst/>
+                <a:latin typeface="Consolas" panose="020B0609020204030204" pitchFamily="49" charset="0"/>
+              </a:rPr>
+              <a:t>char</a:t>
+            </a:r>
+            <a:r>
+              <a:rPr lang="en-US" b="0" dirty="0" err="1">
+                <a:effectLst/>
+                <a:latin typeface="Consolas" panose="020B0609020204030204" pitchFamily="49" charset="0"/>
+              </a:rPr>
+              <a:t>.ToLower</a:t>
+            </a:r>
+            <a:r>
+              <a:rPr lang="en-US" b="0" dirty="0">
+                <a:effectLst/>
+                <a:latin typeface="Consolas" panose="020B0609020204030204" pitchFamily="49" charset="0"/>
+              </a:rPr>
+              <a:t>(</a:t>
+            </a:r>
+            <a:r>
+              <a:rPr lang="en-US" b="0" dirty="0" err="1">
+                <a:effectLst/>
+                <a:latin typeface="Consolas" panose="020B0609020204030204" pitchFamily="49" charset="0"/>
+              </a:rPr>
+              <a:t>item.Name</a:t>
+            </a:r>
+            <a:r>
+              <a:rPr lang="en-US" b="0" dirty="0">
+                <a:effectLst/>
+                <a:latin typeface="Consolas" panose="020B0609020204030204" pitchFamily="49" charset="0"/>
+              </a:rPr>
+              <a:t>[0]));</a:t>
+            </a:r>
+          </a:p>
+          <a:p>
+            <a:endParaRPr lang="en-US" dirty="0"/>
+          </a:p>
+        </p:txBody>
+      </p:sp>
+    </p:spTree>
+    <p:extLst>
+      <p:ext uri="{BB962C8B-B14F-4D97-AF65-F5344CB8AC3E}">
+        <p14:creationId xmlns:p14="http://schemas.microsoft.com/office/powerpoint/2010/main" val="2191981442"/>
+      </p:ext>
+    </p:extLst>
+  </p:cSld>
+  <p:clrMapOvr>
+    <a:masterClrMapping/>
+  </p:clrMapOvr>
+</p:sld>
+</file>
+
+<file path=ppt/slides/slide12.xml><?xml version="1.0" encoding="utf-8"?>
+<p:sld xmlns:a="http://schemas.openxmlformats.org/drawingml/2006/main" xmlns:r="http://schemas.openxmlformats.org/officeDocument/2006/relationships" xmlns:p="http://schemas.openxmlformats.org/presentationml/2006/main">
+  <p:cSld>
+    <p:spTree>
+      <p:nvGrpSpPr>
+        <p:cNvPr id="1" name=""/>
+        <p:cNvGrpSpPr/>
+        <p:nvPr/>
+      </p:nvGrpSpPr>
+      <p:grpSpPr>
+        <a:xfrm>
+          <a:off x="0" y="0"/>
+          <a:ext cx="0" cy="0"/>
+          <a:chOff x="0" y="0"/>
+          <a:chExt cx="0" cy="0"/>
+        </a:xfrm>
+      </p:grpSpPr>
+      <p:sp>
+        <p:nvSpPr>
+          <p:cNvPr id="2" name="Title 1">
+            <a:extLst>
+              <a:ext uri="{FF2B5EF4-FFF2-40B4-BE49-F238E27FC236}">
+                <a16:creationId xmlns:a16="http://schemas.microsoft.com/office/drawing/2014/main" id="{C09132CF-994E-437A-ABB7-14B3F72673EF}"/>
+              </a:ext>
+            </a:extLst>
+          </p:cNvPr>
+          <p:cNvSpPr>
+            <a:spLocks noGrp="1"/>
+          </p:cNvSpPr>
+          <p:nvPr>
+            <p:ph type="title"/>
+          </p:nvPr>
+        </p:nvSpPr>
+        <p:spPr/>
+        <p:txBody>
+          <a:bodyPr/>
+          <a:lstStyle/>
+          <a:p>
+            <a:r>
+              <a:rPr lang="en-US" dirty="0"/>
+              <a:t>Intro to pattern matching examples</a:t>
+            </a:r>
+          </a:p>
+        </p:txBody>
+      </p:sp>
+      <p:sp>
+        <p:nvSpPr>
+          <p:cNvPr id="3" name="Content Placeholder 2">
+            <a:extLst>
+              <a:ext uri="{FF2B5EF4-FFF2-40B4-BE49-F238E27FC236}">
+                <a16:creationId xmlns:a16="http://schemas.microsoft.com/office/drawing/2014/main" id="{37A151B1-D43B-4DEB-95F4-5213D7FD14E7}"/>
+              </a:ext>
+            </a:extLst>
+          </p:cNvPr>
+          <p:cNvSpPr>
+            <a:spLocks noGrp="1"/>
+          </p:cNvSpPr>
+          <p:nvPr>
+            <p:ph idx="1"/>
+          </p:nvPr>
+        </p:nvSpPr>
+        <p:spPr/>
+        <p:txBody>
+          <a:bodyPr>
+            <a:normAutofit/>
+          </a:bodyPr>
+          <a:lstStyle/>
+          <a:p>
+            <a:r>
+              <a:rPr lang="en-US" b="0" dirty="0">
+                <a:solidFill>
+                  <a:srgbClr val="569CD6"/>
+                </a:solidFill>
+                <a:effectLst/>
+                <a:latin typeface="Consolas" panose="020B0609020204030204" pitchFamily="49" charset="0"/>
+              </a:rPr>
+              <a:t>private</a:t>
+            </a:r>
+            <a:r>
+              <a:rPr lang="en-US" b="0" dirty="0">
+                <a:solidFill>
+                  <a:srgbClr val="CCCCCC"/>
+                </a:solidFill>
+                <a:effectLst/>
+                <a:latin typeface="Consolas" panose="020B0609020204030204" pitchFamily="49" charset="0"/>
+              </a:rPr>
+              <a:t> </a:t>
+            </a:r>
+            <a:r>
+              <a:rPr lang="en-US" b="0" dirty="0" err="1">
+                <a:effectLst/>
+                <a:latin typeface="Consolas" panose="020B0609020204030204" pitchFamily="49" charset="0"/>
+              </a:rPr>
+              <a:t>IEnumerable</a:t>
+            </a:r>
+            <a:r>
+              <a:rPr lang="en-US" b="0" dirty="0">
+                <a:effectLst/>
+                <a:latin typeface="Consolas" panose="020B0609020204030204" pitchFamily="49" charset="0"/>
+              </a:rPr>
+              <a:t>&lt;Shape&gt; Shapes</a:t>
+            </a:r>
+          </a:p>
+          <a:p>
+            <a:pPr marL="0" indent="0">
+              <a:buNone/>
+            </a:pPr>
+            <a:r>
+              <a:rPr lang="en-US" b="0" dirty="0">
+                <a:effectLst/>
+                <a:latin typeface="Consolas" panose="020B0609020204030204" pitchFamily="49" charset="0"/>
+              </a:rPr>
+              <a:t>{</a:t>
+            </a:r>
+          </a:p>
+          <a:p>
+            <a:pPr marL="274320" lvl="1" indent="0">
+              <a:buNone/>
+            </a:pPr>
+            <a:r>
+              <a:rPr lang="en-US" b="0" dirty="0">
+                <a:solidFill>
+                  <a:srgbClr val="569CD6"/>
+                </a:solidFill>
+                <a:effectLst/>
+                <a:latin typeface="Consolas" panose="020B0609020204030204" pitchFamily="49" charset="0"/>
+              </a:rPr>
+              <a:t>get</a:t>
+            </a:r>
+            <a:endParaRPr lang="en-US" b="0" dirty="0">
+              <a:solidFill>
+                <a:srgbClr val="CCCCCC"/>
+              </a:solidFill>
+              <a:effectLst/>
+              <a:latin typeface="Consolas" panose="020B0609020204030204" pitchFamily="49" charset="0"/>
+            </a:endParaRPr>
+          </a:p>
+          <a:p>
+            <a:pPr marL="274320" lvl="1" indent="0">
+              <a:buNone/>
+            </a:pPr>
+            <a:r>
+              <a:rPr lang="en-US" b="0" dirty="0">
+                <a:effectLst/>
+                <a:latin typeface="Consolas" panose="020B0609020204030204" pitchFamily="49" charset="0"/>
+              </a:rPr>
+              <a:t>{</a:t>
+            </a:r>
+          </a:p>
+          <a:p>
+            <a:pPr marL="274320" lvl="1" indent="0">
+              <a:buNone/>
+            </a:pPr>
+            <a:r>
+              <a:rPr lang="en-US" b="0" dirty="0">
+                <a:solidFill>
+                  <a:srgbClr val="569CD6"/>
+                </a:solidFill>
+                <a:effectLst/>
+                <a:latin typeface="Consolas" panose="020B0609020204030204" pitchFamily="49" charset="0"/>
+              </a:rPr>
+              <a:t>return</a:t>
+            </a:r>
+            <a:r>
+              <a:rPr lang="en-US" b="0" dirty="0">
+                <a:solidFill>
+                  <a:srgbClr val="CCCCCC"/>
+                </a:solidFill>
+                <a:effectLst/>
+                <a:latin typeface="Consolas" panose="020B0609020204030204" pitchFamily="49" charset="0"/>
+              </a:rPr>
+              <a:t> </a:t>
+            </a:r>
+            <a:r>
+              <a:rPr lang="en-US" b="0" dirty="0">
+                <a:solidFill>
+                  <a:srgbClr val="569CD6"/>
+                </a:solidFill>
+                <a:effectLst/>
+                <a:latin typeface="Consolas" panose="020B0609020204030204" pitchFamily="49" charset="0"/>
+              </a:rPr>
+              <a:t>this</a:t>
+            </a:r>
+            <a:r>
+              <a:rPr lang="en-US" b="0" dirty="0">
+                <a:effectLst/>
+                <a:latin typeface="Consolas" panose="020B0609020204030204" pitchFamily="49" charset="0"/>
+              </a:rPr>
+              <a:t>._</a:t>
+            </a:r>
+            <a:r>
+              <a:rPr lang="en-US" b="0" dirty="0" err="1">
+                <a:effectLst/>
+                <a:latin typeface="Consolas" panose="020B0609020204030204" pitchFamily="49" charset="0"/>
+              </a:rPr>
+              <a:t>sequences.SelectMany</a:t>
+            </a:r>
+            <a:r>
+              <a:rPr lang="en-US" b="0" dirty="0">
+                <a:effectLst/>
+                <a:latin typeface="Consolas" panose="020B0609020204030204" pitchFamily="49" charset="0"/>
+              </a:rPr>
+              <a:t>(item =&gt; item).</a:t>
+            </a:r>
+            <a:r>
+              <a:rPr lang="en-US" b="0" dirty="0" err="1">
+                <a:effectLst/>
+                <a:latin typeface="Consolas" panose="020B0609020204030204" pitchFamily="49" charset="0"/>
+              </a:rPr>
+              <a:t>ToList</a:t>
+            </a:r>
+            <a:r>
+              <a:rPr lang="en-US" b="0" dirty="0">
+                <a:effectLst/>
+                <a:latin typeface="Consolas" panose="020B0609020204030204" pitchFamily="49" charset="0"/>
+              </a:rPr>
+              <a:t>();</a:t>
+            </a:r>
+          </a:p>
+          <a:p>
+            <a:pPr marL="274320" lvl="1" indent="0">
+              <a:buNone/>
+            </a:pPr>
+            <a:r>
+              <a:rPr lang="en-US" b="0" dirty="0">
+                <a:effectLst/>
+                <a:latin typeface="Consolas" panose="020B0609020204030204" pitchFamily="49" charset="0"/>
+              </a:rPr>
+              <a:t>}</a:t>
+            </a:r>
+          </a:p>
+          <a:p>
+            <a:pPr marL="0" indent="0">
+              <a:buNone/>
+            </a:pPr>
+            <a:r>
+              <a:rPr lang="en-US" b="0" dirty="0">
+                <a:effectLst/>
+                <a:latin typeface="Consolas" panose="020B0609020204030204" pitchFamily="49" charset="0"/>
+              </a:rPr>
+              <a:t>}</a:t>
+            </a:r>
+          </a:p>
+        </p:txBody>
+      </p:sp>
+    </p:spTree>
+    <p:extLst>
+      <p:ext uri="{BB962C8B-B14F-4D97-AF65-F5344CB8AC3E}">
+        <p14:creationId xmlns:p14="http://schemas.microsoft.com/office/powerpoint/2010/main" val="1197133609"/>
+      </p:ext>
+    </p:extLst>
+  </p:cSld>
+  <p:clrMapOvr>
+    <a:masterClrMapping/>
+  </p:clrMapOvr>
+</p:sld>
+</file>
+
 <file path=ppt/slides/slide2.xml><?xml version="1.0" encoding="utf-8"?>
 <p:sld xmlns:a="http://schemas.openxmlformats.org/drawingml/2006/main" xmlns:r="http://schemas.openxmlformats.org/officeDocument/2006/relationships" xmlns:p="http://schemas.openxmlformats.org/presentationml/2006/main">
   <p:cSld>
@@ -4896,6 +5899,1166 @@
           <p:cNvPr id="2" name="Title 1">
             <a:extLst>
               <a:ext uri="{FF2B5EF4-FFF2-40B4-BE49-F238E27FC236}">
+                <a16:creationId xmlns:a16="http://schemas.microsoft.com/office/drawing/2014/main" id="{2A7125D5-E513-4965-ABD8-20A16F4EF4AD}"/>
+              </a:ext>
+            </a:extLst>
+          </p:cNvPr>
+          <p:cNvSpPr>
+            <a:spLocks noGrp="1"/>
+          </p:cNvSpPr>
+          <p:nvPr>
+            <p:ph type="title"/>
+          </p:nvPr>
+        </p:nvSpPr>
+        <p:spPr/>
+        <p:txBody>
+          <a:bodyPr/>
+          <a:lstStyle/>
+          <a:p>
+            <a:r>
+              <a:rPr lang="en-US" dirty="0"/>
+              <a:t>What is nullability and why does it matter</a:t>
+            </a:r>
+          </a:p>
+        </p:txBody>
+      </p:sp>
+      <p:sp>
+        <p:nvSpPr>
+          <p:cNvPr id="3" name="Content Placeholder 2">
+            <a:extLst>
+              <a:ext uri="{FF2B5EF4-FFF2-40B4-BE49-F238E27FC236}">
+                <a16:creationId xmlns:a16="http://schemas.microsoft.com/office/drawing/2014/main" id="{B85D6BFC-0B1C-4DF5-918C-631E141B4ABC}"/>
+              </a:ext>
+            </a:extLst>
+          </p:cNvPr>
+          <p:cNvSpPr>
+            <a:spLocks noGrp="1"/>
+          </p:cNvSpPr>
+          <p:nvPr>
+            <p:ph idx="1"/>
+          </p:nvPr>
+        </p:nvSpPr>
+        <p:spPr/>
+        <p:txBody>
+          <a:bodyPr>
+            <a:normAutofit/>
+          </a:bodyPr>
+          <a:lstStyle/>
+          <a:p>
+            <a:r>
+              <a:rPr lang="en-US" sz="2000" dirty="0"/>
+              <a:t>Often developers assume that reference types (accept non-null and null both and there wasn't any explicit handling required and unfortunately this consideration is one of the primary root causes of famous "Null Reference Exception".</a:t>
+            </a:r>
+          </a:p>
+          <a:p>
+            <a:r>
+              <a:rPr lang="en-US" sz="2000" dirty="0"/>
+              <a:t>This </a:t>
+            </a:r>
+            <a:r>
+              <a:rPr lang="en-US" sz="2000" dirty="0" err="1"/>
+              <a:t>NullReferenceException</a:t>
+            </a:r>
+            <a:r>
+              <a:rPr lang="en-US" sz="2000" dirty="0"/>
+              <a:t> is thrown by the program whenever a developer attempts to access any type which has value as null.</a:t>
+            </a:r>
+          </a:p>
+          <a:p>
+            <a:r>
+              <a:rPr lang="en-US" sz="2000" dirty="0"/>
+              <a:t>This means we try to access a value or reference that holds no value or a null value.</a:t>
+            </a:r>
+          </a:p>
+        </p:txBody>
+      </p:sp>
+    </p:spTree>
+    <p:extLst>
+      <p:ext uri="{BB962C8B-B14F-4D97-AF65-F5344CB8AC3E}">
+        <p14:creationId xmlns:p14="http://schemas.microsoft.com/office/powerpoint/2010/main" val="2953954537"/>
+      </p:ext>
+    </p:extLst>
+  </p:cSld>
+  <p:clrMapOvr>
+    <a:masterClrMapping/>
+  </p:clrMapOvr>
+</p:sld>
+</file>
+
+<file path=ppt/slides/slide3.xml><?xml version="1.0" encoding="utf-8"?>
+<p:sld xmlns:a="http://schemas.openxmlformats.org/drawingml/2006/main" xmlns:r="http://schemas.openxmlformats.org/officeDocument/2006/relationships" xmlns:p="http://schemas.openxmlformats.org/presentationml/2006/main">
+  <p:cSld>
+    <p:spTree>
+      <p:nvGrpSpPr>
+        <p:cNvPr id="1" name=""/>
+        <p:cNvGrpSpPr/>
+        <p:nvPr/>
+      </p:nvGrpSpPr>
+      <p:grpSpPr>
+        <a:xfrm>
+          <a:off x="0" y="0"/>
+          <a:ext cx="0" cy="0"/>
+          <a:chOff x="0" y="0"/>
+          <a:chExt cx="0" cy="0"/>
+        </a:xfrm>
+      </p:grpSpPr>
+      <p:sp>
+        <p:nvSpPr>
+          <p:cNvPr id="2" name="Title 1">
+            <a:extLst>
+              <a:ext uri="{FF2B5EF4-FFF2-40B4-BE49-F238E27FC236}">
+                <a16:creationId xmlns:a16="http://schemas.microsoft.com/office/drawing/2014/main" id="{A0BD10A4-536C-4567-A84B-A1BC866664C1}"/>
+              </a:ext>
+            </a:extLst>
+          </p:cNvPr>
+          <p:cNvSpPr>
+            <a:spLocks noGrp="1"/>
+          </p:cNvSpPr>
+          <p:nvPr>
+            <p:ph type="title"/>
+          </p:nvPr>
+        </p:nvSpPr>
+        <p:spPr/>
+        <p:txBody>
+          <a:bodyPr/>
+          <a:lstStyle/>
+          <a:p>
+            <a:r>
+              <a:rPr lang="en-US" dirty="0"/>
+              <a:t>What is a nullable value type?</a:t>
+            </a:r>
+          </a:p>
+        </p:txBody>
+      </p:sp>
+      <p:sp>
+        <p:nvSpPr>
+          <p:cNvPr id="3" name="Content Placeholder 2">
+            <a:extLst>
+              <a:ext uri="{FF2B5EF4-FFF2-40B4-BE49-F238E27FC236}">
+                <a16:creationId xmlns:a16="http://schemas.microsoft.com/office/drawing/2014/main" id="{A6310C60-4DBF-458F-8A5B-A162E7FB33A8}"/>
+              </a:ext>
+            </a:extLst>
+          </p:cNvPr>
+          <p:cNvSpPr>
+            <a:spLocks noGrp="1"/>
+          </p:cNvSpPr>
+          <p:nvPr>
+            <p:ph idx="1"/>
+          </p:nvPr>
+        </p:nvSpPr>
+        <p:spPr>
+          <a:xfrm>
+            <a:off x="1066800" y="1815152"/>
+            <a:ext cx="10058400" cy="4137592"/>
+          </a:xfrm>
+        </p:spPr>
+        <p:txBody>
+          <a:bodyPr>
+            <a:normAutofit/>
+          </a:bodyPr>
+          <a:lstStyle/>
+          <a:p>
+            <a:r>
+              <a:rPr lang="en-US" sz="2000" dirty="0"/>
+              <a:t>Have been available since C# 2.0</a:t>
+            </a:r>
+          </a:p>
+          <a:p>
+            <a:r>
+              <a:rPr lang="en-US" sz="2000" dirty="0"/>
+              <a:t>A nullable value type holds all of its possible values and also null.</a:t>
+            </a:r>
+          </a:p>
+          <a:p>
+            <a:pPr lvl="1"/>
+            <a:r>
+              <a:rPr lang="en-US" sz="1800" dirty="0"/>
+              <a:t>Ex: you can assign any of the following three values to a bool? variable: true, false, or null</a:t>
+            </a:r>
+          </a:p>
+          <a:p>
+            <a:r>
+              <a:rPr lang="en-US" sz="2000" dirty="0"/>
+              <a:t>When do you use this signature?</a:t>
+            </a:r>
+          </a:p>
+          <a:p>
+            <a:pPr lvl="1"/>
+            <a:r>
+              <a:rPr lang="en-US" sz="1800" dirty="0"/>
+              <a:t>When a variable value could be undefined or missing.</a:t>
+            </a:r>
+          </a:p>
+          <a:p>
+            <a:pPr lvl="1"/>
+            <a:r>
+              <a:rPr lang="en-US" sz="1800" dirty="0"/>
+              <a:t>For example, a database field in an application may contain true or false, or it may contain no value at all, that is, null. You can use the bool? type in that scenario</a:t>
+            </a:r>
+          </a:p>
+          <a:p>
+            <a:pPr marL="274320" lvl="1" indent="0">
+              <a:buNone/>
+            </a:pPr>
+            <a:endParaRPr lang="en-US" dirty="0">
+              <a:solidFill>
+                <a:srgbClr val="008000"/>
+              </a:solidFill>
+              <a:latin typeface="SFMono-Regular"/>
+            </a:endParaRPr>
+          </a:p>
+          <a:p>
+            <a:pPr marL="274320" lvl="1" indent="0">
+              <a:buNone/>
+            </a:pPr>
+            <a:r>
+              <a:rPr lang="en-US" dirty="0"/>
+              <a:t>MSDN Documentation:</a:t>
+            </a:r>
+            <a:r>
+              <a:rPr lang="en-US" dirty="0">
+                <a:solidFill>
+                  <a:srgbClr val="008000"/>
+                </a:solidFill>
+                <a:latin typeface="SFMono-Regular"/>
+              </a:rPr>
+              <a:t> </a:t>
+            </a:r>
+            <a:r>
+              <a:rPr lang="en-US" dirty="0">
+                <a:hlinkClick r:id="rId2"/>
+              </a:rPr>
+              <a:t>https://docs.microsoft.com/en-us/dotnet/csharp/language-reference/builtin-types/nullable-value-types</a:t>
+            </a:r>
+            <a:endParaRPr lang="en-US" dirty="0"/>
+          </a:p>
+        </p:txBody>
+      </p:sp>
+    </p:spTree>
+    <p:extLst>
+      <p:ext uri="{BB962C8B-B14F-4D97-AF65-F5344CB8AC3E}">
+        <p14:creationId xmlns:p14="http://schemas.microsoft.com/office/powerpoint/2010/main" val="2235926313"/>
+      </p:ext>
+    </p:extLst>
+  </p:cSld>
+  <p:clrMapOvr>
+    <a:masterClrMapping/>
+  </p:clrMapOvr>
+</p:sld>
+</file>
+
+<file path=ppt/slides/slide4.xml><?xml version="1.0" encoding="utf-8"?>
+<p:sld xmlns:a="http://schemas.openxmlformats.org/drawingml/2006/main" xmlns:r="http://schemas.openxmlformats.org/officeDocument/2006/relationships" xmlns:p="http://schemas.openxmlformats.org/presentationml/2006/main">
+  <p:cSld>
+    <p:spTree>
+      <p:nvGrpSpPr>
+        <p:cNvPr id="1" name=""/>
+        <p:cNvGrpSpPr/>
+        <p:nvPr/>
+      </p:nvGrpSpPr>
+      <p:grpSpPr>
+        <a:xfrm>
+          <a:off x="0" y="0"/>
+          <a:ext cx="0" cy="0"/>
+          <a:chOff x="0" y="0"/>
+          <a:chExt cx="0" cy="0"/>
+        </a:xfrm>
+      </p:grpSpPr>
+      <p:sp>
+        <p:nvSpPr>
+          <p:cNvPr id="2" name="Title 1">
+            <a:extLst>
+              <a:ext uri="{FF2B5EF4-FFF2-40B4-BE49-F238E27FC236}">
+                <a16:creationId xmlns:a16="http://schemas.microsoft.com/office/drawing/2014/main" id="{A0BD10A4-536C-4567-A84B-A1BC866664C1}"/>
+              </a:ext>
+            </a:extLst>
+          </p:cNvPr>
+          <p:cNvSpPr>
+            <a:spLocks noGrp="1"/>
+          </p:cNvSpPr>
+          <p:nvPr>
+            <p:ph type="title"/>
+          </p:nvPr>
+        </p:nvSpPr>
+        <p:spPr/>
+        <p:txBody>
+          <a:bodyPr/>
+          <a:lstStyle/>
+          <a:p>
+            <a:r>
+              <a:rPr lang="en-US" dirty="0"/>
+              <a:t>Nullable value type?</a:t>
+            </a:r>
+          </a:p>
+        </p:txBody>
+      </p:sp>
+      <p:sp>
+        <p:nvSpPr>
+          <p:cNvPr id="3" name="Content Placeholder 2">
+            <a:extLst>
+              <a:ext uri="{FF2B5EF4-FFF2-40B4-BE49-F238E27FC236}">
+                <a16:creationId xmlns:a16="http://schemas.microsoft.com/office/drawing/2014/main" id="{A6310C60-4DBF-458F-8A5B-A162E7FB33A8}"/>
+              </a:ext>
+            </a:extLst>
+          </p:cNvPr>
+          <p:cNvSpPr>
+            <a:spLocks noGrp="1"/>
+          </p:cNvSpPr>
+          <p:nvPr>
+            <p:ph idx="1"/>
+          </p:nvPr>
+        </p:nvSpPr>
+        <p:spPr>
+          <a:xfrm>
+            <a:off x="1066800" y="1815152"/>
+            <a:ext cx="10058400" cy="4137592"/>
+          </a:xfrm>
+        </p:spPr>
+        <p:txBody>
+          <a:bodyPr>
+            <a:normAutofit/>
+          </a:bodyPr>
+          <a:lstStyle/>
+          <a:p>
+            <a:pPr marL="274320" lvl="1" indent="0">
+              <a:buNone/>
+            </a:pPr>
+            <a:r>
+              <a:rPr lang="en-US" sz="2000" dirty="0">
+                <a:latin typeface="SFMono-Regular"/>
+              </a:rPr>
+              <a:t>Examples:</a:t>
+            </a:r>
+            <a:endParaRPr lang="en-US" dirty="0"/>
+          </a:p>
+          <a:p>
+            <a:pPr marL="274320" lvl="1" indent="0">
+              <a:buNone/>
+            </a:pPr>
+            <a:r>
+              <a:rPr lang="en-US" sz="2000" b="0" i="0" dirty="0">
+                <a:solidFill>
+                  <a:srgbClr val="0101FD"/>
+                </a:solidFill>
+                <a:effectLst/>
+                <a:latin typeface="SFMono-Regular"/>
+              </a:rPr>
+              <a:t>int</a:t>
+            </a:r>
+            <a:r>
+              <a:rPr lang="en-US" sz="2000" b="0" i="0" dirty="0">
+                <a:solidFill>
+                  <a:srgbClr val="171717"/>
+                </a:solidFill>
+                <a:effectLst/>
+                <a:latin typeface="SFMono-Regular"/>
+              </a:rPr>
+              <a:t>? n = </a:t>
+            </a:r>
+            <a:r>
+              <a:rPr lang="en-US" sz="2000" b="0" i="0" dirty="0">
+                <a:solidFill>
+                  <a:srgbClr val="07704A"/>
+                </a:solidFill>
+                <a:effectLst/>
+                <a:latin typeface="SFMono-Regular"/>
+              </a:rPr>
+              <a:t>null</a:t>
+            </a:r>
+            <a:r>
+              <a:rPr lang="en-US" sz="2000" b="0" i="0" dirty="0">
+                <a:solidFill>
+                  <a:srgbClr val="171717"/>
+                </a:solidFill>
+                <a:effectLst/>
+                <a:latin typeface="SFMono-Regular"/>
+              </a:rPr>
+              <a:t>; </a:t>
+            </a:r>
+          </a:p>
+          <a:p>
+            <a:pPr marL="274320" lvl="1" indent="0">
+              <a:buNone/>
+            </a:pPr>
+            <a:r>
+              <a:rPr lang="en-US" sz="2000" b="0" i="0" dirty="0">
+                <a:solidFill>
+                  <a:srgbClr val="008000"/>
+                </a:solidFill>
+                <a:effectLst/>
+                <a:latin typeface="SFMono-Regular"/>
+              </a:rPr>
+              <a:t>// int m1 = n; // Doesn't compile</a:t>
+            </a:r>
+            <a:r>
+              <a:rPr lang="en-US" sz="2000" b="0" i="0" dirty="0">
+                <a:solidFill>
+                  <a:srgbClr val="171717"/>
+                </a:solidFill>
+                <a:effectLst/>
+                <a:latin typeface="SFMono-Regular"/>
+              </a:rPr>
+              <a:t> </a:t>
+            </a:r>
+          </a:p>
+          <a:p>
+            <a:pPr marL="274320" lvl="1" indent="0">
+              <a:buNone/>
+            </a:pPr>
+            <a:r>
+              <a:rPr lang="en-US" sz="2000" b="0" i="0" dirty="0">
+                <a:solidFill>
+                  <a:srgbClr val="008000"/>
+                </a:solidFill>
+                <a:effectLst/>
+                <a:latin typeface="SFMono-Regular"/>
+              </a:rPr>
+              <a:t>// int m2 = null; // Doesn't compile</a:t>
+            </a:r>
+            <a:endParaRPr lang="en-US" sz="2000" b="0" i="0" dirty="0">
+              <a:solidFill>
+                <a:srgbClr val="171717"/>
+              </a:solidFill>
+              <a:effectLst/>
+              <a:latin typeface="SFMono-Regular"/>
+            </a:endParaRPr>
+          </a:p>
+          <a:p>
+            <a:pPr marL="274320" lvl="1" indent="0">
+              <a:buNone/>
+            </a:pPr>
+            <a:r>
+              <a:rPr lang="en-US" sz="2000" b="0" i="0" dirty="0">
+                <a:solidFill>
+                  <a:srgbClr val="0101FD"/>
+                </a:solidFill>
+                <a:effectLst/>
+                <a:latin typeface="SFMono-Regular"/>
+              </a:rPr>
+              <a:t>int</a:t>
+            </a:r>
+            <a:r>
+              <a:rPr lang="en-US" sz="2000" b="0" i="0" dirty="0">
+                <a:solidFill>
+                  <a:srgbClr val="171717"/>
+                </a:solidFill>
+                <a:effectLst/>
+                <a:latin typeface="SFMono-Regular"/>
+              </a:rPr>
+              <a:t> n2 = (</a:t>
+            </a:r>
+            <a:r>
+              <a:rPr lang="en-US" sz="2000" b="0" i="0" dirty="0">
+                <a:solidFill>
+                  <a:srgbClr val="0101FD"/>
+                </a:solidFill>
+                <a:effectLst/>
+                <a:latin typeface="SFMono-Regular"/>
+              </a:rPr>
+              <a:t>int</a:t>
+            </a:r>
+            <a:r>
+              <a:rPr lang="en-US" sz="2000" b="0" i="0" dirty="0">
+                <a:solidFill>
+                  <a:srgbClr val="171717"/>
+                </a:solidFill>
+                <a:effectLst/>
+                <a:latin typeface="SFMono-Regular"/>
+              </a:rPr>
+              <a:t>)n; </a:t>
+            </a:r>
+            <a:r>
+              <a:rPr lang="en-US" sz="2000" b="0" i="0" dirty="0">
+                <a:solidFill>
+                  <a:srgbClr val="008000"/>
+                </a:solidFill>
+                <a:effectLst/>
+                <a:latin typeface="SFMono-Regular"/>
+              </a:rPr>
+              <a:t>// Compiles, but throws an exception if n is null</a:t>
+            </a:r>
+          </a:p>
+          <a:p>
+            <a:pPr marL="274320" lvl="1" indent="0">
+              <a:buNone/>
+            </a:pPr>
+            <a:r>
+              <a:rPr lang="en-US" sz="2000" dirty="0">
+                <a:solidFill>
+                  <a:srgbClr val="008000"/>
+                </a:solidFill>
+                <a:latin typeface="SFMono-Regular"/>
+              </a:rPr>
+              <a:t>// n2 = null; // Doesn’t compile</a:t>
+            </a:r>
+            <a:endParaRPr lang="en-US" sz="2000" b="0" i="0" dirty="0">
+              <a:solidFill>
+                <a:srgbClr val="008000"/>
+              </a:solidFill>
+              <a:effectLst/>
+              <a:latin typeface="SFMono-Regular"/>
+            </a:endParaRPr>
+          </a:p>
+          <a:p>
+            <a:pPr marL="274320" lvl="1" indent="0">
+              <a:buNone/>
+            </a:pPr>
+            <a:endParaRPr lang="en-US" dirty="0">
+              <a:solidFill>
+                <a:srgbClr val="008000"/>
+              </a:solidFill>
+              <a:latin typeface="SFMono-Regular"/>
+            </a:endParaRPr>
+          </a:p>
+          <a:p>
+            <a:pPr marL="274320" lvl="1" indent="0">
+              <a:buNone/>
+            </a:pPr>
+            <a:r>
+              <a:rPr lang="en-US" dirty="0"/>
+              <a:t>MSDN Documentation:</a:t>
+            </a:r>
+            <a:r>
+              <a:rPr lang="en-US" dirty="0">
+                <a:solidFill>
+                  <a:srgbClr val="008000"/>
+                </a:solidFill>
+                <a:latin typeface="SFMono-Regular"/>
+              </a:rPr>
+              <a:t> </a:t>
+            </a:r>
+            <a:r>
+              <a:rPr lang="en-US" dirty="0">
+                <a:hlinkClick r:id="rId2"/>
+              </a:rPr>
+              <a:t>https://docs.microsoft.com/en-us/dotnet/csharp/language-reference/builtin-types/nullable-value-types</a:t>
+            </a:r>
+            <a:endParaRPr lang="en-US" dirty="0"/>
+          </a:p>
+        </p:txBody>
+      </p:sp>
+    </p:spTree>
+    <p:extLst>
+      <p:ext uri="{BB962C8B-B14F-4D97-AF65-F5344CB8AC3E}">
+        <p14:creationId xmlns:p14="http://schemas.microsoft.com/office/powerpoint/2010/main" val="2681204170"/>
+      </p:ext>
+    </p:extLst>
+  </p:cSld>
+  <p:clrMapOvr>
+    <a:masterClrMapping/>
+  </p:clrMapOvr>
+</p:sld>
+</file>
+
+<file path=ppt/slides/slide5.xml><?xml version="1.0" encoding="utf-8"?>
+<p:sld xmlns:a="http://schemas.openxmlformats.org/drawingml/2006/main" xmlns:r="http://schemas.openxmlformats.org/officeDocument/2006/relationships" xmlns:p="http://schemas.openxmlformats.org/presentationml/2006/main">
+  <p:cSld>
+    <p:spTree>
+      <p:nvGrpSpPr>
+        <p:cNvPr id="1" name=""/>
+        <p:cNvGrpSpPr/>
+        <p:nvPr/>
+      </p:nvGrpSpPr>
+      <p:grpSpPr>
+        <a:xfrm>
+          <a:off x="0" y="0"/>
+          <a:ext cx="0" cy="0"/>
+          <a:chOff x="0" y="0"/>
+          <a:chExt cx="0" cy="0"/>
+        </a:xfrm>
+      </p:grpSpPr>
+      <p:sp>
+        <p:nvSpPr>
+          <p:cNvPr id="2" name="Title 1">
+            <a:extLst>
+              <a:ext uri="{FF2B5EF4-FFF2-40B4-BE49-F238E27FC236}">
+                <a16:creationId xmlns:a16="http://schemas.microsoft.com/office/drawing/2014/main" id="{7833FD6B-B85A-40C6-987E-2A7C562E0DFB}"/>
+              </a:ext>
+            </a:extLst>
+          </p:cNvPr>
+          <p:cNvSpPr>
+            <a:spLocks noGrp="1"/>
+          </p:cNvSpPr>
+          <p:nvPr>
+            <p:ph type="title"/>
+          </p:nvPr>
+        </p:nvSpPr>
+        <p:spPr/>
+        <p:txBody>
+          <a:bodyPr/>
+          <a:lstStyle/>
+          <a:p>
+            <a:r>
+              <a:rPr lang="en-US" dirty="0"/>
+              <a:t>What is a nullable reference type?</a:t>
+            </a:r>
+          </a:p>
+        </p:txBody>
+      </p:sp>
+      <p:sp>
+        <p:nvSpPr>
+          <p:cNvPr id="3" name="Content Placeholder 2">
+            <a:extLst>
+              <a:ext uri="{FF2B5EF4-FFF2-40B4-BE49-F238E27FC236}">
+                <a16:creationId xmlns:a16="http://schemas.microsoft.com/office/drawing/2014/main" id="{8D63D492-7BE7-4E60-B0C3-BD370D7C66BD}"/>
+              </a:ext>
+            </a:extLst>
+          </p:cNvPr>
+          <p:cNvSpPr>
+            <a:spLocks noGrp="1"/>
+          </p:cNvSpPr>
+          <p:nvPr>
+            <p:ph idx="1"/>
+          </p:nvPr>
+        </p:nvSpPr>
+        <p:spPr/>
+        <p:txBody>
+          <a:bodyPr/>
+          <a:lstStyle/>
+          <a:p>
+            <a:r>
+              <a:rPr lang="en-US" sz="1800" kern="1200" dirty="0">
+                <a:solidFill>
+                  <a:srgbClr val="000000"/>
+                </a:solidFill>
+                <a:effectLst/>
+                <a:latin typeface="Garamond" panose="02020404030301010803" pitchFamily="18" charset="0"/>
+                <a:ea typeface="+mn-ea"/>
+                <a:cs typeface="+mn-cs"/>
+              </a:rPr>
+              <a:t>Available beginning in C# 8.0 when you opt into nullable aware context using build settings.</a:t>
+            </a:r>
+          </a:p>
+          <a:p>
+            <a:endParaRPr lang="en-US" sz="1800" kern="1200" dirty="0">
+              <a:solidFill>
+                <a:srgbClr val="000000"/>
+              </a:solidFill>
+              <a:effectLst/>
+              <a:latin typeface="Garamond" panose="02020404030301010803" pitchFamily="18" charset="0"/>
+              <a:ea typeface="+mn-ea"/>
+              <a:cs typeface="+mn-cs"/>
+            </a:endParaRPr>
+          </a:p>
+          <a:p>
+            <a:r>
+              <a:rPr lang="en-US" sz="1800" kern="1200" dirty="0">
+                <a:solidFill>
+                  <a:srgbClr val="000000"/>
+                </a:solidFill>
+                <a:effectLst/>
+                <a:latin typeface="Garamond" panose="02020404030301010803" pitchFamily="18" charset="0"/>
+                <a:ea typeface="+mn-ea"/>
+                <a:cs typeface="+mn-cs"/>
+              </a:rPr>
+              <a:t>MSDN Documentation</a:t>
+            </a:r>
+            <a:r>
+              <a:rPr lang="en-US" sz="1800" kern="1200" dirty="0">
+                <a:solidFill>
+                  <a:srgbClr val="000000"/>
+                </a:solidFill>
+                <a:effectLst/>
+                <a:latin typeface="Garamond" panose="02020404030301010803" pitchFamily="18" charset="0"/>
+                <a:hlinkClick r:id="rId2"/>
+              </a:rPr>
+              <a:t>: </a:t>
+            </a:r>
+            <a:r>
+              <a:rPr lang="en-US" dirty="0">
+                <a:hlinkClick r:id="rId2"/>
+              </a:rPr>
+              <a:t>https://docs.microsoft.com/en-us/dotnet/csharp/language-reference/builtin-types/nullable-reference-types</a:t>
+            </a:r>
+            <a:endParaRPr lang="en-US" dirty="0"/>
+          </a:p>
+        </p:txBody>
+      </p:sp>
+    </p:spTree>
+    <p:extLst>
+      <p:ext uri="{BB962C8B-B14F-4D97-AF65-F5344CB8AC3E}">
+        <p14:creationId xmlns:p14="http://schemas.microsoft.com/office/powerpoint/2010/main" val="1761299376"/>
+      </p:ext>
+    </p:extLst>
+  </p:cSld>
+  <p:clrMapOvr>
+    <a:masterClrMapping/>
+  </p:clrMapOvr>
+</p:sld>
+</file>
+
+<file path=ppt/slides/slide6.xml><?xml version="1.0" encoding="utf-8"?>
+<p:sld xmlns:a="http://schemas.openxmlformats.org/drawingml/2006/main" xmlns:r="http://schemas.openxmlformats.org/officeDocument/2006/relationships" xmlns:p="http://schemas.openxmlformats.org/presentationml/2006/main">
+  <p:cSld>
+    <p:spTree>
+      <p:nvGrpSpPr>
+        <p:cNvPr id="1" name=""/>
+        <p:cNvGrpSpPr/>
+        <p:nvPr/>
+      </p:nvGrpSpPr>
+      <p:grpSpPr>
+        <a:xfrm>
+          <a:off x="0" y="0"/>
+          <a:ext cx="0" cy="0"/>
+          <a:chOff x="0" y="0"/>
+          <a:chExt cx="0" cy="0"/>
+        </a:xfrm>
+      </p:grpSpPr>
+      <p:sp>
+        <p:nvSpPr>
+          <p:cNvPr id="2" name="Title 1">
+            <a:extLst>
+              <a:ext uri="{FF2B5EF4-FFF2-40B4-BE49-F238E27FC236}">
+                <a16:creationId xmlns:a16="http://schemas.microsoft.com/office/drawing/2014/main" id="{7833FD6B-B85A-40C6-987E-2A7C562E0DFB}"/>
+              </a:ext>
+            </a:extLst>
+          </p:cNvPr>
+          <p:cNvSpPr>
+            <a:spLocks noGrp="1"/>
+          </p:cNvSpPr>
+          <p:nvPr>
+            <p:ph type="title"/>
+          </p:nvPr>
+        </p:nvSpPr>
+        <p:spPr/>
+        <p:txBody>
+          <a:bodyPr/>
+          <a:lstStyle/>
+          <a:p>
+            <a:r>
+              <a:rPr lang="en-US" dirty="0"/>
+              <a:t>Nullable reference type?</a:t>
+            </a:r>
+          </a:p>
+        </p:txBody>
+      </p:sp>
+      <p:sp>
+        <p:nvSpPr>
+          <p:cNvPr id="3" name="Content Placeholder 2">
+            <a:extLst>
+              <a:ext uri="{FF2B5EF4-FFF2-40B4-BE49-F238E27FC236}">
+                <a16:creationId xmlns:a16="http://schemas.microsoft.com/office/drawing/2014/main" id="{8D63D492-7BE7-4E60-B0C3-BD370D7C66BD}"/>
+              </a:ext>
+            </a:extLst>
+          </p:cNvPr>
+          <p:cNvSpPr>
+            <a:spLocks noGrp="1"/>
+          </p:cNvSpPr>
+          <p:nvPr>
+            <p:ph idx="1"/>
+          </p:nvPr>
+        </p:nvSpPr>
+        <p:spPr/>
+        <p:txBody>
+          <a:bodyPr/>
+          <a:lstStyle/>
+          <a:p>
+            <a:pPr marL="0" indent="0">
+              <a:buNone/>
+            </a:pPr>
+            <a:r>
+              <a:rPr lang="en-US" b="0" i="0" dirty="0">
+                <a:solidFill>
+                  <a:srgbClr val="0101FD"/>
+                </a:solidFill>
+                <a:effectLst/>
+                <a:latin typeface="SFMono-Regular"/>
+              </a:rPr>
+              <a:t>string</a:t>
+            </a:r>
+            <a:r>
+              <a:rPr lang="en-US" b="0" i="0" dirty="0">
+                <a:solidFill>
+                  <a:srgbClr val="171717"/>
+                </a:solidFill>
+                <a:effectLst/>
+                <a:latin typeface="SFMono-Regular"/>
+              </a:rPr>
+              <a:t> description = </a:t>
+            </a:r>
+            <a:r>
+              <a:rPr lang="en-US" b="0" i="0" dirty="0">
+                <a:solidFill>
+                  <a:srgbClr val="A31515"/>
+                </a:solidFill>
+                <a:effectLst/>
+                <a:latin typeface="SFMono-Regular"/>
+              </a:rPr>
+              <a:t>"widget"</a:t>
+            </a:r>
+            <a:r>
+              <a:rPr lang="en-US" b="0" i="0" dirty="0">
+                <a:solidFill>
+                  <a:srgbClr val="171717"/>
+                </a:solidFill>
+                <a:effectLst/>
+                <a:latin typeface="SFMono-Regular"/>
+              </a:rPr>
+              <a:t>; </a:t>
+            </a:r>
+          </a:p>
+          <a:p>
+            <a:pPr marL="0" indent="0">
+              <a:buNone/>
+            </a:pPr>
+            <a:r>
+              <a:rPr lang="en-US" b="0" i="0" dirty="0">
+                <a:solidFill>
+                  <a:srgbClr val="0101FD"/>
+                </a:solidFill>
+                <a:effectLst/>
+                <a:latin typeface="SFMono-Regular"/>
+              </a:rPr>
+              <a:t>var</a:t>
+            </a:r>
+            <a:r>
+              <a:rPr lang="en-US" b="0" i="0" dirty="0">
+                <a:solidFill>
+                  <a:srgbClr val="171717"/>
+                </a:solidFill>
+                <a:effectLst/>
+                <a:latin typeface="SFMono-Regular"/>
+              </a:rPr>
+              <a:t> item = </a:t>
+            </a:r>
+            <a:r>
+              <a:rPr lang="en-US" b="0" i="0" dirty="0">
+                <a:solidFill>
+                  <a:srgbClr val="0101FD"/>
+                </a:solidFill>
+                <a:effectLst/>
+                <a:latin typeface="SFMono-Regular"/>
+              </a:rPr>
+              <a:t>new</a:t>
+            </a:r>
+            <a:r>
+              <a:rPr lang="en-US" b="0" i="0" dirty="0">
+                <a:solidFill>
+                  <a:srgbClr val="171717"/>
+                </a:solidFill>
+                <a:effectLst/>
+                <a:latin typeface="SFMono-Regular"/>
+              </a:rPr>
+              <a:t> </a:t>
+            </a:r>
+            <a:r>
+              <a:rPr lang="en-US" b="0" i="0" dirty="0" err="1">
+                <a:solidFill>
+                  <a:srgbClr val="171717"/>
+                </a:solidFill>
+                <a:effectLst/>
+                <a:latin typeface="SFMono-Regular"/>
+              </a:rPr>
+              <a:t>ProductDescription</a:t>
+            </a:r>
+            <a:r>
+              <a:rPr lang="en-US" b="0" i="0" dirty="0">
+                <a:solidFill>
+                  <a:srgbClr val="171717"/>
+                </a:solidFill>
+                <a:effectLst/>
+                <a:latin typeface="SFMono-Regular"/>
+              </a:rPr>
+              <a:t>(description);</a:t>
+            </a:r>
+            <a:endParaRPr lang="en-US" b="0" i="0" dirty="0">
+              <a:solidFill>
+                <a:srgbClr val="0101FD"/>
+              </a:solidFill>
+              <a:effectLst/>
+              <a:latin typeface="SFMono-Regular"/>
+            </a:endParaRPr>
+          </a:p>
+          <a:p>
+            <a:pPr marL="0" indent="0">
+              <a:buNone/>
+            </a:pPr>
+            <a:r>
+              <a:rPr lang="en-US" b="0" i="0" dirty="0">
+                <a:solidFill>
+                  <a:srgbClr val="0101FD"/>
+                </a:solidFill>
+                <a:effectLst/>
+                <a:latin typeface="SFMono-Regular"/>
+              </a:rPr>
+              <a:t>string</a:t>
+            </a:r>
+            <a:r>
+              <a:rPr lang="en-US" b="0" i="0" dirty="0">
+                <a:solidFill>
+                  <a:srgbClr val="171717"/>
+                </a:solidFill>
+                <a:effectLst/>
+                <a:latin typeface="SFMono-Regular"/>
+              </a:rPr>
+              <a:t> </a:t>
+            </a:r>
+            <a:r>
+              <a:rPr lang="en-US" b="0" i="0" dirty="0" err="1">
+                <a:solidFill>
+                  <a:srgbClr val="171717"/>
+                </a:solidFill>
+                <a:effectLst/>
+                <a:latin typeface="SFMono-Regular"/>
+              </a:rPr>
+              <a:t>shortDescription</a:t>
+            </a:r>
+            <a:r>
+              <a:rPr lang="en-US" b="0" i="0" dirty="0">
+                <a:solidFill>
+                  <a:srgbClr val="171717"/>
+                </a:solidFill>
+                <a:effectLst/>
+                <a:latin typeface="SFMono-Regular"/>
+              </a:rPr>
+              <a:t> = </a:t>
+            </a:r>
+            <a:r>
+              <a:rPr lang="en-US" b="0" i="0" dirty="0">
+                <a:solidFill>
+                  <a:srgbClr val="0101FD"/>
+                </a:solidFill>
+                <a:effectLst/>
+                <a:latin typeface="SFMono-Regular"/>
+              </a:rPr>
+              <a:t>default</a:t>
+            </a:r>
+            <a:r>
+              <a:rPr lang="en-US" b="0" i="0" dirty="0">
+                <a:solidFill>
+                  <a:srgbClr val="171717"/>
+                </a:solidFill>
+                <a:effectLst/>
+                <a:latin typeface="SFMono-Regular"/>
+              </a:rPr>
+              <a:t>; </a:t>
+            </a:r>
+            <a:r>
+              <a:rPr lang="en-US" b="0" i="0" dirty="0">
+                <a:solidFill>
+                  <a:srgbClr val="008000"/>
+                </a:solidFill>
+                <a:effectLst/>
+                <a:latin typeface="SFMono-Regular"/>
+              </a:rPr>
+              <a:t>// Warning; non-nullable set to null;</a:t>
+            </a:r>
+            <a:r>
+              <a:rPr lang="en-US" b="0" i="0" dirty="0">
+                <a:solidFill>
+                  <a:srgbClr val="171717"/>
+                </a:solidFill>
+                <a:effectLst/>
+                <a:latin typeface="SFMono-Regular"/>
+              </a:rPr>
+              <a:t> </a:t>
+            </a:r>
+          </a:p>
+          <a:p>
+            <a:pPr marL="0" indent="0">
+              <a:buNone/>
+            </a:pPr>
+            <a:r>
+              <a:rPr lang="en-US" b="0" i="0" dirty="0">
+                <a:solidFill>
+                  <a:srgbClr val="0101FD"/>
+                </a:solidFill>
+                <a:effectLst/>
+                <a:latin typeface="SFMono-Regular"/>
+              </a:rPr>
+              <a:t>var</a:t>
+            </a:r>
+            <a:r>
+              <a:rPr lang="en-US" b="0" i="0" dirty="0">
+                <a:solidFill>
+                  <a:srgbClr val="171717"/>
+                </a:solidFill>
+                <a:effectLst/>
+                <a:latin typeface="SFMono-Regular"/>
+              </a:rPr>
+              <a:t> product = </a:t>
+            </a:r>
+            <a:r>
+              <a:rPr lang="en-US" b="0" i="0" dirty="0">
+                <a:solidFill>
+                  <a:srgbClr val="0101FD"/>
+                </a:solidFill>
+                <a:effectLst/>
+                <a:latin typeface="SFMono-Regular"/>
+              </a:rPr>
+              <a:t>new</a:t>
+            </a:r>
+            <a:r>
+              <a:rPr lang="en-US" b="0" i="0" dirty="0">
+                <a:solidFill>
+                  <a:srgbClr val="171717"/>
+                </a:solidFill>
+                <a:effectLst/>
+                <a:latin typeface="SFMono-Regular"/>
+              </a:rPr>
+              <a:t> </a:t>
+            </a:r>
+            <a:r>
+              <a:rPr lang="en-US" b="0" i="0" dirty="0" err="1">
+                <a:solidFill>
+                  <a:srgbClr val="171717"/>
+                </a:solidFill>
+                <a:effectLst/>
+                <a:latin typeface="SFMono-Regular"/>
+              </a:rPr>
+              <a:t>ProductDescription</a:t>
+            </a:r>
+            <a:r>
+              <a:rPr lang="en-US" b="0" i="0" dirty="0">
+                <a:solidFill>
+                  <a:srgbClr val="171717"/>
+                </a:solidFill>
+                <a:effectLst/>
+                <a:latin typeface="SFMono-Regular"/>
+              </a:rPr>
+              <a:t>(</a:t>
+            </a:r>
+            <a:r>
+              <a:rPr lang="en-US" b="0" i="0" dirty="0" err="1">
+                <a:solidFill>
+                  <a:srgbClr val="171717"/>
+                </a:solidFill>
+                <a:effectLst/>
+                <a:latin typeface="SFMono-Regular"/>
+              </a:rPr>
+              <a:t>shortDescription</a:t>
+            </a:r>
+            <a:r>
+              <a:rPr lang="en-US" b="0" i="0" dirty="0">
+                <a:solidFill>
+                  <a:srgbClr val="171717"/>
+                </a:solidFill>
+                <a:effectLst/>
+                <a:latin typeface="SFMono-Regular"/>
+              </a:rPr>
+              <a:t>); </a:t>
+            </a:r>
+            <a:r>
+              <a:rPr lang="en-US" b="0" i="0" dirty="0">
+                <a:solidFill>
+                  <a:srgbClr val="008000"/>
+                </a:solidFill>
+                <a:effectLst/>
+                <a:latin typeface="SFMono-Regular"/>
+              </a:rPr>
+              <a:t>// Warning; static analysis knows </a:t>
+            </a:r>
+            <a:r>
+              <a:rPr lang="en-US" b="0" i="0" dirty="0" err="1">
+                <a:solidFill>
+                  <a:srgbClr val="008000"/>
+                </a:solidFill>
+                <a:effectLst/>
+                <a:latin typeface="SFMono-Regular"/>
+              </a:rPr>
+              <a:t>shortDescription</a:t>
+            </a:r>
+            <a:r>
+              <a:rPr lang="en-US" b="0" i="0" dirty="0">
+                <a:solidFill>
+                  <a:srgbClr val="008000"/>
+                </a:solidFill>
+                <a:effectLst/>
+                <a:latin typeface="SFMono-Regular"/>
+              </a:rPr>
+              <a:t> maybe null.</a:t>
+            </a:r>
+            <a:r>
+              <a:rPr lang="en-US" b="0" i="0" dirty="0">
+                <a:solidFill>
+                  <a:srgbClr val="171717"/>
+                </a:solidFill>
+                <a:effectLst/>
+                <a:latin typeface="SFMono-Regular"/>
+              </a:rPr>
+              <a:t> </a:t>
+            </a:r>
+          </a:p>
+          <a:p>
+            <a:pPr marL="0" indent="0">
+              <a:buNone/>
+            </a:pPr>
+            <a:endParaRPr lang="en-US" dirty="0">
+              <a:solidFill>
+                <a:srgbClr val="000000"/>
+              </a:solidFill>
+              <a:latin typeface="Garamond" panose="02020404030301010803" pitchFamily="18" charset="0"/>
+            </a:endParaRPr>
+          </a:p>
+          <a:p>
+            <a:r>
+              <a:rPr lang="en-US" sz="1800" kern="1200" dirty="0">
+                <a:solidFill>
+                  <a:srgbClr val="000000"/>
+                </a:solidFill>
+                <a:effectLst/>
+                <a:latin typeface="Garamond" panose="02020404030301010803" pitchFamily="18" charset="0"/>
+                <a:ea typeface="+mn-ea"/>
+                <a:cs typeface="+mn-cs"/>
+              </a:rPr>
+              <a:t>MSDN Documentation</a:t>
+            </a:r>
+            <a:r>
+              <a:rPr lang="en-US" sz="1800" kern="1200" dirty="0">
+                <a:solidFill>
+                  <a:srgbClr val="000000"/>
+                </a:solidFill>
+                <a:effectLst/>
+                <a:latin typeface="Garamond" panose="02020404030301010803" pitchFamily="18" charset="0"/>
+                <a:hlinkClick r:id="rId2"/>
+              </a:rPr>
+              <a:t>: </a:t>
+            </a:r>
+            <a:r>
+              <a:rPr lang="en-US" dirty="0">
+                <a:hlinkClick r:id="rId2"/>
+              </a:rPr>
+              <a:t>https://docs.microsoft.com/en-us/dotnet/csharp/language-reference/builtin-types/nullable-reference-types</a:t>
+            </a:r>
+            <a:endParaRPr lang="en-US" dirty="0"/>
+          </a:p>
+        </p:txBody>
+      </p:sp>
+    </p:spTree>
+    <p:extLst>
+      <p:ext uri="{BB962C8B-B14F-4D97-AF65-F5344CB8AC3E}">
+        <p14:creationId xmlns:p14="http://schemas.microsoft.com/office/powerpoint/2010/main" val="3020810310"/>
+      </p:ext>
+    </p:extLst>
+  </p:cSld>
+  <p:clrMapOvr>
+    <a:masterClrMapping/>
+  </p:clrMapOvr>
+</p:sld>
+</file>
+
+<file path=ppt/slides/slide7.xml><?xml version="1.0" encoding="utf-8"?>
+<p:sld xmlns:a="http://schemas.openxmlformats.org/drawingml/2006/main" xmlns:r="http://schemas.openxmlformats.org/officeDocument/2006/relationships" xmlns:p="http://schemas.openxmlformats.org/presentationml/2006/main">
+  <p:cSld>
+    <p:spTree>
+      <p:nvGrpSpPr>
+        <p:cNvPr id="1" name=""/>
+        <p:cNvGrpSpPr/>
+        <p:nvPr/>
+      </p:nvGrpSpPr>
+      <p:grpSpPr>
+        <a:xfrm>
+          <a:off x="0" y="0"/>
+          <a:ext cx="0" cy="0"/>
+          <a:chOff x="0" y="0"/>
+          <a:chExt cx="0" cy="0"/>
+        </a:xfrm>
+      </p:grpSpPr>
+      <p:sp>
+        <p:nvSpPr>
+          <p:cNvPr id="2" name="Title 1">
+            <a:extLst>
+              <a:ext uri="{FF2B5EF4-FFF2-40B4-BE49-F238E27FC236}">
                 <a16:creationId xmlns:a16="http://schemas.microsoft.com/office/drawing/2014/main" id="{8E2484BB-30AE-49CF-B13F-24A81AC46484}"/>
               </a:ext>
             </a:extLst>
@@ -4913,8 +7076,8 @@
           <a:lstStyle/>
           <a:p>
             <a:r>
-              <a:rPr lang="en-US"/>
-              <a:t> </a:t>
+              <a:rPr lang="en-US" dirty="0"/>
+              <a:t> Syntax to know</a:t>
             </a:r>
           </a:p>
         </p:txBody>
@@ -4935,12 +7098,277 @@
             <p:ph idx="1"/>
           </p:nvPr>
         </p:nvSpPr>
-        <p:spPr/>
-        <p:txBody>
-          <a:bodyPr/>
+        <p:spPr>
+          <a:xfrm>
+            <a:off x="764275" y="2279176"/>
+            <a:ext cx="10360925" cy="3673568"/>
+          </a:xfrm>
+        </p:spPr>
+        <p:txBody>
+          <a:bodyPr>
+            <a:normAutofit/>
+          </a:bodyPr>
           <a:lstStyle/>
           <a:p>
-            <a:endParaRPr lang="en-US"/>
+            <a:pPr marL="0" indent="0">
+              <a:buNone/>
+            </a:pPr>
+            <a:r>
+              <a:rPr lang="en-US" b="0" i="0" dirty="0">
+                <a:solidFill>
+                  <a:srgbClr val="808080"/>
+                </a:solidFill>
+                <a:effectLst/>
+                <a:latin typeface="Consolas" panose="020B0609020204030204" pitchFamily="49" charset="0"/>
+              </a:rPr>
+              <a:t>#nullable enable</a:t>
+            </a:r>
+            <a:endParaRPr lang="en-US" b="0" i="0" dirty="0">
+              <a:solidFill>
+                <a:srgbClr val="0101FD"/>
+              </a:solidFill>
+              <a:effectLst/>
+              <a:latin typeface="SFMono-Regular"/>
+            </a:endParaRPr>
+          </a:p>
+          <a:p>
+            <a:pPr marL="0" indent="0">
+              <a:buNone/>
+            </a:pPr>
+            <a:r>
+              <a:rPr lang="en-US" b="0" i="0" dirty="0">
+                <a:solidFill>
+                  <a:srgbClr val="0101FD"/>
+                </a:solidFill>
+                <a:effectLst/>
+                <a:latin typeface="SFMono-Regular"/>
+              </a:rPr>
+              <a:t>string</a:t>
+            </a:r>
+            <a:r>
+              <a:rPr lang="en-US" b="0" i="0" dirty="0">
+                <a:solidFill>
+                  <a:srgbClr val="171717"/>
+                </a:solidFill>
+                <a:effectLst/>
+                <a:latin typeface="SFMono-Regular"/>
+              </a:rPr>
+              <a:t> </a:t>
+            </a:r>
+            <a:r>
+              <a:rPr lang="en-US" b="0" i="0" dirty="0" err="1">
+                <a:solidFill>
+                  <a:srgbClr val="171717"/>
+                </a:solidFill>
+                <a:effectLst/>
+                <a:latin typeface="SFMono-Regular"/>
+              </a:rPr>
+              <a:t>notNull</a:t>
+            </a:r>
+            <a:r>
+              <a:rPr lang="en-US" b="0" i="0" dirty="0">
+                <a:solidFill>
+                  <a:srgbClr val="171717"/>
+                </a:solidFill>
+                <a:effectLst/>
+                <a:latin typeface="SFMono-Regular"/>
+              </a:rPr>
+              <a:t> = </a:t>
+            </a:r>
+            <a:r>
+              <a:rPr lang="en-US" b="0" i="0" dirty="0">
+                <a:solidFill>
+                  <a:srgbClr val="A31515"/>
+                </a:solidFill>
+                <a:effectLst/>
+                <a:latin typeface="SFMono-Regular"/>
+              </a:rPr>
+              <a:t>"Hello"</a:t>
+            </a:r>
+            <a:r>
+              <a:rPr lang="en-US" b="0" i="0" dirty="0">
+                <a:solidFill>
+                  <a:srgbClr val="171717"/>
+                </a:solidFill>
+                <a:effectLst/>
+                <a:latin typeface="SFMono-Regular"/>
+              </a:rPr>
+              <a:t>; </a:t>
+            </a:r>
+          </a:p>
+          <a:p>
+            <a:pPr marL="0" indent="0">
+              <a:buNone/>
+            </a:pPr>
+            <a:r>
+              <a:rPr lang="en-US" b="0" i="0" dirty="0">
+                <a:solidFill>
+                  <a:srgbClr val="0101FD"/>
+                </a:solidFill>
+                <a:effectLst/>
+                <a:latin typeface="SFMono-Regular"/>
+              </a:rPr>
+              <a:t>string</a:t>
+            </a:r>
+            <a:r>
+              <a:rPr lang="en-US" b="0" i="0" dirty="0">
+                <a:solidFill>
+                  <a:srgbClr val="171717"/>
+                </a:solidFill>
+                <a:effectLst/>
+                <a:latin typeface="SFMono-Regular"/>
+              </a:rPr>
+              <a:t>? nullable = </a:t>
+            </a:r>
+            <a:r>
+              <a:rPr lang="en-US" b="0" i="0" dirty="0">
+                <a:solidFill>
+                  <a:srgbClr val="0101FD"/>
+                </a:solidFill>
+                <a:effectLst/>
+                <a:latin typeface="SFMono-Regular"/>
+              </a:rPr>
+              <a:t>default</a:t>
+            </a:r>
+            <a:r>
+              <a:rPr lang="en-US" b="0" i="0" dirty="0">
+                <a:solidFill>
+                  <a:srgbClr val="171717"/>
+                </a:solidFill>
+                <a:effectLst/>
+                <a:latin typeface="SFMono-Regular"/>
+              </a:rPr>
+              <a:t>; </a:t>
+            </a:r>
+          </a:p>
+          <a:p>
+            <a:pPr marL="0" indent="0">
+              <a:buNone/>
+            </a:pPr>
+            <a:r>
+              <a:rPr lang="en-US" b="0" i="0" dirty="0">
+                <a:solidFill>
+                  <a:srgbClr val="0101FD"/>
+                </a:solidFill>
+                <a:effectLst/>
+                <a:latin typeface="SFMono-Regular"/>
+              </a:rPr>
+              <a:t>string</a:t>
+            </a:r>
+            <a:r>
+              <a:rPr lang="en-US" b="0" i="0" dirty="0">
+                <a:solidFill>
+                  <a:srgbClr val="171717"/>
+                </a:solidFill>
+                <a:effectLst/>
+                <a:latin typeface="SFMono-Regular"/>
+              </a:rPr>
+              <a:t>? nullable2 = </a:t>
+            </a:r>
+            <a:r>
+              <a:rPr lang="en-US" b="0" i="0" dirty="0">
+                <a:solidFill>
+                  <a:srgbClr val="0101FD"/>
+                </a:solidFill>
+                <a:effectLst/>
+                <a:latin typeface="SFMono-Regular"/>
+              </a:rPr>
+              <a:t>null</a:t>
+            </a:r>
+            <a:r>
+              <a:rPr lang="en-US" b="0" i="0" dirty="0">
+                <a:solidFill>
+                  <a:srgbClr val="171717"/>
+                </a:solidFill>
+                <a:effectLst/>
+                <a:latin typeface="SFMono-Regular"/>
+              </a:rPr>
+              <a:t>; </a:t>
+            </a:r>
+          </a:p>
+          <a:p>
+            <a:pPr marL="0" indent="0">
+              <a:buNone/>
+            </a:pPr>
+            <a:r>
+              <a:rPr lang="en-US" b="0" i="0" dirty="0" err="1">
+                <a:solidFill>
+                  <a:srgbClr val="171717"/>
+                </a:solidFill>
+                <a:effectLst/>
+                <a:latin typeface="SFMono-Regular"/>
+              </a:rPr>
+              <a:t>notNull</a:t>
+            </a:r>
+            <a:r>
+              <a:rPr lang="en-US" b="0" i="0" dirty="0">
+                <a:solidFill>
+                  <a:srgbClr val="171717"/>
+                </a:solidFill>
+                <a:effectLst/>
+                <a:latin typeface="SFMono-Regular"/>
+              </a:rPr>
+              <a:t> = nullable!; </a:t>
+            </a:r>
+            <a:r>
+              <a:rPr lang="en-US" b="0" i="0" dirty="0">
+                <a:solidFill>
+                  <a:srgbClr val="008000"/>
+                </a:solidFill>
+                <a:effectLst/>
+                <a:latin typeface="SFMono-Regular"/>
+              </a:rPr>
+              <a:t>// null forgiving </a:t>
+            </a:r>
+            <a:r>
+              <a:rPr lang="en-US" dirty="0">
+                <a:solidFill>
+                  <a:srgbClr val="008000"/>
+                </a:solidFill>
+                <a:latin typeface="SFMono-Regular"/>
+              </a:rPr>
+              <a:t>operator (</a:t>
+            </a:r>
+            <a:r>
+              <a:rPr lang="en-US" b="0" i="0" dirty="0">
+                <a:solidFill>
+                  <a:srgbClr val="008000"/>
+                </a:solidFill>
+                <a:effectLst/>
+                <a:latin typeface="SFMono-Regular"/>
+              </a:rPr>
+              <a:t>Should be avoided)</a:t>
+            </a:r>
+          </a:p>
+          <a:p>
+            <a:pPr marL="0" indent="0">
+              <a:buNone/>
+            </a:pPr>
+            <a:r>
+              <a:rPr lang="en-US" dirty="0">
+                <a:solidFill>
+                  <a:srgbClr val="008000"/>
+                </a:solidFill>
+                <a:latin typeface="SFMono-Regular"/>
+              </a:rPr>
+              <a:t>// It only turns off compiler checks at runtime even when the value may still be null, so only should be used in a rare case when the compiler is not able to detect that a nullable value is actually non-nullable</a:t>
+            </a:r>
+          </a:p>
+          <a:p>
+            <a:pPr marL="0" indent="0">
+              <a:buNone/>
+            </a:pPr>
+            <a:r>
+              <a:rPr lang="en-US" b="0" i="0" dirty="0">
+                <a:solidFill>
+                  <a:srgbClr val="808080"/>
+                </a:solidFill>
+                <a:effectLst/>
+                <a:latin typeface="Consolas" panose="020B0609020204030204" pitchFamily="49" charset="0"/>
+              </a:rPr>
+              <a:t>#nullable restore</a:t>
+            </a:r>
+            <a:endParaRPr lang="en-US" dirty="0"/>
           </a:p>
         </p:txBody>
       </p:sp>
@@ -4948,6 +7376,360 @@
     <p:extLst>
       <p:ext uri="{BB962C8B-B14F-4D97-AF65-F5344CB8AC3E}">
         <p14:creationId xmlns:p14="http://schemas.microsoft.com/office/powerpoint/2010/main" val="3268341817"/>
+      </p:ext>
+    </p:extLst>
+  </p:cSld>
+  <p:clrMapOvr>
+    <a:masterClrMapping/>
+  </p:clrMapOvr>
+</p:sld>
+</file>
+
+<file path=ppt/slides/slide8.xml><?xml version="1.0" encoding="utf-8"?>
+<p:sld xmlns:a="http://schemas.openxmlformats.org/drawingml/2006/main" xmlns:r="http://schemas.openxmlformats.org/officeDocument/2006/relationships" xmlns:p="http://schemas.openxmlformats.org/presentationml/2006/main">
+  <p:cSld>
+    <p:spTree>
+      <p:nvGrpSpPr>
+        <p:cNvPr id="1" name=""/>
+        <p:cNvGrpSpPr/>
+        <p:nvPr/>
+      </p:nvGrpSpPr>
+      <p:grpSpPr>
+        <a:xfrm>
+          <a:off x="0" y="0"/>
+          <a:ext cx="0" cy="0"/>
+          <a:chOff x="0" y="0"/>
+          <a:chExt cx="0" cy="0"/>
+        </a:xfrm>
+      </p:grpSpPr>
+      <p:sp>
+        <p:nvSpPr>
+          <p:cNvPr id="2" name="Title 1">
+            <a:extLst>
+              <a:ext uri="{FF2B5EF4-FFF2-40B4-BE49-F238E27FC236}">
+                <a16:creationId xmlns:a16="http://schemas.microsoft.com/office/drawing/2014/main" id="{8E2484BB-30AE-49CF-B13F-24A81AC46484}"/>
+              </a:ext>
+            </a:extLst>
+          </p:cNvPr>
+          <p:cNvSpPr>
+            <a:spLocks noGrp="1"/>
+          </p:cNvSpPr>
+          <p:nvPr>
+            <p:ph type="title"/>
+          </p:nvPr>
+        </p:nvSpPr>
+        <p:spPr/>
+        <p:txBody>
+          <a:bodyPr/>
+          <a:lstStyle/>
+          <a:p>
+            <a:r>
+              <a:rPr lang="en-US" dirty="0"/>
+              <a:t> Syntax to know</a:t>
+            </a:r>
+          </a:p>
+        </p:txBody>
+      </p:sp>
+      <p:sp>
+        <p:nvSpPr>
+          <p:cNvPr id="3" name="Content Placeholder 2">
+            <a:extLst>
+              <a:ext uri="{FF2B5EF4-FFF2-40B4-BE49-F238E27FC236}">
+                <a16:creationId xmlns:a16="http://schemas.microsoft.com/office/drawing/2014/main" id="{5E6087FD-A9F0-437C-982C-0DE663F327A0}"/>
+              </a:ext>
+            </a:extLst>
+          </p:cNvPr>
+          <p:cNvSpPr>
+            <a:spLocks noGrp="1"/>
+          </p:cNvSpPr>
+          <p:nvPr>
+            <p:ph idx="1"/>
+          </p:nvPr>
+        </p:nvSpPr>
+        <p:spPr>
+          <a:xfrm>
+            <a:off x="764275" y="2279176"/>
+            <a:ext cx="10360925" cy="3673568"/>
+          </a:xfrm>
+        </p:spPr>
+        <p:txBody>
+          <a:bodyPr>
+            <a:normAutofit/>
+          </a:bodyPr>
+          <a:lstStyle/>
+          <a:p>
+            <a:pPr marL="0" indent="0" algn="l">
+              <a:buNone/>
+            </a:pPr>
+            <a:r>
+              <a:rPr lang="en-US" dirty="0"/>
+              <a:t>Nullable context is set in </a:t>
+            </a:r>
+            <a:r>
+              <a:rPr lang="en-US" dirty="0" err="1"/>
+              <a:t>csproj</a:t>
+            </a:r>
+            <a:r>
+              <a:rPr lang="en-US" dirty="0"/>
+              <a:t> file as follows</a:t>
+            </a:r>
+            <a:endParaRPr lang="fr-FR" dirty="0"/>
+          </a:p>
+          <a:p>
+            <a:pPr marL="0" indent="0" algn="l">
+              <a:buNone/>
+            </a:pPr>
+            <a:r>
+              <a:rPr lang="fr-FR" dirty="0"/>
+              <a:t>&lt;</a:t>
+            </a:r>
+            <a:r>
+              <a:rPr lang="fr-FR" dirty="0" err="1"/>
+              <a:t>LangVersion</a:t>
+            </a:r>
+            <a:r>
+              <a:rPr lang="fr-FR" dirty="0"/>
+              <a:t>&gt;8.0&lt;/</a:t>
+            </a:r>
+            <a:r>
+              <a:rPr lang="fr-FR" dirty="0" err="1"/>
+              <a:t>LangVersion</a:t>
+            </a:r>
+            <a:r>
+              <a:rPr lang="fr-FR" dirty="0"/>
+              <a:t>&gt;  </a:t>
+            </a:r>
+          </a:p>
+          <a:p>
+            <a:pPr marL="0" indent="0" algn="l">
+              <a:buNone/>
+            </a:pPr>
+            <a:r>
+              <a:rPr lang="fr-FR" dirty="0"/>
+              <a:t>&lt;</a:t>
+            </a:r>
+            <a:r>
+              <a:rPr lang="fr-FR" dirty="0" err="1"/>
+              <a:t>Nullable</a:t>
+            </a:r>
+            <a:r>
+              <a:rPr lang="fr-FR" dirty="0"/>
+              <a:t>&gt;enable&lt;/</a:t>
+            </a:r>
+            <a:r>
+              <a:rPr lang="fr-FR" dirty="0" err="1"/>
+              <a:t>Nullable</a:t>
+            </a:r>
+            <a:r>
+              <a:rPr lang="fr-FR" dirty="0"/>
+              <a:t>&gt; </a:t>
+            </a:r>
+          </a:p>
+          <a:p>
+            <a:pPr marL="0" indent="0" algn="l">
+              <a:buNone/>
+            </a:pPr>
+            <a:endParaRPr lang="fr-FR" dirty="0"/>
+          </a:p>
+          <a:p>
+            <a:pPr marL="0" indent="0" algn="l">
+              <a:buNone/>
+            </a:pPr>
+            <a:r>
+              <a:rPr lang="fr-FR" dirty="0"/>
+              <a:t>Or in the source code </a:t>
+            </a:r>
+            <a:r>
+              <a:rPr lang="fr-FR" dirty="0" err="1"/>
+              <a:t>with</a:t>
+            </a:r>
+            <a:endParaRPr lang="fr-FR" dirty="0"/>
+          </a:p>
+          <a:p>
+            <a:pPr marL="0" indent="0" algn="l">
+              <a:buNone/>
+            </a:pPr>
+            <a:r>
+              <a:rPr lang="en-US" b="0" i="0" dirty="0">
+                <a:solidFill>
+                  <a:srgbClr val="808080"/>
+                </a:solidFill>
+                <a:effectLst/>
+                <a:latin typeface="Consolas" panose="020B0609020204030204" pitchFamily="49" charset="0"/>
+              </a:rPr>
+              <a:t>#nullable enable</a:t>
+            </a:r>
+            <a:r>
+              <a:rPr lang="en-US" b="0" i="0" dirty="0">
+                <a:solidFill>
+                  <a:srgbClr val="000000"/>
+                </a:solidFill>
+                <a:effectLst/>
+                <a:latin typeface="Consolas" panose="020B0609020204030204" pitchFamily="49" charset="0"/>
+              </a:rPr>
+              <a:t> </a:t>
+            </a:r>
+            <a:endParaRPr lang="fr-FR" b="0" i="0" dirty="0">
+              <a:solidFill>
+                <a:srgbClr val="000000"/>
+              </a:solidFill>
+              <a:effectLst/>
+              <a:latin typeface="Consolas" panose="020B0609020204030204" pitchFamily="49" charset="0"/>
+            </a:endParaRPr>
+          </a:p>
+          <a:p>
+            <a:pPr marL="0" indent="0" algn="l">
+              <a:buNone/>
+            </a:pPr>
+            <a:r>
+              <a:rPr lang="en-US" b="0" i="0" dirty="0">
+                <a:solidFill>
+                  <a:srgbClr val="808080"/>
+                </a:solidFill>
+                <a:effectLst/>
+                <a:latin typeface="Consolas" panose="020B0609020204030204" pitchFamily="49" charset="0"/>
+              </a:rPr>
+              <a:t>#nullable restore</a:t>
+            </a:r>
+            <a:r>
+              <a:rPr lang="en-US" b="0" i="0" dirty="0">
+                <a:solidFill>
+                  <a:srgbClr val="000000"/>
+                </a:solidFill>
+                <a:effectLst/>
+                <a:latin typeface="Consolas" panose="020B0609020204030204" pitchFamily="49" charset="0"/>
+              </a:rPr>
+              <a:t> </a:t>
+            </a:r>
+            <a:endParaRPr lang="fr-FR" dirty="0"/>
+          </a:p>
+        </p:txBody>
+      </p:sp>
+    </p:spTree>
+    <p:extLst>
+      <p:ext uri="{BB962C8B-B14F-4D97-AF65-F5344CB8AC3E}">
+        <p14:creationId xmlns:p14="http://schemas.microsoft.com/office/powerpoint/2010/main" val="2739618691"/>
+      </p:ext>
+    </p:extLst>
+  </p:cSld>
+  <p:clrMapOvr>
+    <a:masterClrMapping/>
+  </p:clrMapOvr>
+</p:sld>
+</file>
+
+<file path=ppt/slides/slide9.xml><?xml version="1.0" encoding="utf-8"?>
+<p:sld xmlns:a="http://schemas.openxmlformats.org/drawingml/2006/main" xmlns:r="http://schemas.openxmlformats.org/officeDocument/2006/relationships" xmlns:p="http://schemas.openxmlformats.org/presentationml/2006/main">
+  <p:cSld>
+    <p:spTree>
+      <p:nvGrpSpPr>
+        <p:cNvPr id="1" name=""/>
+        <p:cNvGrpSpPr/>
+        <p:nvPr/>
+      </p:nvGrpSpPr>
+      <p:grpSpPr>
+        <a:xfrm>
+          <a:off x="0" y="0"/>
+          <a:ext cx="0" cy="0"/>
+          <a:chOff x="0" y="0"/>
+          <a:chExt cx="0" cy="0"/>
+        </a:xfrm>
+      </p:grpSpPr>
+      <p:sp>
+        <p:nvSpPr>
+          <p:cNvPr id="2" name="Title 1">
+            <a:extLst>
+              <a:ext uri="{FF2B5EF4-FFF2-40B4-BE49-F238E27FC236}">
+                <a16:creationId xmlns:a16="http://schemas.microsoft.com/office/drawing/2014/main" id="{8E2484BB-30AE-49CF-B13F-24A81AC46484}"/>
+              </a:ext>
+            </a:extLst>
+          </p:cNvPr>
+          <p:cNvSpPr>
+            <a:spLocks noGrp="1"/>
+          </p:cNvSpPr>
+          <p:nvPr>
+            <p:ph type="title"/>
+          </p:nvPr>
+        </p:nvSpPr>
+        <p:spPr/>
+        <p:txBody>
+          <a:bodyPr/>
+          <a:lstStyle/>
+          <a:p>
+            <a:r>
+              <a:rPr lang="en-US" dirty="0"/>
+              <a:t> Syntax to know</a:t>
+            </a:r>
+          </a:p>
+        </p:txBody>
+      </p:sp>
+      <p:sp>
+        <p:nvSpPr>
+          <p:cNvPr id="3" name="Content Placeholder 2">
+            <a:extLst>
+              <a:ext uri="{FF2B5EF4-FFF2-40B4-BE49-F238E27FC236}">
+                <a16:creationId xmlns:a16="http://schemas.microsoft.com/office/drawing/2014/main" id="{5E6087FD-A9F0-437C-982C-0DE663F327A0}"/>
+              </a:ext>
+            </a:extLst>
+          </p:cNvPr>
+          <p:cNvSpPr>
+            <a:spLocks noGrp="1"/>
+          </p:cNvSpPr>
+          <p:nvPr>
+            <p:ph idx="1"/>
+          </p:nvPr>
+        </p:nvSpPr>
+        <p:spPr>
+          <a:xfrm>
+            <a:off x="764275" y="2279176"/>
+            <a:ext cx="10360925" cy="3673568"/>
+          </a:xfrm>
+        </p:spPr>
+        <p:txBody>
+          <a:bodyPr>
+            <a:normAutofit/>
+          </a:bodyPr>
+          <a:lstStyle/>
+          <a:p>
+            <a:r>
+              <a:rPr lang="en-US" sz="2000" dirty="0"/>
+              <a:t>Null Coalescing Assignment</a:t>
+            </a:r>
+          </a:p>
+          <a:p>
+            <a:pPr lvl="1"/>
+            <a:r>
+              <a:rPr lang="en-US" sz="1800" dirty="0"/>
+              <a:t>The null-coalescing operator ?? returns the value of its left-hand operand if it isn't null; otherwise, it evaluates the right-hand operand and returns its result.</a:t>
+            </a:r>
+          </a:p>
+          <a:p>
+            <a:pPr lvl="1"/>
+            <a:r>
+              <a:rPr lang="en-US" sz="1800" dirty="0"/>
+              <a:t>Support a??=b in place of if(a==null) a=b</a:t>
+            </a:r>
+          </a:p>
+          <a:p>
+            <a:pPr lvl="1"/>
+            <a:r>
+              <a:rPr lang="en-US" sz="1800" dirty="0"/>
+              <a:t>MSDN Documentation: </a:t>
+            </a:r>
+            <a:r>
+              <a:rPr lang="en-US" sz="1800" dirty="0">
+                <a:hlinkClick r:id="rId2"/>
+              </a:rPr>
+              <a:t>https://docs.microsoft.com/en-us/dotnet/csharp/language-reference/operators/null-coalescing-operator</a:t>
+            </a:r>
+            <a:endParaRPr lang="en-US" sz="1800" dirty="0"/>
+          </a:p>
+        </p:txBody>
+      </p:sp>
+    </p:spTree>
+    <p:extLst>
+      <p:ext uri="{BB962C8B-B14F-4D97-AF65-F5344CB8AC3E}">
+        <p14:creationId xmlns:p14="http://schemas.microsoft.com/office/powerpoint/2010/main" val="186704419"/>
       </p:ext>
     </p:extLst>
   </p:cSld>

--- a/Nullability and Pattern Matching.pptx
+++ b/Nullability and Pattern Matching.pptx
@@ -17,6 +17,7 @@
     <p:sldId id="265" r:id="rId11"/>
     <p:sldId id="266" r:id="rId12"/>
     <p:sldId id="267" r:id="rId13"/>
+    <p:sldId id="268" r:id="rId14"/>
   </p:sldIdLst>
   <p:sldSz cx="12192000" cy="6858000"/>
   <p:notesSz cx="6858000" cy="9144000"/>
@@ -126,7 +127,7 @@
 <file path=ppt/revisionInfo.xml><?xml version="1.0" encoding="utf-8"?>
 <p1510:revInfo xmlns:a="http://schemas.openxmlformats.org/drawingml/2006/main" xmlns:r="http://schemas.openxmlformats.org/officeDocument/2006/relationships" xmlns:p1510="http://schemas.microsoft.com/office/powerpoint/2015/10/main">
   <p1510:revLst>
-    <p1510:client id="{E9C26C98-DF0A-41A1-9F8C-982CDF906D42}" v="14" dt="2021-03-27T05:20:52.969"/>
+    <p1510:client id="{E9C26C98-DF0A-41A1-9F8C-982CDF906D42}" v="16" dt="2021-03-27T06:26:16.558"/>
   </p1510:revLst>
 </p1510:revInfo>
 </file>
@@ -136,7 +137,7 @@
   <pc:docChgLst>
     <pc:chgData name="Benjamin Michaelis" userId="047d050af9d747a3" providerId="LiveId" clId="{E9C26C98-DF0A-41A1-9F8C-982CDF906D42}"/>
     <pc:docChg chg="undo custSel addSld delSld modSld">
-      <pc:chgData name="Benjamin Michaelis" userId="047d050af9d747a3" providerId="LiveId" clId="{E9C26C98-DF0A-41A1-9F8C-982CDF906D42}" dt="2021-03-27T06:04:10.747" v="1582" actId="20577"/>
+      <pc:chgData name="Benjamin Michaelis" userId="047d050af9d747a3" providerId="LiveId" clId="{E9C26C98-DF0A-41A1-9F8C-982CDF906D42}" dt="2021-03-27T06:28:29.565" v="1845" actId="403"/>
       <pc:docMkLst>
         <pc:docMk/>
       </pc:docMkLst>
@@ -272,13 +273,13 @@
         </pc:spChg>
       </pc:sldChg>
       <pc:sldChg chg="modSp add mod">
-        <pc:chgData name="Benjamin Michaelis" userId="047d050af9d747a3" providerId="LiveId" clId="{E9C26C98-DF0A-41A1-9F8C-982CDF906D42}" dt="2021-03-27T05:24:16.708" v="1086" actId="403"/>
+        <pc:chgData name="Benjamin Michaelis" userId="047d050af9d747a3" providerId="LiveId" clId="{E9C26C98-DF0A-41A1-9F8C-982CDF906D42}" dt="2021-03-27T06:19:32.701" v="1589" actId="368"/>
         <pc:sldMkLst>
           <pc:docMk/>
           <pc:sldMk cId="186704419" sldId="261"/>
         </pc:sldMkLst>
         <pc:spChg chg="mod">
-          <ac:chgData name="Benjamin Michaelis" userId="047d050af9d747a3" providerId="LiveId" clId="{E9C26C98-DF0A-41A1-9F8C-982CDF906D42}" dt="2021-03-27T05:24:16.708" v="1086" actId="403"/>
+          <ac:chgData name="Benjamin Michaelis" userId="047d050af9d747a3" providerId="LiveId" clId="{E9C26C98-DF0A-41A1-9F8C-982CDF906D42}" dt="2021-03-27T06:19:32.701" v="1589" actId="368"/>
           <ac:spMkLst>
             <pc:docMk/>
             <pc:sldMk cId="186704419" sldId="261"/>
@@ -396,6 +397,21 @@
           <ac:spMkLst>
             <pc:docMk/>
             <pc:sldMk cId="1197133609" sldId="267"/>
+            <ac:spMk id="3" creationId="{37A151B1-D43B-4DEB-95F4-5213D7FD14E7}"/>
+          </ac:spMkLst>
+        </pc:spChg>
+      </pc:sldChg>
+      <pc:sldChg chg="modSp add mod">
+        <pc:chgData name="Benjamin Michaelis" userId="047d050af9d747a3" providerId="LiveId" clId="{E9C26C98-DF0A-41A1-9F8C-982CDF906D42}" dt="2021-03-27T06:28:29.565" v="1845" actId="403"/>
+        <pc:sldMkLst>
+          <pc:docMk/>
+          <pc:sldMk cId="2623555122" sldId="268"/>
+        </pc:sldMkLst>
+        <pc:spChg chg="mod">
+          <ac:chgData name="Benjamin Michaelis" userId="047d050af9d747a3" providerId="LiveId" clId="{E9C26C98-DF0A-41A1-9F8C-982CDF906D42}" dt="2021-03-27T06:28:29.565" v="1845" actId="403"/>
+          <ac:spMkLst>
+            <pc:docMk/>
+            <pc:sldMk cId="2623555122" sldId="268"/>
             <ac:spMk id="3" creationId="{37A151B1-D43B-4DEB-95F4-5213D7FD14E7}"/>
           </ac:spMkLst>
         </pc:spChg>
@@ -5877,6 +5893,201 @@
 </p:sld>
 </file>
 
+<file path=ppt/slides/slide13.xml><?xml version="1.0" encoding="utf-8"?>
+<p:sld xmlns:a="http://schemas.openxmlformats.org/drawingml/2006/main" xmlns:r="http://schemas.openxmlformats.org/officeDocument/2006/relationships" xmlns:p="http://schemas.openxmlformats.org/presentationml/2006/main">
+  <p:cSld>
+    <p:spTree>
+      <p:nvGrpSpPr>
+        <p:cNvPr id="1" name=""/>
+        <p:cNvGrpSpPr/>
+        <p:nvPr/>
+      </p:nvGrpSpPr>
+      <p:grpSpPr>
+        <a:xfrm>
+          <a:off x="0" y="0"/>
+          <a:ext cx="0" cy="0"/>
+          <a:chOff x="0" y="0"/>
+          <a:chExt cx="0" cy="0"/>
+        </a:xfrm>
+      </p:grpSpPr>
+      <p:sp>
+        <p:nvSpPr>
+          <p:cNvPr id="2" name="Title 1">
+            <a:extLst>
+              <a:ext uri="{FF2B5EF4-FFF2-40B4-BE49-F238E27FC236}">
+                <a16:creationId xmlns:a16="http://schemas.microsoft.com/office/drawing/2014/main" id="{C09132CF-994E-437A-ABB7-14B3F72673EF}"/>
+              </a:ext>
+            </a:extLst>
+          </p:cNvPr>
+          <p:cNvSpPr>
+            <a:spLocks noGrp="1"/>
+          </p:cNvSpPr>
+          <p:nvPr>
+            <p:ph type="title"/>
+          </p:nvPr>
+        </p:nvSpPr>
+        <p:spPr/>
+        <p:txBody>
+          <a:bodyPr/>
+          <a:lstStyle/>
+          <a:p>
+            <a:r>
+              <a:rPr lang="en-US" dirty="0"/>
+              <a:t>Intro to pattern matching examples</a:t>
+            </a:r>
+          </a:p>
+        </p:txBody>
+      </p:sp>
+      <p:sp>
+        <p:nvSpPr>
+          <p:cNvPr id="3" name="Content Placeholder 2">
+            <a:extLst>
+              <a:ext uri="{FF2B5EF4-FFF2-40B4-BE49-F238E27FC236}">
+                <a16:creationId xmlns:a16="http://schemas.microsoft.com/office/drawing/2014/main" id="{37A151B1-D43B-4DEB-95F4-5213D7FD14E7}"/>
+              </a:ext>
+            </a:extLst>
+          </p:cNvPr>
+          <p:cNvSpPr>
+            <a:spLocks noGrp="1"/>
+          </p:cNvSpPr>
+          <p:nvPr>
+            <p:ph idx="1"/>
+          </p:nvPr>
+        </p:nvSpPr>
+        <p:spPr/>
+        <p:txBody>
+          <a:bodyPr>
+            <a:normAutofit/>
+          </a:bodyPr>
+          <a:lstStyle/>
+          <a:p>
+            <a:r>
+              <a:rPr lang="en-US" sz="2000" dirty="0" err="1"/>
+              <a:t>condition_expression</a:t>
+            </a:r>
+            <a:r>
+              <a:rPr lang="en-US" sz="2000" dirty="0"/>
+              <a:t> ? </a:t>
+            </a:r>
+            <a:r>
+              <a:rPr lang="en-US" sz="2000" dirty="0" err="1"/>
+              <a:t>first_expression</a:t>
+            </a:r>
+            <a:r>
+              <a:rPr lang="en-US" sz="2000" dirty="0"/>
+              <a:t> : </a:t>
+            </a:r>
+            <a:r>
+              <a:rPr lang="en-US" sz="2000" dirty="0" err="1"/>
+              <a:t>second_expression</a:t>
+            </a:r>
+            <a:r>
+              <a:rPr lang="en-US" sz="2000" dirty="0"/>
+              <a:t>; </a:t>
+            </a:r>
+          </a:p>
+          <a:p>
+            <a:r>
+              <a:rPr lang="en-US" sz="2000" dirty="0"/>
+              <a:t>With conditional operator ?: if </a:t>
+            </a:r>
+            <a:r>
+              <a:rPr lang="en-US" sz="2000" dirty="0" err="1"/>
+              <a:t>condition_expression</a:t>
+            </a:r>
+            <a:r>
+              <a:rPr lang="en-US" sz="2000" dirty="0"/>
+              <a:t> is true then it will return first expression, else if false second expression will be returned</a:t>
+            </a:r>
+          </a:p>
+          <a:p>
+            <a:pPr lvl="1"/>
+            <a:r>
+              <a:rPr lang="en-US" sz="1800" dirty="0"/>
+              <a:t>is this condition true ? yes : no</a:t>
+            </a:r>
+          </a:p>
+          <a:p>
+            <a:pPr algn="l">
+              <a:buFont typeface="Arial" panose="020B0604020202020204" pitchFamily="34" charset="0"/>
+              <a:buChar char="•"/>
+            </a:pPr>
+            <a:endParaRPr lang="en-US" b="0" i="0" dirty="0">
+              <a:solidFill>
+                <a:srgbClr val="4E4E4E"/>
+              </a:solidFill>
+              <a:effectLst/>
+              <a:latin typeface="Segoe UI" panose="020B0502040204020203" pitchFamily="34" charset="0"/>
+            </a:endParaRPr>
+          </a:p>
+          <a:p>
+            <a:pPr algn="l">
+              <a:buFont typeface="Arial" panose="020B0604020202020204" pitchFamily="34" charset="0"/>
+              <a:buChar char="•"/>
+            </a:pPr>
+            <a:endParaRPr lang="en-US" dirty="0">
+              <a:solidFill>
+                <a:srgbClr val="4E4E4E"/>
+              </a:solidFill>
+              <a:latin typeface="Segoe UI" panose="020B0502040204020203" pitchFamily="34" charset="0"/>
+            </a:endParaRPr>
+          </a:p>
+          <a:p>
+            <a:pPr algn="l">
+              <a:buFont typeface="Arial" panose="020B0604020202020204" pitchFamily="34" charset="0"/>
+              <a:buChar char="•"/>
+            </a:pPr>
+            <a:endParaRPr lang="en-US" b="0" i="0" dirty="0">
+              <a:solidFill>
+                <a:srgbClr val="4E4E4E"/>
+              </a:solidFill>
+              <a:effectLst/>
+              <a:latin typeface="Segoe UI" panose="020B0502040204020203" pitchFamily="34" charset="0"/>
+            </a:endParaRPr>
+          </a:p>
+          <a:p>
+            <a:pPr marL="0" indent="0" algn="l">
+              <a:buNone/>
+            </a:pPr>
+            <a:r>
+              <a:rPr lang="en-US" dirty="0">
+                <a:solidFill>
+                  <a:srgbClr val="4E4E4E"/>
+                </a:solidFill>
+                <a:latin typeface="Segoe UI" panose="020B0502040204020203" pitchFamily="34" charset="0"/>
+              </a:rPr>
+              <a:t>MSDN Documentation: </a:t>
+            </a:r>
+            <a:r>
+              <a:rPr lang="en-US" dirty="0">
+                <a:solidFill>
+                  <a:srgbClr val="4E4E4E"/>
+                </a:solidFill>
+                <a:latin typeface="Segoe UI" panose="020B0502040204020203" pitchFamily="34" charset="0"/>
+                <a:hlinkClick r:id="rId2"/>
+              </a:rPr>
+              <a:t>https://docs.microsoft.com/en-us/dotnet/csharp/language-reference/operators/conditional-operator</a:t>
+            </a:r>
+            <a:endParaRPr lang="en-US" b="0" dirty="0">
+              <a:effectLst/>
+              <a:latin typeface="Consolas" panose="020B0609020204030204" pitchFamily="49" charset="0"/>
+            </a:endParaRPr>
+          </a:p>
+        </p:txBody>
+      </p:sp>
+    </p:spTree>
+    <p:extLst>
+      <p:ext uri="{BB962C8B-B14F-4D97-AF65-F5344CB8AC3E}">
+        <p14:creationId xmlns:p14="http://schemas.microsoft.com/office/powerpoint/2010/main" val="2623555122"/>
+      </p:ext>
+    </p:extLst>
+  </p:cSld>
+  <p:clrMapOvr>
+    <a:masterClrMapping/>
+  </p:clrMapOvr>
+</p:sld>
+</file>
+
 <file path=ppt/slides/slide2.xml><?xml version="1.0" encoding="utf-8"?>
 <p:sld xmlns:a="http://schemas.openxmlformats.org/drawingml/2006/main" xmlns:r="http://schemas.openxmlformats.org/officeDocument/2006/relationships" xmlns:p="http://schemas.openxmlformats.org/presentationml/2006/main">
   <p:cSld>
@@ -7723,6 +7934,12 @@
               <a:t>https://docs.microsoft.com/en-us/dotnet/csharp/language-reference/operators/null-coalescing-operator</a:t>
             </a:r>
             <a:endParaRPr lang="en-US" sz="1800" dirty="0"/>
+          </a:p>
+          <a:p>
+            <a:r>
+              <a:rPr lang="en-US" dirty="0"/>
+              <a:t>{ } is not null</a:t>
+            </a:r>
           </a:p>
         </p:txBody>
       </p:sp>

--- a/Nullability and Pattern Matching.pptx
+++ b/Nullability and Pattern Matching.pptx
@@ -4,6 +4,9 @@
   <p:sldMasterIdLst>
     <p:sldMasterId id="2147483739" r:id="rId1"/>
   </p:sldMasterIdLst>
+  <p:notesMasterIdLst>
+    <p:notesMasterId r:id="rId18"/>
+  </p:notesMasterIdLst>
   <p:sldIdLst>
     <p:sldId id="256" r:id="rId2"/>
     <p:sldId id="260" r:id="rId3"/>
@@ -11,13 +14,16 @@
     <p:sldId id="263" r:id="rId5"/>
     <p:sldId id="259" r:id="rId6"/>
     <p:sldId id="264" r:id="rId7"/>
-    <p:sldId id="257" r:id="rId8"/>
-    <p:sldId id="262" r:id="rId9"/>
+    <p:sldId id="270" r:id="rId8"/>
+    <p:sldId id="257" r:id="rId9"/>
     <p:sldId id="261" r:id="rId10"/>
-    <p:sldId id="265" r:id="rId11"/>
-    <p:sldId id="266" r:id="rId12"/>
-    <p:sldId id="267" r:id="rId13"/>
+    <p:sldId id="267" r:id="rId11"/>
+    <p:sldId id="265" r:id="rId12"/>
+    <p:sldId id="266" r:id="rId13"/>
     <p:sldId id="268" r:id="rId14"/>
+    <p:sldId id="262" r:id="rId15"/>
+    <p:sldId id="269" r:id="rId16"/>
+    <p:sldId id="271" r:id="rId17"/>
   </p:sldIdLst>
   <p:sldSz cx="12192000" cy="6858000"/>
   <p:notesSz cx="6858000" cy="9144000"/>
@@ -127,13 +133,236 @@
 <file path=ppt/revisionInfo.xml><?xml version="1.0" encoding="utf-8"?>
 <p1510:revInfo xmlns:a="http://schemas.openxmlformats.org/drawingml/2006/main" xmlns:r="http://schemas.openxmlformats.org/officeDocument/2006/relationships" xmlns:p1510="http://schemas.microsoft.com/office/powerpoint/2015/10/main">
   <p1510:revLst>
-    <p1510:client id="{E9C26C98-DF0A-41A1-9F8C-982CDF906D42}" v="16" dt="2021-03-27T06:26:16.558"/>
+    <p1510:client id="{EEBD869A-8C73-4416-9991-E3FF47CD07BB}" v="934" dt="2021-03-29T17:36:48.147"/>
   </p1510:revLst>
 </p1510:revInfo>
 </file>
 
 <file path=ppt/changesInfos/changesInfo1.xml><?xml version="1.0" encoding="utf-8"?>
 <pc:chgInfo xmlns:a="http://schemas.openxmlformats.org/drawingml/2006/main" xmlns:r="http://schemas.openxmlformats.org/officeDocument/2006/relationships" xmlns:ac="http://schemas.microsoft.com/office/drawing/2013/main/command" xmlns:pc="http://schemas.microsoft.com/office/powerpoint/2013/main/command">
+  <pc:docChgLst>
+    <pc:chgData name="Benjamin Michaelis" userId="047d050af9d747a3" providerId="LiveId" clId="{EEBD869A-8C73-4416-9991-E3FF47CD07BB}"/>
+    <pc:docChg chg="undo custSel addSld modSld sldOrd">
+      <pc:chgData name="Benjamin Michaelis" userId="047d050af9d747a3" providerId="LiveId" clId="{EEBD869A-8C73-4416-9991-E3FF47CD07BB}" dt="2021-03-29T17:36:48.144" v="927" actId="207"/>
+      <pc:docMkLst>
+        <pc:docMk/>
+      </pc:docMkLst>
+      <pc:sldChg chg="modSp">
+        <pc:chgData name="Benjamin Michaelis" userId="047d050af9d747a3" providerId="LiveId" clId="{EEBD869A-8C73-4416-9991-E3FF47CD07BB}" dt="2021-03-29T17:17:04.104" v="624"/>
+        <pc:sldMkLst>
+          <pc:docMk/>
+          <pc:sldMk cId="3268341817" sldId="257"/>
+        </pc:sldMkLst>
+        <pc:spChg chg="mod">
+          <ac:chgData name="Benjamin Michaelis" userId="047d050af9d747a3" providerId="LiveId" clId="{EEBD869A-8C73-4416-9991-E3FF47CD07BB}" dt="2021-03-29T17:17:04.104" v="624"/>
+          <ac:spMkLst>
+            <pc:docMk/>
+            <pc:sldMk cId="3268341817" sldId="257"/>
+            <ac:spMk id="3" creationId="{5E6087FD-A9F0-437C-982C-0DE663F327A0}"/>
+          </ac:spMkLst>
+        </pc:spChg>
+      </pc:sldChg>
+      <pc:sldChg chg="addSp delSp modSp">
+        <pc:chgData name="Benjamin Michaelis" userId="047d050af9d747a3" providerId="LiveId" clId="{EEBD869A-8C73-4416-9991-E3FF47CD07BB}" dt="2021-03-29T17:20:38.952" v="805"/>
+        <pc:sldMkLst>
+          <pc:docMk/>
+          <pc:sldMk cId="1761299376" sldId="259"/>
+        </pc:sldMkLst>
+        <pc:spChg chg="mod">
+          <ac:chgData name="Benjamin Michaelis" userId="047d050af9d747a3" providerId="LiveId" clId="{EEBD869A-8C73-4416-9991-E3FF47CD07BB}" dt="2021-03-29T17:20:33.419" v="803" actId="20577"/>
+          <ac:spMkLst>
+            <pc:docMk/>
+            <pc:sldMk cId="1761299376" sldId="259"/>
+            <ac:spMk id="3" creationId="{8D63D492-7BE7-4E60-B0C3-BD370D7C66BD}"/>
+          </ac:spMkLst>
+        </pc:spChg>
+        <pc:graphicFrameChg chg="add del">
+          <ac:chgData name="Benjamin Michaelis" userId="047d050af9d747a3" providerId="LiveId" clId="{EEBD869A-8C73-4416-9991-E3FF47CD07BB}" dt="2021-03-29T17:20:38.952" v="805"/>
+          <ac:graphicFrameMkLst>
+            <pc:docMk/>
+            <pc:sldMk cId="1761299376" sldId="259"/>
+            <ac:graphicFrameMk id="4" creationId="{1D1842B4-66E1-4CAB-8326-A44193188869}"/>
+          </ac:graphicFrameMkLst>
+        </pc:graphicFrameChg>
+      </pc:sldChg>
+      <pc:sldChg chg="modSp">
+        <pc:chgData name="Benjamin Michaelis" userId="047d050af9d747a3" providerId="LiveId" clId="{EEBD869A-8C73-4416-9991-E3FF47CD07BB}" dt="2021-03-29T17:17:33.148" v="655" actId="20577"/>
+        <pc:sldMkLst>
+          <pc:docMk/>
+          <pc:sldMk cId="186704419" sldId="261"/>
+        </pc:sldMkLst>
+        <pc:spChg chg="mod">
+          <ac:chgData name="Benjamin Michaelis" userId="047d050af9d747a3" providerId="LiveId" clId="{EEBD869A-8C73-4416-9991-E3FF47CD07BB}" dt="2021-03-29T17:17:33.148" v="655" actId="20577"/>
+          <ac:spMkLst>
+            <pc:docMk/>
+            <pc:sldMk cId="186704419" sldId="261"/>
+            <ac:spMk id="3" creationId="{5E6087FD-A9F0-437C-982C-0DE663F327A0}"/>
+          </ac:spMkLst>
+        </pc:spChg>
+      </pc:sldChg>
+      <pc:sldChg chg="modSp ord">
+        <pc:chgData name="Benjamin Michaelis" userId="047d050af9d747a3" providerId="LiveId" clId="{EEBD869A-8C73-4416-9991-E3FF47CD07BB}" dt="2021-03-29T16:32:45.528" v="74" actId="20577"/>
+        <pc:sldMkLst>
+          <pc:docMk/>
+          <pc:sldMk cId="2739618691" sldId="262"/>
+        </pc:sldMkLst>
+        <pc:spChg chg="mod">
+          <ac:chgData name="Benjamin Michaelis" userId="047d050af9d747a3" providerId="LiveId" clId="{EEBD869A-8C73-4416-9991-E3FF47CD07BB}" dt="2021-03-29T16:32:45.528" v="74" actId="20577"/>
+          <ac:spMkLst>
+            <pc:docMk/>
+            <pc:sldMk cId="2739618691" sldId="262"/>
+            <ac:spMk id="2" creationId="{8E2484BB-30AE-49CF-B13F-24A81AC46484}"/>
+          </ac:spMkLst>
+        </pc:spChg>
+        <pc:spChg chg="mod">
+          <ac:chgData name="Benjamin Michaelis" userId="047d050af9d747a3" providerId="LiveId" clId="{EEBD869A-8C73-4416-9991-E3FF47CD07BB}" dt="2021-03-29T16:31:58.986" v="60" actId="27636"/>
+          <ac:spMkLst>
+            <pc:docMk/>
+            <pc:sldMk cId="2739618691" sldId="262"/>
+            <ac:spMk id="3" creationId="{5E6087FD-A9F0-437C-982C-0DE663F327A0}"/>
+          </ac:spMkLst>
+        </pc:spChg>
+      </pc:sldChg>
+      <pc:sldChg chg="addSp delSp modSp ord">
+        <pc:chgData name="Benjamin Michaelis" userId="047d050af9d747a3" providerId="LiveId" clId="{EEBD869A-8C73-4416-9991-E3FF47CD07BB}" dt="2021-03-29T17:17:58.556" v="682" actId="404"/>
+        <pc:sldMkLst>
+          <pc:docMk/>
+          <pc:sldMk cId="2681204170" sldId="263"/>
+        </pc:sldMkLst>
+        <pc:spChg chg="mod">
+          <ac:chgData name="Benjamin Michaelis" userId="047d050af9d747a3" providerId="LiveId" clId="{EEBD869A-8C73-4416-9991-E3FF47CD07BB}" dt="2021-03-29T17:17:58.556" v="682" actId="404"/>
+          <ac:spMkLst>
+            <pc:docMk/>
+            <pc:sldMk cId="2681204170" sldId="263"/>
+            <ac:spMk id="3" creationId="{A6310C60-4DBF-458F-8A5B-A162E7FB33A8}"/>
+          </ac:spMkLst>
+        </pc:spChg>
+        <pc:picChg chg="add del">
+          <ac:chgData name="Benjamin Michaelis" userId="047d050af9d747a3" providerId="LiveId" clId="{EEBD869A-8C73-4416-9991-E3FF47CD07BB}" dt="2021-03-29T17:14:59.818" v="598"/>
+          <ac:picMkLst>
+            <pc:docMk/>
+            <pc:sldMk cId="2681204170" sldId="263"/>
+            <ac:picMk id="4" creationId="{C2A481B8-FA31-45FE-BD0B-901CC3B08761}"/>
+          </ac:picMkLst>
+        </pc:picChg>
+      </pc:sldChg>
+      <pc:sldChg chg="modSp">
+        <pc:chgData name="Benjamin Michaelis" userId="047d050af9d747a3" providerId="LiveId" clId="{EEBD869A-8C73-4416-9991-E3FF47CD07BB}" dt="2021-03-29T17:22:21.901" v="816" actId="20577"/>
+        <pc:sldMkLst>
+          <pc:docMk/>
+          <pc:sldMk cId="3020810310" sldId="264"/>
+        </pc:sldMkLst>
+        <pc:spChg chg="mod">
+          <ac:chgData name="Benjamin Michaelis" userId="047d050af9d747a3" providerId="LiveId" clId="{EEBD869A-8C73-4416-9991-E3FF47CD07BB}" dt="2021-03-29T17:22:21.901" v="816" actId="20577"/>
+          <ac:spMkLst>
+            <pc:docMk/>
+            <pc:sldMk cId="3020810310" sldId="264"/>
+            <ac:spMk id="2" creationId="{7833FD6B-B85A-40C6-987E-2A7C562E0DFB}"/>
+          </ac:spMkLst>
+        </pc:spChg>
+      </pc:sldChg>
+      <pc:sldChg chg="modSp ord">
+        <pc:chgData name="Benjamin Michaelis" userId="047d050af9d747a3" providerId="LiveId" clId="{EEBD869A-8C73-4416-9991-E3FF47CD07BB}" dt="2021-03-29T17:05:33.835" v="108"/>
+        <pc:sldMkLst>
+          <pc:docMk/>
+          <pc:sldMk cId="1197133609" sldId="267"/>
+        </pc:sldMkLst>
+        <pc:spChg chg="mod">
+          <ac:chgData name="Benjamin Michaelis" userId="047d050af9d747a3" providerId="LiveId" clId="{EEBD869A-8C73-4416-9991-E3FF47CD07BB}" dt="2021-03-29T16:46:31.201" v="76" actId="20577"/>
+          <ac:spMkLst>
+            <pc:docMk/>
+            <pc:sldMk cId="1197133609" sldId="267"/>
+            <ac:spMk id="3" creationId="{37A151B1-D43B-4DEB-95F4-5213D7FD14E7}"/>
+          </ac:spMkLst>
+        </pc:spChg>
+      </pc:sldChg>
+      <pc:sldChg chg="modSp add">
+        <pc:chgData name="Benjamin Michaelis" userId="047d050af9d747a3" providerId="LiveId" clId="{EEBD869A-8C73-4416-9991-E3FF47CD07BB}" dt="2021-03-29T17:33:17.247" v="894" actId="20577"/>
+        <pc:sldMkLst>
+          <pc:docMk/>
+          <pc:sldMk cId="1800479228" sldId="269"/>
+        </pc:sldMkLst>
+        <pc:spChg chg="mod">
+          <ac:chgData name="Benjamin Michaelis" userId="047d050af9d747a3" providerId="LiveId" clId="{EEBD869A-8C73-4416-9991-E3FF47CD07BB}" dt="2021-03-29T17:07:20.993" v="144" actId="20577"/>
+          <ac:spMkLst>
+            <pc:docMk/>
+            <pc:sldMk cId="1800479228" sldId="269"/>
+            <ac:spMk id="2" creationId="{F142E4E8-4624-41C8-98F5-9AD14C865BFF}"/>
+          </ac:spMkLst>
+        </pc:spChg>
+        <pc:spChg chg="mod">
+          <ac:chgData name="Benjamin Michaelis" userId="047d050af9d747a3" providerId="LiveId" clId="{EEBD869A-8C73-4416-9991-E3FF47CD07BB}" dt="2021-03-29T17:33:17.247" v="894" actId="20577"/>
+          <ac:spMkLst>
+            <pc:docMk/>
+            <pc:sldMk cId="1800479228" sldId="269"/>
+            <ac:spMk id="3" creationId="{ACF7E753-FFEF-4B9C-A747-6F3BA99C99F2}"/>
+          </ac:spMkLst>
+        </pc:spChg>
+      </pc:sldChg>
+      <pc:sldChg chg="addSp delSp modSp add">
+        <pc:chgData name="Benjamin Michaelis" userId="047d050af9d747a3" providerId="LiveId" clId="{EEBD869A-8C73-4416-9991-E3FF47CD07BB}" dt="2021-03-29T17:30:05.972" v="870" actId="207"/>
+        <pc:sldMkLst>
+          <pc:docMk/>
+          <pc:sldMk cId="333348270" sldId="270"/>
+        </pc:sldMkLst>
+        <pc:spChg chg="mod">
+          <ac:chgData name="Benjamin Michaelis" userId="047d050af9d747a3" providerId="LiveId" clId="{EEBD869A-8C73-4416-9991-E3FF47CD07BB}" dt="2021-03-29T17:22:27.449" v="817"/>
+          <ac:spMkLst>
+            <pc:docMk/>
+            <pc:sldMk cId="333348270" sldId="270"/>
+            <ac:spMk id="2" creationId="{C5D0C407-5FF9-479A-BA64-A1CDAE99C7EA}"/>
+          </ac:spMkLst>
+        </pc:spChg>
+        <pc:spChg chg="add del mod">
+          <ac:chgData name="Benjamin Michaelis" userId="047d050af9d747a3" providerId="LiveId" clId="{EEBD869A-8C73-4416-9991-E3FF47CD07BB}" dt="2021-03-29T17:30:05.972" v="870" actId="207"/>
+          <ac:spMkLst>
+            <pc:docMk/>
+            <pc:sldMk cId="333348270" sldId="270"/>
+            <ac:spMk id="3" creationId="{6C3089AA-FBCF-4218-95E1-CEF6A082C32F}"/>
+          </ac:spMkLst>
+        </pc:spChg>
+        <pc:graphicFrameChg chg="add del mod">
+          <ac:chgData name="Benjamin Michaelis" userId="047d050af9d747a3" providerId="LiveId" clId="{EEBD869A-8C73-4416-9991-E3FF47CD07BB}" dt="2021-03-29T17:22:39.681" v="819"/>
+          <ac:graphicFrameMkLst>
+            <pc:docMk/>
+            <pc:sldMk cId="333348270" sldId="270"/>
+            <ac:graphicFrameMk id="4" creationId="{A9A72391-8936-43D2-86E1-AF92D04055D4}"/>
+          </ac:graphicFrameMkLst>
+        </pc:graphicFrameChg>
+        <pc:graphicFrameChg chg="add del mod">
+          <ac:chgData name="Benjamin Michaelis" userId="047d050af9d747a3" providerId="LiveId" clId="{EEBD869A-8C73-4416-9991-E3FF47CD07BB}" dt="2021-03-29T17:22:44.686" v="821"/>
+          <ac:graphicFrameMkLst>
+            <pc:docMk/>
+            <pc:sldMk cId="333348270" sldId="270"/>
+            <ac:graphicFrameMk id="5" creationId="{6D1B0C50-0019-4F56-B6A2-582BEBF9A8D5}"/>
+          </ac:graphicFrameMkLst>
+        </pc:graphicFrameChg>
+      </pc:sldChg>
+      <pc:sldChg chg="modSp add">
+        <pc:chgData name="Benjamin Michaelis" userId="047d050af9d747a3" providerId="LiveId" clId="{EEBD869A-8C73-4416-9991-E3FF47CD07BB}" dt="2021-03-29T17:36:48.144" v="927" actId="207"/>
+        <pc:sldMkLst>
+          <pc:docMk/>
+          <pc:sldMk cId="4264799517" sldId="271"/>
+        </pc:sldMkLst>
+        <pc:spChg chg="mod">
+          <ac:chgData name="Benjamin Michaelis" userId="047d050af9d747a3" providerId="LiveId" clId="{EEBD869A-8C73-4416-9991-E3FF47CD07BB}" dt="2021-03-29T17:33:41.138" v="903" actId="1076"/>
+          <ac:spMkLst>
+            <pc:docMk/>
+            <pc:sldMk cId="4264799517" sldId="271"/>
+            <ac:spMk id="2" creationId="{F142E4E8-4624-41C8-98F5-9AD14C865BFF}"/>
+          </ac:spMkLst>
+        </pc:spChg>
+        <pc:spChg chg="mod">
+          <ac:chgData name="Benjamin Michaelis" userId="047d050af9d747a3" providerId="LiveId" clId="{EEBD869A-8C73-4416-9991-E3FF47CD07BB}" dt="2021-03-29T17:36:48.144" v="927" actId="207"/>
+          <ac:spMkLst>
+            <pc:docMk/>
+            <pc:sldMk cId="4264799517" sldId="271"/>
+            <ac:spMk id="3" creationId="{ACF7E753-FFEF-4B9C-A747-6F3BA99C99F2}"/>
+          </ac:spMkLst>
+        </pc:spChg>
+      </pc:sldChg>
+    </pc:docChg>
+  </pc:docChgLst>
   <pc:docChgLst>
     <pc:chgData name="Benjamin Michaelis" userId="047d050af9d747a3" providerId="LiveId" clId="{E9C26C98-DF0A-41A1-9F8C-982CDF906D42}"/>
     <pc:docChg chg="undo custSel addSld delSld modSld">
@@ -231,21 +460,6 @@
             <pc:docMk/>
             <pc:sldMk cId="1761299376" sldId="259"/>
             <ac:spMk id="3" creationId="{8D63D492-7BE7-4E60-B0C3-BD370D7C66BD}"/>
-          </ac:spMkLst>
-        </pc:spChg>
-      </pc:sldChg>
-      <pc:sldChg chg="modSp new del mod">
-        <pc:chgData name="Benjamin Michaelis" userId="047d050af9d747a3" providerId="LiveId" clId="{E9C26C98-DF0A-41A1-9F8C-982CDF906D42}" dt="2021-03-27T05:17:31.210" v="678" actId="47"/>
-        <pc:sldMkLst>
-          <pc:docMk/>
-          <pc:sldMk cId="2502764520" sldId="260"/>
-        </pc:sldMkLst>
-        <pc:spChg chg="mod">
-          <ac:chgData name="Benjamin Michaelis" userId="047d050af9d747a3" providerId="LiveId" clId="{E9C26C98-DF0A-41A1-9F8C-982CDF906D42}" dt="2021-03-27T05:17:29.579" v="677" actId="20577"/>
-          <ac:spMkLst>
-            <pc:docMk/>
-            <pc:sldMk cId="2502764520" sldId="260"/>
-            <ac:spMk id="2" creationId="{9FFE4798-FC2B-4749-8BB6-0CDF6CEFC08A}"/>
           </ac:spMkLst>
         </pc:spChg>
       </pc:sldChg>
@@ -495,101 +709,6 @@
           </ac:spMkLst>
         </pc:spChg>
       </pc:sldChg>
-      <pc:sldMasterChg chg="del delSldLayout">
-        <pc:chgData name="Benjamin Michaelis" userId="047d050af9d747a3" providerId="LiveId" clId="{EEB03AC6-BDC3-4E48-908E-F8DAC1615E5F}" dt="2021-03-22T03:57:27.595" v="41" actId="26606"/>
-        <pc:sldMasterMkLst>
-          <pc:docMk/>
-          <pc:sldMasterMk cId="2933151467" sldId="2147483648"/>
-        </pc:sldMasterMkLst>
-        <pc:sldLayoutChg chg="del">
-          <pc:chgData name="Benjamin Michaelis" userId="047d050af9d747a3" providerId="LiveId" clId="{EEB03AC6-BDC3-4E48-908E-F8DAC1615E5F}" dt="2021-03-22T03:57:27.595" v="41" actId="26606"/>
-          <pc:sldLayoutMkLst>
-            <pc:docMk/>
-            <pc:sldMasterMk cId="2933151467" sldId="2147483648"/>
-            <pc:sldLayoutMk cId="165596529" sldId="2147483649"/>
-          </pc:sldLayoutMkLst>
-        </pc:sldLayoutChg>
-        <pc:sldLayoutChg chg="del">
-          <pc:chgData name="Benjamin Michaelis" userId="047d050af9d747a3" providerId="LiveId" clId="{EEB03AC6-BDC3-4E48-908E-F8DAC1615E5F}" dt="2021-03-22T03:57:27.595" v="41" actId="26606"/>
-          <pc:sldLayoutMkLst>
-            <pc:docMk/>
-            <pc:sldMasterMk cId="2933151467" sldId="2147483648"/>
-            <pc:sldLayoutMk cId="1156380414" sldId="2147483650"/>
-          </pc:sldLayoutMkLst>
-        </pc:sldLayoutChg>
-        <pc:sldLayoutChg chg="del">
-          <pc:chgData name="Benjamin Michaelis" userId="047d050af9d747a3" providerId="LiveId" clId="{EEB03AC6-BDC3-4E48-908E-F8DAC1615E5F}" dt="2021-03-22T03:57:27.595" v="41" actId="26606"/>
-          <pc:sldLayoutMkLst>
-            <pc:docMk/>
-            <pc:sldMasterMk cId="2933151467" sldId="2147483648"/>
-            <pc:sldLayoutMk cId="551649179" sldId="2147483651"/>
-          </pc:sldLayoutMkLst>
-        </pc:sldLayoutChg>
-        <pc:sldLayoutChg chg="del">
-          <pc:chgData name="Benjamin Michaelis" userId="047d050af9d747a3" providerId="LiveId" clId="{EEB03AC6-BDC3-4E48-908E-F8DAC1615E5F}" dt="2021-03-22T03:57:27.595" v="41" actId="26606"/>
-          <pc:sldLayoutMkLst>
-            <pc:docMk/>
-            <pc:sldMasterMk cId="2933151467" sldId="2147483648"/>
-            <pc:sldLayoutMk cId="2822343686" sldId="2147483652"/>
-          </pc:sldLayoutMkLst>
-        </pc:sldLayoutChg>
-        <pc:sldLayoutChg chg="del">
-          <pc:chgData name="Benjamin Michaelis" userId="047d050af9d747a3" providerId="LiveId" clId="{EEB03AC6-BDC3-4E48-908E-F8DAC1615E5F}" dt="2021-03-22T03:57:27.595" v="41" actId="26606"/>
-          <pc:sldLayoutMkLst>
-            <pc:docMk/>
-            <pc:sldMasterMk cId="2933151467" sldId="2147483648"/>
-            <pc:sldLayoutMk cId="49085499" sldId="2147483653"/>
-          </pc:sldLayoutMkLst>
-        </pc:sldLayoutChg>
-        <pc:sldLayoutChg chg="del">
-          <pc:chgData name="Benjamin Michaelis" userId="047d050af9d747a3" providerId="LiveId" clId="{EEB03AC6-BDC3-4E48-908E-F8DAC1615E5F}" dt="2021-03-22T03:57:27.595" v="41" actId="26606"/>
-          <pc:sldLayoutMkLst>
-            <pc:docMk/>
-            <pc:sldMasterMk cId="2933151467" sldId="2147483648"/>
-            <pc:sldLayoutMk cId="1876459786" sldId="2147483654"/>
-          </pc:sldLayoutMkLst>
-        </pc:sldLayoutChg>
-        <pc:sldLayoutChg chg="del">
-          <pc:chgData name="Benjamin Michaelis" userId="047d050af9d747a3" providerId="LiveId" clId="{EEB03AC6-BDC3-4E48-908E-F8DAC1615E5F}" dt="2021-03-22T03:57:27.595" v="41" actId="26606"/>
-          <pc:sldLayoutMkLst>
-            <pc:docMk/>
-            <pc:sldMasterMk cId="2933151467" sldId="2147483648"/>
-            <pc:sldLayoutMk cId="2342918023" sldId="2147483655"/>
-          </pc:sldLayoutMkLst>
-        </pc:sldLayoutChg>
-        <pc:sldLayoutChg chg="del">
-          <pc:chgData name="Benjamin Michaelis" userId="047d050af9d747a3" providerId="LiveId" clId="{EEB03AC6-BDC3-4E48-908E-F8DAC1615E5F}" dt="2021-03-22T03:57:27.595" v="41" actId="26606"/>
-          <pc:sldLayoutMkLst>
-            <pc:docMk/>
-            <pc:sldMasterMk cId="2933151467" sldId="2147483648"/>
-            <pc:sldLayoutMk cId="3127623159" sldId="2147483656"/>
-          </pc:sldLayoutMkLst>
-        </pc:sldLayoutChg>
-        <pc:sldLayoutChg chg="del">
-          <pc:chgData name="Benjamin Michaelis" userId="047d050af9d747a3" providerId="LiveId" clId="{EEB03AC6-BDC3-4E48-908E-F8DAC1615E5F}" dt="2021-03-22T03:57:27.595" v="41" actId="26606"/>
-          <pc:sldLayoutMkLst>
-            <pc:docMk/>
-            <pc:sldMasterMk cId="2933151467" sldId="2147483648"/>
-            <pc:sldLayoutMk cId="2319202913" sldId="2147483657"/>
-          </pc:sldLayoutMkLst>
-        </pc:sldLayoutChg>
-        <pc:sldLayoutChg chg="del">
-          <pc:chgData name="Benjamin Michaelis" userId="047d050af9d747a3" providerId="LiveId" clId="{EEB03AC6-BDC3-4E48-908E-F8DAC1615E5F}" dt="2021-03-22T03:57:27.595" v="41" actId="26606"/>
-          <pc:sldLayoutMkLst>
-            <pc:docMk/>
-            <pc:sldMasterMk cId="2933151467" sldId="2147483648"/>
-            <pc:sldLayoutMk cId="2955028147" sldId="2147483658"/>
-          </pc:sldLayoutMkLst>
-        </pc:sldLayoutChg>
-        <pc:sldLayoutChg chg="del">
-          <pc:chgData name="Benjamin Michaelis" userId="047d050af9d747a3" providerId="LiveId" clId="{EEB03AC6-BDC3-4E48-908E-F8DAC1615E5F}" dt="2021-03-22T03:57:27.595" v="41" actId="26606"/>
-          <pc:sldLayoutMkLst>
-            <pc:docMk/>
-            <pc:sldMasterMk cId="2933151467" sldId="2147483648"/>
-            <pc:sldLayoutMk cId="3580128959" sldId="2147483659"/>
-          </pc:sldLayoutMkLst>
-        </pc:sldLayoutChg>
-      </pc:sldMasterChg>
       <pc:sldMasterChg chg="add addSldLayout">
         <pc:chgData name="Benjamin Michaelis" userId="047d050af9d747a3" providerId="LiveId" clId="{EEB03AC6-BDC3-4E48-908E-F8DAC1615E5F}" dt="2021-03-22T03:57:27.595" v="41" actId="26606"/>
         <pc:sldMasterMkLst>
@@ -688,6 +807,691 @@
     </pc:docChg>
   </pc:docChgLst>
 </pc:chgInfo>
+</file>
+
+<file path=ppt/notesMasters/notesMaster1.xml><?xml version="1.0" encoding="utf-8"?>
+<p:notesMaster xmlns:a="http://schemas.openxmlformats.org/drawingml/2006/main" xmlns:r="http://schemas.openxmlformats.org/officeDocument/2006/relationships" xmlns:p="http://schemas.openxmlformats.org/presentationml/2006/main">
+  <p:cSld>
+    <p:bg>
+      <p:bgRef idx="1001">
+        <a:schemeClr val="bg1"/>
+      </p:bgRef>
+    </p:bg>
+    <p:spTree>
+      <p:nvGrpSpPr>
+        <p:cNvPr id="1" name=""/>
+        <p:cNvGrpSpPr/>
+        <p:nvPr/>
+      </p:nvGrpSpPr>
+      <p:grpSpPr>
+        <a:xfrm>
+          <a:off x="0" y="0"/>
+          <a:ext cx="0" cy="0"/>
+          <a:chOff x="0" y="0"/>
+          <a:chExt cx="0" cy="0"/>
+        </a:xfrm>
+      </p:grpSpPr>
+      <p:sp>
+        <p:nvSpPr>
+          <p:cNvPr id="2" name="Header Placeholder 1"/>
+          <p:cNvSpPr>
+            <a:spLocks noGrp="1"/>
+          </p:cNvSpPr>
+          <p:nvPr>
+            <p:ph type="hdr" sz="quarter"/>
+          </p:nvPr>
+        </p:nvSpPr>
+        <p:spPr>
+          <a:xfrm>
+            <a:off x="0" y="0"/>
+            <a:ext cx="2971800" cy="458788"/>
+          </a:xfrm>
+          <a:prstGeom prst="rect">
+            <a:avLst/>
+          </a:prstGeom>
+        </p:spPr>
+        <p:txBody>
+          <a:bodyPr vert="horz" lIns="91440" tIns="45720" rIns="91440" bIns="45720" rtlCol="0"/>
+          <a:lstStyle>
+            <a:lvl1pPr algn="l">
+              <a:defRPr sz="1200"/>
+            </a:lvl1pPr>
+          </a:lstStyle>
+          <a:p>
+            <a:endParaRPr lang="en-US"/>
+          </a:p>
+        </p:txBody>
+      </p:sp>
+      <p:sp>
+        <p:nvSpPr>
+          <p:cNvPr id="3" name="Date Placeholder 2"/>
+          <p:cNvSpPr>
+            <a:spLocks noGrp="1"/>
+          </p:cNvSpPr>
+          <p:nvPr>
+            <p:ph type="dt" idx="1"/>
+          </p:nvPr>
+        </p:nvSpPr>
+        <p:spPr>
+          <a:xfrm>
+            <a:off x="3884613" y="0"/>
+            <a:ext cx="2971800" cy="458788"/>
+          </a:xfrm>
+          <a:prstGeom prst="rect">
+            <a:avLst/>
+          </a:prstGeom>
+        </p:spPr>
+        <p:txBody>
+          <a:bodyPr vert="horz" lIns="91440" tIns="45720" rIns="91440" bIns="45720" rtlCol="0"/>
+          <a:lstStyle>
+            <a:lvl1pPr algn="r">
+              <a:defRPr sz="1200"/>
+            </a:lvl1pPr>
+          </a:lstStyle>
+          <a:p>
+            <a:fld id="{36B15776-523B-4F89-A49A-812E7855F91A}" type="datetimeFigureOut">
+              <a:rPr lang="en-US" smtClean="0"/>
+              <a:t>3/29/2021</a:t>
+            </a:fld>
+            <a:endParaRPr lang="en-US"/>
+          </a:p>
+        </p:txBody>
+      </p:sp>
+      <p:sp>
+        <p:nvSpPr>
+          <p:cNvPr id="4" name="Slide Image Placeholder 3"/>
+          <p:cNvSpPr>
+            <a:spLocks noGrp="1" noRot="1" noChangeAspect="1"/>
+          </p:cNvSpPr>
+          <p:nvPr>
+            <p:ph type="sldImg" idx="2"/>
+          </p:nvPr>
+        </p:nvSpPr>
+        <p:spPr>
+          <a:xfrm>
+            <a:off x="685800" y="1143000"/>
+            <a:ext cx="5486400" cy="3086100"/>
+          </a:xfrm>
+          <a:prstGeom prst="rect">
+            <a:avLst/>
+          </a:prstGeom>
+          <a:noFill/>
+          <a:ln w="12700">
+            <a:solidFill>
+              <a:prstClr val="black"/>
+            </a:solidFill>
+          </a:ln>
+        </p:spPr>
+        <p:txBody>
+          <a:bodyPr vert="horz" lIns="91440" tIns="45720" rIns="91440" bIns="45720" rtlCol="0" anchor="ctr"/>
+          <a:lstStyle/>
+          <a:p>
+            <a:endParaRPr lang="en-US"/>
+          </a:p>
+        </p:txBody>
+      </p:sp>
+      <p:sp>
+        <p:nvSpPr>
+          <p:cNvPr id="5" name="Notes Placeholder 4"/>
+          <p:cNvSpPr>
+            <a:spLocks noGrp="1"/>
+          </p:cNvSpPr>
+          <p:nvPr>
+            <p:ph type="body" sz="quarter" idx="3"/>
+          </p:nvPr>
+        </p:nvSpPr>
+        <p:spPr>
+          <a:xfrm>
+            <a:off x="685800" y="4400550"/>
+            <a:ext cx="5486400" cy="3600450"/>
+          </a:xfrm>
+          <a:prstGeom prst="rect">
+            <a:avLst/>
+          </a:prstGeom>
+        </p:spPr>
+        <p:txBody>
+          <a:bodyPr vert="horz" lIns="91440" tIns="45720" rIns="91440" bIns="45720" rtlCol="0"/>
+          <a:lstStyle/>
+          <a:p>
+            <a:pPr lvl="0"/>
+            <a:r>
+              <a:rPr lang="en-US"/>
+              <a:t>Edit Master text styles</a:t>
+            </a:r>
+          </a:p>
+          <a:p>
+            <a:pPr lvl="1"/>
+            <a:r>
+              <a:rPr lang="en-US"/>
+              <a:t>Second level</a:t>
+            </a:r>
+          </a:p>
+          <a:p>
+            <a:pPr lvl="2"/>
+            <a:r>
+              <a:rPr lang="en-US"/>
+              <a:t>Third level</a:t>
+            </a:r>
+          </a:p>
+          <a:p>
+            <a:pPr lvl="3"/>
+            <a:r>
+              <a:rPr lang="en-US"/>
+              <a:t>Fourth level</a:t>
+            </a:r>
+          </a:p>
+          <a:p>
+            <a:pPr lvl="4"/>
+            <a:r>
+              <a:rPr lang="en-US"/>
+              <a:t>Fifth level</a:t>
+            </a:r>
+          </a:p>
+        </p:txBody>
+      </p:sp>
+      <p:sp>
+        <p:nvSpPr>
+          <p:cNvPr id="6" name="Footer Placeholder 5"/>
+          <p:cNvSpPr>
+            <a:spLocks noGrp="1"/>
+          </p:cNvSpPr>
+          <p:nvPr>
+            <p:ph type="ftr" sz="quarter" idx="4"/>
+          </p:nvPr>
+        </p:nvSpPr>
+        <p:spPr>
+          <a:xfrm>
+            <a:off x="0" y="8685213"/>
+            <a:ext cx="2971800" cy="458787"/>
+          </a:xfrm>
+          <a:prstGeom prst="rect">
+            <a:avLst/>
+          </a:prstGeom>
+        </p:spPr>
+        <p:txBody>
+          <a:bodyPr vert="horz" lIns="91440" tIns="45720" rIns="91440" bIns="45720" rtlCol="0" anchor="b"/>
+          <a:lstStyle>
+            <a:lvl1pPr algn="l">
+              <a:defRPr sz="1200"/>
+            </a:lvl1pPr>
+          </a:lstStyle>
+          <a:p>
+            <a:endParaRPr lang="en-US"/>
+          </a:p>
+        </p:txBody>
+      </p:sp>
+      <p:sp>
+        <p:nvSpPr>
+          <p:cNvPr id="7" name="Slide Number Placeholder 6"/>
+          <p:cNvSpPr>
+            <a:spLocks noGrp="1"/>
+          </p:cNvSpPr>
+          <p:nvPr>
+            <p:ph type="sldNum" sz="quarter" idx="5"/>
+          </p:nvPr>
+        </p:nvSpPr>
+        <p:spPr>
+          <a:xfrm>
+            <a:off x="3884613" y="8685213"/>
+            <a:ext cx="2971800" cy="458787"/>
+          </a:xfrm>
+          <a:prstGeom prst="rect">
+            <a:avLst/>
+          </a:prstGeom>
+        </p:spPr>
+        <p:txBody>
+          <a:bodyPr vert="horz" lIns="91440" tIns="45720" rIns="91440" bIns="45720" rtlCol="0" anchor="b"/>
+          <a:lstStyle>
+            <a:lvl1pPr algn="r">
+              <a:defRPr sz="1200"/>
+            </a:lvl1pPr>
+          </a:lstStyle>
+          <a:p>
+            <a:fld id="{D2993DBA-BC3F-43CB-8F32-71DA047C1D53}" type="slidenum">
+              <a:rPr lang="en-US" smtClean="0"/>
+              <a:t>‹#›</a:t>
+            </a:fld>
+            <a:endParaRPr lang="en-US"/>
+          </a:p>
+        </p:txBody>
+      </p:sp>
+    </p:spTree>
+    <p:extLst>
+      <p:ext uri="{BB962C8B-B14F-4D97-AF65-F5344CB8AC3E}">
+        <p14:creationId xmlns:p14="http://schemas.microsoft.com/office/powerpoint/2010/main" val="2785259364"/>
+      </p:ext>
+    </p:extLst>
+  </p:cSld>
+  <p:clrMap bg1="lt1" tx1="dk1" bg2="lt2" tx2="dk2" accent1="accent1" accent2="accent2" accent3="accent3" accent4="accent4" accent5="accent5" accent6="accent6" hlink="hlink" folHlink="folHlink"/>
+  <p:notesStyle>
+    <a:lvl1pPr marL="0" algn="l" defTabSz="914400" rtl="0" eaLnBrk="1" latinLnBrk="0" hangingPunct="1">
+      <a:defRPr sz="1200" kern="1200">
+        <a:solidFill>
+          <a:schemeClr val="tx1"/>
+        </a:solidFill>
+        <a:latin typeface="+mn-lt"/>
+        <a:ea typeface="+mn-ea"/>
+        <a:cs typeface="+mn-cs"/>
+      </a:defRPr>
+    </a:lvl1pPr>
+    <a:lvl2pPr marL="457200" algn="l" defTabSz="914400" rtl="0" eaLnBrk="1" latinLnBrk="0" hangingPunct="1">
+      <a:defRPr sz="1200" kern="1200">
+        <a:solidFill>
+          <a:schemeClr val="tx1"/>
+        </a:solidFill>
+        <a:latin typeface="+mn-lt"/>
+        <a:ea typeface="+mn-ea"/>
+        <a:cs typeface="+mn-cs"/>
+      </a:defRPr>
+    </a:lvl2pPr>
+    <a:lvl3pPr marL="914400" algn="l" defTabSz="914400" rtl="0" eaLnBrk="1" latinLnBrk="0" hangingPunct="1">
+      <a:defRPr sz="1200" kern="1200">
+        <a:solidFill>
+          <a:schemeClr val="tx1"/>
+        </a:solidFill>
+        <a:latin typeface="+mn-lt"/>
+        <a:ea typeface="+mn-ea"/>
+        <a:cs typeface="+mn-cs"/>
+      </a:defRPr>
+    </a:lvl3pPr>
+    <a:lvl4pPr marL="1371600" algn="l" defTabSz="914400" rtl="0" eaLnBrk="1" latinLnBrk="0" hangingPunct="1">
+      <a:defRPr sz="1200" kern="1200">
+        <a:solidFill>
+          <a:schemeClr val="tx1"/>
+        </a:solidFill>
+        <a:latin typeface="+mn-lt"/>
+        <a:ea typeface="+mn-ea"/>
+        <a:cs typeface="+mn-cs"/>
+      </a:defRPr>
+    </a:lvl4pPr>
+    <a:lvl5pPr marL="1828800" algn="l" defTabSz="914400" rtl="0" eaLnBrk="1" latinLnBrk="0" hangingPunct="1">
+      <a:defRPr sz="1200" kern="1200">
+        <a:solidFill>
+          <a:schemeClr val="tx1"/>
+        </a:solidFill>
+        <a:latin typeface="+mn-lt"/>
+        <a:ea typeface="+mn-ea"/>
+        <a:cs typeface="+mn-cs"/>
+      </a:defRPr>
+    </a:lvl5pPr>
+    <a:lvl6pPr marL="2286000" algn="l" defTabSz="914400" rtl="0" eaLnBrk="1" latinLnBrk="0" hangingPunct="1">
+      <a:defRPr sz="1200" kern="1200">
+        <a:solidFill>
+          <a:schemeClr val="tx1"/>
+        </a:solidFill>
+        <a:latin typeface="+mn-lt"/>
+        <a:ea typeface="+mn-ea"/>
+        <a:cs typeface="+mn-cs"/>
+      </a:defRPr>
+    </a:lvl6pPr>
+    <a:lvl7pPr marL="2743200" algn="l" defTabSz="914400" rtl="0" eaLnBrk="1" latinLnBrk="0" hangingPunct="1">
+      <a:defRPr sz="1200" kern="1200">
+        <a:solidFill>
+          <a:schemeClr val="tx1"/>
+        </a:solidFill>
+        <a:latin typeface="+mn-lt"/>
+        <a:ea typeface="+mn-ea"/>
+        <a:cs typeface="+mn-cs"/>
+      </a:defRPr>
+    </a:lvl7pPr>
+    <a:lvl8pPr marL="3200400" algn="l" defTabSz="914400" rtl="0" eaLnBrk="1" latinLnBrk="0" hangingPunct="1">
+      <a:defRPr sz="1200" kern="1200">
+        <a:solidFill>
+          <a:schemeClr val="tx1"/>
+        </a:solidFill>
+        <a:latin typeface="+mn-lt"/>
+        <a:ea typeface="+mn-ea"/>
+        <a:cs typeface="+mn-cs"/>
+      </a:defRPr>
+    </a:lvl8pPr>
+    <a:lvl9pPr marL="3657600" algn="l" defTabSz="914400" rtl="0" eaLnBrk="1" latinLnBrk="0" hangingPunct="1">
+      <a:defRPr sz="1200" kern="1200">
+        <a:solidFill>
+          <a:schemeClr val="tx1"/>
+        </a:solidFill>
+        <a:latin typeface="+mn-lt"/>
+        <a:ea typeface="+mn-ea"/>
+        <a:cs typeface="+mn-cs"/>
+      </a:defRPr>
+    </a:lvl9pPr>
+  </p:notesStyle>
+</p:notesMaster>
+</file>
+
+<file path=ppt/notesSlides/notesSlide1.xml><?xml version="1.0" encoding="utf-8"?>
+<p:notes xmlns:a="http://schemas.openxmlformats.org/drawingml/2006/main" xmlns:r="http://schemas.openxmlformats.org/officeDocument/2006/relationships" xmlns:p="http://schemas.openxmlformats.org/presentationml/2006/main">
+  <p:cSld>
+    <p:spTree>
+      <p:nvGrpSpPr>
+        <p:cNvPr id="1" name=""/>
+        <p:cNvGrpSpPr/>
+        <p:nvPr/>
+      </p:nvGrpSpPr>
+      <p:grpSpPr>
+        <a:xfrm>
+          <a:off x="0" y="0"/>
+          <a:ext cx="0" cy="0"/>
+          <a:chOff x="0" y="0"/>
+          <a:chExt cx="0" cy="0"/>
+        </a:xfrm>
+      </p:grpSpPr>
+      <p:sp>
+        <p:nvSpPr>
+          <p:cNvPr id="2" name="Slide Image Placeholder 1"/>
+          <p:cNvSpPr>
+            <a:spLocks noGrp="1" noRot="1" noChangeAspect="1"/>
+          </p:cNvSpPr>
+          <p:nvPr>
+            <p:ph type="sldImg"/>
+          </p:nvPr>
+        </p:nvSpPr>
+        <p:spPr/>
+      </p:sp>
+      <p:sp>
+        <p:nvSpPr>
+          <p:cNvPr id="3" name="Notes Placeholder 2"/>
+          <p:cNvSpPr>
+            <a:spLocks noGrp="1"/>
+          </p:cNvSpPr>
+          <p:nvPr>
+            <p:ph type="body" idx="1"/>
+          </p:nvPr>
+        </p:nvSpPr>
+        <p:spPr/>
+        <p:txBody>
+          <a:bodyPr/>
+          <a:lstStyle/>
+          <a:p>
+            <a:pPr marL="274320" lvl="1" indent="0">
+              <a:buNone/>
+            </a:pPr>
+            <a:r>
+              <a:rPr lang="en-US" sz="2000" b="0" i="0" dirty="0">
+                <a:solidFill>
+                  <a:srgbClr val="0101FD"/>
+                </a:solidFill>
+                <a:effectLst/>
+                <a:latin typeface="SFMono-Regular"/>
+              </a:rPr>
+              <a:t>int</a:t>
+            </a:r>
+            <a:r>
+              <a:rPr lang="en-US" sz="2000" b="0" i="0" dirty="0">
+                <a:solidFill>
+                  <a:srgbClr val="171717"/>
+                </a:solidFill>
+                <a:effectLst/>
+                <a:latin typeface="SFMono-Regular"/>
+              </a:rPr>
+              <a:t>? n = </a:t>
+            </a:r>
+            <a:r>
+              <a:rPr lang="en-US" sz="2000" b="0" i="0" dirty="0">
+                <a:solidFill>
+                  <a:srgbClr val="07704A"/>
+                </a:solidFill>
+                <a:effectLst/>
+                <a:latin typeface="SFMono-Regular"/>
+              </a:rPr>
+              <a:t>null</a:t>
+            </a:r>
+            <a:r>
+              <a:rPr lang="en-US" sz="2000" b="0" i="0" dirty="0">
+                <a:solidFill>
+                  <a:srgbClr val="171717"/>
+                </a:solidFill>
+                <a:effectLst/>
+                <a:latin typeface="SFMono-Regular"/>
+              </a:rPr>
+              <a:t>; </a:t>
+            </a:r>
+          </a:p>
+          <a:p>
+            <a:pPr marL="274320" lvl="1" indent="0">
+              <a:buNone/>
+            </a:pPr>
+            <a:r>
+              <a:rPr lang="en-US" sz="2000" b="0" i="0" dirty="0">
+                <a:solidFill>
+                  <a:srgbClr val="008000"/>
+                </a:solidFill>
+                <a:effectLst/>
+                <a:latin typeface="SFMono-Regular"/>
+              </a:rPr>
+              <a:t>// int m1 = n; // Doesn't compile</a:t>
+            </a:r>
+            <a:r>
+              <a:rPr lang="en-US" sz="2000" b="0" i="0" dirty="0">
+                <a:solidFill>
+                  <a:srgbClr val="171717"/>
+                </a:solidFill>
+                <a:effectLst/>
+                <a:latin typeface="SFMono-Regular"/>
+              </a:rPr>
+              <a:t> </a:t>
+            </a:r>
+          </a:p>
+          <a:p>
+            <a:pPr marL="274320" lvl="1" indent="0">
+              <a:buNone/>
+            </a:pPr>
+            <a:r>
+              <a:rPr lang="en-US" sz="2000" b="0" i="0" dirty="0">
+                <a:solidFill>
+                  <a:srgbClr val="008000"/>
+                </a:solidFill>
+                <a:effectLst/>
+                <a:latin typeface="SFMono-Regular"/>
+              </a:rPr>
+              <a:t>// int m2 = null; // Doesn't compile</a:t>
+            </a:r>
+            <a:endParaRPr lang="en-US" sz="2000" b="0" i="0" dirty="0">
+              <a:solidFill>
+                <a:srgbClr val="171717"/>
+              </a:solidFill>
+              <a:effectLst/>
+              <a:latin typeface="SFMono-Regular"/>
+            </a:endParaRPr>
+          </a:p>
+          <a:p>
+            <a:pPr marL="274320" lvl="1" indent="0">
+              <a:buNone/>
+            </a:pPr>
+            <a:r>
+              <a:rPr lang="en-US" sz="2000" b="0" i="0" dirty="0">
+                <a:solidFill>
+                  <a:srgbClr val="0101FD"/>
+                </a:solidFill>
+                <a:effectLst/>
+                <a:latin typeface="SFMono-Regular"/>
+              </a:rPr>
+              <a:t>int</a:t>
+            </a:r>
+            <a:r>
+              <a:rPr lang="en-US" sz="2000" b="0" i="0" dirty="0">
+                <a:solidFill>
+                  <a:srgbClr val="171717"/>
+                </a:solidFill>
+                <a:effectLst/>
+                <a:latin typeface="SFMono-Regular"/>
+              </a:rPr>
+              <a:t> n2 = (</a:t>
+            </a:r>
+            <a:r>
+              <a:rPr lang="en-US" sz="2000" b="0" i="0" dirty="0">
+                <a:solidFill>
+                  <a:srgbClr val="0101FD"/>
+                </a:solidFill>
+                <a:effectLst/>
+                <a:latin typeface="SFMono-Regular"/>
+              </a:rPr>
+              <a:t>int</a:t>
+            </a:r>
+            <a:r>
+              <a:rPr lang="en-US" sz="2000" b="0" i="0" dirty="0">
+                <a:solidFill>
+                  <a:srgbClr val="171717"/>
+                </a:solidFill>
+                <a:effectLst/>
+                <a:latin typeface="SFMono-Regular"/>
+              </a:rPr>
+              <a:t>)n; </a:t>
+            </a:r>
+            <a:r>
+              <a:rPr lang="en-US" sz="2000" b="0" i="0" dirty="0">
+                <a:solidFill>
+                  <a:srgbClr val="008000"/>
+                </a:solidFill>
+                <a:effectLst/>
+                <a:latin typeface="SFMono-Regular"/>
+              </a:rPr>
+              <a:t>// Compiles, but throws an exception if n is null</a:t>
+            </a:r>
+          </a:p>
+          <a:p>
+            <a:pPr marL="274320" lvl="1" indent="0">
+              <a:buNone/>
+            </a:pPr>
+            <a:r>
+              <a:rPr lang="en-US" sz="2000" dirty="0">
+                <a:solidFill>
+                  <a:srgbClr val="008000"/>
+                </a:solidFill>
+                <a:latin typeface="SFMono-Regular"/>
+              </a:rPr>
+              <a:t>// n2 = null; // Doesn’t compile</a:t>
+            </a:r>
+            <a:endParaRPr lang="en-US" sz="2000" b="0" i="0" dirty="0">
+              <a:solidFill>
+                <a:srgbClr val="008000"/>
+              </a:solidFill>
+              <a:effectLst/>
+              <a:latin typeface="SFMono-Regular"/>
+            </a:endParaRPr>
+          </a:p>
+          <a:p>
+            <a:endParaRPr lang="en-US" dirty="0"/>
+          </a:p>
+        </p:txBody>
+      </p:sp>
+      <p:sp>
+        <p:nvSpPr>
+          <p:cNvPr id="4" name="Slide Number Placeholder 3"/>
+          <p:cNvSpPr>
+            <a:spLocks noGrp="1"/>
+          </p:cNvSpPr>
+          <p:nvPr>
+            <p:ph type="sldNum" sz="quarter" idx="5"/>
+          </p:nvPr>
+        </p:nvSpPr>
+        <p:spPr/>
+        <p:txBody>
+          <a:bodyPr/>
+          <a:lstStyle/>
+          <a:p>
+            <a:fld id="{D2993DBA-BC3F-43CB-8F32-71DA047C1D53}" type="slidenum">
+              <a:rPr lang="en-US" smtClean="0"/>
+              <a:t>4</a:t>
+            </a:fld>
+            <a:endParaRPr lang="en-US"/>
+          </a:p>
+        </p:txBody>
+      </p:sp>
+    </p:spTree>
+    <p:extLst>
+      <p:ext uri="{BB962C8B-B14F-4D97-AF65-F5344CB8AC3E}">
+        <p14:creationId xmlns:p14="http://schemas.microsoft.com/office/powerpoint/2010/main" val="3834254198"/>
+      </p:ext>
+    </p:extLst>
+  </p:cSld>
+  <p:clrMapOvr>
+    <a:masterClrMapping/>
+  </p:clrMapOvr>
+</p:notes>
+</file>
+
+<file path=ppt/notesSlides/notesSlide2.xml><?xml version="1.0" encoding="utf-8"?>
+<p:notes xmlns:a="http://schemas.openxmlformats.org/drawingml/2006/main" xmlns:r="http://schemas.openxmlformats.org/officeDocument/2006/relationships" xmlns:p="http://schemas.openxmlformats.org/presentationml/2006/main">
+  <p:cSld>
+    <p:spTree>
+      <p:nvGrpSpPr>
+        <p:cNvPr id="1" name=""/>
+        <p:cNvGrpSpPr/>
+        <p:nvPr/>
+      </p:nvGrpSpPr>
+      <p:grpSpPr>
+        <a:xfrm>
+          <a:off x="0" y="0"/>
+          <a:ext cx="0" cy="0"/>
+          <a:chOff x="0" y="0"/>
+          <a:chExt cx="0" cy="0"/>
+        </a:xfrm>
+      </p:grpSpPr>
+      <p:sp>
+        <p:nvSpPr>
+          <p:cNvPr id="2" name="Slide Image Placeholder 1"/>
+          <p:cNvSpPr>
+            <a:spLocks noGrp="1" noRot="1" noChangeAspect="1"/>
+          </p:cNvSpPr>
+          <p:nvPr>
+            <p:ph type="sldImg"/>
+          </p:nvPr>
+        </p:nvSpPr>
+        <p:spPr/>
+      </p:sp>
+      <p:sp>
+        <p:nvSpPr>
+          <p:cNvPr id="3" name="Notes Placeholder 2"/>
+          <p:cNvSpPr>
+            <a:spLocks noGrp="1"/>
+          </p:cNvSpPr>
+          <p:nvPr>
+            <p:ph type="body" idx="1"/>
+          </p:nvPr>
+        </p:nvSpPr>
+        <p:spPr/>
+        <p:txBody>
+          <a:bodyPr/>
+          <a:lstStyle/>
+          <a:p>
+            <a:endParaRPr lang="en-US" dirty="0"/>
+          </a:p>
+        </p:txBody>
+      </p:sp>
+      <p:sp>
+        <p:nvSpPr>
+          <p:cNvPr id="4" name="Slide Number Placeholder 3"/>
+          <p:cNvSpPr>
+            <a:spLocks noGrp="1"/>
+          </p:cNvSpPr>
+          <p:nvPr>
+            <p:ph type="sldNum" sz="quarter" idx="5"/>
+          </p:nvPr>
+        </p:nvSpPr>
+        <p:spPr/>
+        <p:txBody>
+          <a:bodyPr/>
+          <a:lstStyle/>
+          <a:p>
+            <a:fld id="{D2993DBA-BC3F-43CB-8F32-71DA047C1D53}" type="slidenum">
+              <a:rPr lang="en-US" smtClean="0"/>
+              <a:t>6</a:t>
+            </a:fld>
+            <a:endParaRPr lang="en-US"/>
+          </a:p>
+        </p:txBody>
+      </p:sp>
+    </p:spTree>
+    <p:extLst>
+      <p:ext uri="{BB962C8B-B14F-4D97-AF65-F5344CB8AC3E}">
+        <p14:creationId xmlns:p14="http://schemas.microsoft.com/office/powerpoint/2010/main" val="1378900280"/>
+      </p:ext>
+    </p:extLst>
+  </p:cSld>
+  <p:clrMapOvr>
+    <a:masterClrMapping/>
+  </p:clrMapOvr>
+</p:notes>
 </file>
 
 <file path=ppt/slideLayouts/slideLayout1.xml><?xml version="1.0" encoding="utf-8"?>
@@ -1159,7 +1963,7 @@
           <a:p>
             <a:fld id="{EA0C0817-A112-4847-8014-A94B7D2A4EA3}" type="datetime1">
               <a:rPr lang="en-US" smtClean="0"/>
-              <a:t>3/26/2021</a:t>
+              <a:t>3/29/2021</a:t>
             </a:fld>
             <a:endParaRPr lang="en-US" dirty="0"/>
           </a:p>
@@ -1361,7 +2165,7 @@
           <a:p>
             <a:fld id="{134F40B7-36AB-4376-BE14-EF7004D79BB9}" type="datetime1">
               <a:rPr lang="en-US" smtClean="0"/>
-              <a:t>3/26/2021</a:t>
+              <a:t>3/29/2021</a:t>
             </a:fld>
             <a:endParaRPr lang="en-US"/>
           </a:p>
@@ -1541,7 +2345,7 @@
           <a:p>
             <a:fld id="{FF87CAB8-DCAE-46A5-AADA-B3FAD11A54E0}" type="datetime1">
               <a:rPr lang="en-US" smtClean="0"/>
-              <a:t>3/26/2021</a:t>
+              <a:t>3/29/2021</a:t>
             </a:fld>
             <a:endParaRPr lang="en-US"/>
           </a:p>
@@ -1711,7 +2515,7 @@
           <a:p>
             <a:fld id="{7332B432-ACDA-4023-A761-2BAB76577B62}" type="datetime1">
               <a:rPr lang="en-US" smtClean="0"/>
-              <a:t>3/26/2021</a:t>
+              <a:t>3/29/2021</a:t>
             </a:fld>
             <a:endParaRPr lang="en-US"/>
           </a:p>
@@ -2310,7 +3114,7 @@
           <a:p>
             <a:fld id="{D9C646AA-F36E-4540-911D-FFFC0A0EF24A}" type="datetime1">
               <a:rPr lang="en-US" smtClean="0"/>
-              <a:t>3/26/2021</a:t>
+              <a:t>3/29/2021</a:t>
             </a:fld>
             <a:endParaRPr lang="en-US" dirty="0"/>
           </a:p>
@@ -2630,7 +3434,7 @@
           <a:p>
             <a:fld id="{69186D26-FA5F-4637-B602-B7C2DC34CFD4}" type="datetime1">
               <a:rPr lang="en-US" smtClean="0"/>
-              <a:t>3/26/2021</a:t>
+              <a:t>3/29/2021</a:t>
             </a:fld>
             <a:endParaRPr lang="en-US"/>
           </a:p>
@@ -3065,7 +3869,7 @@
           <a:p>
             <a:fld id="{8A7F15D8-96D1-4781-BC50-CA8A088B2FE4}" type="datetime1">
               <a:rPr lang="en-US" smtClean="0"/>
-              <a:t>3/26/2021</a:t>
+              <a:t>3/29/2021</a:t>
             </a:fld>
             <a:endParaRPr lang="en-US"/>
           </a:p>
@@ -3183,7 +3987,7 @@
           <a:p>
             <a:fld id="{F9A96C99-B8F8-4528-BD05-0E16E943DC09}" type="datetime1">
               <a:rPr lang="en-US" smtClean="0"/>
-              <a:t>3/26/2021</a:t>
+              <a:t>3/29/2021</a:t>
             </a:fld>
             <a:endParaRPr lang="en-US"/>
           </a:p>
@@ -3278,7 +4082,7 @@
           <a:p>
             <a:fld id="{03636942-C211-4B28-8DBD-C953E00AF71B}" type="datetime1">
               <a:rPr lang="en-US" smtClean="0"/>
-              <a:t>3/26/2021</a:t>
+              <a:t>3/29/2021</a:t>
             </a:fld>
             <a:endParaRPr lang="en-US"/>
           </a:p>
@@ -3695,7 +4499,7 @@
           <a:p>
             <a:fld id="{7E8D12A6-918A-48BD-8CB9-CA713993B0EA}" type="datetime1">
               <a:rPr lang="en-US" smtClean="0"/>
-              <a:t>3/26/2021</a:t>
+              <a:t>3/29/2021</a:t>
             </a:fld>
             <a:endParaRPr lang="en-US"/>
           </a:p>
@@ -3957,7 +4761,7 @@
             <a:fld id="{E778CE86-875F-4587-BCF6-FA054AFC0D53}" type="datetime1">
               <a:rPr lang="en-US" smtClean="0"/>
               <a:pPr/>
-              <a:t>3/26/2021</a:t>
+              <a:t>3/29/2021</a:t>
             </a:fld>
             <a:endParaRPr lang="en-US" dirty="0"/>
           </a:p>
@@ -4473,7 +5277,7 @@
           <a:p>
             <a:fld id="{F6FA2B21-3FCD-4721-B95C-427943F61125}" type="datetime1">
               <a:rPr lang="en-US" smtClean="0"/>
-              <a:t>3/26/2021</a:t>
+              <a:t>3/29/2021</a:t>
             </a:fld>
             <a:endParaRPr lang="en-US"/>
           </a:p>
@@ -5271,17 +6075,82 @@
               <a:t> </a:t>
             </a:r>
             <a:r>
+              <a:rPr lang="en-US" b="0" dirty="0" err="1">
+                <a:effectLst/>
+                <a:latin typeface="Consolas" panose="020B0609020204030204" pitchFamily="49" charset="0"/>
+              </a:rPr>
+              <a:t>IEnumerable</a:t>
+            </a:r>
+            <a:r>
               <a:rPr lang="en-US" b="0" dirty="0">
+                <a:effectLst/>
+                <a:latin typeface="Consolas" panose="020B0609020204030204" pitchFamily="49" charset="0"/>
+              </a:rPr>
+              <a:t>&lt;Shape&gt; Shapes</a:t>
+            </a:r>
+          </a:p>
+          <a:p>
+            <a:pPr marL="0" indent="0">
+              <a:buNone/>
+            </a:pPr>
+            <a:r>
+              <a:rPr lang="en-US" b="0" dirty="0">
+                <a:effectLst/>
+                <a:latin typeface="Consolas" panose="020B0609020204030204" pitchFamily="49" charset="0"/>
+              </a:rPr>
+              <a:t>{</a:t>
+            </a:r>
+          </a:p>
+          <a:p>
+            <a:pPr marL="274320" lvl="1" indent="0">
+              <a:buNone/>
+            </a:pPr>
+            <a:r>
+              <a:rPr lang="en-US" b="0" dirty="0">
                 <a:solidFill>
                   <a:srgbClr val="569CD6"/>
                 </a:solidFill>
                 <a:effectLst/>
                 <a:latin typeface="Consolas" panose="020B0609020204030204" pitchFamily="49" charset="0"/>
               </a:rPr>
-              <a:t>static</a:t>
-            </a:r>
+              <a:t>get</a:t>
+            </a:r>
+            <a:endParaRPr lang="en-US" b="0" dirty="0">
+              <a:solidFill>
+                <a:srgbClr val="CCCCCC"/>
+              </a:solidFill>
+              <a:effectLst/>
+              <a:latin typeface="Consolas" panose="020B0609020204030204" pitchFamily="49" charset="0"/>
+            </a:endParaRPr>
+          </a:p>
+          <a:p>
+            <a:pPr marL="274320" lvl="1" indent="0">
+              <a:buNone/>
+            </a:pPr>
             <a:r>
               <a:rPr lang="en-US" b="0" dirty="0">
+                <a:effectLst/>
+                <a:latin typeface="Consolas" panose="020B0609020204030204" pitchFamily="49" charset="0"/>
+              </a:rPr>
+              <a:t>{</a:t>
+            </a:r>
+          </a:p>
+          <a:p>
+            <a:pPr marL="274320" lvl="1" indent="0">
+              <a:buNone/>
+            </a:pPr>
+            <a:r>
+              <a:rPr lang="en-US" b="0" dirty="0">
+                <a:solidFill>
+                  <a:srgbClr val="569CD6"/>
+                </a:solidFill>
+                <a:effectLst/>
+                <a:latin typeface="Consolas" panose="020B0609020204030204" pitchFamily="49" charset="0"/>
+              </a:rPr>
+              <a:t>	return</a:t>
+            </a:r>
+            <a:r>
+              <a:rPr lang="en-US" b="0" dirty="0">
                 <a:solidFill>
                   <a:srgbClr val="CCCCCC"/>
                 </a:solidFill>
@@ -5291,105 +6160,73 @@
               <a:t> </a:t>
             </a:r>
             <a:r>
+              <a:rPr lang="en-US" b="0" dirty="0">
+                <a:solidFill>
+                  <a:srgbClr val="569CD6"/>
+                </a:solidFill>
+                <a:effectLst/>
+                <a:latin typeface="Consolas" panose="020B0609020204030204" pitchFamily="49" charset="0"/>
+              </a:rPr>
+              <a:t>this</a:t>
+            </a:r>
+            <a:r>
+              <a:rPr lang="en-US" b="0" dirty="0">
+                <a:effectLst/>
+                <a:latin typeface="Consolas" panose="020B0609020204030204" pitchFamily="49" charset="0"/>
+              </a:rPr>
+              <a:t>._</a:t>
+            </a:r>
+            <a:r>
               <a:rPr lang="en-US" b="0" dirty="0" err="1">
                 <a:effectLst/>
                 <a:latin typeface="Consolas" panose="020B0609020204030204" pitchFamily="49" charset="0"/>
               </a:rPr>
-              <a:t>IEnumerable</a:t>
+              <a:t>sequences.SelectMany</a:t>
             </a:r>
             <a:r>
               <a:rPr lang="en-US" b="0" dirty="0">
                 <a:effectLst/>
                 <a:latin typeface="Consolas" panose="020B0609020204030204" pitchFamily="49" charset="0"/>
               </a:rPr>
-              <a:t>&lt;Type&gt; </a:t>
+              <a:t>(item =&gt; item).</a:t>
             </a:r>
             <a:r>
               <a:rPr lang="en-US" b="0" dirty="0" err="1">
                 <a:effectLst/>
                 <a:latin typeface="Consolas" panose="020B0609020204030204" pitchFamily="49" charset="0"/>
               </a:rPr>
-              <a:t>GetShapes</a:t>
+              <a:t>ToList</a:t>
             </a:r>
             <a:r>
               <a:rPr lang="en-US" b="0" dirty="0">
                 <a:effectLst/>
                 <a:latin typeface="Consolas" panose="020B0609020204030204" pitchFamily="49" charset="0"/>
               </a:rPr>
-              <a:t>() =&gt; </a:t>
-            </a:r>
-            <a:r>
-              <a:rPr lang="en-US" b="0" dirty="0" err="1">
-                <a:effectLst/>
-                <a:latin typeface="Consolas" panose="020B0609020204030204" pitchFamily="49" charset="0"/>
-              </a:rPr>
-              <a:t>AppDomain.CurrentDomain.GetAssemblies</a:t>
-            </a:r>
+              <a:t>();</a:t>
+            </a:r>
+          </a:p>
+          <a:p>
+            <a:pPr marL="274320" lvl="1" indent="0">
+              <a:buNone/>
+            </a:pPr>
             <a:r>
               <a:rPr lang="en-US" b="0" dirty="0">
                 <a:effectLst/>
                 <a:latin typeface="Consolas" panose="020B0609020204030204" pitchFamily="49" charset="0"/>
               </a:rPr>
-              <a:t>().</a:t>
-            </a:r>
-            <a:r>
-              <a:rPr lang="en-US" b="0" dirty="0" err="1">
-                <a:effectLst/>
-                <a:latin typeface="Consolas" panose="020B0609020204030204" pitchFamily="49" charset="0"/>
-              </a:rPr>
-              <a:t>SelectMany</a:t>
-            </a:r>
+              <a:t>}</a:t>
+            </a:r>
+          </a:p>
+          <a:p>
+            <a:pPr marL="0" indent="0">
+              <a:buNone/>
+            </a:pPr>
             <a:r>
               <a:rPr lang="en-US" b="0" dirty="0">
                 <a:effectLst/>
                 <a:latin typeface="Consolas" panose="020B0609020204030204" pitchFamily="49" charset="0"/>
               </a:rPr>
-              <a:t>(item =&gt; </a:t>
-            </a:r>
-            <a:r>
-              <a:rPr lang="en-US" b="0" dirty="0" err="1">
-                <a:effectLst/>
-                <a:latin typeface="Consolas" panose="020B0609020204030204" pitchFamily="49" charset="0"/>
-              </a:rPr>
-              <a:t>item.GetTypes</a:t>
-            </a:r>
-            <a:r>
-              <a:rPr lang="en-US" b="0" dirty="0">
-                <a:effectLst/>
-                <a:latin typeface="Consolas" panose="020B0609020204030204" pitchFamily="49" charset="0"/>
-              </a:rPr>
-              <a:t>().Where(type =&gt; </a:t>
-            </a:r>
-            <a:r>
-              <a:rPr lang="en-US" b="0" dirty="0" err="1">
-                <a:effectLst/>
-                <a:latin typeface="Consolas" panose="020B0609020204030204" pitchFamily="49" charset="0"/>
-              </a:rPr>
-              <a:t>type.IsSubclassOf</a:t>
-            </a:r>
-            <a:r>
-              <a:rPr lang="en-US" b="0" dirty="0">
-                <a:effectLst/>
-                <a:latin typeface="Consolas" panose="020B0609020204030204" pitchFamily="49" charset="0"/>
-              </a:rPr>
-              <a:t>(</a:t>
-            </a:r>
-            <a:r>
-              <a:rPr lang="en-US" b="0" dirty="0" err="1">
-                <a:solidFill>
-                  <a:srgbClr val="569CD6"/>
-                </a:solidFill>
-                <a:effectLst/>
-                <a:latin typeface="Consolas" panose="020B0609020204030204" pitchFamily="49" charset="0"/>
-              </a:rPr>
-              <a:t>typeof</a:t>
-            </a:r>
-            <a:r>
-              <a:rPr lang="en-US" b="0" dirty="0">
-                <a:effectLst/>
-                <a:latin typeface="Consolas" panose="020B0609020204030204" pitchFamily="49" charset="0"/>
-              </a:rPr>
-              <a:t>(Shape))));</a:t>
+              <a:t>}</a:t>
             </a:r>
           </a:p>
         </p:txBody>
@@ -5397,7 +6234,7 @@
     </p:spTree>
     <p:extLst>
       <p:ext uri="{BB962C8B-B14F-4D97-AF65-F5344CB8AC3E}">
-        <p14:creationId xmlns:p14="http://schemas.microsoft.com/office/powerpoint/2010/main" val="2901066272"/>
+        <p14:creationId xmlns:p14="http://schemas.microsoft.com/office/powerpoint/2010/main" val="1197133609"/>
       </p:ext>
     </p:extLst>
   </p:cSld>
@@ -5483,7 +6320,7 @@
                 <a:effectLst/>
                 <a:latin typeface="Consolas" panose="020B0609020204030204" pitchFamily="49" charset="0"/>
               </a:rPr>
-              <a:t>public</a:t>
+              <a:t>private</a:t>
             </a:r>
             <a:r>
               <a:rPr lang="en-US" b="0" dirty="0">
@@ -5497,135 +6334,132 @@
             </a:r>
             <a:r>
               <a:rPr lang="en-US" b="0" dirty="0">
-                <a:effectLst/>
-                <a:latin typeface="Consolas" panose="020B0609020204030204" pitchFamily="49" charset="0"/>
-              </a:rPr>
-              <a:t>Dictionary&lt;</a:t>
+                <a:solidFill>
+                  <a:srgbClr val="569CD6"/>
+                </a:solidFill>
+                <a:effectLst/>
+                <a:latin typeface="Consolas" panose="020B0609020204030204" pitchFamily="49" charset="0"/>
+              </a:rPr>
+              <a:t>static</a:t>
             </a:r>
             <a:r>
               <a:rPr lang="en-US" b="0" dirty="0">
                 <a:solidFill>
+                  <a:srgbClr val="CCCCCC"/>
+                </a:solidFill>
+                <a:effectLst/>
+                <a:latin typeface="Consolas" panose="020B0609020204030204" pitchFamily="49" charset="0"/>
+              </a:rPr>
+              <a:t> </a:t>
+            </a:r>
+            <a:r>
+              <a:rPr lang="en-US" b="0" dirty="0" err="1">
+                <a:effectLst/>
+                <a:latin typeface="Consolas" panose="020B0609020204030204" pitchFamily="49" charset="0"/>
+              </a:rPr>
+              <a:t>IEnumerable</a:t>
+            </a:r>
+            <a:r>
+              <a:rPr lang="en-US" b="0" dirty="0">
+                <a:effectLst/>
+                <a:latin typeface="Consolas" panose="020B0609020204030204" pitchFamily="49" charset="0"/>
+              </a:rPr>
+              <a:t>&lt;Type&gt; </a:t>
+            </a:r>
+            <a:r>
+              <a:rPr lang="en-US" b="0" dirty="0" err="1">
+                <a:effectLst/>
+                <a:latin typeface="Consolas" panose="020B0609020204030204" pitchFamily="49" charset="0"/>
+              </a:rPr>
+              <a:t>GetShapes</a:t>
+            </a:r>
+            <a:r>
+              <a:rPr lang="en-US" b="0" dirty="0">
+                <a:effectLst/>
+                <a:latin typeface="Consolas" panose="020B0609020204030204" pitchFamily="49" charset="0"/>
+              </a:rPr>
+              <a:t>() =&gt; </a:t>
+            </a:r>
+            <a:r>
+              <a:rPr lang="en-US" b="0" dirty="0" err="1">
+                <a:effectLst/>
+                <a:latin typeface="Consolas" panose="020B0609020204030204" pitchFamily="49" charset="0"/>
+              </a:rPr>
+              <a:t>AppDomain.CurrentDomain.GetAssemblies</a:t>
+            </a:r>
+            <a:r>
+              <a:rPr lang="en-US" b="0" dirty="0">
+                <a:effectLst/>
+                <a:latin typeface="Consolas" panose="020B0609020204030204" pitchFamily="49" charset="0"/>
+              </a:rPr>
+              <a:t>().</a:t>
+            </a:r>
+            <a:r>
+              <a:rPr lang="en-US" b="0" dirty="0" err="1">
+                <a:effectLst/>
+                <a:latin typeface="Consolas" panose="020B0609020204030204" pitchFamily="49" charset="0"/>
+              </a:rPr>
+              <a:t>SelectMany</a:t>
+            </a:r>
+            <a:r>
+              <a:rPr lang="en-US" b="0" dirty="0">
+                <a:effectLst/>
+                <a:latin typeface="Consolas" panose="020B0609020204030204" pitchFamily="49" charset="0"/>
+              </a:rPr>
+              <a:t>(item =&gt; </a:t>
+            </a:r>
+            <a:r>
+              <a:rPr lang="en-US" b="0" dirty="0" err="1">
+                <a:effectLst/>
+                <a:latin typeface="Consolas" panose="020B0609020204030204" pitchFamily="49" charset="0"/>
+              </a:rPr>
+              <a:t>item.GetTypes</a:t>
+            </a:r>
+            <a:r>
+              <a:rPr lang="en-US" b="0" dirty="0">
+                <a:effectLst/>
+                <a:latin typeface="Consolas" panose="020B0609020204030204" pitchFamily="49" charset="0"/>
+              </a:rPr>
+              <a:t>().Where(type =&gt; </a:t>
+            </a:r>
+            <a:r>
+              <a:rPr lang="en-US" b="0" dirty="0" err="1">
+                <a:effectLst/>
+                <a:latin typeface="Consolas" panose="020B0609020204030204" pitchFamily="49" charset="0"/>
+              </a:rPr>
+              <a:t>type.IsSubclassOf</a:t>
+            </a:r>
+            <a:r>
+              <a:rPr lang="en-US" b="0" dirty="0">
+                <a:effectLst/>
+                <a:latin typeface="Consolas" panose="020B0609020204030204" pitchFamily="49" charset="0"/>
+              </a:rPr>
+              <a:t>(</a:t>
+            </a:r>
+            <a:r>
+              <a:rPr lang="en-US" b="0" dirty="0" err="1">
+                <a:solidFill>
                   <a:srgbClr val="569CD6"/>
                 </a:solidFill>
                 <a:effectLst/>
                 <a:latin typeface="Consolas" panose="020B0609020204030204" pitchFamily="49" charset="0"/>
               </a:rPr>
-              <a:t>char</a:t>
+              <a:t>typeof</a:t>
             </a:r>
             <a:r>
               <a:rPr lang="en-US" b="0" dirty="0">
                 <a:effectLst/>
                 <a:latin typeface="Consolas" panose="020B0609020204030204" pitchFamily="49" charset="0"/>
               </a:rPr>
-              <a:t>, Type&gt; </a:t>
-            </a:r>
-            <a:r>
-              <a:rPr lang="en-US" b="0" dirty="0" err="1">
-                <a:effectLst/>
-                <a:latin typeface="Consolas" panose="020B0609020204030204" pitchFamily="49" charset="0"/>
-              </a:rPr>
-              <a:t>ShapeTypes</a:t>
-            </a:r>
-            <a:r>
-              <a:rPr lang="en-US" b="0" dirty="0">
-                <a:effectLst/>
-                <a:latin typeface="Consolas" panose="020B0609020204030204" pitchFamily="49" charset="0"/>
-              </a:rPr>
-              <a:t> { </a:t>
-            </a:r>
-            <a:r>
-              <a:rPr lang="en-US" b="0" dirty="0">
-                <a:solidFill>
-                  <a:srgbClr val="569CD6"/>
-                </a:solidFill>
-                <a:effectLst/>
-                <a:latin typeface="Consolas" panose="020B0609020204030204" pitchFamily="49" charset="0"/>
-              </a:rPr>
-              <a:t>get</a:t>
-            </a:r>
-            <a:r>
-              <a:rPr lang="en-US" b="0" dirty="0">
-                <a:effectLst/>
-                <a:latin typeface="Consolas" panose="020B0609020204030204" pitchFamily="49" charset="0"/>
-              </a:rPr>
-              <a:t>; } = </a:t>
-            </a:r>
-            <a:r>
-              <a:rPr lang="en-US" b="0" dirty="0" err="1">
-                <a:effectLst/>
-                <a:latin typeface="Consolas" panose="020B0609020204030204" pitchFamily="49" charset="0"/>
-              </a:rPr>
-              <a:t>GetShapes</a:t>
-            </a:r>
-            <a:r>
-              <a:rPr lang="en-US" b="0" dirty="0">
-                <a:effectLst/>
-                <a:latin typeface="Consolas" panose="020B0609020204030204" pitchFamily="49" charset="0"/>
-              </a:rPr>
-              <a:t>().</a:t>
-            </a:r>
-            <a:r>
-              <a:rPr lang="en-US" b="0" dirty="0" err="1">
-                <a:effectLst/>
-                <a:latin typeface="Consolas" panose="020B0609020204030204" pitchFamily="49" charset="0"/>
-              </a:rPr>
-              <a:t>ToDictionary</a:t>
-            </a:r>
-            <a:r>
-              <a:rPr lang="en-US" b="0" dirty="0">
-                <a:effectLst/>
-                <a:latin typeface="Consolas" panose="020B0609020204030204" pitchFamily="49" charset="0"/>
-              </a:rPr>
-              <a:t>(item =&gt; </a:t>
-            </a:r>
-            <a:r>
-              <a:rPr lang="en-US" b="0" dirty="0" err="1">
-                <a:solidFill>
-                  <a:srgbClr val="569CD6"/>
-                </a:solidFill>
-                <a:effectLst/>
-                <a:latin typeface="Consolas" panose="020B0609020204030204" pitchFamily="49" charset="0"/>
-              </a:rPr>
-              <a:t>char</a:t>
-            </a:r>
-            <a:r>
-              <a:rPr lang="en-US" b="0" dirty="0" err="1">
-                <a:effectLst/>
-                <a:latin typeface="Consolas" panose="020B0609020204030204" pitchFamily="49" charset="0"/>
-              </a:rPr>
-              <a:t>.ToLower</a:t>
-            </a:r>
-            <a:r>
-              <a:rPr lang="en-US" b="0" dirty="0">
-                <a:effectLst/>
-                <a:latin typeface="Consolas" panose="020B0609020204030204" pitchFamily="49" charset="0"/>
-              </a:rPr>
-              <a:t>(</a:t>
-            </a:r>
-            <a:r>
-              <a:rPr lang="en-US" b="0" dirty="0" err="1">
-                <a:effectLst/>
-                <a:latin typeface="Consolas" panose="020B0609020204030204" pitchFamily="49" charset="0"/>
-              </a:rPr>
-              <a:t>item.Name</a:t>
-            </a:r>
-            <a:r>
-              <a:rPr lang="en-US" b="0" dirty="0">
-                <a:effectLst/>
-                <a:latin typeface="Consolas" panose="020B0609020204030204" pitchFamily="49" charset="0"/>
-              </a:rPr>
-              <a:t>[0]));</a:t>
-            </a:r>
-          </a:p>
-          <a:p>
-            <a:endParaRPr lang="en-US" dirty="0"/>
+              <a:t>(Shape))));</a:t>
+            </a:r>
           </a:p>
         </p:txBody>
       </p:sp>
     </p:spTree>
     <p:extLst>
       <p:ext uri="{BB962C8B-B14F-4D97-AF65-F5344CB8AC3E}">
-        <p14:creationId xmlns:p14="http://schemas.microsoft.com/office/powerpoint/2010/main" val="2191981442"/>
+        <p14:creationId xmlns:p14="http://schemas.microsoft.com/office/powerpoint/2010/main" val="2901066272"/>
       </p:ext>
     </p:extLst>
   </p:cSld>
@@ -5711,7 +6545,7 @@
                 <a:effectLst/>
                 <a:latin typeface="Consolas" panose="020B0609020204030204" pitchFamily="49" charset="0"/>
               </a:rPr>
-              <a:t>private</a:t>
+              <a:t>public</a:t>
             </a:r>
             <a:r>
               <a:rPr lang="en-US" b="0" dirty="0">
@@ -5724,166 +6558,136 @@
               <a:t> </a:t>
             </a:r>
             <a:r>
+              <a:rPr lang="en-US" b="0" dirty="0">
+                <a:effectLst/>
+                <a:latin typeface="Consolas" panose="020B0609020204030204" pitchFamily="49" charset="0"/>
+              </a:rPr>
+              <a:t>Dictionary&lt;</a:t>
+            </a:r>
+            <a:r>
+              <a:rPr lang="en-US" b="0" dirty="0">
+                <a:solidFill>
+                  <a:srgbClr val="569CD6"/>
+                </a:solidFill>
+                <a:effectLst/>
+                <a:latin typeface="Consolas" panose="020B0609020204030204" pitchFamily="49" charset="0"/>
+              </a:rPr>
+              <a:t>char</a:t>
+            </a:r>
+            <a:r>
+              <a:rPr lang="en-US" b="0" dirty="0">
+                <a:effectLst/>
+                <a:latin typeface="Consolas" panose="020B0609020204030204" pitchFamily="49" charset="0"/>
+              </a:rPr>
+              <a:t>, Type&gt; </a:t>
+            </a:r>
+            <a:r>
               <a:rPr lang="en-US" b="0" dirty="0" err="1">
                 <a:effectLst/>
                 <a:latin typeface="Consolas" panose="020B0609020204030204" pitchFamily="49" charset="0"/>
               </a:rPr>
-              <a:t>IEnumerable</a:t>
+              <a:t>ShapeTypes</a:t>
             </a:r>
             <a:r>
               <a:rPr lang="en-US" b="0" dirty="0">
                 <a:effectLst/>
                 <a:latin typeface="Consolas" panose="020B0609020204030204" pitchFamily="49" charset="0"/>
               </a:rPr>
-              <a:t>&lt;Shape&gt; Shapes</a:t>
-            </a:r>
-          </a:p>
-          <a:p>
-            <a:pPr marL="0" indent="0">
-              <a:buNone/>
-            </a:pPr>
+              <a:t> { </a:t>
+            </a:r>
             <a:r>
               <a:rPr lang="en-US" b="0" dirty="0">
-                <a:effectLst/>
-                <a:latin typeface="Consolas" panose="020B0609020204030204" pitchFamily="49" charset="0"/>
-              </a:rPr>
-              <a:t>{</a:t>
-            </a:r>
-          </a:p>
-          <a:p>
-            <a:pPr marL="274320" lvl="1" indent="0">
-              <a:buNone/>
-            </a:pPr>
+                <a:solidFill>
+                  <a:srgbClr val="569CD6"/>
+                </a:solidFill>
+                <a:effectLst/>
+                <a:latin typeface="Consolas" panose="020B0609020204030204" pitchFamily="49" charset="0"/>
+              </a:rPr>
+              <a:t>get</a:t>
+            </a:r>
             <a:r>
               <a:rPr lang="en-US" b="0" dirty="0">
+                <a:effectLst/>
+                <a:latin typeface="Consolas" panose="020B0609020204030204" pitchFamily="49" charset="0"/>
+              </a:rPr>
+              <a:t>; } = </a:t>
+            </a:r>
+            <a:r>
+              <a:rPr lang="en-US" b="0" dirty="0" err="1">
+                <a:effectLst/>
+                <a:latin typeface="Consolas" panose="020B0609020204030204" pitchFamily="49" charset="0"/>
+              </a:rPr>
+              <a:t>GetShapes</a:t>
+            </a:r>
+            <a:r>
+              <a:rPr lang="en-US" b="0" dirty="0">
+                <a:effectLst/>
+                <a:latin typeface="Consolas" panose="020B0609020204030204" pitchFamily="49" charset="0"/>
+              </a:rPr>
+              <a:t>().</a:t>
+            </a:r>
+            <a:r>
+              <a:rPr lang="en-US" b="0" dirty="0" err="1">
+                <a:effectLst/>
+                <a:latin typeface="Consolas" panose="020B0609020204030204" pitchFamily="49" charset="0"/>
+              </a:rPr>
+              <a:t>ToDictionary</a:t>
+            </a:r>
+            <a:r>
+              <a:rPr lang="en-US" b="0" dirty="0">
+                <a:effectLst/>
+                <a:latin typeface="Consolas" panose="020B0609020204030204" pitchFamily="49" charset="0"/>
+              </a:rPr>
+              <a:t>(item =&gt; </a:t>
+            </a:r>
+            <a:r>
+              <a:rPr lang="en-US" b="0" dirty="0" err="1">
                 <a:solidFill>
                   <a:srgbClr val="569CD6"/>
                 </a:solidFill>
                 <a:effectLst/>
                 <a:latin typeface="Consolas" panose="020B0609020204030204" pitchFamily="49" charset="0"/>
               </a:rPr>
-              <a:t>get</a:t>
-            </a:r>
-            <a:endParaRPr lang="en-US" b="0" dirty="0">
-              <a:solidFill>
-                <a:srgbClr val="CCCCCC"/>
-              </a:solidFill>
-              <a:effectLst/>
-              <a:latin typeface="Consolas" panose="020B0609020204030204" pitchFamily="49" charset="0"/>
-            </a:endParaRPr>
-          </a:p>
-          <a:p>
-            <a:pPr marL="274320" lvl="1" indent="0">
-              <a:buNone/>
-            </a:pPr>
+              <a:t>char</a:t>
+            </a:r>
+            <a:r>
+              <a:rPr lang="en-US" b="0" dirty="0" err="1">
+                <a:effectLst/>
+                <a:latin typeface="Consolas" panose="020B0609020204030204" pitchFamily="49" charset="0"/>
+              </a:rPr>
+              <a:t>.ToLower</a:t>
+            </a:r>
             <a:r>
               <a:rPr lang="en-US" b="0" dirty="0">
                 <a:effectLst/>
                 <a:latin typeface="Consolas" panose="020B0609020204030204" pitchFamily="49" charset="0"/>
               </a:rPr>
-              <a:t>{</a:t>
-            </a:r>
-          </a:p>
-          <a:p>
-            <a:pPr marL="274320" lvl="1" indent="0">
-              <a:buNone/>
-            </a:pPr>
+              <a:t>(</a:t>
+            </a:r>
+            <a:r>
+              <a:rPr lang="en-US" b="0" dirty="0" err="1">
+                <a:effectLst/>
+                <a:latin typeface="Consolas" panose="020B0609020204030204" pitchFamily="49" charset="0"/>
+              </a:rPr>
+              <a:t>item.Name</a:t>
+            </a:r>
             <a:r>
               <a:rPr lang="en-US" b="0" dirty="0">
-                <a:solidFill>
-                  <a:srgbClr val="569CD6"/>
-                </a:solidFill>
-                <a:effectLst/>
-                <a:latin typeface="Consolas" panose="020B0609020204030204" pitchFamily="49" charset="0"/>
-              </a:rPr>
-              <a:t>return</a:t>
-            </a:r>
-            <a:r>
-              <a:rPr lang="en-US" b="0" dirty="0">
-                <a:solidFill>
-                  <a:srgbClr val="CCCCCC"/>
-                </a:solidFill>
-                <a:effectLst/>
-                <a:latin typeface="Consolas" panose="020B0609020204030204" pitchFamily="49" charset="0"/>
-              </a:rPr>
-              <a:t> </a:t>
-            </a:r>
-            <a:r>
-              <a:rPr lang="en-US" b="0" dirty="0">
-                <a:solidFill>
-                  <a:srgbClr val="569CD6"/>
-                </a:solidFill>
-                <a:effectLst/>
-                <a:latin typeface="Consolas" panose="020B0609020204030204" pitchFamily="49" charset="0"/>
-              </a:rPr>
-              <a:t>this</a:t>
-            </a:r>
-            <a:r>
-              <a:rPr lang="en-US" b="0" dirty="0">
-                <a:effectLst/>
-                <a:latin typeface="Consolas" panose="020B0609020204030204" pitchFamily="49" charset="0"/>
-              </a:rPr>
-              <a:t>._</a:t>
-            </a:r>
-            <a:r>
-              <a:rPr lang="en-US" b="0" dirty="0" err="1">
-                <a:effectLst/>
-                <a:latin typeface="Consolas" panose="020B0609020204030204" pitchFamily="49" charset="0"/>
-              </a:rPr>
-              <a:t>sequences.SelectMany</a:t>
-            </a:r>
-            <a:r>
-              <a:rPr lang="en-US" b="0" dirty="0">
-                <a:effectLst/>
-                <a:latin typeface="Consolas" panose="020B0609020204030204" pitchFamily="49" charset="0"/>
-              </a:rPr>
-              <a:t>(item =&gt; item).</a:t>
-            </a:r>
-            <a:r>
-              <a:rPr lang="en-US" b="0" dirty="0" err="1">
-                <a:effectLst/>
-                <a:latin typeface="Consolas" panose="020B0609020204030204" pitchFamily="49" charset="0"/>
-              </a:rPr>
-              <a:t>ToList</a:t>
-            </a:r>
-            <a:r>
-              <a:rPr lang="en-US" b="0" dirty="0">
-                <a:effectLst/>
-                <a:latin typeface="Consolas" panose="020B0609020204030204" pitchFamily="49" charset="0"/>
-              </a:rPr>
-              <a:t>();</a:t>
-            </a:r>
-          </a:p>
-          <a:p>
-            <a:pPr marL="274320" lvl="1" indent="0">
-              <a:buNone/>
-            </a:pPr>
-            <a:r>
-              <a:rPr lang="en-US" b="0" dirty="0">
-                <a:effectLst/>
-                <a:latin typeface="Consolas" panose="020B0609020204030204" pitchFamily="49" charset="0"/>
-              </a:rPr>
-              <a:t>}</a:t>
-            </a:r>
-          </a:p>
-          <a:p>
-            <a:pPr marL="0" indent="0">
-              <a:buNone/>
-            </a:pPr>
-            <a:r>
-              <a:rPr lang="en-US" b="0" dirty="0">
-                <a:effectLst/>
-                <a:latin typeface="Consolas" panose="020B0609020204030204" pitchFamily="49" charset="0"/>
-              </a:rPr>
-              <a:t>}</a:t>
-            </a:r>
+                <a:effectLst/>
+                <a:latin typeface="Consolas" panose="020B0609020204030204" pitchFamily="49" charset="0"/>
+              </a:rPr>
+              <a:t>[0]));</a:t>
+            </a:r>
+          </a:p>
+          <a:p>
+            <a:endParaRPr lang="en-US" dirty="0"/>
           </a:p>
         </p:txBody>
       </p:sp>
     </p:spTree>
     <p:extLst>
       <p:ext uri="{BB962C8B-B14F-4D97-AF65-F5344CB8AC3E}">
-        <p14:creationId xmlns:p14="http://schemas.microsoft.com/office/powerpoint/2010/main" val="1197133609"/>
+        <p14:creationId xmlns:p14="http://schemas.microsoft.com/office/powerpoint/2010/main" val="2191981442"/>
       </p:ext>
     </p:extLst>
   </p:cSld>
@@ -6079,6 +6883,1164 @@
     <p:extLst>
       <p:ext uri="{BB962C8B-B14F-4D97-AF65-F5344CB8AC3E}">
         <p14:creationId xmlns:p14="http://schemas.microsoft.com/office/powerpoint/2010/main" val="2623555122"/>
+      </p:ext>
+    </p:extLst>
+  </p:cSld>
+  <p:clrMapOvr>
+    <a:masterClrMapping/>
+  </p:clrMapOvr>
+</p:sld>
+</file>
+
+<file path=ppt/slides/slide14.xml><?xml version="1.0" encoding="utf-8"?>
+<p:sld xmlns:a="http://schemas.openxmlformats.org/drawingml/2006/main" xmlns:r="http://schemas.openxmlformats.org/officeDocument/2006/relationships" xmlns:p="http://schemas.openxmlformats.org/presentationml/2006/main">
+  <p:cSld>
+    <p:spTree>
+      <p:nvGrpSpPr>
+        <p:cNvPr id="1" name=""/>
+        <p:cNvGrpSpPr/>
+        <p:nvPr/>
+      </p:nvGrpSpPr>
+      <p:grpSpPr>
+        <a:xfrm>
+          <a:off x="0" y="0"/>
+          <a:ext cx="0" cy="0"/>
+          <a:chOff x="0" y="0"/>
+          <a:chExt cx="0" cy="0"/>
+        </a:xfrm>
+      </p:grpSpPr>
+      <p:sp>
+        <p:nvSpPr>
+          <p:cNvPr id="2" name="Title 1">
+            <a:extLst>
+              <a:ext uri="{FF2B5EF4-FFF2-40B4-BE49-F238E27FC236}">
+                <a16:creationId xmlns:a16="http://schemas.microsoft.com/office/drawing/2014/main" id="{8E2484BB-30AE-49CF-B13F-24A81AC46484}"/>
+              </a:ext>
+            </a:extLst>
+          </p:cNvPr>
+          <p:cNvSpPr>
+            <a:spLocks noGrp="1"/>
+          </p:cNvSpPr>
+          <p:nvPr>
+            <p:ph type="title"/>
+          </p:nvPr>
+        </p:nvSpPr>
+        <p:spPr/>
+        <p:txBody>
+          <a:bodyPr/>
+          <a:lstStyle/>
+          <a:p>
+            <a:r>
+              <a:rPr lang="en-US" dirty="0"/>
+              <a:t> How to enable nullable aware context</a:t>
+            </a:r>
+          </a:p>
+        </p:txBody>
+      </p:sp>
+      <p:sp>
+        <p:nvSpPr>
+          <p:cNvPr id="3" name="Content Placeholder 2">
+            <a:extLst>
+              <a:ext uri="{FF2B5EF4-FFF2-40B4-BE49-F238E27FC236}">
+                <a16:creationId xmlns:a16="http://schemas.microsoft.com/office/drawing/2014/main" id="{5E6087FD-A9F0-437C-982C-0DE663F327A0}"/>
+              </a:ext>
+            </a:extLst>
+          </p:cNvPr>
+          <p:cNvSpPr>
+            <a:spLocks noGrp="1"/>
+          </p:cNvSpPr>
+          <p:nvPr>
+            <p:ph idx="1"/>
+          </p:nvPr>
+        </p:nvSpPr>
+        <p:spPr>
+          <a:xfrm>
+            <a:off x="764275" y="1849120"/>
+            <a:ext cx="10360925" cy="4103624"/>
+          </a:xfrm>
+        </p:spPr>
+        <p:txBody>
+          <a:bodyPr>
+            <a:normAutofit fontScale="92500" lnSpcReduction="10000"/>
+          </a:bodyPr>
+          <a:lstStyle/>
+          <a:p>
+            <a:pPr marL="0" indent="0" algn="l">
+              <a:buNone/>
+            </a:pPr>
+            <a:r>
+              <a:rPr lang="en-US" dirty="0"/>
+              <a:t>Nullable context is set in </a:t>
+            </a:r>
+            <a:r>
+              <a:rPr lang="en-US" dirty="0" err="1"/>
+              <a:t>csproj</a:t>
+            </a:r>
+            <a:r>
+              <a:rPr lang="en-US" dirty="0"/>
+              <a:t> file as follows</a:t>
+            </a:r>
+            <a:endParaRPr lang="fr-FR" dirty="0"/>
+          </a:p>
+          <a:p>
+            <a:pPr marL="0" indent="0" algn="l">
+              <a:buNone/>
+            </a:pPr>
+            <a:r>
+              <a:rPr lang="fr-FR" dirty="0"/>
+              <a:t>&lt;</a:t>
+            </a:r>
+            <a:r>
+              <a:rPr lang="fr-FR" dirty="0" err="1"/>
+              <a:t>LangVersion</a:t>
+            </a:r>
+            <a:r>
+              <a:rPr lang="fr-FR" dirty="0"/>
+              <a:t>&gt;8.0&lt;/</a:t>
+            </a:r>
+            <a:r>
+              <a:rPr lang="fr-FR" dirty="0" err="1"/>
+              <a:t>LangVersion</a:t>
+            </a:r>
+            <a:r>
+              <a:rPr lang="fr-FR" dirty="0"/>
+              <a:t>&gt;  </a:t>
+            </a:r>
+          </a:p>
+          <a:p>
+            <a:pPr marL="0" indent="0" algn="l">
+              <a:buNone/>
+            </a:pPr>
+            <a:r>
+              <a:rPr lang="fr-FR" dirty="0"/>
+              <a:t>&lt;</a:t>
+            </a:r>
+            <a:r>
+              <a:rPr lang="fr-FR" dirty="0" err="1"/>
+              <a:t>Nullable</a:t>
+            </a:r>
+            <a:r>
+              <a:rPr lang="fr-FR" dirty="0"/>
+              <a:t>&gt;enable&lt;/</a:t>
+            </a:r>
+            <a:r>
+              <a:rPr lang="fr-FR" dirty="0" err="1"/>
+              <a:t>Nullable</a:t>
+            </a:r>
+            <a:r>
+              <a:rPr lang="fr-FR" dirty="0"/>
+              <a:t>&gt; </a:t>
+            </a:r>
+          </a:p>
+          <a:p>
+            <a:pPr marL="0" indent="0" algn="l">
+              <a:buNone/>
+            </a:pPr>
+            <a:endParaRPr lang="fr-FR" dirty="0"/>
+          </a:p>
+          <a:p>
+            <a:pPr marL="0" indent="0" algn="l">
+              <a:buNone/>
+            </a:pPr>
+            <a:r>
+              <a:rPr lang="fr-FR" dirty="0"/>
+              <a:t>Or in the source code </a:t>
+            </a:r>
+            <a:r>
+              <a:rPr lang="fr-FR" dirty="0" err="1"/>
+              <a:t>with</a:t>
+            </a:r>
+            <a:endParaRPr lang="fr-FR" dirty="0"/>
+          </a:p>
+          <a:p>
+            <a:pPr marL="0" indent="0" algn="l">
+              <a:buNone/>
+            </a:pPr>
+            <a:r>
+              <a:rPr lang="en-US" b="0" i="0" dirty="0">
+                <a:solidFill>
+                  <a:srgbClr val="808080"/>
+                </a:solidFill>
+                <a:effectLst/>
+                <a:latin typeface="Consolas" panose="020B0609020204030204" pitchFamily="49" charset="0"/>
+              </a:rPr>
+              <a:t>#nullable enable</a:t>
+            </a:r>
+            <a:r>
+              <a:rPr lang="en-US" b="0" i="0" dirty="0">
+                <a:solidFill>
+                  <a:srgbClr val="000000"/>
+                </a:solidFill>
+                <a:effectLst/>
+                <a:latin typeface="Consolas" panose="020B0609020204030204" pitchFamily="49" charset="0"/>
+              </a:rPr>
+              <a:t> </a:t>
+            </a:r>
+            <a:endParaRPr lang="fr-FR" b="0" i="0" dirty="0">
+              <a:solidFill>
+                <a:srgbClr val="000000"/>
+              </a:solidFill>
+              <a:effectLst/>
+              <a:latin typeface="Consolas" panose="020B0609020204030204" pitchFamily="49" charset="0"/>
+            </a:endParaRPr>
+          </a:p>
+          <a:p>
+            <a:pPr marL="0" indent="0" algn="l">
+              <a:buNone/>
+            </a:pPr>
+            <a:r>
+              <a:rPr lang="en-US" b="0" i="0" dirty="0">
+                <a:solidFill>
+                  <a:srgbClr val="808080"/>
+                </a:solidFill>
+                <a:effectLst/>
+                <a:latin typeface="Consolas" panose="020B0609020204030204" pitchFamily="49" charset="0"/>
+              </a:rPr>
+              <a:t>#nullable restore</a:t>
+            </a:r>
+            <a:r>
+              <a:rPr lang="en-US" b="0" i="0" dirty="0">
+                <a:solidFill>
+                  <a:srgbClr val="000000"/>
+                </a:solidFill>
+                <a:effectLst/>
+                <a:latin typeface="Consolas" panose="020B0609020204030204" pitchFamily="49" charset="0"/>
+              </a:rPr>
+              <a:t> </a:t>
+            </a:r>
+          </a:p>
+          <a:p>
+            <a:pPr marL="0" indent="0" algn="l">
+              <a:buNone/>
+            </a:pPr>
+            <a:endParaRPr lang="en-US" dirty="0">
+              <a:solidFill>
+                <a:srgbClr val="000000"/>
+              </a:solidFill>
+              <a:latin typeface="Consolas" panose="020B0609020204030204" pitchFamily="49" charset="0"/>
+            </a:endParaRPr>
+          </a:p>
+          <a:p>
+            <a:pPr marL="0" indent="0">
+              <a:buNone/>
+            </a:pPr>
+            <a:r>
+              <a:rPr lang="en-US" dirty="0"/>
+              <a:t>Note that C# 8.0 is not meant for older targets, such as .NET Core 2.x or .NET Framework 4.x. So some additional language features may not work unless you are targeting .NET Core 3.0 or .NET Standard 2.1</a:t>
+            </a:r>
+          </a:p>
+          <a:p>
+            <a:pPr marL="0" indent="0">
+              <a:buNone/>
+            </a:pPr>
+            <a:r>
+              <a:rPr lang="en-US" dirty="0"/>
+              <a:t>Documentation: </a:t>
+            </a:r>
+            <a:r>
+              <a:rPr lang="en-US" dirty="0">
+                <a:hlinkClick r:id="rId2"/>
+              </a:rPr>
+              <a:t>https://devblogs.microsoft.com/dotnet/try-out-nullable-reference-types/?WT.mc_id=DT-MVP-5003978</a:t>
+            </a:r>
+            <a:endParaRPr lang="fr-FR" dirty="0"/>
+          </a:p>
+        </p:txBody>
+      </p:sp>
+    </p:spTree>
+    <p:extLst>
+      <p:ext uri="{BB962C8B-B14F-4D97-AF65-F5344CB8AC3E}">
+        <p14:creationId xmlns:p14="http://schemas.microsoft.com/office/powerpoint/2010/main" val="2739618691"/>
+      </p:ext>
+    </p:extLst>
+  </p:cSld>
+  <p:clrMapOvr>
+    <a:masterClrMapping/>
+  </p:clrMapOvr>
+</p:sld>
+</file>
+
+<file path=ppt/slides/slide15.xml><?xml version="1.0" encoding="utf-8"?>
+<p:sld xmlns:a="http://schemas.openxmlformats.org/drawingml/2006/main" xmlns:r="http://schemas.openxmlformats.org/officeDocument/2006/relationships" xmlns:p="http://schemas.openxmlformats.org/presentationml/2006/main">
+  <p:cSld>
+    <p:spTree>
+      <p:nvGrpSpPr>
+        <p:cNvPr id="1" name=""/>
+        <p:cNvGrpSpPr/>
+        <p:nvPr/>
+      </p:nvGrpSpPr>
+      <p:grpSpPr>
+        <a:xfrm>
+          <a:off x="0" y="0"/>
+          <a:ext cx="0" cy="0"/>
+          <a:chOff x="0" y="0"/>
+          <a:chExt cx="0" cy="0"/>
+        </a:xfrm>
+      </p:grpSpPr>
+      <p:sp>
+        <p:nvSpPr>
+          <p:cNvPr id="2" name="Title 1">
+            <a:extLst>
+              <a:ext uri="{FF2B5EF4-FFF2-40B4-BE49-F238E27FC236}">
+                <a16:creationId xmlns:a16="http://schemas.microsoft.com/office/drawing/2014/main" id="{F142E4E8-4624-41C8-98F5-9AD14C865BFF}"/>
+              </a:ext>
+            </a:extLst>
+          </p:cNvPr>
+          <p:cNvSpPr>
+            <a:spLocks noGrp="1"/>
+          </p:cNvSpPr>
+          <p:nvPr>
+            <p:ph type="title"/>
+          </p:nvPr>
+        </p:nvSpPr>
+        <p:spPr/>
+        <p:txBody>
+          <a:bodyPr/>
+          <a:lstStyle/>
+          <a:p>
+            <a:r>
+              <a:rPr lang="en-US" dirty="0"/>
+              <a:t>Enhanced Pattern Matching</a:t>
+            </a:r>
+          </a:p>
+        </p:txBody>
+      </p:sp>
+      <p:sp>
+        <p:nvSpPr>
+          <p:cNvPr id="3" name="Content Placeholder 2">
+            <a:extLst>
+              <a:ext uri="{FF2B5EF4-FFF2-40B4-BE49-F238E27FC236}">
+                <a16:creationId xmlns:a16="http://schemas.microsoft.com/office/drawing/2014/main" id="{ACF7E753-FFEF-4B9C-A747-6F3BA99C99F2}"/>
+              </a:ext>
+            </a:extLst>
+          </p:cNvPr>
+          <p:cNvSpPr>
+            <a:spLocks noGrp="1"/>
+          </p:cNvSpPr>
+          <p:nvPr>
+            <p:ph idx="1"/>
+          </p:nvPr>
+        </p:nvSpPr>
+        <p:spPr/>
+        <p:txBody>
+          <a:bodyPr/>
+          <a:lstStyle/>
+          <a:p>
+            <a:r>
+              <a:rPr lang="en-US" dirty="0"/>
+              <a:t>Should be our last resort. Figure out a way to do polymorphism first. If we add a new type, our example switch statement will fail. Using where clauses, filter expression, etc. we can do this already, but this example has better scenarios.</a:t>
+            </a:r>
+          </a:p>
+          <a:p>
+            <a:endParaRPr lang="en-US" dirty="0"/>
+          </a:p>
+        </p:txBody>
+      </p:sp>
+    </p:spTree>
+    <p:extLst>
+      <p:ext uri="{BB962C8B-B14F-4D97-AF65-F5344CB8AC3E}">
+        <p14:creationId xmlns:p14="http://schemas.microsoft.com/office/powerpoint/2010/main" val="1800479228"/>
+      </p:ext>
+    </p:extLst>
+  </p:cSld>
+  <p:clrMapOvr>
+    <a:masterClrMapping/>
+  </p:clrMapOvr>
+</p:sld>
+</file>
+
+<file path=ppt/slides/slide16.xml><?xml version="1.0" encoding="utf-8"?>
+<p:sld xmlns:a="http://schemas.openxmlformats.org/drawingml/2006/main" xmlns:r="http://schemas.openxmlformats.org/officeDocument/2006/relationships" xmlns:p="http://schemas.openxmlformats.org/presentationml/2006/main">
+  <p:cSld>
+    <p:spTree>
+      <p:nvGrpSpPr>
+        <p:cNvPr id="1" name=""/>
+        <p:cNvGrpSpPr/>
+        <p:nvPr/>
+      </p:nvGrpSpPr>
+      <p:grpSpPr>
+        <a:xfrm>
+          <a:off x="0" y="0"/>
+          <a:ext cx="0" cy="0"/>
+          <a:chOff x="0" y="0"/>
+          <a:chExt cx="0" cy="0"/>
+        </a:xfrm>
+      </p:grpSpPr>
+      <p:sp>
+        <p:nvSpPr>
+          <p:cNvPr id="2" name="Title 1">
+            <a:extLst>
+              <a:ext uri="{FF2B5EF4-FFF2-40B4-BE49-F238E27FC236}">
+                <a16:creationId xmlns:a16="http://schemas.microsoft.com/office/drawing/2014/main" id="{F142E4E8-4624-41C8-98F5-9AD14C865BFF}"/>
+              </a:ext>
+            </a:extLst>
+          </p:cNvPr>
+          <p:cNvSpPr>
+            <a:spLocks noGrp="1"/>
+          </p:cNvSpPr>
+          <p:nvPr>
+            <p:ph type="title"/>
+          </p:nvPr>
+        </p:nvSpPr>
+        <p:spPr>
+          <a:xfrm>
+            <a:off x="1066800" y="500354"/>
+            <a:ext cx="10058400" cy="546126"/>
+          </a:xfrm>
+        </p:spPr>
+        <p:txBody>
+          <a:bodyPr>
+            <a:normAutofit fontScale="90000"/>
+          </a:bodyPr>
+          <a:lstStyle/>
+          <a:p>
+            <a:r>
+              <a:rPr lang="en-US" dirty="0"/>
+              <a:t>Enhanced Pattern Matching</a:t>
+            </a:r>
+          </a:p>
+        </p:txBody>
+      </p:sp>
+      <p:sp>
+        <p:nvSpPr>
+          <p:cNvPr id="3" name="Content Placeholder 2">
+            <a:extLst>
+              <a:ext uri="{FF2B5EF4-FFF2-40B4-BE49-F238E27FC236}">
+                <a16:creationId xmlns:a16="http://schemas.microsoft.com/office/drawing/2014/main" id="{ACF7E753-FFEF-4B9C-A747-6F3BA99C99F2}"/>
+              </a:ext>
+            </a:extLst>
+          </p:cNvPr>
+          <p:cNvSpPr>
+            <a:spLocks noGrp="1"/>
+          </p:cNvSpPr>
+          <p:nvPr>
+            <p:ph idx="1"/>
+          </p:nvPr>
+        </p:nvSpPr>
+        <p:spPr>
+          <a:xfrm>
+            <a:off x="1066800" y="1046480"/>
+            <a:ext cx="10058400" cy="4906264"/>
+          </a:xfrm>
+        </p:spPr>
+        <p:txBody>
+          <a:bodyPr>
+            <a:normAutofit lnSpcReduction="10000"/>
+          </a:bodyPr>
+          <a:lstStyle/>
+          <a:p>
+            <a:pPr marL="0" indent="0">
+              <a:buNone/>
+            </a:pPr>
+            <a:r>
+              <a:rPr lang="en-US" b="1" dirty="0">
+                <a:solidFill>
+                  <a:schemeClr val="accent1"/>
+                </a:solidFill>
+                <a:latin typeface="Consolas" panose="020B0609020204030204" pitchFamily="49" charset="0"/>
+              </a:rPr>
+              <a:t>return</a:t>
+            </a:r>
+            <a:r>
+              <a:rPr lang="en-US" b="1" dirty="0">
+                <a:solidFill>
+                  <a:srgbClr val="D4D4D4"/>
+                </a:solidFill>
+                <a:latin typeface="Consolas" panose="020B0609020204030204" pitchFamily="49" charset="0"/>
+              </a:rPr>
+              <a:t> </a:t>
+            </a:r>
+            <a:r>
+              <a:rPr lang="en-US" b="1" dirty="0">
+                <a:solidFill>
+                  <a:schemeClr val="accent1"/>
+                </a:solidFill>
+                <a:latin typeface="Consolas" panose="020B0609020204030204" pitchFamily="49" charset="0"/>
+              </a:rPr>
+              <a:t>switch</a:t>
+            </a:r>
+            <a:r>
+              <a:rPr lang="en-US" b="1" dirty="0">
+                <a:solidFill>
+                  <a:srgbClr val="D4D4D4"/>
+                </a:solidFill>
+                <a:latin typeface="Consolas" panose="020B0609020204030204" pitchFamily="49" charset="0"/>
+              </a:rPr>
+              <a:t> </a:t>
+            </a:r>
+            <a:r>
+              <a:rPr lang="en-US" b="1" dirty="0">
+                <a:latin typeface="Consolas" panose="020B0609020204030204" pitchFamily="49" charset="0"/>
+              </a:rPr>
+              <a:t>(person)</a:t>
+            </a:r>
+          </a:p>
+          <a:p>
+            <a:pPr marL="0" indent="0">
+              <a:buNone/>
+            </a:pPr>
+            <a:r>
+              <a:rPr lang="en-US" b="1" dirty="0">
+                <a:latin typeface="Consolas" panose="020B0609020204030204" pitchFamily="49" charset="0"/>
+              </a:rPr>
+              <a:t>{</a:t>
+            </a:r>
+          </a:p>
+          <a:p>
+            <a:pPr marL="0" indent="0">
+              <a:buNone/>
+            </a:pPr>
+            <a:r>
+              <a:rPr lang="en-US" b="1" dirty="0">
+                <a:solidFill>
+                  <a:srgbClr val="D4D4D4"/>
+                </a:solidFill>
+                <a:latin typeface="Consolas" panose="020B0609020204030204" pitchFamily="49" charset="0"/>
+              </a:rPr>
+              <a:t>    </a:t>
+            </a:r>
+            <a:r>
+              <a:rPr lang="en-US" b="1" dirty="0">
+                <a:solidFill>
+                  <a:srgbClr val="00B0F0"/>
+                </a:solidFill>
+                <a:latin typeface="Consolas" panose="020B0609020204030204" pitchFamily="49" charset="0"/>
+              </a:rPr>
+              <a:t>Professor</a:t>
+            </a:r>
+            <a:r>
+              <a:rPr lang="en-US" b="1" dirty="0">
+                <a:latin typeface="Consolas" panose="020B0609020204030204" pitchFamily="49" charset="0"/>
+              </a:rPr>
+              <a:t>(_,</a:t>
+            </a:r>
+            <a:r>
+              <a:rPr lang="en-US" b="1" dirty="0">
+                <a:solidFill>
+                  <a:srgbClr val="D4D4D4"/>
+                </a:solidFill>
+                <a:latin typeface="Consolas" panose="020B0609020204030204" pitchFamily="49" charset="0"/>
+              </a:rPr>
+              <a:t> </a:t>
+            </a:r>
+            <a:r>
+              <a:rPr lang="en-US" b="1" dirty="0">
+                <a:solidFill>
+                  <a:srgbClr val="569CD6"/>
+                </a:solidFill>
+                <a:latin typeface="Consolas" panose="020B0609020204030204" pitchFamily="49" charset="0"/>
+              </a:rPr>
+              <a:t>var</a:t>
+            </a:r>
+            <a:r>
+              <a:rPr lang="en-US" b="1" dirty="0">
+                <a:solidFill>
+                  <a:srgbClr val="D4D4D4"/>
+                </a:solidFill>
+                <a:latin typeface="Consolas" panose="020B0609020204030204" pitchFamily="49" charset="0"/>
+              </a:rPr>
+              <a:t> </a:t>
+            </a:r>
+            <a:r>
+              <a:rPr lang="en-US" b="1" dirty="0" err="1">
+                <a:solidFill>
+                  <a:srgbClr val="9CDCFE"/>
+                </a:solidFill>
+                <a:latin typeface="Consolas" panose="020B0609020204030204" pitchFamily="49" charset="0"/>
+              </a:rPr>
+              <a:t>lastName</a:t>
+            </a:r>
+            <a:r>
+              <a:rPr lang="en-US" b="1" dirty="0">
+                <a:solidFill>
+                  <a:srgbClr val="D4D4D4"/>
+                </a:solidFill>
+                <a:latin typeface="Consolas" panose="020B0609020204030204" pitchFamily="49" charset="0"/>
+              </a:rPr>
+              <a:t>, </a:t>
+            </a:r>
+            <a:r>
+              <a:rPr lang="en-US" b="1" dirty="0">
+                <a:solidFill>
+                  <a:srgbClr val="569CD6"/>
+                </a:solidFill>
+                <a:latin typeface="Consolas" panose="020B0609020204030204" pitchFamily="49" charset="0"/>
+              </a:rPr>
+              <a:t>var</a:t>
+            </a:r>
+            <a:r>
+              <a:rPr lang="en-US" b="1" dirty="0">
+                <a:solidFill>
+                  <a:srgbClr val="D4D4D4"/>
+                </a:solidFill>
+                <a:latin typeface="Consolas" panose="020B0609020204030204" pitchFamily="49" charset="0"/>
+              </a:rPr>
+              <a:t> </a:t>
+            </a:r>
+            <a:r>
+              <a:rPr lang="en-US" b="1" dirty="0">
+                <a:solidFill>
+                  <a:srgbClr val="9CDCFE"/>
+                </a:solidFill>
+                <a:latin typeface="Consolas" panose="020B0609020204030204" pitchFamily="49" charset="0"/>
+              </a:rPr>
+              <a:t>subject</a:t>
+            </a:r>
+            <a:r>
+              <a:rPr lang="en-US" b="1" dirty="0">
+                <a:solidFill>
+                  <a:srgbClr val="D4D4D4"/>
+                </a:solidFill>
+                <a:latin typeface="Consolas" panose="020B0609020204030204" pitchFamily="49" charset="0"/>
+              </a:rPr>
+              <a:t>) </a:t>
+            </a:r>
+            <a:r>
+              <a:rPr lang="en-US" b="1" dirty="0">
+                <a:solidFill>
+                  <a:srgbClr val="9CDCFE"/>
+                </a:solidFill>
+                <a:latin typeface="Consolas" panose="020B0609020204030204" pitchFamily="49" charset="0"/>
+              </a:rPr>
+              <a:t>item</a:t>
+            </a:r>
+            <a:r>
+              <a:rPr lang="en-US" b="1" dirty="0">
+                <a:solidFill>
+                  <a:srgbClr val="D4D4D4"/>
+                </a:solidFill>
+                <a:latin typeface="Consolas" panose="020B0609020204030204" pitchFamily="49" charset="0"/>
+              </a:rPr>
+              <a:t> =&gt;</a:t>
+            </a:r>
+          </a:p>
+          <a:p>
+            <a:pPr marL="0" indent="0">
+              <a:buNone/>
+            </a:pPr>
+            <a:r>
+              <a:rPr lang="en-US" b="1" dirty="0">
+                <a:solidFill>
+                  <a:srgbClr val="D4D4D4"/>
+                </a:solidFill>
+                <a:latin typeface="Consolas" panose="020B0609020204030204" pitchFamily="49" charset="0"/>
+              </a:rPr>
+              <a:t>        </a:t>
+            </a:r>
+            <a:r>
+              <a:rPr lang="en-US" b="1" dirty="0">
+                <a:solidFill>
+                  <a:srgbClr val="CE9178"/>
+                </a:solidFill>
+                <a:latin typeface="Consolas" panose="020B0609020204030204" pitchFamily="49" charset="0"/>
+              </a:rPr>
+              <a:t>$"Dr. {</a:t>
+            </a:r>
+            <a:r>
+              <a:rPr lang="en-US" b="1" dirty="0" err="1">
+                <a:solidFill>
+                  <a:srgbClr val="9CDCFE"/>
+                </a:solidFill>
+                <a:latin typeface="Consolas" panose="020B0609020204030204" pitchFamily="49" charset="0"/>
+              </a:rPr>
+              <a:t>lastName</a:t>
+            </a:r>
+            <a:r>
+              <a:rPr lang="en-US" b="1" dirty="0">
+                <a:solidFill>
+                  <a:srgbClr val="CE9178"/>
+                </a:solidFill>
+                <a:latin typeface="Consolas" panose="020B0609020204030204" pitchFamily="49" charset="0"/>
+              </a:rPr>
+              <a:t>} teaching {</a:t>
+            </a:r>
+            <a:r>
+              <a:rPr lang="en-US" b="1" dirty="0">
+                <a:solidFill>
+                  <a:srgbClr val="9CDCFE"/>
+                </a:solidFill>
+                <a:latin typeface="Consolas" panose="020B0609020204030204" pitchFamily="49" charset="0"/>
+              </a:rPr>
+              <a:t>subject</a:t>
+            </a:r>
+            <a:r>
+              <a:rPr lang="en-US" b="1" dirty="0">
+                <a:solidFill>
+                  <a:srgbClr val="CE9178"/>
+                </a:solidFill>
+                <a:latin typeface="Consolas" panose="020B0609020204030204" pitchFamily="49" charset="0"/>
+              </a:rPr>
+              <a:t>}"</a:t>
+            </a:r>
+            <a:r>
+              <a:rPr lang="en-US" b="1" dirty="0">
+                <a:solidFill>
+                  <a:srgbClr val="D4D4D4"/>
+                </a:solidFill>
+                <a:latin typeface="Consolas" panose="020B0609020204030204" pitchFamily="49" charset="0"/>
+              </a:rPr>
+              <a:t>,</a:t>
+            </a:r>
+          </a:p>
+          <a:p>
+            <a:pPr marL="0" indent="0">
+              <a:buNone/>
+            </a:pPr>
+            <a:r>
+              <a:rPr lang="en-US" b="1" dirty="0">
+                <a:solidFill>
+                  <a:srgbClr val="D4D4D4"/>
+                </a:solidFill>
+                <a:latin typeface="Consolas" panose="020B0609020204030204" pitchFamily="49" charset="0"/>
+              </a:rPr>
+              <a:t>    </a:t>
+            </a:r>
+            <a:r>
+              <a:rPr lang="en-US" b="1" dirty="0">
+                <a:solidFill>
+                  <a:srgbClr val="9CDCFE"/>
+                </a:solidFill>
+                <a:latin typeface="Consolas" panose="020B0609020204030204" pitchFamily="49" charset="0"/>
+              </a:rPr>
+              <a:t>Student</a:t>
+            </a:r>
+            <a:r>
+              <a:rPr lang="en-US" b="1" dirty="0">
+                <a:solidFill>
+                  <a:srgbClr val="D4D4D4"/>
+                </a:solidFill>
+                <a:latin typeface="Consolas" panose="020B0609020204030204" pitchFamily="49" charset="0"/>
+              </a:rPr>
+              <a:t> { </a:t>
+            </a:r>
+            <a:r>
+              <a:rPr lang="en-US" b="1" dirty="0">
+                <a:solidFill>
+                  <a:srgbClr val="C8C8C8"/>
+                </a:solidFill>
+                <a:latin typeface="Consolas" panose="020B0609020204030204" pitchFamily="49" charset="0"/>
+              </a:rPr>
+              <a:t>FirstName</a:t>
+            </a:r>
+            <a:r>
+              <a:rPr lang="en-US" b="1" dirty="0">
+                <a:solidFill>
+                  <a:srgbClr val="D4D4D4"/>
+                </a:solidFill>
+                <a:latin typeface="Consolas" panose="020B0609020204030204" pitchFamily="49" charset="0"/>
+              </a:rPr>
+              <a:t>: </a:t>
+            </a:r>
+            <a:r>
+              <a:rPr lang="en-US" b="1" dirty="0">
+                <a:solidFill>
+                  <a:srgbClr val="569CD6"/>
+                </a:solidFill>
+                <a:latin typeface="Consolas" panose="020B0609020204030204" pitchFamily="49" charset="0"/>
+              </a:rPr>
+              <a:t>var</a:t>
+            </a:r>
+            <a:r>
+              <a:rPr lang="en-US" b="1" dirty="0">
+                <a:solidFill>
+                  <a:srgbClr val="D4D4D4"/>
+                </a:solidFill>
+                <a:latin typeface="Consolas" panose="020B0609020204030204" pitchFamily="49" charset="0"/>
+              </a:rPr>
+              <a:t> </a:t>
+            </a:r>
+            <a:r>
+              <a:rPr lang="en-US" b="1" dirty="0" err="1">
+                <a:solidFill>
+                  <a:srgbClr val="9CDCFE"/>
+                </a:solidFill>
+                <a:latin typeface="Consolas" panose="020B0609020204030204" pitchFamily="49" charset="0"/>
+              </a:rPr>
+              <a:t>firstName</a:t>
+            </a:r>
+            <a:r>
+              <a:rPr lang="en-US" b="1" dirty="0">
+                <a:solidFill>
+                  <a:srgbClr val="D4D4D4"/>
+                </a:solidFill>
+                <a:latin typeface="Consolas" panose="020B0609020204030204" pitchFamily="49" charset="0"/>
+              </a:rPr>
+              <a:t>,</a:t>
+            </a:r>
+          </a:p>
+          <a:p>
+            <a:pPr marL="0" indent="0">
+              <a:buNone/>
+            </a:pPr>
+            <a:r>
+              <a:rPr lang="en-US" b="1" dirty="0">
+                <a:solidFill>
+                  <a:srgbClr val="D4D4D4"/>
+                </a:solidFill>
+                <a:latin typeface="Consolas" panose="020B0609020204030204" pitchFamily="49" charset="0"/>
+              </a:rPr>
+              <a:t>        </a:t>
+            </a:r>
+            <a:r>
+              <a:rPr lang="en-US" b="1" dirty="0">
+                <a:solidFill>
+                  <a:srgbClr val="9CDCFE"/>
+                </a:solidFill>
+                <a:latin typeface="Consolas" panose="020B0609020204030204" pitchFamily="49" charset="0"/>
+              </a:rPr>
+              <a:t>Advisor</a:t>
+            </a:r>
+            <a:r>
+              <a:rPr lang="en-US" b="1" dirty="0">
+                <a:solidFill>
+                  <a:srgbClr val="D4D4D4"/>
+                </a:solidFill>
+                <a:latin typeface="Consolas" panose="020B0609020204030204" pitchFamily="49" charset="0"/>
+              </a:rPr>
+              <a:t> { </a:t>
+            </a:r>
+            <a:r>
+              <a:rPr lang="en-US" b="1" dirty="0" err="1">
+                <a:solidFill>
+                  <a:srgbClr val="9CDCFE"/>
+                </a:solidFill>
+                <a:latin typeface="Consolas" panose="020B0609020204030204" pitchFamily="49" charset="0"/>
+              </a:rPr>
+              <a:t>LastName</a:t>
+            </a:r>
+            <a:r>
+              <a:rPr lang="en-US" b="1" dirty="0">
+                <a:solidFill>
+                  <a:srgbClr val="D4D4D4"/>
+                </a:solidFill>
+                <a:latin typeface="Consolas" panose="020B0609020204030204" pitchFamily="49" charset="0"/>
+              </a:rPr>
+              <a:t>: </a:t>
+            </a:r>
+            <a:r>
+              <a:rPr lang="en-US" b="1" dirty="0">
+                <a:solidFill>
+                  <a:srgbClr val="9CDCFE"/>
+                </a:solidFill>
+                <a:latin typeface="Consolas" panose="020B0609020204030204" pitchFamily="49" charset="0"/>
+              </a:rPr>
+              <a:t>var</a:t>
+            </a:r>
+            <a:r>
+              <a:rPr lang="en-US" b="1" dirty="0">
+                <a:solidFill>
+                  <a:srgbClr val="D4D4D4"/>
+                </a:solidFill>
+                <a:latin typeface="Consolas" panose="020B0609020204030204" pitchFamily="49" charset="0"/>
+              </a:rPr>
+              <a:t> </a:t>
+            </a:r>
+            <a:r>
+              <a:rPr lang="en-US" b="1" dirty="0" err="1">
+                <a:solidFill>
+                  <a:srgbClr val="9CDCFE"/>
+                </a:solidFill>
+                <a:latin typeface="Consolas" panose="020B0609020204030204" pitchFamily="49" charset="0"/>
+              </a:rPr>
+              <a:t>advisorLastName</a:t>
+            </a:r>
+            <a:r>
+              <a:rPr lang="en-US" b="1" dirty="0">
+                <a:solidFill>
+                  <a:srgbClr val="D4D4D4"/>
+                </a:solidFill>
+                <a:latin typeface="Consolas" panose="020B0609020204030204" pitchFamily="49" charset="0"/>
+              </a:rPr>
+              <a:t> } } =&gt;</a:t>
+            </a:r>
+          </a:p>
+          <a:p>
+            <a:pPr marL="0" indent="0">
+              <a:buNone/>
+            </a:pPr>
+            <a:r>
+              <a:rPr lang="en-US" b="1" dirty="0">
+                <a:solidFill>
+                  <a:srgbClr val="D4D4D4"/>
+                </a:solidFill>
+                <a:latin typeface="Consolas" panose="020B0609020204030204" pitchFamily="49" charset="0"/>
+              </a:rPr>
+              <a:t>            $"",</a:t>
+            </a:r>
+          </a:p>
+          <a:p>
+            <a:pPr marL="0" indent="0">
+              <a:buNone/>
+            </a:pPr>
+            <a:r>
+              <a:rPr lang="en-US" b="1" dirty="0">
+                <a:solidFill>
+                  <a:srgbClr val="D4D4D4"/>
+                </a:solidFill>
+                <a:latin typeface="Consolas" panose="020B0609020204030204" pitchFamily="49" charset="0"/>
+              </a:rPr>
+              <a:t>    (</a:t>
+            </a:r>
+            <a:r>
+              <a:rPr lang="en-US" b="1" dirty="0">
+                <a:solidFill>
+                  <a:srgbClr val="9CDCFE"/>
+                </a:solidFill>
+                <a:latin typeface="Consolas" panose="020B0609020204030204" pitchFamily="49" charset="0"/>
+              </a:rPr>
+              <a:t>string</a:t>
+            </a:r>
+            <a:r>
+              <a:rPr lang="en-US" b="1" dirty="0">
+                <a:solidFill>
+                  <a:srgbClr val="D4D4D4"/>
+                </a:solidFill>
+                <a:latin typeface="Consolas" panose="020B0609020204030204" pitchFamily="49" charset="0"/>
+              </a:rPr>
+              <a:t> </a:t>
+            </a:r>
+            <a:r>
+              <a:rPr lang="en-US" b="1" dirty="0" err="1">
+                <a:solidFill>
+                  <a:srgbClr val="9CDCFE"/>
+                </a:solidFill>
+                <a:latin typeface="Consolas" panose="020B0609020204030204" pitchFamily="49" charset="0"/>
+              </a:rPr>
+              <a:t>firstName</a:t>
+            </a:r>
+            <a:r>
+              <a:rPr lang="en-US" b="1" dirty="0">
+                <a:solidFill>
+                  <a:srgbClr val="D4D4D4"/>
+                </a:solidFill>
+                <a:latin typeface="Consolas" panose="020B0609020204030204" pitchFamily="49" charset="0"/>
+              </a:rPr>
+              <a:t>, </a:t>
+            </a:r>
+            <a:r>
+              <a:rPr lang="en-US" b="1" dirty="0">
+                <a:solidFill>
+                  <a:srgbClr val="9CDCFE"/>
+                </a:solidFill>
+                <a:latin typeface="Consolas" panose="020B0609020204030204" pitchFamily="49" charset="0"/>
+              </a:rPr>
+              <a:t>_</a:t>
+            </a:r>
+            <a:r>
+              <a:rPr lang="en-US" b="1" dirty="0">
+                <a:solidFill>
+                  <a:srgbClr val="D4D4D4"/>
+                </a:solidFill>
+                <a:latin typeface="Consolas" panose="020B0609020204030204" pitchFamily="49" charset="0"/>
+              </a:rPr>
+              <a:t>)</a:t>
+            </a:r>
+          </a:p>
+          <a:p>
+            <a:pPr marL="0" indent="0">
+              <a:buNone/>
+            </a:pPr>
+            <a:r>
+              <a:rPr lang="en-US" b="1" dirty="0">
+                <a:solidFill>
+                  <a:srgbClr val="D4D4D4"/>
+                </a:solidFill>
+                <a:latin typeface="Consolas" panose="020B0609020204030204" pitchFamily="49" charset="0"/>
+              </a:rPr>
+              <a:t>        { </a:t>
+            </a:r>
+            <a:r>
+              <a:rPr lang="en-US" b="1" dirty="0" err="1">
+                <a:solidFill>
+                  <a:srgbClr val="C8C8C8"/>
+                </a:solidFill>
+                <a:latin typeface="Consolas" panose="020B0609020204030204" pitchFamily="49" charset="0"/>
+              </a:rPr>
+              <a:t>EnrollmentStatus</a:t>
+            </a:r>
+            <a:r>
+              <a:rPr lang="en-US" b="1" dirty="0">
+                <a:solidFill>
+                  <a:srgbClr val="D4D4D4"/>
+                </a:solidFill>
+                <a:latin typeface="Consolas" panose="020B0609020204030204" pitchFamily="49" charset="0"/>
+              </a:rPr>
+              <a:t>: </a:t>
+            </a:r>
+            <a:r>
+              <a:rPr lang="en-US" b="1" dirty="0" err="1">
+                <a:solidFill>
+                  <a:srgbClr val="9CDCFE"/>
+                </a:solidFill>
+                <a:latin typeface="Consolas" panose="020B0609020204030204" pitchFamily="49" charset="0"/>
+              </a:rPr>
+              <a:t>EnrollmentStatus</a:t>
+            </a:r>
+            <a:r>
+              <a:rPr lang="en-US" b="1" dirty="0" err="1">
+                <a:solidFill>
+                  <a:srgbClr val="D4D4D4"/>
+                </a:solidFill>
+                <a:latin typeface="Consolas" panose="020B0609020204030204" pitchFamily="49" charset="0"/>
+              </a:rPr>
+              <a:t>.</a:t>
+            </a:r>
+            <a:r>
+              <a:rPr lang="en-US" b="1" dirty="0" err="1">
+                <a:solidFill>
+                  <a:srgbClr val="9CDCFE"/>
+                </a:solidFill>
+                <a:latin typeface="Consolas" panose="020B0609020204030204" pitchFamily="49" charset="0"/>
+              </a:rPr>
+              <a:t>Enrolled</a:t>
+            </a:r>
+            <a:r>
+              <a:rPr lang="en-US" b="1" dirty="0">
+                <a:solidFill>
+                  <a:srgbClr val="D4D4D4"/>
+                </a:solidFill>
+                <a:latin typeface="Consolas" panose="020B0609020204030204" pitchFamily="49" charset="0"/>
+              </a:rPr>
+              <a:t> } =&gt;</a:t>
+            </a:r>
+          </a:p>
+          <a:p>
+            <a:pPr marL="0" indent="0">
+              <a:buNone/>
+            </a:pPr>
+            <a:r>
+              <a:rPr lang="en-US" b="1" dirty="0">
+                <a:solidFill>
+                  <a:srgbClr val="D4D4D4"/>
+                </a:solidFill>
+                <a:latin typeface="Consolas" panose="020B0609020204030204" pitchFamily="49" charset="0"/>
+              </a:rPr>
+              <a:t>            </a:t>
+            </a:r>
+            <a:r>
+              <a:rPr lang="en-US" b="1" dirty="0">
+                <a:solidFill>
+                  <a:srgbClr val="CE9178"/>
+                </a:solidFill>
+                <a:latin typeface="Consolas" panose="020B0609020204030204" pitchFamily="49" charset="0"/>
+              </a:rPr>
+              <a:t>$""</a:t>
+            </a:r>
+            <a:r>
+              <a:rPr lang="en-US" b="1" dirty="0">
+                <a:solidFill>
+                  <a:srgbClr val="D4D4D4"/>
+                </a:solidFill>
+                <a:latin typeface="Consolas" panose="020B0609020204030204" pitchFamily="49" charset="0"/>
+              </a:rPr>
+              <a:t>,</a:t>
+            </a:r>
+          </a:p>
+          <a:p>
+            <a:pPr marL="0" indent="0">
+              <a:buNone/>
+            </a:pPr>
+            <a:r>
+              <a:rPr lang="en-US" b="1" dirty="0">
+                <a:solidFill>
+                  <a:srgbClr val="D4D4D4"/>
+                </a:solidFill>
+                <a:latin typeface="Consolas" panose="020B0609020204030204" pitchFamily="49" charset="0"/>
+              </a:rPr>
+              <a:t>    { } =&gt; </a:t>
+            </a:r>
+            <a:r>
+              <a:rPr lang="en-US" b="1" dirty="0">
+                <a:solidFill>
+                  <a:srgbClr val="CE9178"/>
+                </a:solidFill>
+                <a:latin typeface="Consolas" panose="020B0609020204030204" pitchFamily="49" charset="0"/>
+              </a:rPr>
+              <a:t>"Enrollment has passed. See you next year."</a:t>
+            </a:r>
+            <a:r>
+              <a:rPr lang="en-US" b="1" dirty="0">
+                <a:solidFill>
+                  <a:srgbClr val="D4D4D4"/>
+                </a:solidFill>
+                <a:latin typeface="Consolas" panose="020B0609020204030204" pitchFamily="49" charset="0"/>
+              </a:rPr>
+              <a:t>,</a:t>
+            </a:r>
+          </a:p>
+          <a:p>
+            <a:pPr marL="0" indent="0">
+              <a:buNone/>
+            </a:pPr>
+            <a:r>
+              <a:rPr lang="en-US" b="1" dirty="0">
+                <a:solidFill>
+                  <a:srgbClr val="D4D4D4"/>
+                </a:solidFill>
+                <a:latin typeface="Consolas" panose="020B0609020204030204" pitchFamily="49" charset="0"/>
+              </a:rPr>
+              <a:t>    </a:t>
+            </a:r>
+            <a:r>
+              <a:rPr lang="en-US" b="1" dirty="0">
+                <a:solidFill>
+                  <a:srgbClr val="9CDCFE"/>
+                </a:solidFill>
+                <a:latin typeface="Consolas" panose="020B0609020204030204" pitchFamily="49" charset="0"/>
+              </a:rPr>
+              <a:t>null</a:t>
+            </a:r>
+            <a:r>
+              <a:rPr lang="en-US" b="1" dirty="0">
+                <a:solidFill>
+                  <a:srgbClr val="D4D4D4"/>
+                </a:solidFill>
+                <a:latin typeface="Consolas" panose="020B0609020204030204" pitchFamily="49" charset="0"/>
+              </a:rPr>
+              <a:t> =&gt; </a:t>
+            </a:r>
+            <a:r>
+              <a:rPr lang="en-US" b="1" dirty="0">
+                <a:solidFill>
+                  <a:srgbClr val="CE9178"/>
+                </a:solidFill>
+                <a:latin typeface="Consolas" panose="020B0609020204030204" pitchFamily="49" charset="0"/>
+              </a:rPr>
+              <a:t>"Oh No!!"</a:t>
+            </a:r>
+            <a:endParaRPr lang="en-US" b="1" dirty="0">
+              <a:solidFill>
+                <a:srgbClr val="D4D4D4"/>
+              </a:solidFill>
+              <a:latin typeface="Consolas" panose="020B0609020204030204" pitchFamily="49" charset="0"/>
+            </a:endParaRPr>
+          </a:p>
+          <a:p>
+            <a:pPr marL="0" indent="0">
+              <a:buNone/>
+            </a:pPr>
+            <a:r>
+              <a:rPr lang="en-US" b="1" dirty="0">
+                <a:solidFill>
+                  <a:srgbClr val="D4D4D4"/>
+                </a:solidFill>
+                <a:latin typeface="Consolas" panose="020B0609020204030204" pitchFamily="49" charset="0"/>
+              </a:rPr>
+              <a:t>}</a:t>
+            </a:r>
+          </a:p>
+          <a:p>
+            <a:pPr marL="0" indent="0">
+              <a:buNone/>
+            </a:pPr>
+            <a:endParaRPr lang="en-US" dirty="0"/>
+          </a:p>
+        </p:txBody>
+      </p:sp>
+    </p:spTree>
+    <p:extLst>
+      <p:ext uri="{BB962C8B-B14F-4D97-AF65-F5344CB8AC3E}">
+        <p14:creationId xmlns:p14="http://schemas.microsoft.com/office/powerpoint/2010/main" val="4264799517"/>
       </p:ext>
     </p:extLst>
   </p:cSld>
@@ -6447,41 +8409,37 @@
               <a:buNone/>
             </a:pPr>
             <a:r>
-              <a:rPr lang="en-US" sz="2000" b="0" i="0" dirty="0">
+              <a:rPr lang="en-US" sz="2000" dirty="0">
                 <a:solidFill>
                   <a:srgbClr val="0101FD"/>
                 </a:solidFill>
-                <a:effectLst/>
                 <a:latin typeface="SFMono-Regular"/>
               </a:rPr>
               <a:t>int</a:t>
             </a:r>
             <a:r>
-              <a:rPr lang="en-US" sz="2000" b="0" i="0" dirty="0">
+              <a:rPr lang="en-US" sz="2000" dirty="0">
                 <a:solidFill>
                   <a:srgbClr val="171717"/>
                 </a:solidFill>
-                <a:effectLst/>
                 <a:latin typeface="SFMono-Regular"/>
               </a:rPr>
               <a:t>? n = </a:t>
             </a:r>
             <a:r>
-              <a:rPr lang="en-US" sz="2000" b="0" i="0" dirty="0">
+              <a:rPr lang="en-US" sz="2000" dirty="0">
                 <a:solidFill>
                   <a:srgbClr val="07704A"/>
                 </a:solidFill>
-                <a:effectLst/>
                 <a:latin typeface="SFMono-Regular"/>
               </a:rPr>
               <a:t>null</a:t>
             </a:r>
             <a:r>
-              <a:rPr lang="en-US" sz="2000" b="0" i="0" dirty="0">
+              <a:rPr lang="en-US" sz="2000" dirty="0">
                 <a:solidFill>
                   <a:srgbClr val="171717"/>
                 </a:solidFill>
-                <a:effectLst/>
                 <a:latin typeface="SFMono-Regular"/>
               </a:rPr>
               <a:t>; </a:t>
@@ -6492,21 +8450,19 @@
               <a:buNone/>
             </a:pPr>
             <a:r>
-              <a:rPr lang="en-US" sz="2000" b="0" i="0" dirty="0">
+              <a:rPr lang="en-US" sz="2000" dirty="0">
                 <a:solidFill>
                   <a:srgbClr val="008000"/>
                 </a:solidFill>
-                <a:effectLst/>
                 <a:latin typeface="SFMono-Regular"/>
               </a:rPr>
               <a:t>// int m1 = n; // Doesn't compile</a:t>
             </a:r>
             <a:r>
-              <a:rPr lang="en-US" sz="2000" b="0" i="0" dirty="0">
+              <a:rPr lang="en-US" sz="2000" dirty="0">
                 <a:solidFill>
                   <a:srgbClr val="171717"/>
                 </a:solidFill>
-                <a:effectLst/>
                 <a:latin typeface="SFMono-Regular"/>
               </a:rPr>
               <a:t> </a:t>
@@ -6517,20 +8473,18 @@
               <a:buNone/>
             </a:pPr>
             <a:r>
-              <a:rPr lang="en-US" sz="2000" b="0" i="0" dirty="0">
+              <a:rPr lang="en-US" sz="2000" dirty="0">
                 <a:solidFill>
                   <a:srgbClr val="008000"/>
                 </a:solidFill>
-                <a:effectLst/>
                 <a:latin typeface="SFMono-Regular"/>
               </a:rPr>
               <a:t>// int m2 = null; // Doesn't compile</a:t>
             </a:r>
-            <a:endParaRPr lang="en-US" sz="2000" b="0" i="0" dirty="0">
+            <a:endParaRPr lang="en-US" sz="2000" dirty="0">
               <a:solidFill>
                 <a:srgbClr val="171717"/>
               </a:solidFill>
-              <a:effectLst/>
               <a:latin typeface="SFMono-Regular"/>
             </a:endParaRPr>
           </a:p>
@@ -6539,51 +8493,46 @@
               <a:buNone/>
             </a:pPr>
             <a:r>
-              <a:rPr lang="en-US" sz="2000" b="0" i="0" dirty="0">
+              <a:rPr lang="en-US" sz="2000" dirty="0">
                 <a:solidFill>
                   <a:srgbClr val="0101FD"/>
                 </a:solidFill>
-                <a:effectLst/>
                 <a:latin typeface="SFMono-Regular"/>
               </a:rPr>
               <a:t>int</a:t>
             </a:r>
             <a:r>
-              <a:rPr lang="en-US" sz="2000" b="0" i="0" dirty="0">
+              <a:rPr lang="en-US" sz="2000" dirty="0">
                 <a:solidFill>
                   <a:srgbClr val="171717"/>
                 </a:solidFill>
-                <a:effectLst/>
                 <a:latin typeface="SFMono-Regular"/>
               </a:rPr>
               <a:t> n2 = (</a:t>
             </a:r>
             <a:r>
-              <a:rPr lang="en-US" sz="2000" b="0" i="0" dirty="0">
+              <a:rPr lang="en-US" sz="2000" dirty="0">
                 <a:solidFill>
                   <a:srgbClr val="0101FD"/>
                 </a:solidFill>
-                <a:effectLst/>
                 <a:latin typeface="SFMono-Regular"/>
               </a:rPr>
               <a:t>int</a:t>
             </a:r>
             <a:r>
-              <a:rPr lang="en-US" sz="2000" b="0" i="0" dirty="0">
+              <a:rPr lang="en-US" sz="2000" dirty="0">
                 <a:solidFill>
                   <a:srgbClr val="171717"/>
                 </a:solidFill>
-                <a:effectLst/>
                 <a:latin typeface="SFMono-Regular"/>
               </a:rPr>
               <a:t>)n; </a:t>
             </a:r>
             <a:r>
-              <a:rPr lang="en-US" sz="2000" b="0" i="0" dirty="0">
+              <a:rPr lang="en-US" sz="2000" dirty="0">
                 <a:solidFill>
                   <a:srgbClr val="008000"/>
                 </a:solidFill>
-                <a:effectLst/>
                 <a:latin typeface="SFMono-Regular"/>
               </a:rPr>
               <a:t>// Compiles, but throws an exception if n is null</a:t>
@@ -6602,19 +8551,12 @@
               </a:rPr>
               <a:t>// n2 = null; // Doesn’t compile</a:t>
             </a:r>
-            <a:endParaRPr lang="en-US" sz="2000" b="0" i="0" dirty="0">
-              <a:solidFill>
-                <a:srgbClr val="008000"/>
-              </a:solidFill>
-              <a:effectLst/>
-              <a:latin typeface="SFMono-Regular"/>
-            </a:endParaRPr>
           </a:p>
           <a:p>
             <a:pPr marL="274320" lvl="1" indent="0">
               <a:buNone/>
             </a:pPr>
-            <a:endParaRPr lang="en-US" dirty="0">
+            <a:endParaRPr lang="en-US" sz="1800" dirty="0">
               <a:solidFill>
                 <a:srgbClr val="008000"/>
               </a:solidFill>
@@ -6626,11 +8568,11 @@
               <a:buNone/>
             </a:pPr>
             <a:r>
-              <a:rPr lang="en-US" dirty="0"/>
-              <a:t>MSDN Documentation:</a:t>
-            </a:r>
-            <a:r>
-              <a:rPr lang="en-US" dirty="0">
+              <a:rPr lang="en-US" sz="1800" dirty="0"/>
+              <a:t>MSDN Documentation on nullable value types:</a:t>
+            </a:r>
+            <a:r>
+              <a:rPr lang="en-US" sz="1800" dirty="0">
                 <a:solidFill>
                   <a:srgbClr val="008000"/>
                 </a:solidFill>
@@ -6639,12 +8581,12 @@
               <a:t> </a:t>
             </a:r>
             <a:r>
-              <a:rPr lang="en-US" dirty="0">
-                <a:hlinkClick r:id="rId2"/>
+              <a:rPr lang="en-US" sz="1800" dirty="0">
+                <a:hlinkClick r:id="rId3"/>
               </a:rPr>
               <a:t>https://docs.microsoft.com/en-us/dotnet/csharp/language-reference/builtin-types/nullable-value-types</a:t>
             </a:r>
-            <a:endParaRPr lang="en-US" dirty="0"/>
+            <a:endParaRPr lang="en-US" sz="1800" dirty="0"/>
           </a:p>
         </p:txBody>
       </p:sp>
@@ -6724,11 +8666,13 @@
         </p:nvSpPr>
         <p:spPr/>
         <p:txBody>
-          <a:bodyPr/>
+          <a:bodyPr>
+            <a:normAutofit/>
+          </a:bodyPr>
           <a:lstStyle/>
           <a:p>
             <a:r>
-              <a:rPr lang="en-US" sz="1800" kern="1200" dirty="0">
+              <a:rPr lang="en-US" sz="2000" kern="1200" dirty="0">
                 <a:solidFill>
                   <a:srgbClr val="000000"/>
                 </a:solidFill>
@@ -6741,7 +8685,21 @@
             </a:r>
           </a:p>
           <a:p>
-            <a:endParaRPr lang="en-US" sz="1800" kern="1200" dirty="0">
+            <a:r>
+              <a:rPr lang="en-US" sz="2000" kern="1200" dirty="0">
+                <a:solidFill>
+                  <a:srgbClr val="000000"/>
+                </a:solidFill>
+                <a:effectLst/>
+                <a:latin typeface="Garamond" panose="02020404030301010803" pitchFamily="18" charset="0"/>
+                <a:ea typeface="+mn-ea"/>
+                <a:cs typeface="+mn-cs"/>
+              </a:rPr>
+              <a:t>It means quite as it sounds, allowing a reference type such as </a:t>
+            </a:r>
+          </a:p>
+          <a:p>
+            <a:endParaRPr lang="en-US" sz="2000" kern="1200" dirty="0">
               <a:solidFill>
                 <a:srgbClr val="000000"/>
               </a:solidFill>
@@ -6752,8 +8710,27 @@
             </a:endParaRPr>
           </a:p>
           <a:p>
-            <a:r>
-              <a:rPr lang="en-US" sz="1800" kern="1200" dirty="0">
+            <a:endParaRPr lang="en-US" sz="2000" dirty="0">
+              <a:solidFill>
+                <a:srgbClr val="000000"/>
+              </a:solidFill>
+              <a:latin typeface="Garamond" panose="02020404030301010803" pitchFamily="18" charset="0"/>
+            </a:endParaRPr>
+          </a:p>
+          <a:p>
+            <a:endParaRPr lang="en-US" sz="2000" kern="1200" dirty="0">
+              <a:solidFill>
+                <a:srgbClr val="000000"/>
+              </a:solidFill>
+              <a:effectLst/>
+              <a:latin typeface="Garamond" panose="02020404030301010803" pitchFamily="18" charset="0"/>
+              <a:ea typeface="+mn-ea"/>
+              <a:cs typeface="+mn-cs"/>
+            </a:endParaRPr>
+          </a:p>
+          <a:p>
+            <a:r>
+              <a:rPr lang="en-US" sz="2000" kern="1200" dirty="0">
                 <a:solidFill>
                   <a:srgbClr val="000000"/>
                 </a:solidFill>
@@ -6762,10 +8739,10 @@
                 <a:ea typeface="+mn-ea"/>
                 <a:cs typeface="+mn-cs"/>
               </a:rPr>
-              <a:t>MSDN Documentation</a:t>
-            </a:r>
-            <a:r>
-              <a:rPr lang="en-US" sz="1800" kern="1200" dirty="0">
+              <a:t>MSDN Documentation on nullable reference types</a:t>
+            </a:r>
+            <a:r>
+              <a:rPr lang="en-US" sz="2000" kern="1200" dirty="0">
                 <a:solidFill>
                   <a:srgbClr val="000000"/>
                 </a:solidFill>
@@ -6776,12 +8753,12 @@
               <a:t>: </a:t>
             </a:r>
             <a:r>
-              <a:rPr lang="en-US" dirty="0">
+              <a:rPr lang="en-US" sz="2000" dirty="0">
                 <a:hlinkClick r:id="rId2"/>
               </a:rPr>
               <a:t>https://docs.microsoft.com/en-us/dotnet/csharp/language-reference/builtin-types/nullable-reference-types</a:t>
             </a:r>
-            <a:endParaRPr lang="en-US" dirty="0"/>
+            <a:endParaRPr lang="en-US" sz="2000" dirty="0"/>
           </a:p>
         </p:txBody>
       </p:sp>
@@ -6838,7 +8815,7 @@
           <a:p>
             <a:r>
               <a:rPr lang="en-US" dirty="0"/>
-              <a:t>Nullable reference type?</a:t>
+              <a:t>Nullable reference type examples</a:t>
             </a:r>
           </a:p>
         </p:txBody>
@@ -7221,13 +9198,13 @@
                 </a:solidFill>
                 <a:effectLst/>
                 <a:latin typeface="Garamond" panose="02020404030301010803" pitchFamily="18" charset="0"/>
-                <a:hlinkClick r:id="rId2"/>
+                <a:hlinkClick r:id="rId3"/>
               </a:rPr>
               <a:t>: </a:t>
             </a:r>
             <a:r>
               <a:rPr lang="en-US" dirty="0">
-                <a:hlinkClick r:id="rId2"/>
+                <a:hlinkClick r:id="rId3"/>
               </a:rPr>
               <a:t>https://docs.microsoft.com/en-us/dotnet/csharp/language-reference/builtin-types/nullable-reference-types</a:t>
             </a:r>
@@ -7270,7 +9247,7 @@
           <p:cNvPr id="2" name="Title 1">
             <a:extLst>
               <a:ext uri="{FF2B5EF4-FFF2-40B4-BE49-F238E27FC236}">
-                <a16:creationId xmlns:a16="http://schemas.microsoft.com/office/drawing/2014/main" id="{8E2484BB-30AE-49CF-B13F-24A81AC46484}"/>
+                <a16:creationId xmlns:a16="http://schemas.microsoft.com/office/drawing/2014/main" id="{C5D0C407-5FF9-479A-BA64-A1CDAE99C7EA}"/>
               </a:ext>
             </a:extLst>
           </p:cNvPr>
@@ -7288,7 +9265,7 @@
           <a:p>
             <a:r>
               <a:rPr lang="en-US" dirty="0"/>
-              <a:t> Syntax to know</a:t>
+              <a:t>Nullable reference type examples</a:t>
             </a:r>
           </a:p>
         </p:txBody>
@@ -7298,7 +9275,7 @@
           <p:cNvPr id="3" name="Content Placeholder 2">
             <a:extLst>
               <a:ext uri="{FF2B5EF4-FFF2-40B4-BE49-F238E27FC236}">
-                <a16:creationId xmlns:a16="http://schemas.microsoft.com/office/drawing/2014/main" id="{5E6087FD-A9F0-437C-982C-0DE663F327A0}"/>
+                <a16:creationId xmlns:a16="http://schemas.microsoft.com/office/drawing/2014/main" id="{6C3089AA-FBCF-4218-95E1-CEF6A082C32F}"/>
               </a:ext>
             </a:extLst>
           </p:cNvPr>
@@ -7309,12 +9286,7 @@
             <p:ph idx="1"/>
           </p:nvPr>
         </p:nvSpPr>
-        <p:spPr>
-          <a:xfrm>
-            <a:off x="764275" y="2279176"/>
-            <a:ext cx="10360925" cy="3673568"/>
-          </a:xfrm>
-        </p:spPr>
+        <p:spPr/>
         <p:txBody>
           <a:bodyPr>
             <a:normAutofit/>
@@ -7325,268 +9297,438 @@
               <a:buNone/>
             </a:pPr>
             <a:r>
-              <a:rPr lang="en-US" b="0" i="0" dirty="0">
-                <a:solidFill>
-                  <a:srgbClr val="808080"/>
-                </a:solidFill>
-                <a:effectLst/>
-                <a:latin typeface="Consolas" panose="020B0609020204030204" pitchFamily="49" charset="0"/>
-              </a:rPr>
-              <a:t>#nullable enable</a:t>
-            </a:r>
-            <a:endParaRPr lang="en-US" b="0" i="0" dirty="0">
-              <a:solidFill>
-                <a:srgbClr val="0101FD"/>
-              </a:solidFill>
-              <a:effectLst/>
-              <a:latin typeface="SFMono-Regular"/>
-            </a:endParaRPr>
+              <a:rPr lang="en-US" dirty="0">
+                <a:solidFill>
+                  <a:schemeClr val="accent3">
+                    <a:lumMod val="75000"/>
+                  </a:schemeClr>
+                </a:solidFill>
+                <a:latin typeface="Consolas" panose="020B0609020204030204" pitchFamily="49" charset="0"/>
+              </a:rPr>
+              <a:t>// Warning: CS8714 Nullability of type argument 'string?' doesn't match `</a:t>
+            </a:r>
+            <a:r>
+              <a:rPr lang="en-US" dirty="0" err="1">
+                <a:solidFill>
+                  <a:schemeClr val="accent3">
+                    <a:lumMod val="75000"/>
+                  </a:schemeClr>
+                </a:solidFill>
+                <a:latin typeface="Consolas" panose="020B0609020204030204" pitchFamily="49" charset="0"/>
+              </a:rPr>
+              <a:t>notnull</a:t>
+            </a:r>
+            <a:r>
+              <a:rPr lang="en-US" dirty="0">
+                <a:solidFill>
+                  <a:schemeClr val="accent3">
+                    <a:lumMod val="75000"/>
+                  </a:schemeClr>
+                </a:solidFill>
+                <a:latin typeface="Consolas" panose="020B0609020204030204" pitchFamily="49" charset="0"/>
+              </a:rPr>
+              <a:t>` constraint</a:t>
+            </a:r>
           </a:p>
           <a:p>
             <a:pPr marL="0" indent="0">
               <a:buNone/>
             </a:pPr>
             <a:r>
-              <a:rPr lang="en-US" b="0" i="0" dirty="0">
-                <a:solidFill>
-                  <a:srgbClr val="0101FD"/>
-                </a:solidFill>
-                <a:effectLst/>
-                <a:latin typeface="SFMono-Regular"/>
+              <a:rPr lang="en-US" dirty="0">
+                <a:solidFill>
+                  <a:srgbClr val="569CD6"/>
+                </a:solidFill>
+                <a:latin typeface="Consolas" panose="020B0609020204030204" pitchFamily="49" charset="0"/>
+              </a:rPr>
+              <a:t>var</a:t>
+            </a:r>
+            <a:r>
+              <a:rPr lang="en-US" dirty="0">
+                <a:solidFill>
+                  <a:srgbClr val="D4D4D4"/>
+                </a:solidFill>
+                <a:latin typeface="Consolas" panose="020B0609020204030204" pitchFamily="49" charset="0"/>
+              </a:rPr>
+              <a:t> </a:t>
+            </a:r>
+            <a:r>
+              <a:rPr lang="en-US" dirty="0">
+                <a:solidFill>
+                  <a:srgbClr val="00B0F0"/>
+                </a:solidFill>
+                <a:latin typeface="Consolas" panose="020B0609020204030204" pitchFamily="49" charset="0"/>
+              </a:rPr>
+              <a:t>d1</a:t>
+            </a:r>
+            <a:r>
+              <a:rPr lang="en-US" dirty="0">
+                <a:latin typeface="Consolas" panose="020B0609020204030204" pitchFamily="49" charset="0"/>
+              </a:rPr>
+              <a:t> =</a:t>
+            </a:r>
+            <a:r>
+              <a:rPr lang="en-US" dirty="0">
+                <a:solidFill>
+                  <a:srgbClr val="D4D4D4"/>
+                </a:solidFill>
+                <a:latin typeface="Consolas" panose="020B0609020204030204" pitchFamily="49" charset="0"/>
+              </a:rPr>
+              <a:t> </a:t>
+            </a:r>
+            <a:r>
+              <a:rPr lang="en-US" dirty="0">
+                <a:solidFill>
+                  <a:srgbClr val="569CD6"/>
+                </a:solidFill>
+                <a:latin typeface="Consolas" panose="020B0609020204030204" pitchFamily="49" charset="0"/>
+              </a:rPr>
+              <a:t>new</a:t>
+            </a:r>
+            <a:r>
+              <a:rPr lang="en-US" dirty="0">
+                <a:solidFill>
+                  <a:srgbClr val="D4D4D4"/>
+                </a:solidFill>
+                <a:latin typeface="Consolas" panose="020B0609020204030204" pitchFamily="49" charset="0"/>
+              </a:rPr>
+              <a:t> </a:t>
+            </a:r>
+            <a:r>
+              <a:rPr lang="en-US" dirty="0">
+                <a:solidFill>
+                  <a:srgbClr val="4EC9B0"/>
+                </a:solidFill>
+                <a:latin typeface="Consolas" panose="020B0609020204030204" pitchFamily="49" charset="0"/>
+              </a:rPr>
+              <a:t>Dictionary</a:t>
+            </a:r>
+            <a:r>
+              <a:rPr lang="en-US" dirty="0">
+                <a:latin typeface="Consolas" panose="020B0609020204030204" pitchFamily="49" charset="0"/>
+              </a:rPr>
+              <a:t>&lt;</a:t>
+            </a:r>
+            <a:r>
+              <a:rPr lang="en-US" dirty="0">
+                <a:solidFill>
+                  <a:srgbClr val="569CD6"/>
+                </a:solidFill>
+                <a:latin typeface="Consolas" panose="020B0609020204030204" pitchFamily="49" charset="0"/>
               </a:rPr>
               <a:t>string</a:t>
             </a:r>
             <a:r>
-              <a:rPr lang="en-US" b="0" i="0" dirty="0">
-                <a:solidFill>
-                  <a:srgbClr val="171717"/>
-                </a:solidFill>
-                <a:effectLst/>
-                <a:latin typeface="SFMono-Regular"/>
-              </a:rPr>
-              <a:t> </a:t>
-            </a:r>
-            <a:r>
-              <a:rPr lang="en-US" b="0" i="0" dirty="0" err="1">
-                <a:solidFill>
-                  <a:srgbClr val="171717"/>
-                </a:solidFill>
-                <a:effectLst/>
-                <a:latin typeface="SFMono-Regular"/>
-              </a:rPr>
-              <a:t>notNull</a:t>
-            </a:r>
-            <a:r>
-              <a:rPr lang="en-US" b="0" i="0" dirty="0">
-                <a:solidFill>
-                  <a:srgbClr val="171717"/>
-                </a:solidFill>
-                <a:effectLst/>
-                <a:latin typeface="SFMono-Regular"/>
-              </a:rPr>
-              <a:t> = </a:t>
-            </a:r>
-            <a:r>
-              <a:rPr lang="en-US" b="0" i="0" dirty="0">
-                <a:solidFill>
-                  <a:srgbClr val="A31515"/>
-                </a:solidFill>
-                <a:effectLst/>
-                <a:latin typeface="SFMono-Regular"/>
-              </a:rPr>
-              <a:t>"Hello"</a:t>
-            </a:r>
-            <a:r>
-              <a:rPr lang="en-US" b="0" i="0" dirty="0">
-                <a:solidFill>
-                  <a:srgbClr val="171717"/>
-                </a:solidFill>
-                <a:effectLst/>
-                <a:latin typeface="SFMono-Regular"/>
-              </a:rPr>
-              <a:t>; </a:t>
+              <a:rPr lang="en-US" dirty="0">
+                <a:latin typeface="Consolas" panose="020B0609020204030204" pitchFamily="49" charset="0"/>
+              </a:rPr>
+              <a:t>?,</a:t>
+            </a:r>
+            <a:r>
+              <a:rPr lang="en-US" dirty="0">
+                <a:solidFill>
+                  <a:srgbClr val="D4D4D4"/>
+                </a:solidFill>
+                <a:latin typeface="Consolas" panose="020B0609020204030204" pitchFamily="49" charset="0"/>
+              </a:rPr>
+              <a:t> </a:t>
+            </a:r>
+            <a:r>
+              <a:rPr lang="en-US" dirty="0">
+                <a:solidFill>
+                  <a:srgbClr val="569CD6"/>
+                </a:solidFill>
+                <a:latin typeface="Consolas" panose="020B0609020204030204" pitchFamily="49" charset="0"/>
+              </a:rPr>
+              <a:t>string</a:t>
+            </a:r>
+            <a:r>
+              <a:rPr lang="en-US" dirty="0">
+                <a:latin typeface="Consolas" panose="020B0609020204030204" pitchFamily="49" charset="0"/>
+              </a:rPr>
+              <a:t>&gt;(</a:t>
+            </a:r>
+            <a:r>
+              <a:rPr lang="en-US" dirty="0">
+                <a:solidFill>
+                  <a:schemeClr val="accent3"/>
+                </a:solidFill>
+                <a:latin typeface="Consolas" panose="020B0609020204030204" pitchFamily="49" charset="0"/>
+              </a:rPr>
+              <a:t>10</a:t>
+            </a:r>
+            <a:r>
+              <a:rPr lang="en-US" dirty="0">
+                <a:latin typeface="Consolas" panose="020B0609020204030204" pitchFamily="49" charset="0"/>
+              </a:rPr>
+              <a:t>);</a:t>
             </a:r>
           </a:p>
           <a:p>
             <a:pPr marL="0" indent="0">
               <a:buNone/>
             </a:pPr>
-            <a:r>
-              <a:rPr lang="en-US" b="0" i="0" dirty="0">
-                <a:solidFill>
-                  <a:srgbClr val="0101FD"/>
-                </a:solidFill>
-                <a:effectLst/>
-                <a:latin typeface="SFMono-Regular"/>
+            <a:br>
+              <a:rPr lang="en-US" dirty="0">
+                <a:solidFill>
+                  <a:srgbClr val="D4D4D4"/>
+                </a:solidFill>
+                <a:latin typeface="Consolas" panose="020B0609020204030204" pitchFamily="49" charset="0"/>
+              </a:rPr>
+            </a:br>
+            <a:r>
+              <a:rPr lang="en-US" dirty="0">
+                <a:solidFill>
+                  <a:schemeClr val="accent3">
+                    <a:lumMod val="75000"/>
+                  </a:schemeClr>
+                </a:solidFill>
+                <a:latin typeface="Consolas" panose="020B0609020204030204" pitchFamily="49" charset="0"/>
+              </a:rPr>
+              <a:t>// And as expected, using 'null' as a key for a non-nullable key type is a warning...</a:t>
+            </a:r>
+          </a:p>
+          <a:p>
+            <a:pPr marL="0" indent="0">
+              <a:buNone/>
+            </a:pPr>
+            <a:r>
+              <a:rPr lang="en-US" dirty="0">
+                <a:solidFill>
+                  <a:srgbClr val="569CD6"/>
+                </a:solidFill>
+                <a:latin typeface="Consolas" panose="020B0609020204030204" pitchFamily="49" charset="0"/>
+              </a:rPr>
+              <a:t>var</a:t>
+            </a:r>
+            <a:r>
+              <a:rPr lang="en-US" dirty="0">
+                <a:solidFill>
+                  <a:srgbClr val="D4D4D4"/>
+                </a:solidFill>
+                <a:latin typeface="Consolas" panose="020B0609020204030204" pitchFamily="49" charset="0"/>
+              </a:rPr>
+              <a:t> </a:t>
+            </a:r>
+            <a:r>
+              <a:rPr lang="en-US" dirty="0">
+                <a:solidFill>
+                  <a:srgbClr val="00B0F0"/>
+                </a:solidFill>
+                <a:latin typeface="Consolas" panose="020B0609020204030204" pitchFamily="49" charset="0"/>
+              </a:rPr>
+              <a:t>d2</a:t>
+            </a:r>
+            <a:r>
+              <a:rPr lang="en-US" dirty="0">
+                <a:solidFill>
+                  <a:srgbClr val="D4D4D4"/>
+                </a:solidFill>
+                <a:latin typeface="Consolas" panose="020B0609020204030204" pitchFamily="49" charset="0"/>
+              </a:rPr>
+              <a:t> </a:t>
+            </a:r>
+            <a:r>
+              <a:rPr lang="en-US" dirty="0">
+                <a:latin typeface="Consolas" panose="020B0609020204030204" pitchFamily="49" charset="0"/>
+              </a:rPr>
+              <a:t>= </a:t>
+            </a:r>
+            <a:r>
+              <a:rPr lang="en-US" dirty="0">
+                <a:solidFill>
+                  <a:srgbClr val="569CD6"/>
+                </a:solidFill>
+                <a:latin typeface="Consolas" panose="020B0609020204030204" pitchFamily="49" charset="0"/>
+              </a:rPr>
+              <a:t>new</a:t>
+            </a:r>
+            <a:r>
+              <a:rPr lang="en-US" dirty="0">
+                <a:solidFill>
+                  <a:srgbClr val="D4D4D4"/>
+                </a:solidFill>
+                <a:latin typeface="Consolas" panose="020B0609020204030204" pitchFamily="49" charset="0"/>
+              </a:rPr>
+              <a:t> </a:t>
+            </a:r>
+            <a:r>
+              <a:rPr lang="en-US" dirty="0">
+                <a:solidFill>
+                  <a:srgbClr val="4EC9B0"/>
+                </a:solidFill>
+                <a:latin typeface="Consolas" panose="020B0609020204030204" pitchFamily="49" charset="0"/>
+              </a:rPr>
+              <a:t>Dictionary</a:t>
+            </a:r>
+            <a:r>
+              <a:rPr lang="en-US" dirty="0">
+                <a:latin typeface="Consolas" panose="020B0609020204030204" pitchFamily="49" charset="0"/>
+              </a:rPr>
+              <a:t>&lt;</a:t>
+            </a:r>
+            <a:r>
+              <a:rPr lang="en-US" dirty="0">
+                <a:solidFill>
+                  <a:srgbClr val="569CD6"/>
+                </a:solidFill>
+                <a:latin typeface="Consolas" panose="020B0609020204030204" pitchFamily="49" charset="0"/>
               </a:rPr>
               <a:t>string</a:t>
             </a:r>
             <a:r>
-              <a:rPr lang="en-US" b="0" i="0" dirty="0">
-                <a:solidFill>
-                  <a:srgbClr val="171717"/>
-                </a:solidFill>
-                <a:effectLst/>
-                <a:latin typeface="SFMono-Regular"/>
-              </a:rPr>
-              <a:t>? nullable = </a:t>
-            </a:r>
-            <a:r>
-              <a:rPr lang="en-US" b="0" i="0" dirty="0">
-                <a:solidFill>
-                  <a:srgbClr val="0101FD"/>
-                </a:solidFill>
-                <a:effectLst/>
-                <a:latin typeface="SFMono-Regular"/>
-              </a:rPr>
-              <a:t>default</a:t>
-            </a:r>
-            <a:r>
-              <a:rPr lang="en-US" b="0" i="0" dirty="0">
-                <a:solidFill>
-                  <a:srgbClr val="171717"/>
-                </a:solidFill>
-                <a:effectLst/>
-                <a:latin typeface="SFMono-Regular"/>
-              </a:rPr>
-              <a:t>; </a:t>
+              <a:rPr lang="en-US" dirty="0">
+                <a:latin typeface="Consolas" panose="020B0609020204030204" pitchFamily="49" charset="0"/>
+              </a:rPr>
+              <a:t>,</a:t>
+            </a:r>
+            <a:r>
+              <a:rPr lang="en-US" dirty="0">
+                <a:solidFill>
+                  <a:srgbClr val="D4D4D4"/>
+                </a:solidFill>
+                <a:latin typeface="Consolas" panose="020B0609020204030204" pitchFamily="49" charset="0"/>
+              </a:rPr>
+              <a:t> </a:t>
+            </a:r>
+            <a:r>
+              <a:rPr lang="en-US" dirty="0">
+                <a:solidFill>
+                  <a:srgbClr val="569CD6"/>
+                </a:solidFill>
+                <a:latin typeface="Consolas" panose="020B0609020204030204" pitchFamily="49" charset="0"/>
+              </a:rPr>
+              <a:t>string</a:t>
+            </a:r>
+            <a:r>
+              <a:rPr lang="en-US" dirty="0">
+                <a:latin typeface="Consolas" panose="020B0609020204030204" pitchFamily="49" charset="0"/>
+              </a:rPr>
+              <a:t>&gt;(</a:t>
+            </a:r>
+            <a:r>
+              <a:rPr lang="en-US" dirty="0">
+                <a:solidFill>
+                  <a:schemeClr val="accent3"/>
+                </a:solidFill>
+                <a:latin typeface="Consolas" panose="020B0609020204030204" pitchFamily="49" charset="0"/>
+              </a:rPr>
+              <a:t>10</a:t>
+            </a:r>
+            <a:r>
+              <a:rPr lang="en-US" dirty="0">
+                <a:latin typeface="Consolas" panose="020B0609020204030204" pitchFamily="49" charset="0"/>
+              </a:rPr>
+              <a:t>);</a:t>
             </a:r>
           </a:p>
           <a:p>
             <a:pPr marL="0" indent="0">
               <a:buNone/>
             </a:pPr>
-            <a:r>
-              <a:rPr lang="en-US" b="0" i="0" dirty="0">
-                <a:solidFill>
-                  <a:srgbClr val="0101FD"/>
-                </a:solidFill>
-                <a:effectLst/>
-                <a:latin typeface="SFMono-Regular"/>
-              </a:rPr>
-              <a:t>string</a:t>
-            </a:r>
-            <a:r>
-              <a:rPr lang="en-US" b="0" i="0" dirty="0">
-                <a:solidFill>
-                  <a:srgbClr val="171717"/>
-                </a:solidFill>
-                <a:effectLst/>
-                <a:latin typeface="SFMono-Regular"/>
-              </a:rPr>
-              <a:t>? nullable2 = </a:t>
-            </a:r>
-            <a:r>
-              <a:rPr lang="en-US" b="0" i="0" dirty="0">
-                <a:solidFill>
-                  <a:srgbClr val="0101FD"/>
-                </a:solidFill>
-                <a:effectLst/>
-                <a:latin typeface="SFMono-Regular"/>
+            <a:br>
+              <a:rPr lang="en-US" dirty="0">
+                <a:solidFill>
+                  <a:srgbClr val="D4D4D4"/>
+                </a:solidFill>
+                <a:latin typeface="Consolas" panose="020B0609020204030204" pitchFamily="49" charset="0"/>
+              </a:rPr>
+            </a:br>
+            <a:r>
+              <a:rPr lang="en-US" dirty="0">
+                <a:solidFill>
+                  <a:schemeClr val="accent3">
+                    <a:lumMod val="75000"/>
+                  </a:schemeClr>
+                </a:solidFill>
+                <a:latin typeface="Consolas" panose="020B0609020204030204" pitchFamily="49" charset="0"/>
+              </a:rPr>
+              <a:t>// Warning: CS8625 - Cannot convert to non-nullable reference type.</a:t>
+            </a:r>
+          </a:p>
+          <a:p>
+            <a:pPr marL="0" indent="0">
+              <a:buNone/>
+            </a:pPr>
+            <a:r>
+              <a:rPr lang="en-US" dirty="0">
+                <a:solidFill>
+                  <a:srgbClr val="569CD6"/>
+                </a:solidFill>
+                <a:latin typeface="Consolas" panose="020B0609020204030204" pitchFamily="49" charset="0"/>
+              </a:rPr>
+              <a:t>var</a:t>
+            </a:r>
+            <a:r>
+              <a:rPr lang="en-US" dirty="0">
+                <a:solidFill>
+                  <a:srgbClr val="D4D4D4"/>
+                </a:solidFill>
+                <a:latin typeface="Consolas" panose="020B0609020204030204" pitchFamily="49" charset="0"/>
+              </a:rPr>
+              <a:t> </a:t>
+            </a:r>
+            <a:r>
+              <a:rPr lang="en-US" dirty="0">
+                <a:solidFill>
+                  <a:srgbClr val="00B0F0"/>
+                </a:solidFill>
+                <a:latin typeface="Consolas" panose="020B0609020204030204" pitchFamily="49" charset="0"/>
+              </a:rPr>
+              <a:t>nothing</a:t>
+            </a:r>
+            <a:r>
+              <a:rPr lang="en-US" dirty="0">
+                <a:solidFill>
+                  <a:srgbClr val="D4D4D4"/>
+                </a:solidFill>
+                <a:latin typeface="Consolas" panose="020B0609020204030204" pitchFamily="49" charset="0"/>
+              </a:rPr>
+              <a:t> </a:t>
+            </a:r>
+            <a:r>
+              <a:rPr lang="en-US" dirty="0">
+                <a:latin typeface="Consolas" panose="020B0609020204030204" pitchFamily="49" charset="0"/>
+              </a:rPr>
+              <a:t>= </a:t>
+            </a:r>
+            <a:r>
+              <a:rPr lang="en-US" dirty="0">
+                <a:solidFill>
+                  <a:srgbClr val="00B0F0"/>
+                </a:solidFill>
+                <a:latin typeface="Consolas" panose="020B0609020204030204" pitchFamily="49" charset="0"/>
+              </a:rPr>
+              <a:t>d2</a:t>
+            </a:r>
+            <a:r>
+              <a:rPr lang="en-US" dirty="0">
+                <a:latin typeface="Consolas" panose="020B0609020204030204" pitchFamily="49" charset="0"/>
+              </a:rPr>
+              <a:t>[</a:t>
+            </a:r>
+            <a:r>
+              <a:rPr lang="en-US" dirty="0">
+                <a:solidFill>
+                  <a:srgbClr val="569CD6"/>
+                </a:solidFill>
+                <a:latin typeface="Consolas" panose="020B0609020204030204" pitchFamily="49" charset="0"/>
               </a:rPr>
               <a:t>null</a:t>
             </a:r>
             <a:r>
-              <a:rPr lang="en-US" b="0" i="0" dirty="0">
-                <a:solidFill>
-                  <a:srgbClr val="171717"/>
-                </a:solidFill>
-                <a:effectLst/>
-                <a:latin typeface="SFMono-Regular"/>
-              </a:rPr>
-              <a:t>; </a:t>
-            </a:r>
-          </a:p>
-          <a:p>
-            <a:pPr marL="0" indent="0">
-              <a:buNone/>
-            </a:pPr>
-            <a:r>
-              <a:rPr lang="en-US" b="0" i="0" dirty="0" err="1">
-                <a:solidFill>
-                  <a:srgbClr val="171717"/>
-                </a:solidFill>
-                <a:effectLst/>
-                <a:latin typeface="SFMono-Regular"/>
-              </a:rPr>
-              <a:t>notNull</a:t>
-            </a:r>
-            <a:r>
-              <a:rPr lang="en-US" b="0" i="0" dirty="0">
-                <a:solidFill>
-                  <a:srgbClr val="171717"/>
-                </a:solidFill>
-                <a:effectLst/>
-                <a:latin typeface="SFMono-Regular"/>
-              </a:rPr>
-              <a:t> = nullable!; </a:t>
-            </a:r>
-            <a:r>
-              <a:rPr lang="en-US" b="0" i="0" dirty="0">
-                <a:solidFill>
-                  <a:srgbClr val="008000"/>
-                </a:solidFill>
-                <a:effectLst/>
-                <a:latin typeface="SFMono-Regular"/>
-              </a:rPr>
-              <a:t>// null forgiving </a:t>
-            </a:r>
-            <a:r>
               <a:rPr lang="en-US" dirty="0">
-                <a:solidFill>
-                  <a:srgbClr val="008000"/>
-                </a:solidFill>
-                <a:latin typeface="SFMono-Regular"/>
-              </a:rPr>
-              <a:t>operator (</a:t>
-            </a:r>
-            <a:r>
-              <a:rPr lang="en-US" b="0" i="0" dirty="0">
-                <a:solidFill>
-                  <a:srgbClr val="008000"/>
-                </a:solidFill>
-                <a:effectLst/>
-                <a:latin typeface="SFMono-Regular"/>
-              </a:rPr>
-              <a:t>Should be avoided)</a:t>
-            </a:r>
-          </a:p>
-          <a:p>
-            <a:pPr marL="0" indent="0">
-              <a:buNone/>
-            </a:pPr>
-            <a:r>
-              <a:rPr lang="en-US" dirty="0">
-                <a:solidFill>
-                  <a:srgbClr val="008000"/>
-                </a:solidFill>
-                <a:latin typeface="SFMono-Regular"/>
-              </a:rPr>
-              <a:t>// It only turns off compiler checks at runtime even when the value may still be null, so only should be used in a rare case when the compiler is not able to detect that a nullable value is actually non-nullable</a:t>
-            </a:r>
-          </a:p>
-          <a:p>
-            <a:pPr marL="0" indent="0">
-              <a:buNone/>
-            </a:pPr>
-            <a:r>
-              <a:rPr lang="en-US" b="0" i="0" dirty="0">
-                <a:solidFill>
-                  <a:srgbClr val="808080"/>
-                </a:solidFill>
-                <a:effectLst/>
-                <a:latin typeface="Consolas" panose="020B0609020204030204" pitchFamily="49" charset="0"/>
-              </a:rPr>
-              <a:t>#nullable restore</a:t>
-            </a:r>
-            <a:endParaRPr lang="en-US" dirty="0"/>
+                <a:latin typeface="Consolas" panose="020B0609020204030204" pitchFamily="49" charset="0"/>
+              </a:rPr>
+              <a:t>];</a:t>
+            </a:r>
           </a:p>
         </p:txBody>
       </p:sp>
     </p:spTree>
     <p:extLst>
       <p:ext uri="{BB962C8B-B14F-4D97-AF65-F5344CB8AC3E}">
-        <p14:creationId xmlns:p14="http://schemas.microsoft.com/office/powerpoint/2010/main" val="3268341817"/>
+        <p14:creationId xmlns:p14="http://schemas.microsoft.com/office/powerpoint/2010/main" val="333348270"/>
       </p:ext>
     </p:extLst>
   </p:cSld>
@@ -7669,98 +9811,10 @@
           </a:bodyPr>
           <a:lstStyle/>
           <a:p>
-            <a:pPr marL="0" indent="0" algn="l">
+            <a:pPr marL="0" indent="0">
               <a:buNone/>
             </a:pPr>
             <a:r>
-              <a:rPr lang="en-US" dirty="0"/>
-              <a:t>Nullable context is set in </a:t>
-            </a:r>
-            <a:r>
-              <a:rPr lang="en-US" dirty="0" err="1"/>
-              <a:t>csproj</a:t>
-            </a:r>
-            <a:r>
-              <a:rPr lang="en-US" dirty="0"/>
-              <a:t> file as follows</a:t>
-            </a:r>
-            <a:endParaRPr lang="fr-FR" dirty="0"/>
-          </a:p>
-          <a:p>
-            <a:pPr marL="0" indent="0" algn="l">
-              <a:buNone/>
-            </a:pPr>
-            <a:r>
-              <a:rPr lang="fr-FR" dirty="0"/>
-              <a:t>&lt;</a:t>
-            </a:r>
-            <a:r>
-              <a:rPr lang="fr-FR" dirty="0" err="1"/>
-              <a:t>LangVersion</a:t>
-            </a:r>
-            <a:r>
-              <a:rPr lang="fr-FR" dirty="0"/>
-              <a:t>&gt;8.0&lt;/</a:t>
-            </a:r>
-            <a:r>
-              <a:rPr lang="fr-FR" dirty="0" err="1"/>
-              <a:t>LangVersion</a:t>
-            </a:r>
-            <a:r>
-              <a:rPr lang="fr-FR" dirty="0"/>
-              <a:t>&gt;  </a:t>
-            </a:r>
-          </a:p>
-          <a:p>
-            <a:pPr marL="0" indent="0" algn="l">
-              <a:buNone/>
-            </a:pPr>
-            <a:r>
-              <a:rPr lang="fr-FR" dirty="0"/>
-              <a:t>&lt;</a:t>
-            </a:r>
-            <a:r>
-              <a:rPr lang="fr-FR" dirty="0" err="1"/>
-              <a:t>Nullable</a:t>
-            </a:r>
-            <a:r>
-              <a:rPr lang="fr-FR" dirty="0"/>
-              <a:t>&gt;enable&lt;/</a:t>
-            </a:r>
-            <a:r>
-              <a:rPr lang="fr-FR" dirty="0" err="1"/>
-              <a:t>Nullable</a:t>
-            </a:r>
-            <a:r>
-              <a:rPr lang="fr-FR" dirty="0"/>
-              <a:t>&gt; </a:t>
-            </a:r>
-          </a:p>
-          <a:p>
-            <a:pPr marL="0" indent="0" algn="l">
-              <a:buNone/>
-            </a:pPr>
-            <a:endParaRPr lang="fr-FR" dirty="0"/>
-          </a:p>
-          <a:p>
-            <a:pPr marL="0" indent="0" algn="l">
-              <a:buNone/>
-            </a:pPr>
-            <a:r>
-              <a:rPr lang="fr-FR" dirty="0"/>
-              <a:t>Or in the source code </a:t>
-            </a:r>
-            <a:r>
-              <a:rPr lang="fr-FR" dirty="0" err="1"/>
-              <a:t>with</a:t>
-            </a:r>
-            <a:endParaRPr lang="fr-FR" dirty="0"/>
-          </a:p>
-          <a:p>
-            <a:pPr marL="0" indent="0" algn="l">
-              <a:buNone/>
-            </a:pPr>
-            <a:r>
               <a:rPr lang="en-US" b="0" i="0" dirty="0">
                 <a:solidFill>
                   <a:srgbClr val="808080"/>
@@ -7770,31 +9824,244 @@
               </a:rPr>
               <a:t>#nullable enable</a:t>
             </a:r>
-            <a:r>
-              <a:rPr lang="en-US" b="0" i="0" dirty="0">
-                <a:solidFill>
-                  <a:srgbClr val="000000"/>
-                </a:solidFill>
-                <a:effectLst/>
-                <a:latin typeface="Consolas" panose="020B0609020204030204" pitchFamily="49" charset="0"/>
-              </a:rPr>
-              <a:t> </a:t>
-            </a:r>
-            <a:endParaRPr lang="fr-FR" b="0" i="0" dirty="0">
+            <a:endParaRPr lang="en-US" b="0" i="0" dirty="0">
               <a:solidFill>
-                <a:srgbClr val="000000"/>
+                <a:srgbClr val="0101FD"/>
               </a:solidFill>
               <a:effectLst/>
-              <a:latin typeface="Consolas" panose="020B0609020204030204" pitchFamily="49" charset="0"/>
+              <a:latin typeface="SFMono-Regular"/>
             </a:endParaRPr>
           </a:p>
           <a:p>
-            <a:pPr marL="0" indent="0" algn="l">
+            <a:pPr marL="0" indent="0">
               <a:buNone/>
             </a:pPr>
             <a:r>
               <a:rPr lang="en-US" b="0" i="0" dirty="0">
                 <a:solidFill>
+                  <a:srgbClr val="0101FD"/>
+                </a:solidFill>
+                <a:effectLst/>
+                <a:latin typeface="SFMono-Regular"/>
+              </a:rPr>
+              <a:t>string</a:t>
+            </a:r>
+            <a:r>
+              <a:rPr lang="en-US" b="0" i="0" dirty="0">
+                <a:solidFill>
+                  <a:srgbClr val="171717"/>
+                </a:solidFill>
+                <a:effectLst/>
+                <a:latin typeface="SFMono-Regular"/>
+              </a:rPr>
+              <a:t> </a:t>
+            </a:r>
+            <a:r>
+              <a:rPr lang="en-US" b="0" i="0" dirty="0" err="1">
+                <a:solidFill>
+                  <a:srgbClr val="171717"/>
+                </a:solidFill>
+                <a:effectLst/>
+                <a:latin typeface="SFMono-Regular"/>
+              </a:rPr>
+              <a:t>notNull</a:t>
+            </a:r>
+            <a:r>
+              <a:rPr lang="en-US" b="0" i="0" dirty="0">
+                <a:solidFill>
+                  <a:srgbClr val="171717"/>
+                </a:solidFill>
+                <a:effectLst/>
+                <a:latin typeface="SFMono-Regular"/>
+              </a:rPr>
+              <a:t> = </a:t>
+            </a:r>
+            <a:r>
+              <a:rPr lang="en-US" b="0" i="0" dirty="0">
+                <a:solidFill>
+                  <a:srgbClr val="A31515"/>
+                </a:solidFill>
+                <a:effectLst/>
+                <a:latin typeface="SFMono-Regular"/>
+              </a:rPr>
+              <a:t>"Hello"</a:t>
+            </a:r>
+            <a:r>
+              <a:rPr lang="en-US" b="0" i="0" dirty="0">
+                <a:solidFill>
+                  <a:srgbClr val="171717"/>
+                </a:solidFill>
+                <a:effectLst/>
+                <a:latin typeface="SFMono-Regular"/>
+              </a:rPr>
+              <a:t>; </a:t>
+            </a:r>
+          </a:p>
+          <a:p>
+            <a:pPr marL="0" indent="0">
+              <a:buNone/>
+            </a:pPr>
+            <a:r>
+              <a:rPr lang="en-US" b="0" i="0" dirty="0">
+                <a:solidFill>
+                  <a:srgbClr val="0101FD"/>
+                </a:solidFill>
+                <a:effectLst/>
+                <a:latin typeface="SFMono-Regular"/>
+              </a:rPr>
+              <a:t>string</a:t>
+            </a:r>
+            <a:r>
+              <a:rPr lang="en-US" b="0" i="0" dirty="0">
+                <a:solidFill>
+                  <a:srgbClr val="171717"/>
+                </a:solidFill>
+                <a:effectLst/>
+                <a:latin typeface="SFMono-Regular"/>
+              </a:rPr>
+              <a:t>? nullable = </a:t>
+            </a:r>
+            <a:r>
+              <a:rPr lang="en-US" b="0" i="0" dirty="0">
+                <a:solidFill>
+                  <a:srgbClr val="0101FD"/>
+                </a:solidFill>
+                <a:effectLst/>
+                <a:latin typeface="SFMono-Regular"/>
+              </a:rPr>
+              <a:t>default</a:t>
+            </a:r>
+            <a:r>
+              <a:rPr lang="en-US" b="0" i="0" dirty="0">
+                <a:solidFill>
+                  <a:srgbClr val="171717"/>
+                </a:solidFill>
+                <a:effectLst/>
+                <a:latin typeface="SFMono-Regular"/>
+              </a:rPr>
+              <a:t>; </a:t>
+            </a:r>
+          </a:p>
+          <a:p>
+            <a:pPr marL="0" indent="0">
+              <a:buNone/>
+            </a:pPr>
+            <a:r>
+              <a:rPr lang="en-US" b="0" i="0" dirty="0">
+                <a:solidFill>
+                  <a:srgbClr val="0101FD"/>
+                </a:solidFill>
+                <a:effectLst/>
+                <a:latin typeface="SFMono-Regular"/>
+              </a:rPr>
+              <a:t>string</a:t>
+            </a:r>
+            <a:r>
+              <a:rPr lang="en-US" b="0" i="0" dirty="0">
+                <a:solidFill>
+                  <a:srgbClr val="171717"/>
+                </a:solidFill>
+                <a:effectLst/>
+                <a:latin typeface="SFMono-Regular"/>
+              </a:rPr>
+              <a:t>? nullable2 = </a:t>
+            </a:r>
+            <a:r>
+              <a:rPr lang="en-US" b="0" i="0" dirty="0">
+                <a:solidFill>
+                  <a:srgbClr val="0101FD"/>
+                </a:solidFill>
+                <a:effectLst/>
+                <a:latin typeface="SFMono-Regular"/>
+              </a:rPr>
+              <a:t>null</a:t>
+            </a:r>
+            <a:r>
+              <a:rPr lang="en-US" b="0" i="0" dirty="0">
+                <a:solidFill>
+                  <a:srgbClr val="171717"/>
+                </a:solidFill>
+                <a:effectLst/>
+                <a:latin typeface="SFMono-Regular"/>
+              </a:rPr>
+              <a:t>; </a:t>
+            </a:r>
+          </a:p>
+          <a:p>
+            <a:pPr marL="0" indent="0">
+              <a:buNone/>
+            </a:pPr>
+            <a:r>
+              <a:rPr lang="en-US" b="0" i="0" dirty="0" err="1">
+                <a:solidFill>
+                  <a:srgbClr val="171717"/>
+                </a:solidFill>
+                <a:effectLst/>
+                <a:latin typeface="SFMono-Regular"/>
+              </a:rPr>
+              <a:t>notNull</a:t>
+            </a:r>
+            <a:r>
+              <a:rPr lang="en-US" b="0" i="0" dirty="0">
+                <a:solidFill>
+                  <a:srgbClr val="171717"/>
+                </a:solidFill>
+                <a:effectLst/>
+                <a:latin typeface="SFMono-Regular"/>
+              </a:rPr>
+              <a:t> = nullable!; </a:t>
+            </a:r>
+            <a:r>
+              <a:rPr lang="en-US" b="0" i="0" dirty="0">
+                <a:solidFill>
+                  <a:srgbClr val="008000"/>
+                </a:solidFill>
+                <a:effectLst/>
+                <a:latin typeface="SFMono-Regular"/>
+              </a:rPr>
+              <a:t>// null forgiving </a:t>
+            </a:r>
+            <a:r>
+              <a:rPr lang="en-US" dirty="0">
+                <a:solidFill>
+                  <a:srgbClr val="008000"/>
+                </a:solidFill>
+                <a:latin typeface="SFMono-Regular"/>
+              </a:rPr>
+              <a:t>operator (</a:t>
+            </a:r>
+            <a:r>
+              <a:rPr lang="en-US" b="0" i="0" dirty="0">
+                <a:solidFill>
+                  <a:srgbClr val="008000"/>
+                </a:solidFill>
+                <a:effectLst/>
+                <a:latin typeface="SFMono-Regular"/>
+              </a:rPr>
+              <a:t>Should be avoided)</a:t>
+            </a:r>
+          </a:p>
+          <a:p>
+            <a:pPr marL="0" indent="0">
+              <a:buNone/>
+            </a:pPr>
+            <a:r>
+              <a:rPr lang="en-US" dirty="0">
+                <a:solidFill>
+                  <a:srgbClr val="008000"/>
+                </a:solidFill>
+                <a:latin typeface="SFMono-Regular"/>
+              </a:rPr>
+              <a:t>// It only turns off compiler checks at runtime even when the value may still be null, so only should be used in a rare case when the compiler is not able to detect that a nullable value is actually non-nullable</a:t>
+            </a:r>
+          </a:p>
+          <a:p>
+            <a:pPr marL="0" indent="0">
+              <a:buNone/>
+            </a:pPr>
+            <a:r>
+              <a:rPr lang="en-US" b="0" i="0" dirty="0">
+                <a:solidFill>
                   <a:srgbClr val="808080"/>
                 </a:solidFill>
                 <a:effectLst/>
@@ -7802,24 +10069,29 @@
               </a:rPr>
               <a:t>#nullable restore</a:t>
             </a:r>
-            <a:r>
-              <a:rPr lang="en-US" b="0" i="0" dirty="0">
-                <a:solidFill>
-                  <a:srgbClr val="000000"/>
-                </a:solidFill>
-                <a:effectLst/>
-                <a:latin typeface="Consolas" panose="020B0609020204030204" pitchFamily="49" charset="0"/>
-              </a:rPr>
-              <a:t> </a:t>
-            </a:r>
-            <a:endParaRPr lang="fr-FR" dirty="0"/>
+          </a:p>
+          <a:p>
+            <a:pPr marL="0" indent="0">
+              <a:buNone/>
+            </a:pPr>
+            <a:r>
+              <a:rPr lang="en-US" dirty="0"/>
+              <a:t>MSDN Documentation on #nullable: </a:t>
+            </a:r>
+            <a:r>
+              <a:rPr lang="en-US" dirty="0">
+                <a:hlinkClick r:id="rId2"/>
+              </a:rPr>
+              <a:t>https://docs.microsoft.com/en-us/dotnet/csharp/language-reference/preprocessor-directives</a:t>
+            </a:r>
+            <a:endParaRPr lang="en-US" dirty="0"/>
           </a:p>
         </p:txBody>
       </p:sp>
     </p:spTree>
     <p:extLst>
       <p:ext uri="{BB962C8B-B14F-4D97-AF65-F5344CB8AC3E}">
-        <p14:creationId xmlns:p14="http://schemas.microsoft.com/office/powerpoint/2010/main" val="2739618691"/>
+        <p14:creationId xmlns:p14="http://schemas.microsoft.com/office/powerpoint/2010/main" val="3268341817"/>
       </p:ext>
     </p:extLst>
   </p:cSld>
@@ -7892,8 +10164,8 @@
         </p:nvSpPr>
         <p:spPr>
           <a:xfrm>
-            <a:off x="764275" y="2279176"/>
-            <a:ext cx="10360925" cy="3673568"/>
+            <a:off x="764275" y="2014194"/>
+            <a:ext cx="10360925" cy="3938550"/>
           </a:xfrm>
         </p:spPr>
         <p:txBody>
@@ -7922,10 +10194,152 @@
             </a:r>
           </a:p>
           <a:p>
+            <a:pPr marL="0" indent="0">
+              <a:buNone/>
+            </a:pPr>
+            <a:r>
+              <a:rPr lang="en-US" sz="1700" dirty="0">
+                <a:solidFill>
+                  <a:srgbClr val="569CD6"/>
+                </a:solidFill>
+                <a:latin typeface="Consolas" panose="020B0609020204030204" pitchFamily="49" charset="0"/>
+              </a:rPr>
+              <a:t>public</a:t>
+            </a:r>
+            <a:r>
+              <a:rPr lang="en-US" sz="1700" dirty="0">
+                <a:solidFill>
+                  <a:srgbClr val="CCCCCC"/>
+                </a:solidFill>
+                <a:latin typeface="Consolas" panose="020B0609020204030204" pitchFamily="49" charset="0"/>
+              </a:rPr>
+              <a:t> </a:t>
+            </a:r>
+            <a:r>
+              <a:rPr lang="en-US" sz="1700" dirty="0">
+                <a:solidFill>
+                  <a:srgbClr val="569CD6"/>
+                </a:solidFill>
+                <a:latin typeface="Consolas" panose="020B0609020204030204" pitchFamily="49" charset="0"/>
+              </a:rPr>
+              <a:t>double</a:t>
+            </a:r>
+            <a:r>
+              <a:rPr lang="en-US" sz="1700" dirty="0">
+                <a:solidFill>
+                  <a:srgbClr val="CCCCCC"/>
+                </a:solidFill>
+                <a:latin typeface="Consolas" panose="020B0609020204030204" pitchFamily="49" charset="0"/>
+              </a:rPr>
+              <a:t> </a:t>
+            </a:r>
+            <a:r>
+              <a:rPr lang="en-US" sz="1700" dirty="0">
+                <a:latin typeface="Consolas" panose="020B0609020204030204" pitchFamily="49" charset="0"/>
+              </a:rPr>
+              <a:t>Evaluate()</a:t>
+            </a:r>
+          </a:p>
+          <a:p>
+            <a:pPr marL="0" indent="0">
+              <a:buNone/>
+            </a:pPr>
+            <a:r>
+              <a:rPr lang="en-US" sz="1700" dirty="0">
+                <a:latin typeface="Consolas" panose="020B0609020204030204" pitchFamily="49" charset="0"/>
+              </a:rPr>
+              <a:t>{</a:t>
+            </a:r>
+          </a:p>
+          <a:p>
+            <a:pPr marL="0" indent="0">
+              <a:buNone/>
+            </a:pPr>
+            <a:r>
+              <a:rPr lang="en-US" sz="1700" dirty="0">
+                <a:solidFill>
+                  <a:srgbClr val="569CD6"/>
+                </a:solidFill>
+                <a:latin typeface="Consolas" panose="020B0609020204030204" pitchFamily="49" charset="0"/>
+              </a:rPr>
+              <a:t>	return</a:t>
+            </a:r>
+            <a:r>
+              <a:rPr lang="en-US" sz="1700" dirty="0">
+                <a:solidFill>
+                  <a:srgbClr val="CCCCCC"/>
+                </a:solidFill>
+                <a:latin typeface="Consolas" panose="020B0609020204030204" pitchFamily="49" charset="0"/>
+              </a:rPr>
+              <a:t> </a:t>
+            </a:r>
+            <a:r>
+              <a:rPr lang="en-US" sz="1700" dirty="0">
+                <a:solidFill>
+                  <a:srgbClr val="569CD6"/>
+                </a:solidFill>
+                <a:latin typeface="Consolas" panose="020B0609020204030204" pitchFamily="49" charset="0"/>
+              </a:rPr>
+              <a:t>this</a:t>
+            </a:r>
+            <a:r>
+              <a:rPr lang="en-US" sz="1700" dirty="0">
+                <a:latin typeface="Consolas" panose="020B0609020204030204" pitchFamily="49" charset="0"/>
+              </a:rPr>
+              <a:t>.</a:t>
+            </a:r>
+            <a:r>
+              <a:rPr lang="en-US" sz="1700" dirty="0" err="1">
+                <a:latin typeface="Consolas" panose="020B0609020204030204" pitchFamily="49" charset="0"/>
+              </a:rPr>
+              <a:t>rootNode</a:t>
+            </a:r>
+            <a:r>
+              <a:rPr lang="en-US" sz="1700" dirty="0">
+                <a:latin typeface="Consolas" panose="020B0609020204030204" pitchFamily="49" charset="0"/>
+              </a:rPr>
+              <a:t>?.Evaluate() ?? </a:t>
+            </a:r>
+            <a:r>
+              <a:rPr lang="en-US" sz="1700" dirty="0">
+                <a:solidFill>
+                  <a:schemeClr val="accent2"/>
+                </a:solidFill>
+                <a:latin typeface="Consolas" panose="020B0609020204030204" pitchFamily="49" charset="0"/>
+              </a:rPr>
+              <a:t>0.0f</a:t>
+            </a:r>
+            <a:r>
+              <a:rPr lang="en-US" sz="1700" dirty="0">
+                <a:latin typeface="Consolas" panose="020B0609020204030204" pitchFamily="49" charset="0"/>
+              </a:rPr>
+              <a:t>;</a:t>
+            </a:r>
+          </a:p>
+          <a:p>
+            <a:pPr marL="0" indent="0">
+              <a:buNone/>
+            </a:pPr>
+            <a:r>
+              <a:rPr lang="en-US" sz="1700" dirty="0">
+                <a:latin typeface="Consolas" panose="020B0609020204030204" pitchFamily="49" charset="0"/>
+              </a:rPr>
+              <a:t>}</a:t>
+            </a:r>
+          </a:p>
+          <a:p>
             <a:pPr lvl="1"/>
             <a:r>
               <a:rPr lang="en-US" sz="1800" dirty="0"/>
-              <a:t>MSDN Documentation: </a:t>
+              <a:t>MSDN Documentation on null coalesce </a:t>
+            </a:r>
+            <a:r>
+              <a:rPr lang="en-US" sz="1800" dirty="0" err="1"/>
+              <a:t>opeator</a:t>
+            </a:r>
+            <a:r>
+              <a:rPr lang="en-US" sz="1800" dirty="0"/>
+              <a:t>: </a:t>
             </a:r>
             <a:r>
               <a:rPr lang="en-US" sz="1800" dirty="0">
@@ -8230,4 +10644,299 @@
     </a:ext>
   </a:extLst>
 </a:theme>
+</file>
+
+<file path=ppt/theme/theme2.xml><?xml version="1.0" encoding="utf-8"?>
+<a:theme xmlns:a="http://schemas.openxmlformats.org/drawingml/2006/main" name="Office Theme">
+  <a:themeElements>
+    <a:clrScheme name="Office">
+      <a:dk1>
+        <a:sysClr val="windowText" lastClr="000000"/>
+      </a:dk1>
+      <a:lt1>
+        <a:sysClr val="window" lastClr="FFFFFF"/>
+      </a:lt1>
+      <a:dk2>
+        <a:srgbClr val="44546A"/>
+      </a:dk2>
+      <a:lt2>
+        <a:srgbClr val="E7E6E6"/>
+      </a:lt2>
+      <a:accent1>
+        <a:srgbClr val="4472C4"/>
+      </a:accent1>
+      <a:accent2>
+        <a:srgbClr val="ED7D31"/>
+      </a:accent2>
+      <a:accent3>
+        <a:srgbClr val="A5A5A5"/>
+      </a:accent3>
+      <a:accent4>
+        <a:srgbClr val="FFC000"/>
+      </a:accent4>
+      <a:accent5>
+        <a:srgbClr val="5B9BD5"/>
+      </a:accent5>
+      <a:accent6>
+        <a:srgbClr val="70AD47"/>
+      </a:accent6>
+      <a:hlink>
+        <a:srgbClr val="0563C1"/>
+      </a:hlink>
+      <a:folHlink>
+        <a:srgbClr val="954F72"/>
+      </a:folHlink>
+    </a:clrScheme>
+    <a:fontScheme name="Office">
+      <a:majorFont>
+        <a:latin typeface="Calibri Light" panose="020F0302020204030204"/>
+        <a:ea typeface=""/>
+        <a:cs typeface=""/>
+        <a:font script="Jpan" typeface="游ゴシック Light"/>
+        <a:font script="Hang" typeface="맑은 고딕"/>
+        <a:font script="Hans" typeface="等线 Light"/>
+        <a:font script="Hant" typeface="新細明體"/>
+        <a:font script="Arab" typeface="Times New Roman"/>
+        <a:font script="Hebr" typeface="Times New Roman"/>
+        <a:font script="Thai" typeface="Angsana New"/>
+        <a:font script="Ethi" typeface="Nyala"/>
+        <a:font script="Beng" typeface="Vrinda"/>
+        <a:font script="Gujr" typeface="Shruti"/>
+        <a:font script="Khmr" typeface="MoolBoran"/>
+        <a:font script="Knda" typeface="Tunga"/>
+        <a:font script="Guru" typeface="Raavi"/>
+        <a:font script="Cans" typeface="Euphemia"/>
+        <a:font script="Cher" typeface="Plantagenet Cherokee"/>
+        <a:font script="Yiii" typeface="Microsoft Yi Baiti"/>
+        <a:font script="Tibt" typeface="Microsoft Himalaya"/>
+        <a:font script="Thaa" typeface="MV Boli"/>
+        <a:font script="Deva" typeface="Mangal"/>
+        <a:font script="Telu" typeface="Gautami"/>
+        <a:font script="Taml" typeface="Latha"/>
+        <a:font script="Syrc" typeface="Estrangelo Edessa"/>
+        <a:font script="Orya" typeface="Kalinga"/>
+        <a:font script="Mlym" typeface="Kartika"/>
+        <a:font script="Laoo" typeface="DokChampa"/>
+        <a:font script="Sinh" typeface="Iskoola Pota"/>
+        <a:font script="Mong" typeface="Mongolian Baiti"/>
+        <a:font script="Viet" typeface="Times New Roman"/>
+        <a:font script="Uigh" typeface="Microsoft Uighur"/>
+        <a:font script="Geor" typeface="Sylfaen"/>
+        <a:font script="Armn" typeface="Arial"/>
+        <a:font script="Bugi" typeface="Leelawadee UI"/>
+        <a:font script="Bopo" typeface="Microsoft JhengHei"/>
+        <a:font script="Java" typeface="Javanese Text"/>
+        <a:font script="Lisu" typeface="Segoe UI"/>
+        <a:font script="Mymr" typeface="Myanmar Text"/>
+        <a:font script="Nkoo" typeface="Ebrima"/>
+        <a:font script="Olck" typeface="Nirmala UI"/>
+        <a:font script="Osma" typeface="Ebrima"/>
+        <a:font script="Phag" typeface="Phagspa"/>
+        <a:font script="Syrn" typeface="Estrangelo Edessa"/>
+        <a:font script="Syrj" typeface="Estrangelo Edessa"/>
+        <a:font script="Syre" typeface="Estrangelo Edessa"/>
+        <a:font script="Sora" typeface="Nirmala UI"/>
+        <a:font script="Tale" typeface="Microsoft Tai Le"/>
+        <a:font script="Talu" typeface="Microsoft New Tai Lue"/>
+        <a:font script="Tfng" typeface="Ebrima"/>
+      </a:majorFont>
+      <a:minorFont>
+        <a:latin typeface="Calibri" panose="020F0502020204030204"/>
+        <a:ea typeface=""/>
+        <a:cs typeface=""/>
+        <a:font script="Jpan" typeface="游ゴシック"/>
+        <a:font script="Hang" typeface="맑은 고딕"/>
+        <a:font script="Hans" typeface="等线"/>
+        <a:font script="Hant" typeface="新細明體"/>
+        <a:font script="Arab" typeface="Arial"/>
+        <a:font script="Hebr" typeface="Arial"/>
+        <a:font script="Thai" typeface="Cordia New"/>
+        <a:font script="Ethi" typeface="Nyala"/>
+        <a:font script="Beng" typeface="Vrinda"/>
+        <a:font script="Gujr" typeface="Shruti"/>
+        <a:font script="Khmr" typeface="DaunPenh"/>
+        <a:font script="Knda" typeface="Tunga"/>
+        <a:font script="Guru" typeface="Raavi"/>
+        <a:font script="Cans" typeface="Euphemia"/>
+        <a:font script="Cher" typeface="Plantagenet Cherokee"/>
+        <a:font script="Yiii" typeface="Microsoft Yi Baiti"/>
+        <a:font script="Tibt" typeface="Microsoft Himalaya"/>
+        <a:font script="Thaa" typeface="MV Boli"/>
+        <a:font script="Deva" typeface="Mangal"/>
+        <a:font script="Telu" typeface="Gautami"/>
+        <a:font script="Taml" typeface="Latha"/>
+        <a:font script="Syrc" typeface="Estrangelo Edessa"/>
+        <a:font script="Orya" typeface="Kalinga"/>
+        <a:font script="Mlym" typeface="Kartika"/>
+        <a:font script="Laoo" typeface="DokChampa"/>
+        <a:font script="Sinh" typeface="Iskoola Pota"/>
+        <a:font script="Mong" typeface="Mongolian Baiti"/>
+        <a:font script="Viet" typeface="Arial"/>
+        <a:font script="Uigh" typeface="Microsoft Uighur"/>
+        <a:font script="Geor" typeface="Sylfaen"/>
+        <a:font script="Armn" typeface="Arial"/>
+        <a:font script="Bugi" typeface="Leelawadee UI"/>
+        <a:font script="Bopo" typeface="Microsoft JhengHei"/>
+        <a:font script="Java" typeface="Javanese Text"/>
+        <a:font script="Lisu" typeface="Segoe UI"/>
+        <a:font script="Mymr" typeface="Myanmar Text"/>
+        <a:font script="Nkoo" typeface="Ebrima"/>
+        <a:font script="Olck" typeface="Nirmala UI"/>
+        <a:font script="Osma" typeface="Ebrima"/>
+        <a:font script="Phag" typeface="Phagspa"/>
+        <a:font script="Syrn" typeface="Estrangelo Edessa"/>
+        <a:font script="Syrj" typeface="Estrangelo Edessa"/>
+        <a:font script="Syre" typeface="Estrangelo Edessa"/>
+        <a:font script="Sora" typeface="Nirmala UI"/>
+        <a:font script="Tale" typeface="Microsoft Tai Le"/>
+        <a:font script="Talu" typeface="Microsoft New Tai Lue"/>
+        <a:font script="Tfng" typeface="Ebrima"/>
+      </a:minorFont>
+    </a:fontScheme>
+    <a:fmtScheme name="Office">
+      <a:fillStyleLst>
+        <a:solidFill>
+          <a:schemeClr val="phClr"/>
+        </a:solidFill>
+        <a:gradFill rotWithShape="1">
+          <a:gsLst>
+            <a:gs pos="0">
+              <a:schemeClr val="phClr">
+                <a:lumMod val="110000"/>
+                <a:satMod val="105000"/>
+                <a:tint val="67000"/>
+              </a:schemeClr>
+            </a:gs>
+            <a:gs pos="50000">
+              <a:schemeClr val="phClr">
+                <a:lumMod val="105000"/>
+                <a:satMod val="103000"/>
+                <a:tint val="73000"/>
+              </a:schemeClr>
+            </a:gs>
+            <a:gs pos="100000">
+              <a:schemeClr val="phClr">
+                <a:lumMod val="105000"/>
+                <a:satMod val="109000"/>
+                <a:tint val="81000"/>
+              </a:schemeClr>
+            </a:gs>
+          </a:gsLst>
+          <a:lin ang="5400000" scaled="0"/>
+        </a:gradFill>
+        <a:gradFill rotWithShape="1">
+          <a:gsLst>
+            <a:gs pos="0">
+              <a:schemeClr val="phClr">
+                <a:satMod val="103000"/>
+                <a:lumMod val="102000"/>
+                <a:tint val="94000"/>
+              </a:schemeClr>
+            </a:gs>
+            <a:gs pos="50000">
+              <a:schemeClr val="phClr">
+                <a:satMod val="110000"/>
+                <a:lumMod val="100000"/>
+                <a:shade val="100000"/>
+              </a:schemeClr>
+            </a:gs>
+            <a:gs pos="100000">
+              <a:schemeClr val="phClr">
+                <a:lumMod val="99000"/>
+                <a:satMod val="120000"/>
+                <a:shade val="78000"/>
+              </a:schemeClr>
+            </a:gs>
+          </a:gsLst>
+          <a:lin ang="5400000" scaled="0"/>
+        </a:gradFill>
+      </a:fillStyleLst>
+      <a:lnStyleLst>
+        <a:ln w="6350" cap="flat" cmpd="sng" algn="ctr">
+          <a:solidFill>
+            <a:schemeClr val="phClr"/>
+          </a:solidFill>
+          <a:prstDash val="solid"/>
+          <a:miter lim="800000"/>
+        </a:ln>
+        <a:ln w="12700" cap="flat" cmpd="sng" algn="ctr">
+          <a:solidFill>
+            <a:schemeClr val="phClr"/>
+          </a:solidFill>
+          <a:prstDash val="solid"/>
+          <a:miter lim="800000"/>
+        </a:ln>
+        <a:ln w="19050" cap="flat" cmpd="sng" algn="ctr">
+          <a:solidFill>
+            <a:schemeClr val="phClr"/>
+          </a:solidFill>
+          <a:prstDash val="solid"/>
+          <a:miter lim="800000"/>
+        </a:ln>
+      </a:lnStyleLst>
+      <a:effectStyleLst>
+        <a:effectStyle>
+          <a:effectLst/>
+        </a:effectStyle>
+        <a:effectStyle>
+          <a:effectLst/>
+        </a:effectStyle>
+        <a:effectStyle>
+          <a:effectLst>
+            <a:outerShdw blurRad="57150" dist="19050" dir="5400000" algn="ctr" rotWithShape="0">
+              <a:srgbClr val="000000">
+                <a:alpha val="63000"/>
+              </a:srgbClr>
+            </a:outerShdw>
+          </a:effectLst>
+        </a:effectStyle>
+      </a:effectStyleLst>
+      <a:bgFillStyleLst>
+        <a:solidFill>
+          <a:schemeClr val="phClr"/>
+        </a:solidFill>
+        <a:solidFill>
+          <a:schemeClr val="phClr">
+            <a:tint val="95000"/>
+            <a:satMod val="170000"/>
+          </a:schemeClr>
+        </a:solidFill>
+        <a:gradFill rotWithShape="1">
+          <a:gsLst>
+            <a:gs pos="0">
+              <a:schemeClr val="phClr">
+                <a:tint val="93000"/>
+                <a:satMod val="150000"/>
+                <a:shade val="98000"/>
+                <a:lumMod val="102000"/>
+              </a:schemeClr>
+            </a:gs>
+            <a:gs pos="50000">
+              <a:schemeClr val="phClr">
+                <a:tint val="98000"/>
+                <a:satMod val="130000"/>
+                <a:shade val="90000"/>
+                <a:lumMod val="103000"/>
+              </a:schemeClr>
+            </a:gs>
+            <a:gs pos="100000">
+              <a:schemeClr val="phClr">
+                <a:shade val="63000"/>
+                <a:satMod val="120000"/>
+              </a:schemeClr>
+            </a:gs>
+          </a:gsLst>
+          <a:lin ang="5400000" scaled="0"/>
+        </a:gradFill>
+      </a:bgFillStyleLst>
+    </a:fmtScheme>
+  </a:themeElements>
+  <a:objectDefaults/>
+  <a:extraClrSchemeLst/>
+  <a:extLst>
+    <a:ext uri="{05A4C25C-085E-4340-85A3-A5531E510DB2}">
+      <thm15:themeFamily xmlns:thm15="http://schemas.microsoft.com/office/thememl/2012/main" name="Office Theme" id="{62F939B6-93AF-4DB8-9C6B-D6C7DFDC589F}" vid="{4A3C46E8-61CC-4603-A589-7422A47A8E4A}"/>
+    </a:ext>
+  </a:extLst>
+</a:theme>
 </file>
--- a/Nullability and Pattern Matching.pptx
+++ b/Nullability and Pattern Matching.pptx
@@ -18,9 +18,9 @@
     <p:sldId id="257" r:id="rId9"/>
     <p:sldId id="261" r:id="rId10"/>
     <p:sldId id="262" r:id="rId11"/>
-    <p:sldId id="267" r:id="rId12"/>
-    <p:sldId id="265" r:id="rId13"/>
-    <p:sldId id="266" r:id="rId14"/>
+    <p:sldId id="272" r:id="rId12"/>
+    <p:sldId id="267" r:id="rId13"/>
+    <p:sldId id="265" r:id="rId14"/>
     <p:sldId id="268" r:id="rId15"/>
     <p:sldId id="269" r:id="rId16"/>
     <p:sldId id="271" r:id="rId17"/>
@@ -133,7 +133,7 @@
 <file path=ppt/revisionInfo.xml><?xml version="1.0" encoding="utf-8"?>
 <p1510:revInfo xmlns:a="http://schemas.openxmlformats.org/drawingml/2006/main" xmlns:r="http://schemas.openxmlformats.org/officeDocument/2006/relationships" xmlns:p1510="http://schemas.microsoft.com/office/powerpoint/2015/10/main">
   <p1510:revLst>
-    <p1510:client id="{975C3D32-749C-4479-9565-5D3005A6A40E}" v="10" dt="2021-04-09T17:08:48.352"/>
+    <p1510:client id="{975C3D32-749C-4479-9565-5D3005A6A40E}" v="12" dt="2021-04-09T19:39:16.853"/>
   </p1510:revLst>
 </p1510:revInfo>
 </file>
@@ -411,8 +411,8 @@
   </pc:docChgLst>
   <pc:docChgLst>
     <pc:chgData name="Benjamin Michaelis" userId="047d050af9d747a3" providerId="LiveId" clId="{975C3D32-749C-4479-9565-5D3005A6A40E}"/>
-    <pc:docChg chg="undo custSel modSld">
-      <pc:chgData name="Benjamin Michaelis" userId="047d050af9d747a3" providerId="LiveId" clId="{975C3D32-749C-4479-9565-5D3005A6A40E}" dt="2021-04-09T17:10:26.488" v="87" actId="115"/>
+    <pc:docChg chg="undo custSel addSld delSld modSld sldOrd">
+      <pc:chgData name="Benjamin Michaelis" userId="047d050af9d747a3" providerId="LiveId" clId="{975C3D32-749C-4479-9565-5D3005A6A40E}" dt="2021-04-09T19:43:11.995" v="760"/>
       <pc:docMkLst>
         <pc:docMk/>
       </pc:docMkLst>
@@ -470,6 +470,111 @@
             <ac:picMk id="11" creationId="{576379A3-017D-4DD6-A014-0E7ADD6D3211}"/>
           </ac:picMkLst>
         </pc:picChg>
+      </pc:sldChg>
+      <pc:sldChg chg="modSp mod">
+        <pc:chgData name="Benjamin Michaelis" userId="047d050af9d747a3" providerId="LiveId" clId="{975C3D32-749C-4479-9565-5D3005A6A40E}" dt="2021-04-09T19:24:51.976" v="196" actId="5793"/>
+        <pc:sldMkLst>
+          <pc:docMk/>
+          <pc:sldMk cId="1761299376" sldId="259"/>
+        </pc:sldMkLst>
+        <pc:spChg chg="mod">
+          <ac:chgData name="Benjamin Michaelis" userId="047d050af9d747a3" providerId="LiveId" clId="{975C3D32-749C-4479-9565-5D3005A6A40E}" dt="2021-04-09T19:24:51.976" v="196" actId="5793"/>
+          <ac:spMkLst>
+            <pc:docMk/>
+            <pc:sldMk cId="1761299376" sldId="259"/>
+            <ac:spMk id="3" creationId="{8D63D492-7BE7-4E60-B0C3-BD370D7C66BD}"/>
+          </ac:spMkLst>
+        </pc:spChg>
+      </pc:sldChg>
+      <pc:sldChg chg="modSp mod">
+        <pc:chgData name="Benjamin Michaelis" userId="047d050af9d747a3" providerId="LiveId" clId="{975C3D32-749C-4479-9565-5D3005A6A40E}" dt="2021-04-09T19:20:11.307" v="90" actId="20577"/>
+        <pc:sldMkLst>
+          <pc:docMk/>
+          <pc:sldMk cId="2953954537" sldId="260"/>
+        </pc:sldMkLst>
+        <pc:spChg chg="mod">
+          <ac:chgData name="Benjamin Michaelis" userId="047d050af9d747a3" providerId="LiveId" clId="{975C3D32-749C-4479-9565-5D3005A6A40E}" dt="2021-04-09T19:20:11.307" v="90" actId="20577"/>
+          <ac:spMkLst>
+            <pc:docMk/>
+            <pc:sldMk cId="2953954537" sldId="260"/>
+            <ac:spMk id="3" creationId="{B85D6BFC-0B1C-4DF5-918C-631E141B4ABC}"/>
+          </ac:spMkLst>
+        </pc:spChg>
+      </pc:sldChg>
+      <pc:sldChg chg="modSp mod">
+        <pc:chgData name="Benjamin Michaelis" userId="047d050af9d747a3" providerId="LiveId" clId="{975C3D32-749C-4479-9565-5D3005A6A40E}" dt="2021-04-09T19:40:45.736" v="713" actId="5793"/>
+        <pc:sldMkLst>
+          <pc:docMk/>
+          <pc:sldMk cId="2901066272" sldId="265"/>
+        </pc:sldMkLst>
+        <pc:spChg chg="mod">
+          <ac:chgData name="Benjamin Michaelis" userId="047d050af9d747a3" providerId="LiveId" clId="{975C3D32-749C-4479-9565-5D3005A6A40E}" dt="2021-04-09T19:40:45.736" v="713" actId="5793"/>
+          <ac:spMkLst>
+            <pc:docMk/>
+            <pc:sldMk cId="2901066272" sldId="265"/>
+            <ac:spMk id="3" creationId="{37A151B1-D43B-4DEB-95F4-5213D7FD14E7}"/>
+          </ac:spMkLst>
+        </pc:spChg>
+      </pc:sldChg>
+      <pc:sldChg chg="modSp del mod">
+        <pc:chgData name="Benjamin Michaelis" userId="047d050af9d747a3" providerId="LiveId" clId="{975C3D32-749C-4479-9565-5D3005A6A40E}" dt="2021-04-09T19:40:50.010" v="714" actId="2696"/>
+        <pc:sldMkLst>
+          <pc:docMk/>
+          <pc:sldMk cId="2191981442" sldId="266"/>
+        </pc:sldMkLst>
+        <pc:spChg chg="mod">
+          <ac:chgData name="Benjamin Michaelis" userId="047d050af9d747a3" providerId="LiveId" clId="{975C3D32-749C-4479-9565-5D3005A6A40E}" dt="2021-04-09T19:39:54.249" v="592" actId="21"/>
+          <ac:spMkLst>
+            <pc:docMk/>
+            <pc:sldMk cId="2191981442" sldId="266"/>
+            <ac:spMk id="3" creationId="{37A151B1-D43B-4DEB-95F4-5213D7FD14E7}"/>
+          </ac:spMkLst>
+        </pc:spChg>
+      </pc:sldChg>
+      <pc:sldChg chg="modSp mod">
+        <pc:chgData name="Benjamin Michaelis" userId="047d050af9d747a3" providerId="LiveId" clId="{975C3D32-749C-4479-9565-5D3005A6A40E}" dt="2021-04-09T19:39:27.545" v="591" actId="20577"/>
+        <pc:sldMkLst>
+          <pc:docMk/>
+          <pc:sldMk cId="1197133609" sldId="267"/>
+        </pc:sldMkLst>
+        <pc:spChg chg="mod">
+          <ac:chgData name="Benjamin Michaelis" userId="047d050af9d747a3" providerId="LiveId" clId="{975C3D32-749C-4479-9565-5D3005A6A40E}" dt="2021-04-09T19:39:27.545" v="591" actId="20577"/>
+          <ac:spMkLst>
+            <pc:docMk/>
+            <pc:sldMk cId="1197133609" sldId="267"/>
+            <ac:spMk id="3" creationId="{37A151B1-D43B-4DEB-95F4-5213D7FD14E7}"/>
+          </ac:spMkLst>
+        </pc:spChg>
+      </pc:sldChg>
+      <pc:sldChg chg="modSp mod">
+        <pc:chgData name="Benjamin Michaelis" userId="047d050af9d747a3" providerId="LiveId" clId="{975C3D32-749C-4479-9565-5D3005A6A40E}" dt="2021-04-09T19:43:11.995" v="760"/>
+        <pc:sldMkLst>
+          <pc:docMk/>
+          <pc:sldMk cId="4264799517" sldId="271"/>
+        </pc:sldMkLst>
+        <pc:spChg chg="mod">
+          <ac:chgData name="Benjamin Michaelis" userId="047d050af9d747a3" providerId="LiveId" clId="{975C3D32-749C-4479-9565-5D3005A6A40E}" dt="2021-04-09T19:43:11.995" v="760"/>
+          <ac:spMkLst>
+            <pc:docMk/>
+            <pc:sldMk cId="4264799517" sldId="271"/>
+            <ac:spMk id="3" creationId="{ACF7E753-FFEF-4B9C-A747-6F3BA99C99F2}"/>
+          </ac:spMkLst>
+        </pc:spChg>
+      </pc:sldChg>
+      <pc:sldChg chg="modSp add mod ord">
+        <pc:chgData name="Benjamin Michaelis" userId="047d050af9d747a3" providerId="LiveId" clId="{975C3D32-749C-4479-9565-5D3005A6A40E}" dt="2021-04-09T19:41:53.745" v="744" actId="20577"/>
+        <pc:sldMkLst>
+          <pc:docMk/>
+          <pc:sldMk cId="775100608" sldId="272"/>
+        </pc:sldMkLst>
+        <pc:spChg chg="mod">
+          <ac:chgData name="Benjamin Michaelis" userId="047d050af9d747a3" providerId="LiveId" clId="{975C3D32-749C-4479-9565-5D3005A6A40E}" dt="2021-04-09T19:41:53.745" v="744" actId="20577"/>
+          <ac:spMkLst>
+            <pc:docMk/>
+            <pc:sldMk cId="775100608" sldId="272"/>
+            <ac:spMk id="3" creationId="{37A151B1-D43B-4DEB-95F4-5213D7FD14E7}"/>
+          </ac:spMkLst>
+        </pc:spChg>
       </pc:sldChg>
     </pc:docChg>
   </pc:docChgLst>
@@ -6574,191 +6679,449 @@
         <p:spPr/>
         <p:txBody>
           <a:bodyPr>
-            <a:normAutofit/>
+            <a:normAutofit fontScale="92500"/>
           </a:bodyPr>
           <a:lstStyle/>
           <a:p>
             <a:r>
               <a:rPr lang="en-US" b="0" dirty="0">
-                <a:solidFill>
-                  <a:srgbClr val="569CD6"/>
-                </a:solidFill>
-                <a:effectLst/>
-                <a:latin typeface="Consolas" panose="020B0609020204030204" pitchFamily="49" charset="0"/>
-              </a:rPr>
-              <a:t>private</a:t>
-            </a:r>
-            <a:r>
-              <a:rPr lang="en-US" b="0" dirty="0">
-                <a:solidFill>
-                  <a:srgbClr val="CCCCCC"/>
-                </a:solidFill>
-                <a:effectLst/>
-                <a:latin typeface="Consolas" panose="020B0609020204030204" pitchFamily="49" charset="0"/>
+                <a:effectLst/>
+              </a:rPr>
+              <a:t>Patterns test that a value has a certain type, and can extract information from the value when it has the matching type. Pattern matching provides more concise syntax for algorithms. </a:t>
+            </a:r>
+            <a:endParaRPr lang="en-US" sz="1800" dirty="0"/>
+          </a:p>
+          <a:p>
+            <a:pPr marL="0" indent="0">
+              <a:lnSpc>
+                <a:spcPts val="1320"/>
+              </a:lnSpc>
+              <a:buNone/>
+            </a:pPr>
+            <a:r>
+              <a:rPr lang="en-US" b="0" i="0" dirty="0">
+                <a:solidFill>
+                  <a:srgbClr val="0101FD"/>
+                </a:solidFill>
+                <a:effectLst/>
+                <a:latin typeface="SFMono-Regular"/>
+              </a:rPr>
+              <a:t>if</a:t>
+            </a:r>
+            <a:r>
+              <a:rPr lang="en-US" b="0" i="0" dirty="0">
+                <a:solidFill>
+                  <a:srgbClr val="171717"/>
+                </a:solidFill>
+                <a:effectLst/>
+                <a:latin typeface="SFMono-Regular"/>
+              </a:rPr>
+              <a:t> (shape </a:t>
+            </a:r>
+            <a:r>
+              <a:rPr lang="en-US" b="0" i="0" dirty="0">
+                <a:solidFill>
+                  <a:srgbClr val="0101FD"/>
+                </a:solidFill>
+                <a:effectLst/>
+                <a:latin typeface="SFMono-Regular"/>
+              </a:rPr>
+              <a:t>is</a:t>
+            </a:r>
+            <a:r>
+              <a:rPr lang="en-US" b="0" i="0" dirty="0">
+                <a:solidFill>
+                  <a:srgbClr val="171717"/>
+                </a:solidFill>
+                <a:effectLst/>
+                <a:latin typeface="SFMono-Regular"/>
+              </a:rPr>
+              <a:t> Square)</a:t>
+            </a:r>
+          </a:p>
+          <a:p>
+            <a:pPr marL="0" indent="0">
+              <a:lnSpc>
+                <a:spcPts val="1320"/>
+              </a:lnSpc>
+              <a:buNone/>
+            </a:pPr>
+            <a:r>
+              <a:rPr lang="en-US" b="0" i="0" dirty="0">
+                <a:solidFill>
+                  <a:srgbClr val="171717"/>
+                </a:solidFill>
+                <a:effectLst/>
+                <a:latin typeface="SFMono-Regular"/>
+              </a:rPr>
+              <a:t>{</a:t>
+            </a:r>
+          </a:p>
+          <a:p>
+            <a:pPr marL="0" indent="0">
+              <a:lnSpc>
+                <a:spcPts val="1320"/>
+              </a:lnSpc>
+              <a:buNone/>
+            </a:pPr>
+            <a:r>
+              <a:rPr lang="en-US" b="0" i="0" dirty="0">
+                <a:solidFill>
+                  <a:srgbClr val="0101FD"/>
+                </a:solidFill>
+                <a:effectLst/>
+                <a:latin typeface="SFMono-Regular"/>
+              </a:rPr>
+              <a:t>var</a:t>
+            </a:r>
+            <a:r>
+              <a:rPr lang="en-US" b="0" i="0" dirty="0">
+                <a:solidFill>
+                  <a:srgbClr val="171717"/>
+                </a:solidFill>
+                <a:effectLst/>
+                <a:latin typeface="SFMono-Regular"/>
+              </a:rPr>
+              <a:t> s = (Square)shape;</a:t>
+            </a:r>
+          </a:p>
+          <a:p>
+            <a:pPr marL="0" indent="0">
+              <a:lnSpc>
+                <a:spcPts val="1320"/>
+              </a:lnSpc>
+              <a:buNone/>
+            </a:pPr>
+            <a:r>
+              <a:rPr lang="en-US" b="0" i="0" dirty="0">
+                <a:solidFill>
+                  <a:srgbClr val="0101FD"/>
+                </a:solidFill>
+                <a:effectLst/>
+                <a:latin typeface="SFMono-Regular"/>
+              </a:rPr>
+              <a:t>return</a:t>
+            </a:r>
+            <a:r>
+              <a:rPr lang="en-US" b="0" i="0" dirty="0">
+                <a:solidFill>
+                  <a:srgbClr val="171717"/>
+                </a:solidFill>
+                <a:effectLst/>
+                <a:latin typeface="SFMono-Regular"/>
               </a:rPr>
               <a:t> </a:t>
             </a:r>
             <a:r>
-              <a:rPr lang="en-US" b="0" dirty="0" err="1">
-                <a:effectLst/>
-                <a:latin typeface="Consolas" panose="020B0609020204030204" pitchFamily="49" charset="0"/>
-              </a:rPr>
-              <a:t>IEnumerable</a:t>
-            </a:r>
-            <a:r>
-              <a:rPr lang="en-US" b="0" dirty="0">
-                <a:effectLst/>
-                <a:latin typeface="Consolas" panose="020B0609020204030204" pitchFamily="49" charset="0"/>
-              </a:rPr>
-              <a:t>&lt;Shape&gt; Shapes</a:t>
+              <a:rPr lang="en-US" b="0" i="0" dirty="0" err="1">
+                <a:solidFill>
+                  <a:srgbClr val="171717"/>
+                </a:solidFill>
+                <a:effectLst/>
+                <a:latin typeface="SFMono-Regular"/>
+              </a:rPr>
+              <a:t>s.Side</a:t>
+            </a:r>
+            <a:r>
+              <a:rPr lang="en-US" b="0" i="0" dirty="0">
+                <a:solidFill>
+                  <a:srgbClr val="171717"/>
+                </a:solidFill>
+                <a:effectLst/>
+                <a:latin typeface="SFMono-Regular"/>
+              </a:rPr>
+              <a:t> * </a:t>
+            </a:r>
+            <a:r>
+              <a:rPr lang="en-US" b="0" i="0" dirty="0" err="1">
+                <a:solidFill>
+                  <a:srgbClr val="171717"/>
+                </a:solidFill>
+                <a:effectLst/>
+                <a:latin typeface="SFMono-Regular"/>
+              </a:rPr>
+              <a:t>s.Side</a:t>
+            </a:r>
+            <a:r>
+              <a:rPr lang="en-US" b="0" i="0" dirty="0">
+                <a:solidFill>
+                  <a:srgbClr val="171717"/>
+                </a:solidFill>
+                <a:effectLst/>
+                <a:latin typeface="SFMono-Regular"/>
+              </a:rPr>
+              <a:t>;</a:t>
             </a:r>
           </a:p>
           <a:p>
             <a:pPr marL="0" indent="0">
+              <a:lnSpc>
+                <a:spcPts val="1320"/>
+              </a:lnSpc>
               <a:buNone/>
             </a:pPr>
             <a:r>
-              <a:rPr lang="en-US" b="0" dirty="0">
-                <a:effectLst/>
-                <a:latin typeface="Consolas" panose="020B0609020204030204" pitchFamily="49" charset="0"/>
+              <a:rPr lang="en-US" b="0" i="0" dirty="0">
+                <a:solidFill>
+                  <a:srgbClr val="171717"/>
+                </a:solidFill>
+                <a:effectLst/>
+                <a:latin typeface="SFMono-Regular"/>
+              </a:rPr>
+              <a:t>}</a:t>
+            </a:r>
+          </a:p>
+          <a:p>
+            <a:pPr marL="0" indent="0">
+              <a:lnSpc>
+                <a:spcPts val="1320"/>
+              </a:lnSpc>
+              <a:buNone/>
+            </a:pPr>
+            <a:r>
+              <a:rPr lang="en-US" b="0" i="0" dirty="0">
+                <a:solidFill>
+                  <a:srgbClr val="0101FD"/>
+                </a:solidFill>
+                <a:effectLst/>
+                <a:latin typeface="SFMono-Regular"/>
+              </a:rPr>
+              <a:t>else</a:t>
+            </a:r>
+            <a:r>
+              <a:rPr lang="en-US" b="0" i="0" dirty="0">
+                <a:solidFill>
+                  <a:srgbClr val="171717"/>
+                </a:solidFill>
+                <a:effectLst/>
+                <a:latin typeface="SFMono-Regular"/>
+              </a:rPr>
+              <a:t> </a:t>
+            </a:r>
+            <a:r>
+              <a:rPr lang="en-US" b="0" i="0" dirty="0">
+                <a:solidFill>
+                  <a:srgbClr val="0101FD"/>
+                </a:solidFill>
+                <a:effectLst/>
+                <a:latin typeface="SFMono-Regular"/>
+              </a:rPr>
+              <a:t>if</a:t>
+            </a:r>
+            <a:r>
+              <a:rPr lang="en-US" b="0" i="0" dirty="0">
+                <a:solidFill>
+                  <a:srgbClr val="171717"/>
+                </a:solidFill>
+                <a:effectLst/>
+                <a:latin typeface="SFMono-Regular"/>
+              </a:rPr>
+              <a:t> (shape </a:t>
+            </a:r>
+            <a:r>
+              <a:rPr lang="en-US" b="0" i="0" dirty="0">
+                <a:solidFill>
+                  <a:srgbClr val="0101FD"/>
+                </a:solidFill>
+                <a:effectLst/>
+                <a:latin typeface="SFMono-Regular"/>
+              </a:rPr>
+              <a:t>is</a:t>
+            </a:r>
+            <a:r>
+              <a:rPr lang="en-US" b="0" i="0" dirty="0">
+                <a:solidFill>
+                  <a:srgbClr val="171717"/>
+                </a:solidFill>
+                <a:effectLst/>
+                <a:latin typeface="SFMono-Regular"/>
+              </a:rPr>
+              <a:t> Circle)</a:t>
+            </a:r>
+          </a:p>
+          <a:p>
+            <a:pPr marL="0" indent="0">
+              <a:lnSpc>
+                <a:spcPts val="1320"/>
+              </a:lnSpc>
+              <a:buNone/>
+            </a:pPr>
+            <a:r>
+              <a:rPr lang="en-US" b="0" i="0" dirty="0">
+                <a:solidFill>
+                  <a:srgbClr val="171717"/>
+                </a:solidFill>
+                <a:effectLst/>
+                <a:latin typeface="SFMono-Regular"/>
               </a:rPr>
               <a:t>{</a:t>
             </a:r>
           </a:p>
           <a:p>
-            <a:pPr marL="274320" lvl="1" indent="0">
+            <a:pPr marL="0" indent="0">
+              <a:lnSpc>
+                <a:spcPts val="1320"/>
+              </a:lnSpc>
               <a:buNone/>
             </a:pPr>
             <a:r>
-              <a:rPr lang="en-US" b="0" dirty="0">
-                <a:solidFill>
-                  <a:srgbClr val="569CD6"/>
-                </a:solidFill>
-                <a:effectLst/>
-                <a:latin typeface="Consolas" panose="020B0609020204030204" pitchFamily="49" charset="0"/>
-              </a:rPr>
-              <a:t>get</a:t>
+              <a:rPr lang="en-US" b="0" i="0" dirty="0">
+                <a:solidFill>
+                  <a:srgbClr val="0101FD"/>
+                </a:solidFill>
+                <a:effectLst/>
+                <a:latin typeface="SFMono-Regular"/>
+              </a:rPr>
+              <a:t>var</a:t>
+            </a:r>
+            <a:r>
+              <a:rPr lang="en-US" b="0" i="0" dirty="0">
+                <a:solidFill>
+                  <a:srgbClr val="171717"/>
+                </a:solidFill>
+                <a:effectLst/>
+                <a:latin typeface="SFMono-Regular"/>
+              </a:rPr>
+              <a:t> c = (Circle)shape;</a:t>
+            </a:r>
+          </a:p>
+          <a:p>
+            <a:pPr marL="0" indent="0">
+              <a:lnSpc>
+                <a:spcPts val="1320"/>
+              </a:lnSpc>
+              <a:buNone/>
+            </a:pPr>
+            <a:r>
+              <a:rPr lang="en-US" b="0" i="0" dirty="0">
+                <a:solidFill>
+                  <a:srgbClr val="0101FD"/>
+                </a:solidFill>
+                <a:effectLst/>
+                <a:latin typeface="SFMono-Regular"/>
+              </a:rPr>
+              <a:t>return</a:t>
+            </a:r>
+            <a:r>
+              <a:rPr lang="en-US" b="0" i="0" dirty="0">
+                <a:solidFill>
+                  <a:srgbClr val="171717"/>
+                </a:solidFill>
+                <a:effectLst/>
+                <a:latin typeface="SFMono-Regular"/>
+              </a:rPr>
+              <a:t> </a:t>
+            </a:r>
+            <a:r>
+              <a:rPr lang="en-US" b="0" i="0" dirty="0" err="1">
+                <a:solidFill>
+                  <a:srgbClr val="171717"/>
+                </a:solidFill>
+                <a:effectLst/>
+                <a:latin typeface="SFMono-Regular"/>
+              </a:rPr>
+              <a:t>c.Radius</a:t>
+            </a:r>
+            <a:r>
+              <a:rPr lang="en-US" b="0" i="0" dirty="0">
+                <a:solidFill>
+                  <a:srgbClr val="171717"/>
+                </a:solidFill>
+                <a:effectLst/>
+                <a:latin typeface="SFMono-Regular"/>
+              </a:rPr>
+              <a:t> * </a:t>
+            </a:r>
+            <a:r>
+              <a:rPr lang="en-US" b="0" i="0" dirty="0" err="1">
+                <a:solidFill>
+                  <a:srgbClr val="171717"/>
+                </a:solidFill>
+                <a:effectLst/>
+                <a:latin typeface="SFMono-Regular"/>
+              </a:rPr>
+              <a:t>c.Radius</a:t>
+            </a:r>
+            <a:r>
+              <a:rPr lang="en-US" b="0" i="0" dirty="0">
+                <a:solidFill>
+                  <a:srgbClr val="171717"/>
+                </a:solidFill>
+                <a:effectLst/>
+                <a:latin typeface="SFMono-Regular"/>
+              </a:rPr>
+              <a:t> * </a:t>
+            </a:r>
+            <a:r>
+              <a:rPr lang="en-US" b="0" i="0" dirty="0" err="1">
+                <a:solidFill>
+                  <a:srgbClr val="171717"/>
+                </a:solidFill>
+                <a:effectLst/>
+                <a:latin typeface="SFMono-Regular"/>
+              </a:rPr>
+              <a:t>Math.PI</a:t>
+            </a:r>
+            <a:r>
+              <a:rPr lang="en-US" b="0" i="0" dirty="0">
+                <a:solidFill>
+                  <a:srgbClr val="171717"/>
+                </a:solidFill>
+                <a:effectLst/>
+                <a:latin typeface="SFMono-Regular"/>
+              </a:rPr>
+              <a:t>;</a:t>
+            </a:r>
+          </a:p>
+          <a:p>
+            <a:pPr marL="0" indent="0">
+              <a:lnSpc>
+                <a:spcPts val="1320"/>
+              </a:lnSpc>
+              <a:buNone/>
+            </a:pPr>
+            <a:r>
+              <a:rPr lang="en-US" dirty="0">
+                <a:solidFill>
+                  <a:srgbClr val="171717"/>
+                </a:solidFill>
+                <a:latin typeface="SFMono-Regular"/>
+              </a:rPr>
+              <a:t>}</a:t>
+            </a:r>
+            <a:endParaRPr lang="en-US" sz="1800" dirty="0">
+              <a:solidFill>
+                <a:srgbClr val="171717"/>
+              </a:solidFill>
+              <a:latin typeface="Segoe UI" panose="020B0502040204020203" pitchFamily="34" charset="0"/>
+            </a:endParaRPr>
+          </a:p>
+          <a:p>
+            <a:r>
+              <a:rPr lang="en-US" sz="1800" dirty="0"/>
+              <a:t>MSDN Documentation on pattern matc</a:t>
+            </a:r>
+            <a:r>
+              <a:rPr lang="en-US" dirty="0"/>
+              <a:t>hing: </a:t>
+            </a:r>
+            <a:r>
+              <a:rPr lang="en-US" dirty="0">
+                <a:hlinkClick r:id="rId2"/>
+              </a:rPr>
+              <a:t>https://docs.microsoft.com/en-us/dotnet/csharp/pattern-matching</a:t>
             </a:r>
             <a:endParaRPr lang="en-US" b="0" dirty="0">
-              <a:solidFill>
-                <a:srgbClr val="CCCCCC"/>
-              </a:solidFill>
               <a:effectLst/>
               <a:latin typeface="Consolas" panose="020B0609020204030204" pitchFamily="49" charset="0"/>
             </a:endParaRPr>
           </a:p>
-          <a:p>
-            <a:pPr marL="274320" lvl="1" indent="0">
-              <a:buNone/>
-            </a:pPr>
-            <a:r>
-              <a:rPr lang="en-US" b="0" dirty="0">
-                <a:effectLst/>
-                <a:latin typeface="Consolas" panose="020B0609020204030204" pitchFamily="49" charset="0"/>
-              </a:rPr>
-              <a:t>{</a:t>
-            </a:r>
-          </a:p>
-          <a:p>
-            <a:pPr marL="274320" lvl="1" indent="0">
-              <a:buNone/>
-            </a:pPr>
-            <a:r>
-              <a:rPr lang="en-US" b="0" dirty="0">
-                <a:solidFill>
-                  <a:srgbClr val="569CD6"/>
-                </a:solidFill>
-                <a:effectLst/>
-                <a:latin typeface="Consolas" panose="020B0609020204030204" pitchFamily="49" charset="0"/>
-              </a:rPr>
-              <a:t>	return</a:t>
-            </a:r>
-            <a:r>
-              <a:rPr lang="en-US" b="0" dirty="0">
-                <a:solidFill>
-                  <a:srgbClr val="CCCCCC"/>
-                </a:solidFill>
-                <a:effectLst/>
-                <a:latin typeface="Consolas" panose="020B0609020204030204" pitchFamily="49" charset="0"/>
-              </a:rPr>
-              <a:t> </a:t>
-            </a:r>
-            <a:r>
-              <a:rPr lang="en-US" b="0" dirty="0">
-                <a:solidFill>
-                  <a:srgbClr val="569CD6"/>
-                </a:solidFill>
-                <a:effectLst/>
-                <a:latin typeface="Consolas" panose="020B0609020204030204" pitchFamily="49" charset="0"/>
-              </a:rPr>
-              <a:t>this</a:t>
-            </a:r>
-            <a:r>
-              <a:rPr lang="en-US" b="0" dirty="0">
-                <a:effectLst/>
-                <a:latin typeface="Consolas" panose="020B0609020204030204" pitchFamily="49" charset="0"/>
-              </a:rPr>
-              <a:t>._</a:t>
-            </a:r>
-            <a:r>
-              <a:rPr lang="en-US" b="0" dirty="0" err="1">
-                <a:effectLst/>
-                <a:latin typeface="Consolas" panose="020B0609020204030204" pitchFamily="49" charset="0"/>
-              </a:rPr>
-              <a:t>sequences.SelectMany</a:t>
-            </a:r>
-            <a:r>
-              <a:rPr lang="en-US" b="0" dirty="0">
-                <a:effectLst/>
-                <a:latin typeface="Consolas" panose="020B0609020204030204" pitchFamily="49" charset="0"/>
-              </a:rPr>
-              <a:t>(item =&gt; item).</a:t>
-            </a:r>
-            <a:r>
-              <a:rPr lang="en-US" b="0" dirty="0" err="1">
-                <a:effectLst/>
-                <a:latin typeface="Consolas" panose="020B0609020204030204" pitchFamily="49" charset="0"/>
-              </a:rPr>
-              <a:t>ToList</a:t>
-            </a:r>
-            <a:r>
-              <a:rPr lang="en-US" b="0" dirty="0">
-                <a:effectLst/>
-                <a:latin typeface="Consolas" panose="020B0609020204030204" pitchFamily="49" charset="0"/>
-              </a:rPr>
-              <a:t>();</a:t>
-            </a:r>
-          </a:p>
-          <a:p>
-            <a:pPr marL="274320" lvl="1" indent="0">
-              <a:buNone/>
-            </a:pPr>
-            <a:r>
-              <a:rPr lang="en-US" b="0" dirty="0">
-                <a:effectLst/>
-                <a:latin typeface="Consolas" panose="020B0609020204030204" pitchFamily="49" charset="0"/>
-              </a:rPr>
-              <a:t>}</a:t>
-            </a:r>
-          </a:p>
-          <a:p>
-            <a:pPr marL="0" indent="0">
-              <a:buNone/>
-            </a:pPr>
-            <a:r>
-              <a:rPr lang="en-US" b="0" dirty="0">
-                <a:effectLst/>
-                <a:latin typeface="Consolas" panose="020B0609020204030204" pitchFamily="49" charset="0"/>
-              </a:rPr>
-              <a:t>}</a:t>
-            </a:r>
-          </a:p>
         </p:txBody>
       </p:sp>
     </p:spTree>
     <p:extLst>
       <p:ext uri="{BB962C8B-B14F-4D97-AF65-F5344CB8AC3E}">
-        <p14:creationId xmlns:p14="http://schemas.microsoft.com/office/powerpoint/2010/main" val="1197133609"/>
+        <p14:creationId xmlns:p14="http://schemas.microsoft.com/office/powerpoint/2010/main" val="775100608"/>
       </p:ext>
     </p:extLst>
   </p:cSld>
@@ -6837,6 +7200,36 @@
           <a:lstStyle/>
           <a:p>
             <a:r>
+              <a:rPr lang="en-US" sz="1800" kern="1200" dirty="0">
+                <a:solidFill>
+                  <a:srgbClr val="000000"/>
+                </a:solidFill>
+                <a:effectLst/>
+                <a:latin typeface="Garamond" panose="02020404030301010803" pitchFamily="18" charset="0"/>
+                <a:ea typeface="+mn-ea"/>
+                <a:cs typeface="+mn-cs"/>
+              </a:rPr>
+              <a:t>Here we can use a reference word, in this case “item” to refer to an object that we want to select or perform operations on with </a:t>
+            </a:r>
+            <a:r>
+              <a:rPr lang="en-US" sz="1800" kern="1200" dirty="0" err="1">
+                <a:solidFill>
+                  <a:srgbClr val="000000"/>
+                </a:solidFill>
+                <a:effectLst/>
+                <a:latin typeface="Garamond" panose="02020404030301010803" pitchFamily="18" charset="0"/>
+                <a:ea typeface="+mn-ea"/>
+                <a:cs typeface="+mn-cs"/>
+              </a:rPr>
+              <a:t>Enumerables</a:t>
+            </a:r>
+            <a:endParaRPr lang="en-US" dirty="0"/>
+          </a:p>
+          <a:p>
+            <a:pPr marL="0" indent="0">
+              <a:buNone/>
+            </a:pPr>
+            <a:r>
               <a:rPr lang="en-US" b="0" dirty="0">
                 <a:solidFill>
                   <a:srgbClr val="569CD6"/>
@@ -6857,17 +7250,82 @@
               <a:t> </a:t>
             </a:r>
             <a:r>
+              <a:rPr lang="en-US" b="0" dirty="0" err="1">
+                <a:effectLst/>
+                <a:latin typeface="Consolas" panose="020B0609020204030204" pitchFamily="49" charset="0"/>
+              </a:rPr>
+              <a:t>IEnumerable</a:t>
+            </a:r>
+            <a:r>
               <a:rPr lang="en-US" b="0" dirty="0">
+                <a:effectLst/>
+                <a:latin typeface="Consolas" panose="020B0609020204030204" pitchFamily="49" charset="0"/>
+              </a:rPr>
+              <a:t>&lt;Shape&gt; Shapes</a:t>
+            </a:r>
+          </a:p>
+          <a:p>
+            <a:pPr marL="0" indent="0">
+              <a:buNone/>
+            </a:pPr>
+            <a:r>
+              <a:rPr lang="en-US" b="0" dirty="0">
+                <a:effectLst/>
+                <a:latin typeface="Consolas" panose="020B0609020204030204" pitchFamily="49" charset="0"/>
+              </a:rPr>
+              <a:t>{</a:t>
+            </a:r>
+          </a:p>
+          <a:p>
+            <a:pPr marL="274320" lvl="1" indent="0">
+              <a:buNone/>
+            </a:pPr>
+            <a:r>
+              <a:rPr lang="en-US" b="0" dirty="0">
                 <a:solidFill>
                   <a:srgbClr val="569CD6"/>
                 </a:solidFill>
                 <a:effectLst/>
                 <a:latin typeface="Consolas" panose="020B0609020204030204" pitchFamily="49" charset="0"/>
               </a:rPr>
-              <a:t>static</a:t>
-            </a:r>
+              <a:t>get</a:t>
+            </a:r>
+            <a:endParaRPr lang="en-US" b="0" dirty="0">
+              <a:solidFill>
+                <a:srgbClr val="CCCCCC"/>
+              </a:solidFill>
+              <a:effectLst/>
+              <a:latin typeface="Consolas" panose="020B0609020204030204" pitchFamily="49" charset="0"/>
+            </a:endParaRPr>
+          </a:p>
+          <a:p>
+            <a:pPr marL="274320" lvl="1" indent="0">
+              <a:buNone/>
+            </a:pPr>
             <a:r>
               <a:rPr lang="en-US" b="0" dirty="0">
+                <a:effectLst/>
+                <a:latin typeface="Consolas" panose="020B0609020204030204" pitchFamily="49" charset="0"/>
+              </a:rPr>
+              <a:t>{</a:t>
+            </a:r>
+          </a:p>
+          <a:p>
+            <a:pPr marL="274320" lvl="1" indent="0">
+              <a:buNone/>
+            </a:pPr>
+            <a:r>
+              <a:rPr lang="en-US" b="0" dirty="0">
+                <a:solidFill>
+                  <a:srgbClr val="569CD6"/>
+                </a:solidFill>
+                <a:effectLst/>
+                <a:latin typeface="Consolas" panose="020B0609020204030204" pitchFamily="49" charset="0"/>
+              </a:rPr>
+              <a:t>	return</a:t>
+            </a:r>
+            <a:r>
+              <a:rPr lang="en-US" b="0" dirty="0">
                 <a:solidFill>
                   <a:srgbClr val="CCCCCC"/>
                 </a:solidFill>
@@ -6877,113 +7335,101 @@
               <a:t> </a:t>
             </a:r>
             <a:r>
+              <a:rPr lang="en-US" b="0" dirty="0">
+                <a:solidFill>
+                  <a:srgbClr val="569CD6"/>
+                </a:solidFill>
+                <a:effectLst/>
+                <a:latin typeface="Consolas" panose="020B0609020204030204" pitchFamily="49" charset="0"/>
+              </a:rPr>
+              <a:t>this</a:t>
+            </a:r>
+            <a:r>
+              <a:rPr lang="en-US" b="0" dirty="0">
+                <a:effectLst/>
+                <a:latin typeface="Consolas" panose="020B0609020204030204" pitchFamily="49" charset="0"/>
+              </a:rPr>
+              <a:t>._</a:t>
+            </a:r>
+            <a:r>
               <a:rPr lang="en-US" b="0" dirty="0" err="1">
                 <a:effectLst/>
                 <a:latin typeface="Consolas" panose="020B0609020204030204" pitchFamily="49" charset="0"/>
               </a:rPr>
-              <a:t>IEnumerable</a:t>
+              <a:t>sequences.SelectMany</a:t>
             </a:r>
             <a:r>
               <a:rPr lang="en-US" b="0" dirty="0">
                 <a:effectLst/>
                 <a:latin typeface="Consolas" panose="020B0609020204030204" pitchFamily="49" charset="0"/>
               </a:rPr>
-              <a:t>&lt;Type&gt; </a:t>
+              <a:t>(item =&gt; item).</a:t>
             </a:r>
             <a:r>
               <a:rPr lang="en-US" b="0" dirty="0" err="1">
                 <a:effectLst/>
                 <a:latin typeface="Consolas" panose="020B0609020204030204" pitchFamily="49" charset="0"/>
               </a:rPr>
-              <a:t>GetShapes</a:t>
+              <a:t>ToList</a:t>
             </a:r>
             <a:r>
               <a:rPr lang="en-US" b="0" dirty="0">
                 <a:effectLst/>
                 <a:latin typeface="Consolas" panose="020B0609020204030204" pitchFamily="49" charset="0"/>
               </a:rPr>
-              <a:t>() =&gt; </a:t>
-            </a:r>
-            <a:r>
-              <a:rPr lang="en-US" b="0" dirty="0" err="1">
-                <a:effectLst/>
-                <a:latin typeface="Consolas" panose="020B0609020204030204" pitchFamily="49" charset="0"/>
-              </a:rPr>
-              <a:t>AppDomain.CurrentDomain.GetAssemblies</a:t>
-            </a:r>
+              <a:t>();</a:t>
+            </a:r>
+          </a:p>
+          <a:p>
+            <a:pPr marL="274320" lvl="1" indent="0">
+              <a:buNone/>
+            </a:pPr>
             <a:r>
               <a:rPr lang="en-US" b="0" dirty="0">
                 <a:effectLst/>
                 <a:latin typeface="Consolas" panose="020B0609020204030204" pitchFamily="49" charset="0"/>
               </a:rPr>
-              <a:t>().</a:t>
-            </a:r>
-            <a:r>
-              <a:rPr lang="en-US" b="0" dirty="0" err="1">
-                <a:effectLst/>
-                <a:latin typeface="Consolas" panose="020B0609020204030204" pitchFamily="49" charset="0"/>
-              </a:rPr>
-              <a:t>SelectMany</a:t>
-            </a:r>
+              <a:t>}</a:t>
+            </a:r>
+          </a:p>
+          <a:p>
+            <a:pPr marL="0" indent="0">
+              <a:buNone/>
+            </a:pPr>
             <a:r>
               <a:rPr lang="en-US" b="0" dirty="0">
                 <a:effectLst/>
                 <a:latin typeface="Consolas" panose="020B0609020204030204" pitchFamily="49" charset="0"/>
               </a:rPr>
-              <a:t>(item =&gt; </a:t>
-            </a:r>
-            <a:r>
-              <a:rPr lang="en-US" b="0" dirty="0" err="1">
-                <a:effectLst/>
-                <a:latin typeface="Consolas" panose="020B0609020204030204" pitchFamily="49" charset="0"/>
-              </a:rPr>
-              <a:t>item.GetTypes</a:t>
-            </a:r>
-            <a:r>
-              <a:rPr lang="en-US" b="0" dirty="0">
-                <a:effectLst/>
-                <a:latin typeface="Consolas" panose="020B0609020204030204" pitchFamily="49" charset="0"/>
-              </a:rPr>
-              <a:t>().Where(type =&gt; </a:t>
-            </a:r>
-            <a:r>
-              <a:rPr lang="en-US" b="0" dirty="0" err="1">
-                <a:effectLst/>
-                <a:latin typeface="Consolas" panose="020B0609020204030204" pitchFamily="49" charset="0"/>
-              </a:rPr>
-              <a:t>type.IsSubclassOf</a:t>
-            </a:r>
-            <a:r>
-              <a:rPr lang="en-US" b="0" dirty="0">
-                <a:effectLst/>
-                <a:latin typeface="Consolas" panose="020B0609020204030204" pitchFamily="49" charset="0"/>
-              </a:rPr>
-              <a:t>(</a:t>
-            </a:r>
-            <a:r>
-              <a:rPr lang="en-US" b="0" dirty="0" err="1">
-                <a:solidFill>
-                  <a:srgbClr val="569CD6"/>
-                </a:solidFill>
-                <a:effectLst/>
-                <a:latin typeface="Consolas" panose="020B0609020204030204" pitchFamily="49" charset="0"/>
-              </a:rPr>
-              <a:t>typeof</a:t>
-            </a:r>
-            <a:r>
-              <a:rPr lang="en-US" b="0" dirty="0">
-                <a:effectLst/>
-                <a:latin typeface="Consolas" panose="020B0609020204030204" pitchFamily="49" charset="0"/>
-              </a:rPr>
-              <a:t>(Shape))));</a:t>
-            </a:r>
+              <a:t>}</a:t>
+            </a:r>
+          </a:p>
+          <a:p>
+            <a:r>
+              <a:rPr lang="en-US" sz="1800" dirty="0"/>
+              <a:t>MSDN Documentation on enumerators</a:t>
+            </a:r>
+            <a:r>
+              <a:rPr lang="en-US" dirty="0"/>
+              <a:t>: </a:t>
+            </a:r>
+            <a:r>
+              <a:rPr lang="en-US" dirty="0">
+                <a:hlinkClick r:id="rId2"/>
+              </a:rPr>
+              <a:t>https://docs.microsoft.com/en-us/dotnet/api/system.collections.ienumerator</a:t>
+            </a:r>
+            <a:endParaRPr lang="en-US" b="0" dirty="0">
+              <a:effectLst/>
+              <a:latin typeface="Consolas" panose="020B0609020204030204" pitchFamily="49" charset="0"/>
+            </a:endParaRPr>
           </a:p>
         </p:txBody>
       </p:sp>
     </p:spTree>
     <p:extLst>
       <p:ext uri="{BB962C8B-B14F-4D97-AF65-F5344CB8AC3E}">
-        <p14:creationId xmlns:p14="http://schemas.microsoft.com/office/powerpoint/2010/main" val="2901066272"/>
+        <p14:creationId xmlns:p14="http://schemas.microsoft.com/office/powerpoint/2010/main" val="1197133609"/>
       </p:ext>
     </p:extLst>
   </p:cSld>
@@ -7062,6 +7508,15 @@
           <a:lstStyle/>
           <a:p>
             <a:r>
+              <a:rPr lang="en-US" dirty="0"/>
+              <a:t>We can further use those keys words and enumerators to simplify methods significantly</a:t>
+            </a:r>
+          </a:p>
+          <a:p>
+            <a:pPr marL="0" indent="0">
+              <a:buNone/>
+            </a:pPr>
+            <a:r>
               <a:rPr lang="en-US" b="0" dirty="0">
                 <a:solidFill>
                   <a:srgbClr val="569CD6"/>
@@ -7069,6 +7524,157 @@
                 <a:effectLst/>
                 <a:latin typeface="Consolas" panose="020B0609020204030204" pitchFamily="49" charset="0"/>
               </a:rPr>
+              <a:t>private</a:t>
+            </a:r>
+            <a:r>
+              <a:rPr lang="en-US" b="0" dirty="0">
+                <a:solidFill>
+                  <a:srgbClr val="CCCCCC"/>
+                </a:solidFill>
+                <a:effectLst/>
+                <a:latin typeface="Consolas" panose="020B0609020204030204" pitchFamily="49" charset="0"/>
+              </a:rPr>
+              <a:t> </a:t>
+            </a:r>
+            <a:r>
+              <a:rPr lang="en-US" b="0" dirty="0">
+                <a:solidFill>
+                  <a:srgbClr val="569CD6"/>
+                </a:solidFill>
+                <a:effectLst/>
+                <a:latin typeface="Consolas" panose="020B0609020204030204" pitchFamily="49" charset="0"/>
+              </a:rPr>
+              <a:t>static</a:t>
+            </a:r>
+            <a:r>
+              <a:rPr lang="en-US" b="0" dirty="0">
+                <a:solidFill>
+                  <a:srgbClr val="CCCCCC"/>
+                </a:solidFill>
+                <a:effectLst/>
+                <a:latin typeface="Consolas" panose="020B0609020204030204" pitchFamily="49" charset="0"/>
+              </a:rPr>
+              <a:t> </a:t>
+            </a:r>
+            <a:r>
+              <a:rPr lang="en-US" b="0" dirty="0" err="1">
+                <a:effectLst/>
+                <a:latin typeface="Consolas" panose="020B0609020204030204" pitchFamily="49" charset="0"/>
+              </a:rPr>
+              <a:t>IEnumerable</a:t>
+            </a:r>
+            <a:r>
+              <a:rPr lang="en-US" b="0" dirty="0">
+                <a:effectLst/>
+                <a:latin typeface="Consolas" panose="020B0609020204030204" pitchFamily="49" charset="0"/>
+              </a:rPr>
+              <a:t>&lt;Type&gt; </a:t>
+            </a:r>
+            <a:r>
+              <a:rPr lang="en-US" b="0" dirty="0" err="1">
+                <a:effectLst/>
+                <a:latin typeface="Consolas" panose="020B0609020204030204" pitchFamily="49" charset="0"/>
+              </a:rPr>
+              <a:t>GetShapes</a:t>
+            </a:r>
+            <a:r>
+              <a:rPr lang="en-US" b="0" dirty="0">
+                <a:effectLst/>
+                <a:latin typeface="Consolas" panose="020B0609020204030204" pitchFamily="49" charset="0"/>
+              </a:rPr>
+              <a:t>() =&gt; </a:t>
+            </a:r>
+            <a:r>
+              <a:rPr lang="en-US" b="0" dirty="0" err="1">
+                <a:effectLst/>
+                <a:latin typeface="Consolas" panose="020B0609020204030204" pitchFamily="49" charset="0"/>
+              </a:rPr>
+              <a:t>AppDomain.CurrentDomain.GetAssemblies</a:t>
+            </a:r>
+            <a:r>
+              <a:rPr lang="en-US" b="0" dirty="0">
+                <a:effectLst/>
+                <a:latin typeface="Consolas" panose="020B0609020204030204" pitchFamily="49" charset="0"/>
+              </a:rPr>
+              <a:t>().</a:t>
+            </a:r>
+            <a:r>
+              <a:rPr lang="en-US" b="0" dirty="0" err="1">
+                <a:effectLst/>
+                <a:latin typeface="Consolas" panose="020B0609020204030204" pitchFamily="49" charset="0"/>
+              </a:rPr>
+              <a:t>SelectMany</a:t>
+            </a:r>
+            <a:r>
+              <a:rPr lang="en-US" b="0" dirty="0">
+                <a:effectLst/>
+                <a:latin typeface="Consolas" panose="020B0609020204030204" pitchFamily="49" charset="0"/>
+              </a:rPr>
+              <a:t>(item =&gt; </a:t>
+            </a:r>
+            <a:r>
+              <a:rPr lang="en-US" b="0" dirty="0" err="1">
+                <a:effectLst/>
+                <a:latin typeface="Consolas" panose="020B0609020204030204" pitchFamily="49" charset="0"/>
+              </a:rPr>
+              <a:t>item.GetTypes</a:t>
+            </a:r>
+            <a:r>
+              <a:rPr lang="en-US" b="0" dirty="0">
+                <a:effectLst/>
+                <a:latin typeface="Consolas" panose="020B0609020204030204" pitchFamily="49" charset="0"/>
+              </a:rPr>
+              <a:t>().Where(type =&gt; </a:t>
+            </a:r>
+            <a:r>
+              <a:rPr lang="en-US" b="0" dirty="0" err="1">
+                <a:effectLst/>
+                <a:latin typeface="Consolas" panose="020B0609020204030204" pitchFamily="49" charset="0"/>
+              </a:rPr>
+              <a:t>type.IsSubclassOf</a:t>
+            </a:r>
+            <a:r>
+              <a:rPr lang="en-US" b="0" dirty="0">
+                <a:effectLst/>
+                <a:latin typeface="Consolas" panose="020B0609020204030204" pitchFamily="49" charset="0"/>
+              </a:rPr>
+              <a:t>(</a:t>
+            </a:r>
+            <a:r>
+              <a:rPr lang="en-US" b="0" dirty="0" err="1">
+                <a:solidFill>
+                  <a:srgbClr val="569CD6"/>
+                </a:solidFill>
+                <a:effectLst/>
+                <a:latin typeface="Consolas" panose="020B0609020204030204" pitchFamily="49" charset="0"/>
+              </a:rPr>
+              <a:t>typeof</a:t>
+            </a:r>
+            <a:r>
+              <a:rPr lang="en-US" b="0" dirty="0">
+                <a:effectLst/>
+                <a:latin typeface="Consolas" panose="020B0609020204030204" pitchFamily="49" charset="0"/>
+              </a:rPr>
+              <a:t>(Shape))));</a:t>
+            </a:r>
+          </a:p>
+          <a:p>
+            <a:endParaRPr lang="en-US" dirty="0">
+              <a:latin typeface="Consolas" panose="020B0609020204030204" pitchFamily="49" charset="0"/>
+            </a:endParaRPr>
+          </a:p>
+          <a:p>
+            <a:pPr marL="0" indent="0">
+              <a:buNone/>
+            </a:pPr>
+            <a:r>
+              <a:rPr lang="en-US" b="0" dirty="0">
+                <a:solidFill>
+                  <a:srgbClr val="569CD6"/>
+                </a:solidFill>
+                <a:effectLst/>
+                <a:latin typeface="Consolas" panose="020B0609020204030204" pitchFamily="49" charset="0"/>
+              </a:rPr>
               <a:t>public</a:t>
             </a:r>
             <a:r>
@@ -7204,14 +7810,20 @@
             </a:r>
           </a:p>
           <a:p>
-            <a:endParaRPr lang="en-US" dirty="0"/>
+            <a:pPr marL="0" indent="0">
+              <a:buNone/>
+            </a:pPr>
+            <a:endParaRPr lang="en-US" b="0" dirty="0">
+              <a:effectLst/>
+              <a:latin typeface="Consolas" panose="020B0609020204030204" pitchFamily="49" charset="0"/>
+            </a:endParaRPr>
           </a:p>
         </p:txBody>
       </p:sp>
     </p:spTree>
     <p:extLst>
       <p:ext uri="{BB962C8B-B14F-4D97-AF65-F5344CB8AC3E}">
-        <p14:creationId xmlns:p14="http://schemas.microsoft.com/office/powerpoint/2010/main" val="2191981442"/>
+        <p14:creationId xmlns:p14="http://schemas.microsoft.com/office/powerpoint/2010/main" val="2901066272"/>
       </p:ext>
     </p:extLst>
   </p:cSld>
@@ -7688,7 +8300,9 @@
             <a:r>
               <a:rPr lang="en-US" b="1" dirty="0" err="1">
                 <a:solidFill>
-                  <a:srgbClr val="9CDCFE"/>
+                  <a:schemeClr val="accent2">
+                    <a:lumMod val="75000"/>
+                  </a:schemeClr>
                 </a:solidFill>
                 <a:latin typeface="Consolas" panose="020B0609020204030204" pitchFamily="49" charset="0"/>
               </a:rPr>
@@ -7730,7 +8344,9 @@
             <a:r>
               <a:rPr lang="en-US" b="1" dirty="0">
                 <a:solidFill>
-                  <a:srgbClr val="9CDCFE"/>
+                  <a:schemeClr val="accent2">
+                    <a:lumMod val="75000"/>
+                  </a:schemeClr>
                 </a:solidFill>
                 <a:latin typeface="Consolas" panose="020B0609020204030204" pitchFamily="49" charset="0"/>
               </a:rPr>
@@ -7754,7 +8370,9 @@
             <a:r>
               <a:rPr lang="en-US" b="1" dirty="0">
                 <a:solidFill>
-                  <a:srgbClr val="9CDCFE"/>
+                  <a:schemeClr val="accent2">
+                    <a:lumMod val="75000"/>
+                  </a:schemeClr>
                 </a:solidFill>
                 <a:latin typeface="Consolas" panose="020B0609020204030204" pitchFamily="49" charset="0"/>
               </a:rPr>
@@ -7789,7 +8407,9 @@
             <a:r>
               <a:rPr lang="en-US" b="1" dirty="0" err="1">
                 <a:solidFill>
-                  <a:srgbClr val="9CDCFE"/>
+                  <a:schemeClr val="accent2">
+                    <a:lumMod val="75000"/>
+                  </a:schemeClr>
                 </a:solidFill>
                 <a:latin typeface="Consolas" panose="020B0609020204030204" pitchFamily="49" charset="0"/>
               </a:rPr>
@@ -7822,7 +8442,9 @@
             <a:r>
               <a:rPr lang="en-US" b="1" dirty="0">
                 <a:solidFill>
-                  <a:srgbClr val="9CDCFE"/>
+                  <a:schemeClr val="accent2">
+                    <a:lumMod val="75000"/>
+                  </a:schemeClr>
                 </a:solidFill>
                 <a:latin typeface="Consolas" panose="020B0609020204030204" pitchFamily="49" charset="0"/>
               </a:rPr>
@@ -7860,7 +8482,9 @@
             <a:r>
               <a:rPr lang="en-US" b="1" dirty="0">
                 <a:solidFill>
-                  <a:srgbClr val="9CDCFE"/>
+                  <a:schemeClr val="accent2">
+                    <a:lumMod val="75000"/>
+                  </a:schemeClr>
                 </a:solidFill>
                 <a:latin typeface="Consolas" panose="020B0609020204030204" pitchFamily="49" charset="0"/>
               </a:rPr>
@@ -7902,7 +8526,9 @@
             <a:r>
               <a:rPr lang="en-US" b="1" dirty="0" err="1">
                 <a:solidFill>
-                  <a:srgbClr val="9CDCFE"/>
+                  <a:schemeClr val="accent2">
+                    <a:lumMod val="75000"/>
+                  </a:schemeClr>
                 </a:solidFill>
                 <a:latin typeface="Consolas" panose="020B0609020204030204" pitchFamily="49" charset="0"/>
               </a:rPr>
@@ -7931,7 +8557,9 @@
             <a:r>
               <a:rPr lang="en-US" b="1" dirty="0">
                 <a:solidFill>
-                  <a:srgbClr val="9CDCFE"/>
+                  <a:schemeClr val="accent2">
+                    <a:lumMod val="75000"/>
+                  </a:schemeClr>
                 </a:solidFill>
                 <a:latin typeface="Consolas" panose="020B0609020204030204" pitchFamily="49" charset="0"/>
               </a:rPr>
@@ -7946,7 +8574,9 @@
             <a:r>
               <a:rPr lang="en-US" b="1" dirty="0" err="1">
                 <a:solidFill>
-                  <a:srgbClr val="9CDCFE"/>
+                  <a:schemeClr val="accent2">
+                    <a:lumMod val="75000"/>
+                  </a:schemeClr>
                 </a:solidFill>
                 <a:latin typeface="Consolas" panose="020B0609020204030204" pitchFamily="49" charset="0"/>
               </a:rPr>
@@ -7976,7 +8606,9 @@
             <a:r>
               <a:rPr lang="en-US" b="1" dirty="0" err="1">
                 <a:solidFill>
-                  <a:srgbClr val="9CDCFE"/>
+                  <a:schemeClr val="accent2">
+                    <a:lumMod val="75000"/>
+                  </a:schemeClr>
                 </a:solidFill>
                 <a:latin typeface="Consolas" panose="020B0609020204030204" pitchFamily="49" charset="0"/>
               </a:rPr>
@@ -8006,7 +8638,22 @@
               <a:rPr lang="en-US" b="1" dirty="0">
                 <a:latin typeface="Consolas" panose="020B0609020204030204" pitchFamily="49" charset="0"/>
               </a:rPr>
-              <a:t>        $"",</a:t>
+              <a:t>        </a:t>
+            </a:r>
+            <a:r>
+              <a:rPr lang="en-US" b="1" dirty="0">
+                <a:solidFill>
+                  <a:srgbClr val="CE9178"/>
+                </a:solidFill>
+                <a:latin typeface="Consolas" panose="020B0609020204030204" pitchFamily="49" charset="0"/>
+              </a:rPr>
+              <a:t>$""</a:t>
+            </a:r>
+            <a:r>
+              <a:rPr lang="en-US" b="1" dirty="0">
+                <a:latin typeface="Consolas" panose="020B0609020204030204" pitchFamily="49" charset="0"/>
+              </a:rPr>
+              <a:t>,</a:t>
             </a:r>
           </a:p>
           <a:p>
@@ -8037,7 +8684,9 @@
             <a:r>
               <a:rPr lang="en-US" b="1" dirty="0" err="1">
                 <a:solidFill>
-                  <a:srgbClr val="9CDCFE"/>
+                  <a:schemeClr val="accent2">
+                    <a:lumMod val="75000"/>
+                  </a:schemeClr>
                 </a:solidFill>
                 <a:latin typeface="Consolas" panose="020B0609020204030204" pitchFamily="49" charset="0"/>
               </a:rPr>
@@ -8093,7 +8742,9 @@
             <a:r>
               <a:rPr lang="en-US" b="1" dirty="0" err="1">
                 <a:solidFill>
-                  <a:srgbClr val="9CDCFE"/>
+                  <a:schemeClr val="accent2">
+                    <a:lumMod val="75000"/>
+                  </a:schemeClr>
                 </a:solidFill>
                 <a:latin typeface="Consolas" panose="020B0609020204030204" pitchFamily="49" charset="0"/>
               </a:rPr>
@@ -8177,7 +8828,9 @@
             <a:r>
               <a:rPr lang="en-US" b="1" dirty="0">
                 <a:solidFill>
-                  <a:srgbClr val="9CDCFE"/>
+                  <a:schemeClr val="accent2">
+                    <a:lumMod val="75000"/>
+                  </a:schemeClr>
                 </a:solidFill>
                 <a:latin typeface="Consolas" panose="020B0609020204030204" pitchFamily="49" charset="0"/>
               </a:rPr>
@@ -8307,7 +8960,7 @@
           <a:p>
             <a:r>
               <a:rPr lang="en-US" sz="2000" dirty="0"/>
-              <a:t>Often developers assume that reference types (accept non-null and null both and there wasn't any explicit handling required and unfortunately this consideration is one of the primary root causes of famous "Null Reference Exception".</a:t>
+              <a:t>Often developers assume that reference types accept non-null and null both and there wasn't any explicit handling required and unfortunately this consideration is one of the primary root causes of famous "Null Reference Exception".</a:t>
             </a:r>
           </a:p>
           <a:p>
@@ -8884,9 +9537,65 @@
               </a:rPr>
               <a:t>It means quite as it sounds, allowing a reference type such as </a:t>
             </a:r>
-          </a:p>
-          <a:p>
-            <a:endParaRPr lang="en-US" sz="2000" kern="1200" dirty="0">
+            <a:r>
+              <a:rPr lang="en-US" b="0" i="0" dirty="0">
+                <a:solidFill>
+                  <a:srgbClr val="0101FD"/>
+                </a:solidFill>
+                <a:effectLst/>
+                <a:latin typeface="SFMono-Regular"/>
+              </a:rPr>
+              <a:t>string</a:t>
+            </a:r>
+            <a:r>
+              <a:rPr lang="en-US" b="0" i="0" dirty="0">
+                <a:solidFill>
+                  <a:srgbClr val="171717"/>
+                </a:solidFill>
+                <a:effectLst/>
+                <a:latin typeface="SFMono-Regular"/>
+              </a:rPr>
+              <a:t> name; </a:t>
+            </a:r>
+            <a:r>
+              <a:rPr lang="en-US" b="0" i="0" dirty="0">
+                <a:solidFill>
+                  <a:srgbClr val="000000"/>
+                </a:solidFill>
+                <a:latin typeface="Garamond" panose="02020404030301010803" pitchFamily="18" charset="0"/>
+              </a:rPr>
+              <a:t>to contain a null </a:t>
+            </a:r>
+            <a:r>
+              <a:rPr lang="en-US" dirty="0">
+                <a:solidFill>
+                  <a:srgbClr val="000000"/>
+                </a:solidFill>
+                <a:latin typeface="Garamond" panose="02020404030301010803" pitchFamily="18" charset="0"/>
+              </a:rPr>
+              <a:t>value such as </a:t>
+            </a:r>
+            <a:r>
+              <a:rPr lang="en-US" b="0" i="0" dirty="0">
+                <a:solidFill>
+                  <a:srgbClr val="0101FD"/>
+                </a:solidFill>
+                <a:effectLst/>
+                <a:latin typeface="SFMono-Regular"/>
+              </a:rPr>
+              <a:t>string</a:t>
+            </a:r>
+            <a:r>
+              <a:rPr lang="en-US" b="0" i="0" dirty="0">
+                <a:solidFill>
+                  <a:srgbClr val="171717"/>
+                </a:solidFill>
+                <a:effectLst/>
+                <a:latin typeface="SFMono-Regular"/>
+              </a:rPr>
+              <a:t> name = null;</a:t>
+            </a:r>
+            <a:endParaRPr lang="en-US" kern="1200" dirty="0">
               <a:solidFill>
                 <a:srgbClr val="000000"/>
               </a:solidFill>
@@ -8897,6 +9606,17 @@
             </a:endParaRPr>
           </a:p>
           <a:p>
+            <a:endParaRPr lang="en-US" sz="2000" dirty="0">
+              <a:solidFill>
+                <a:srgbClr val="000000"/>
+              </a:solidFill>
+              <a:latin typeface="Garamond" panose="02020404030301010803" pitchFamily="18" charset="0"/>
+            </a:endParaRPr>
+          </a:p>
+          <a:p>
+            <a:pPr marL="0" indent="0">
+              <a:buNone/>
+            </a:pPr>
             <a:endParaRPr lang="en-US" sz="2000" dirty="0">
               <a:solidFill>
                 <a:srgbClr val="000000"/>
